--- a/lecture_slides/Practice/Practice#1_SKT_Deep_Learning_Lecture_Practice.pptx
+++ b/lecture_slides/Practice/Practice#1_SKT_Deep_Learning_Lecture_Practice.pptx
@@ -5,7 +5,7 @@
     <p:sldMasterId id="2147483648" r:id="rId1"/>
   </p:sldMasterIdLst>
   <p:notesMasterIdLst>
-    <p:notesMasterId r:id="rId15"/>
+    <p:notesMasterId r:id="rId24"/>
   </p:notesMasterIdLst>
   <p:sldIdLst>
     <p:sldId id="256" r:id="rId2"/>
@@ -18,9 +18,18 @@
     <p:sldId id="266" r:id="rId9"/>
     <p:sldId id="267" r:id="rId10"/>
     <p:sldId id="268" r:id="rId11"/>
-    <p:sldId id="269" r:id="rId12"/>
-    <p:sldId id="270" r:id="rId13"/>
-    <p:sldId id="261" r:id="rId14"/>
+    <p:sldId id="274" r:id="rId12"/>
+    <p:sldId id="275" r:id="rId13"/>
+    <p:sldId id="273" r:id="rId14"/>
+    <p:sldId id="277" r:id="rId15"/>
+    <p:sldId id="278" r:id="rId16"/>
+    <p:sldId id="279" r:id="rId17"/>
+    <p:sldId id="280" r:id="rId18"/>
+    <p:sldId id="281" r:id="rId19"/>
+    <p:sldId id="282" r:id="rId20"/>
+    <p:sldId id="283" r:id="rId21"/>
+    <p:sldId id="284" r:id="rId22"/>
+    <p:sldId id="261" r:id="rId23"/>
   </p:sldIdLst>
   <p:sldSz cx="12192000" cy="6858000"/>
   <p:notesSz cx="6858000" cy="9144000"/>
@@ -130,6 +139,382 @@
 </p:presentation>
 </file>
 
+<file path=ppt/changesInfos/changesInfo1.xml><?xml version="1.0" encoding="utf-8"?>
+<pc:chgInfo xmlns:a="http://schemas.openxmlformats.org/drawingml/2006/main" xmlns:r="http://schemas.openxmlformats.org/officeDocument/2006/relationships" xmlns:ac="http://schemas.microsoft.com/office/drawing/2013/main/command" xmlns:pc="http://schemas.microsoft.com/office/powerpoint/2013/main/command">
+  <pc:docChgLst>
+    <pc:chgData name="윤지석" userId="c740abef-d1a0-4a4d-a584-4691f12691e4" providerId="ADAL" clId="{3A1FD13F-18FE-42E5-9EE2-EBE664EED238}"/>
+    <pc:docChg chg="undo custSel modSld">
+      <pc:chgData name="윤지석" userId="c740abef-d1a0-4a4d-a584-4691f12691e4" providerId="ADAL" clId="{3A1FD13F-18FE-42E5-9EE2-EBE664EED238}" dt="2017-09-17T09:47:11.392" v="650" actId="1076"/>
+      <pc:docMkLst>
+        <pc:docMk/>
+      </pc:docMkLst>
+      <pc:sldChg chg="addSp delSp modSp">
+        <pc:chgData name="윤지석" userId="c740abef-d1a0-4a4d-a584-4691f12691e4" providerId="ADAL" clId="{3A1FD13F-18FE-42E5-9EE2-EBE664EED238}" dt="2017-09-17T09:46:27.679" v="646"/>
+        <pc:sldMkLst>
+          <pc:docMk/>
+          <pc:sldMk cId="1627445697" sldId="256"/>
+        </pc:sldMkLst>
+        <pc:cxnChg chg="add del mod ord">
+          <ac:chgData name="윤지석" userId="c740abef-d1a0-4a4d-a584-4691f12691e4" providerId="ADAL" clId="{3A1FD13F-18FE-42E5-9EE2-EBE664EED238}" dt="2017-09-17T09:46:27.679" v="646"/>
+          <ac:cxnSpMkLst>
+            <pc:docMk/>
+            <pc:sldMk cId="1627445697" sldId="256"/>
+            <ac:cxnSpMk id="7" creationId="{4A9D510F-FEF2-4136-832A-D54EAB58DAE1}"/>
+          </ac:cxnSpMkLst>
+        </pc:cxnChg>
+      </pc:sldChg>
+      <pc:sldChg chg="addSp delSp modSp">
+        <pc:chgData name="윤지석" userId="c740abef-d1a0-4a4d-a584-4691f12691e4" providerId="ADAL" clId="{3A1FD13F-18FE-42E5-9EE2-EBE664EED238}" dt="2017-09-17T09:46:27.679" v="646"/>
+        <pc:sldMkLst>
+          <pc:docMk/>
+          <pc:sldMk cId="2081454257" sldId="257"/>
+        </pc:sldMkLst>
+        <pc:spChg chg="add del mod">
+          <ac:chgData name="윤지석" userId="c740abef-d1a0-4a4d-a584-4691f12691e4" providerId="ADAL" clId="{3A1FD13F-18FE-42E5-9EE2-EBE664EED238}" dt="2017-09-17T09:46:27.679" v="646"/>
+          <ac:spMkLst>
+            <pc:docMk/>
+            <pc:sldMk cId="2081454257" sldId="257"/>
+            <ac:spMk id="8" creationId="{50649F6B-FD3F-4AC3-9CCB-5666648A9DDD}"/>
+          </ac:spMkLst>
+        </pc:spChg>
+        <pc:cxnChg chg="add del mod ord">
+          <ac:chgData name="윤지석" userId="c740abef-d1a0-4a4d-a584-4691f12691e4" providerId="ADAL" clId="{3A1FD13F-18FE-42E5-9EE2-EBE664EED238}" dt="2017-09-17T09:46:27.679" v="646"/>
+          <ac:cxnSpMkLst>
+            <pc:docMk/>
+            <pc:sldMk cId="2081454257" sldId="257"/>
+            <ac:cxnSpMk id="4" creationId="{43DDEA9E-7EB8-4EE7-B40D-D14D2AA59D03}"/>
+          </ac:cxnSpMkLst>
+        </pc:cxnChg>
+      </pc:sldChg>
+      <pc:sldChg chg="addSp delSp modSp">
+        <pc:chgData name="윤지석" userId="c740abef-d1a0-4a4d-a584-4691f12691e4" providerId="ADAL" clId="{3A1FD13F-18FE-42E5-9EE2-EBE664EED238}" dt="2017-09-17T09:46:27.679" v="646"/>
+        <pc:sldMkLst>
+          <pc:docMk/>
+          <pc:sldMk cId="1046091869" sldId="259"/>
+        </pc:sldMkLst>
+        <pc:cxnChg chg="add del mod ord">
+          <ac:chgData name="윤지석" userId="c740abef-d1a0-4a4d-a584-4691f12691e4" providerId="ADAL" clId="{3A1FD13F-18FE-42E5-9EE2-EBE664EED238}" dt="2017-09-17T09:46:27.679" v="646"/>
+          <ac:cxnSpMkLst>
+            <pc:docMk/>
+            <pc:sldMk cId="1046091869" sldId="259"/>
+            <ac:cxnSpMk id="4" creationId="{42F0AC22-CD67-448F-BA04-1109F31D3F4A}"/>
+          </ac:cxnSpMkLst>
+        </pc:cxnChg>
+      </pc:sldChg>
+      <pc:sldChg chg="addSp delSp modSp">
+        <pc:chgData name="윤지석" userId="c740abef-d1a0-4a4d-a584-4691f12691e4" providerId="ADAL" clId="{3A1FD13F-18FE-42E5-9EE2-EBE664EED238}" dt="2017-09-17T09:46:27.679" v="646"/>
+        <pc:sldMkLst>
+          <pc:docMk/>
+          <pc:sldMk cId="1664303654" sldId="261"/>
+        </pc:sldMkLst>
+        <pc:spChg chg="add del mod">
+          <ac:chgData name="윤지석" userId="c740abef-d1a0-4a4d-a584-4691f12691e4" providerId="ADAL" clId="{3A1FD13F-18FE-42E5-9EE2-EBE664EED238}" dt="2017-09-17T09:46:27.679" v="646"/>
+          <ac:spMkLst>
+            <pc:docMk/>
+            <pc:sldMk cId="1664303654" sldId="261"/>
+            <ac:spMk id="6" creationId="{6B04D0DC-7A31-40ED-852C-1C04B10388DD}"/>
+          </ac:spMkLst>
+        </pc:spChg>
+        <pc:cxnChg chg="add del mod ord">
+          <ac:chgData name="윤지석" userId="c740abef-d1a0-4a4d-a584-4691f12691e4" providerId="ADAL" clId="{3A1FD13F-18FE-42E5-9EE2-EBE664EED238}" dt="2017-09-17T09:46:27.679" v="646"/>
+          <ac:cxnSpMkLst>
+            <pc:docMk/>
+            <pc:sldMk cId="1664303654" sldId="261"/>
+            <ac:cxnSpMk id="2" creationId="{9EB76398-DF0D-437F-A881-B1837F8B0D56}"/>
+          </ac:cxnSpMkLst>
+        </pc:cxnChg>
+      </pc:sldChg>
+      <pc:sldChg chg="addSp delSp modSp">
+        <pc:chgData name="윤지석" userId="c740abef-d1a0-4a4d-a584-4691f12691e4" providerId="ADAL" clId="{3A1FD13F-18FE-42E5-9EE2-EBE664EED238}" dt="2017-09-17T09:46:27.679" v="646"/>
+        <pc:sldMkLst>
+          <pc:docMk/>
+          <pc:sldMk cId="1974182170" sldId="263"/>
+        </pc:sldMkLst>
+        <pc:cxnChg chg="add del mod ord">
+          <ac:chgData name="윤지석" userId="c740abef-d1a0-4a4d-a584-4691f12691e4" providerId="ADAL" clId="{3A1FD13F-18FE-42E5-9EE2-EBE664EED238}" dt="2017-09-17T09:46:27.679" v="646"/>
+          <ac:cxnSpMkLst>
+            <pc:docMk/>
+            <pc:sldMk cId="1974182170" sldId="263"/>
+            <ac:cxnSpMk id="6" creationId="{1FB1D640-E9CE-43F6-9074-79B93C2405AE}"/>
+          </ac:cxnSpMkLst>
+        </pc:cxnChg>
+      </pc:sldChg>
+      <pc:sldChg chg="addSp delSp modSp">
+        <pc:chgData name="윤지석" userId="c740abef-d1a0-4a4d-a584-4691f12691e4" providerId="ADAL" clId="{3A1FD13F-18FE-42E5-9EE2-EBE664EED238}" dt="2017-09-17T09:46:27.679" v="646"/>
+        <pc:sldMkLst>
+          <pc:docMk/>
+          <pc:sldMk cId="654535199" sldId="264"/>
+        </pc:sldMkLst>
+        <pc:cxnChg chg="add del mod ord">
+          <ac:chgData name="윤지석" userId="c740abef-d1a0-4a4d-a584-4691f12691e4" providerId="ADAL" clId="{3A1FD13F-18FE-42E5-9EE2-EBE664EED238}" dt="2017-09-17T09:46:27.679" v="646"/>
+          <ac:cxnSpMkLst>
+            <pc:docMk/>
+            <pc:sldMk cId="654535199" sldId="264"/>
+            <ac:cxnSpMk id="4" creationId="{7AED13ED-03D1-4891-8DB1-6DCF3D0C8681}"/>
+          </ac:cxnSpMkLst>
+        </pc:cxnChg>
+      </pc:sldChg>
+      <pc:sldChg chg="addSp delSp modSp">
+        <pc:chgData name="윤지석" userId="c740abef-d1a0-4a4d-a584-4691f12691e4" providerId="ADAL" clId="{3A1FD13F-18FE-42E5-9EE2-EBE664EED238}" dt="2017-09-17T09:46:27.679" v="646"/>
+        <pc:sldMkLst>
+          <pc:docMk/>
+          <pc:sldMk cId="943647467" sldId="265"/>
+        </pc:sldMkLst>
+        <pc:cxnChg chg="add del mod ord">
+          <ac:chgData name="윤지석" userId="c740abef-d1a0-4a4d-a584-4691f12691e4" providerId="ADAL" clId="{3A1FD13F-18FE-42E5-9EE2-EBE664EED238}" dt="2017-09-17T09:46:27.679" v="646"/>
+          <ac:cxnSpMkLst>
+            <pc:docMk/>
+            <pc:sldMk cId="943647467" sldId="265"/>
+            <ac:cxnSpMk id="14" creationId="{6987973E-0720-44B7-B04B-6A727362E008}"/>
+          </ac:cxnSpMkLst>
+        </pc:cxnChg>
+      </pc:sldChg>
+      <pc:sldChg chg="addSp delSp modSp">
+        <pc:chgData name="윤지석" userId="c740abef-d1a0-4a4d-a584-4691f12691e4" providerId="ADAL" clId="{3A1FD13F-18FE-42E5-9EE2-EBE664EED238}" dt="2017-09-17T09:47:11.392" v="650" actId="1076"/>
+        <pc:sldMkLst>
+          <pc:docMk/>
+          <pc:sldMk cId="1970181341" sldId="266"/>
+        </pc:sldMkLst>
+        <pc:spChg chg="del">
+          <ac:chgData name="윤지석" userId="c740abef-d1a0-4a4d-a584-4691f12691e4" providerId="ADAL" clId="{3A1FD13F-18FE-42E5-9EE2-EBE664EED238}" dt="2017-09-17T09:47:04.598" v="649" actId="478"/>
+          <ac:spMkLst>
+            <pc:docMk/>
+            <pc:sldMk cId="1970181341" sldId="266"/>
+            <ac:spMk id="6" creationId="{00000000-0000-0000-0000-000000000000}"/>
+          </ac:spMkLst>
+        </pc:spChg>
+        <pc:graphicFrameChg chg="mod ord">
+          <ac:chgData name="윤지석" userId="c740abef-d1a0-4a4d-a584-4691f12691e4" providerId="ADAL" clId="{3A1FD13F-18FE-42E5-9EE2-EBE664EED238}" dt="2017-09-17T09:47:11.392" v="650" actId="1076"/>
+          <ac:graphicFrameMkLst>
+            <pc:docMk/>
+            <pc:sldMk cId="1970181341" sldId="266"/>
+            <ac:graphicFrameMk id="8" creationId="{00000000-0000-0000-0000-000000000000}"/>
+          </ac:graphicFrameMkLst>
+        </pc:graphicFrameChg>
+        <pc:cxnChg chg="add del mod ord">
+          <ac:chgData name="윤지석" userId="c740abef-d1a0-4a4d-a584-4691f12691e4" providerId="ADAL" clId="{3A1FD13F-18FE-42E5-9EE2-EBE664EED238}" dt="2017-09-17T09:46:27.679" v="646"/>
+          <ac:cxnSpMkLst>
+            <pc:docMk/>
+            <pc:sldMk cId="1970181341" sldId="266"/>
+            <ac:cxnSpMk id="14" creationId="{638A8545-28EA-44B7-8ADC-3F22F4F1780E}"/>
+          </ac:cxnSpMkLst>
+        </pc:cxnChg>
+      </pc:sldChg>
+      <pc:sldChg chg="addSp delSp modSp">
+        <pc:chgData name="윤지석" userId="c740abef-d1a0-4a4d-a584-4691f12691e4" providerId="ADAL" clId="{3A1FD13F-18FE-42E5-9EE2-EBE664EED238}" dt="2017-09-17T09:46:27.679" v="646"/>
+        <pc:sldMkLst>
+          <pc:docMk/>
+          <pc:sldMk cId="823336006" sldId="267"/>
+        </pc:sldMkLst>
+        <pc:cxnChg chg="add del mod ord">
+          <ac:chgData name="윤지석" userId="c740abef-d1a0-4a4d-a584-4691f12691e4" providerId="ADAL" clId="{3A1FD13F-18FE-42E5-9EE2-EBE664EED238}" dt="2017-09-17T09:46:27.679" v="646"/>
+          <ac:cxnSpMkLst>
+            <pc:docMk/>
+            <pc:sldMk cId="823336006" sldId="267"/>
+            <ac:cxnSpMk id="4" creationId="{352FD4CF-A92E-4A54-A3D5-FE309DFDF568}"/>
+          </ac:cxnSpMkLst>
+        </pc:cxnChg>
+      </pc:sldChg>
+      <pc:sldChg chg="addSp delSp modSp">
+        <pc:chgData name="윤지석" userId="c740abef-d1a0-4a4d-a584-4691f12691e4" providerId="ADAL" clId="{3A1FD13F-18FE-42E5-9EE2-EBE664EED238}" dt="2017-09-17T09:46:27.679" v="646"/>
+        <pc:sldMkLst>
+          <pc:docMk/>
+          <pc:sldMk cId="274595835" sldId="268"/>
+        </pc:sldMkLst>
+        <pc:cxnChg chg="add del mod ord">
+          <ac:chgData name="윤지석" userId="c740abef-d1a0-4a4d-a584-4691f12691e4" providerId="ADAL" clId="{3A1FD13F-18FE-42E5-9EE2-EBE664EED238}" dt="2017-09-17T09:46:27.679" v="646"/>
+          <ac:cxnSpMkLst>
+            <pc:docMk/>
+            <pc:sldMk cId="274595835" sldId="268"/>
+            <ac:cxnSpMk id="4" creationId="{BC76EBEE-4218-4CC6-AEFA-B691A2620A0E}"/>
+          </ac:cxnSpMkLst>
+        </pc:cxnChg>
+      </pc:sldChg>
+      <pc:sldChg chg="addSp delSp modSp">
+        <pc:chgData name="윤지석" userId="c740abef-d1a0-4a4d-a584-4691f12691e4" providerId="ADAL" clId="{3A1FD13F-18FE-42E5-9EE2-EBE664EED238}" dt="2017-09-17T09:46:27.679" v="646"/>
+        <pc:sldMkLst>
+          <pc:docMk/>
+          <pc:sldMk cId="121199985" sldId="271"/>
+        </pc:sldMkLst>
+        <pc:cxnChg chg="add del mod ord">
+          <ac:chgData name="윤지석" userId="c740abef-d1a0-4a4d-a584-4691f12691e4" providerId="ADAL" clId="{3A1FD13F-18FE-42E5-9EE2-EBE664EED238}" dt="2017-09-17T09:46:27.679" v="646"/>
+          <ac:cxnSpMkLst>
+            <pc:docMk/>
+            <pc:sldMk cId="121199985" sldId="271"/>
+            <ac:cxnSpMk id="4" creationId="{E3590ACD-4A88-4709-8A1D-B7BE6C2B00CB}"/>
+          </ac:cxnSpMkLst>
+        </pc:cxnChg>
+      </pc:sldChg>
+      <pc:sldChg chg="addSp delSp modSp">
+        <pc:chgData name="윤지석" userId="c740abef-d1a0-4a4d-a584-4691f12691e4" providerId="ADAL" clId="{3A1FD13F-18FE-42E5-9EE2-EBE664EED238}" dt="2017-09-17T09:46:27.679" v="646"/>
+        <pc:sldMkLst>
+          <pc:docMk/>
+          <pc:sldMk cId="2088157158" sldId="273"/>
+        </pc:sldMkLst>
+        <pc:cxnChg chg="add del mod ord">
+          <ac:chgData name="윤지석" userId="c740abef-d1a0-4a4d-a584-4691f12691e4" providerId="ADAL" clId="{3A1FD13F-18FE-42E5-9EE2-EBE664EED238}" dt="2017-09-17T09:46:27.679" v="646"/>
+          <ac:cxnSpMkLst>
+            <pc:docMk/>
+            <pc:sldMk cId="2088157158" sldId="273"/>
+            <ac:cxnSpMk id="4" creationId="{566B4A45-05EE-44C0-8249-C579F78C4E0F}"/>
+          </ac:cxnSpMkLst>
+        </pc:cxnChg>
+      </pc:sldChg>
+      <pc:sldChg chg="addSp delSp modSp">
+        <pc:chgData name="윤지석" userId="c740abef-d1a0-4a4d-a584-4691f12691e4" providerId="ADAL" clId="{3A1FD13F-18FE-42E5-9EE2-EBE664EED238}" dt="2017-09-17T09:46:27.679" v="646"/>
+        <pc:sldMkLst>
+          <pc:docMk/>
+          <pc:sldMk cId="1202762574" sldId="274"/>
+        </pc:sldMkLst>
+        <pc:cxnChg chg="add del mod ord">
+          <ac:chgData name="윤지석" userId="c740abef-d1a0-4a4d-a584-4691f12691e4" providerId="ADAL" clId="{3A1FD13F-18FE-42E5-9EE2-EBE664EED238}" dt="2017-09-17T09:46:27.679" v="646"/>
+          <ac:cxnSpMkLst>
+            <pc:docMk/>
+            <pc:sldMk cId="1202762574" sldId="274"/>
+            <ac:cxnSpMk id="4" creationId="{AB13DDCA-9B6E-4D8C-B8FE-E5860CF3A900}"/>
+          </ac:cxnSpMkLst>
+        </pc:cxnChg>
+      </pc:sldChg>
+      <pc:sldChg chg="addSp delSp modSp">
+        <pc:chgData name="윤지석" userId="c740abef-d1a0-4a4d-a584-4691f12691e4" providerId="ADAL" clId="{3A1FD13F-18FE-42E5-9EE2-EBE664EED238}" dt="2017-09-17T09:46:27.679" v="646"/>
+        <pc:sldMkLst>
+          <pc:docMk/>
+          <pc:sldMk cId="3569064518" sldId="275"/>
+        </pc:sldMkLst>
+        <pc:cxnChg chg="add del mod ord">
+          <ac:chgData name="윤지석" userId="c740abef-d1a0-4a4d-a584-4691f12691e4" providerId="ADAL" clId="{3A1FD13F-18FE-42E5-9EE2-EBE664EED238}" dt="2017-09-17T09:46:27.679" v="646"/>
+          <ac:cxnSpMkLst>
+            <pc:docMk/>
+            <pc:sldMk cId="3569064518" sldId="275"/>
+            <ac:cxnSpMk id="4" creationId="{2C5911CF-8326-4124-8ADA-12F1F26F62B7}"/>
+          </ac:cxnSpMkLst>
+        </pc:cxnChg>
+      </pc:sldChg>
+      <pc:sldChg chg="addSp delSp modSp">
+        <pc:chgData name="윤지석" userId="c740abef-d1a0-4a4d-a584-4691f12691e4" providerId="ADAL" clId="{3A1FD13F-18FE-42E5-9EE2-EBE664EED238}" dt="2017-09-17T09:46:27.679" v="646"/>
+        <pc:sldMkLst>
+          <pc:docMk/>
+          <pc:sldMk cId="3927214792" sldId="277"/>
+        </pc:sldMkLst>
+        <pc:cxnChg chg="add del mod ord">
+          <ac:chgData name="윤지석" userId="c740abef-d1a0-4a4d-a584-4691f12691e4" providerId="ADAL" clId="{3A1FD13F-18FE-42E5-9EE2-EBE664EED238}" dt="2017-09-17T09:46:27.679" v="646"/>
+          <ac:cxnSpMkLst>
+            <pc:docMk/>
+            <pc:sldMk cId="3927214792" sldId="277"/>
+            <ac:cxnSpMk id="3" creationId="{F42CC05E-E937-4E20-AD20-C53BC240178F}"/>
+          </ac:cxnSpMkLst>
+        </pc:cxnChg>
+      </pc:sldChg>
+      <pc:sldChg chg="addSp delSp modSp">
+        <pc:chgData name="윤지석" userId="c740abef-d1a0-4a4d-a584-4691f12691e4" providerId="ADAL" clId="{3A1FD13F-18FE-42E5-9EE2-EBE664EED238}" dt="2017-09-17T09:46:27.679" v="646"/>
+        <pc:sldMkLst>
+          <pc:docMk/>
+          <pc:sldMk cId="1391602015" sldId="278"/>
+        </pc:sldMkLst>
+        <pc:cxnChg chg="add del mod ord">
+          <ac:chgData name="윤지석" userId="c740abef-d1a0-4a4d-a584-4691f12691e4" providerId="ADAL" clId="{3A1FD13F-18FE-42E5-9EE2-EBE664EED238}" dt="2017-09-17T09:46:27.679" v="646"/>
+          <ac:cxnSpMkLst>
+            <pc:docMk/>
+            <pc:sldMk cId="1391602015" sldId="278"/>
+            <ac:cxnSpMk id="4" creationId="{E2FB9175-BA5E-40D2-8A6E-80930724BF3D}"/>
+          </ac:cxnSpMkLst>
+        </pc:cxnChg>
+      </pc:sldChg>
+      <pc:sldChg chg="addSp delSp modSp">
+        <pc:chgData name="윤지석" userId="c740abef-d1a0-4a4d-a584-4691f12691e4" providerId="ADAL" clId="{3A1FD13F-18FE-42E5-9EE2-EBE664EED238}" dt="2017-09-17T09:46:27.679" v="646"/>
+        <pc:sldMkLst>
+          <pc:docMk/>
+          <pc:sldMk cId="196145595" sldId="279"/>
+        </pc:sldMkLst>
+        <pc:cxnChg chg="add del mod ord">
+          <ac:chgData name="윤지석" userId="c740abef-d1a0-4a4d-a584-4691f12691e4" providerId="ADAL" clId="{3A1FD13F-18FE-42E5-9EE2-EBE664EED238}" dt="2017-09-17T09:46:27.679" v="646"/>
+          <ac:cxnSpMkLst>
+            <pc:docMk/>
+            <pc:sldMk cId="196145595" sldId="279"/>
+            <ac:cxnSpMk id="4" creationId="{BBE3D9E3-FB3B-4B53-9293-45F73BA44B2C}"/>
+          </ac:cxnSpMkLst>
+        </pc:cxnChg>
+      </pc:sldChg>
+      <pc:sldChg chg="addSp delSp modSp">
+        <pc:chgData name="윤지석" userId="c740abef-d1a0-4a4d-a584-4691f12691e4" providerId="ADAL" clId="{3A1FD13F-18FE-42E5-9EE2-EBE664EED238}" dt="2017-09-17T09:46:27.679" v="646"/>
+        <pc:sldMkLst>
+          <pc:docMk/>
+          <pc:sldMk cId="4148097395" sldId="280"/>
+        </pc:sldMkLst>
+        <pc:cxnChg chg="add del mod ord">
+          <ac:chgData name="윤지석" userId="c740abef-d1a0-4a4d-a584-4691f12691e4" providerId="ADAL" clId="{3A1FD13F-18FE-42E5-9EE2-EBE664EED238}" dt="2017-09-17T09:46:27.679" v="646"/>
+          <ac:cxnSpMkLst>
+            <pc:docMk/>
+            <pc:sldMk cId="4148097395" sldId="280"/>
+            <ac:cxnSpMk id="4" creationId="{4D081E8B-3755-4F04-97CD-B8706C635E8E}"/>
+          </ac:cxnSpMkLst>
+        </pc:cxnChg>
+      </pc:sldChg>
+      <pc:sldChg chg="addSp delSp modSp">
+        <pc:chgData name="윤지석" userId="c740abef-d1a0-4a4d-a584-4691f12691e4" providerId="ADAL" clId="{3A1FD13F-18FE-42E5-9EE2-EBE664EED238}" dt="2017-09-17T09:46:27.679" v="646"/>
+        <pc:sldMkLst>
+          <pc:docMk/>
+          <pc:sldMk cId="1711153269" sldId="281"/>
+        </pc:sldMkLst>
+        <pc:cxnChg chg="add del mod ord">
+          <ac:chgData name="윤지석" userId="c740abef-d1a0-4a4d-a584-4691f12691e4" providerId="ADAL" clId="{3A1FD13F-18FE-42E5-9EE2-EBE664EED238}" dt="2017-09-17T09:46:27.679" v="646"/>
+          <ac:cxnSpMkLst>
+            <pc:docMk/>
+            <pc:sldMk cId="1711153269" sldId="281"/>
+            <ac:cxnSpMk id="3" creationId="{1F069039-F3F7-43CD-A75A-EBCCD108EFFA}"/>
+          </ac:cxnSpMkLst>
+        </pc:cxnChg>
+      </pc:sldChg>
+      <pc:sldChg chg="addSp delSp modSp">
+        <pc:chgData name="윤지석" userId="c740abef-d1a0-4a4d-a584-4691f12691e4" providerId="ADAL" clId="{3A1FD13F-18FE-42E5-9EE2-EBE664EED238}" dt="2017-09-17T09:46:27.679" v="646"/>
+        <pc:sldMkLst>
+          <pc:docMk/>
+          <pc:sldMk cId="3220354692" sldId="282"/>
+        </pc:sldMkLst>
+        <pc:cxnChg chg="add del mod ord">
+          <ac:chgData name="윤지석" userId="c740abef-d1a0-4a4d-a584-4691f12691e4" providerId="ADAL" clId="{3A1FD13F-18FE-42E5-9EE2-EBE664EED238}" dt="2017-09-17T09:46:27.679" v="646"/>
+          <ac:cxnSpMkLst>
+            <pc:docMk/>
+            <pc:sldMk cId="3220354692" sldId="282"/>
+            <ac:cxnSpMk id="4" creationId="{45B238A1-B176-4AB8-B0E5-A9562CA3A501}"/>
+          </ac:cxnSpMkLst>
+        </pc:cxnChg>
+      </pc:sldChg>
+      <pc:sldChg chg="addSp delSp modSp">
+        <pc:chgData name="윤지석" userId="c740abef-d1a0-4a4d-a584-4691f12691e4" providerId="ADAL" clId="{3A1FD13F-18FE-42E5-9EE2-EBE664EED238}" dt="2017-09-17T09:46:27.679" v="646"/>
+        <pc:sldMkLst>
+          <pc:docMk/>
+          <pc:sldMk cId="2275559803" sldId="283"/>
+        </pc:sldMkLst>
+        <pc:cxnChg chg="add del mod ord">
+          <ac:chgData name="윤지석" userId="c740abef-d1a0-4a4d-a584-4691f12691e4" providerId="ADAL" clId="{3A1FD13F-18FE-42E5-9EE2-EBE664EED238}" dt="2017-09-17T09:46:27.679" v="646"/>
+          <ac:cxnSpMkLst>
+            <pc:docMk/>
+            <pc:sldMk cId="2275559803" sldId="283"/>
+            <ac:cxnSpMk id="4" creationId="{27F448E6-34BC-44BF-9820-E64A7BF0F758}"/>
+          </ac:cxnSpMkLst>
+        </pc:cxnChg>
+      </pc:sldChg>
+      <pc:sldChg chg="addSp delSp modSp">
+        <pc:chgData name="윤지석" userId="c740abef-d1a0-4a4d-a584-4691f12691e4" providerId="ADAL" clId="{3A1FD13F-18FE-42E5-9EE2-EBE664EED238}" dt="2017-09-17T09:46:27.679" v="646"/>
+        <pc:sldMkLst>
+          <pc:docMk/>
+          <pc:sldMk cId="1634102746" sldId="284"/>
+        </pc:sldMkLst>
+        <pc:cxnChg chg="add del mod ord">
+          <ac:chgData name="윤지석" userId="c740abef-d1a0-4a4d-a584-4691f12691e4" providerId="ADAL" clId="{3A1FD13F-18FE-42E5-9EE2-EBE664EED238}" dt="2017-09-17T09:46:27.679" v="646"/>
+          <ac:cxnSpMkLst>
+            <pc:docMk/>
+            <pc:sldMk cId="1634102746" sldId="284"/>
+            <ac:cxnSpMk id="4" creationId="{9A261CEF-FE26-42A0-B672-DD1372B0D999}"/>
+          </ac:cxnSpMkLst>
+        </pc:cxnChg>
+      </pc:sldChg>
+    </pc:docChg>
+  </pc:docChgLst>
+</pc:chgInfo>
+</file>
+
 <file path=ppt/notesMasters/notesMaster1.xml><?xml version="1.0" encoding="utf-8"?>
 <p:notesMaster xmlns:a="http://schemas.openxmlformats.org/drawingml/2006/main" xmlns:r="http://schemas.openxmlformats.org/officeDocument/2006/relationships" xmlns:p="http://schemas.openxmlformats.org/presentationml/2006/main">
   <p:cSld>
@@ -212,7 +597,7 @@
           <a:p>
             <a:fld id="{09F4596B-9A7B-DC4F-81E8-A9F94D9D926E}" type="datetimeFigureOut">
               <a:rPr kumimoji="1" lang="ko-KR" altLang="en-US" smtClean="0"/>
-              <a:t>2017. 9. 17.</a:t>
+              <a:t>2017. 9. 18.</a:t>
             </a:fld>
             <a:endParaRPr kumimoji="1" lang="ko-KR" altLang="en-US"/>
           </a:p>
@@ -276,38 +661,37 @@
           <a:p>
             <a:pPr lvl="0"/>
             <a:r>
-              <a:rPr kumimoji="1" lang="ko-KR" altLang="en-US" smtClean="0"/>
+              <a:rPr kumimoji="1" lang="ko-KR" altLang="en-US"/>
               <a:t>마스터 텍스트 스타일을 편집하려면 클릭</a:t>
             </a:r>
           </a:p>
           <a:p>
             <a:pPr lvl="1"/>
             <a:r>
-              <a:rPr kumimoji="1" lang="ko-KR" altLang="en-US" smtClean="0"/>
+              <a:rPr kumimoji="1" lang="ko-KR" altLang="en-US"/>
               <a:t>두 번째 수준</a:t>
             </a:r>
           </a:p>
           <a:p>
             <a:pPr lvl="2"/>
             <a:r>
-              <a:rPr kumimoji="1" lang="ko-KR" altLang="en-US" smtClean="0"/>
+              <a:rPr kumimoji="1" lang="ko-KR" altLang="en-US"/>
               <a:t>세 번째 수준</a:t>
             </a:r>
           </a:p>
           <a:p>
             <a:pPr lvl="3"/>
             <a:r>
-              <a:rPr kumimoji="1" lang="ko-KR" altLang="en-US" smtClean="0"/>
+              <a:rPr kumimoji="1" lang="ko-KR" altLang="en-US"/>
               <a:t>네 번째 수준</a:t>
             </a:r>
           </a:p>
           <a:p>
             <a:pPr lvl="4"/>
             <a:r>
-              <a:rPr kumimoji="1" lang="ko-KR" altLang="en-US" smtClean="0"/>
+              <a:rPr kumimoji="1" lang="ko-KR" altLang="en-US"/>
               <a:t>다섯 번째 수준</a:t>
             </a:r>
-            <a:endParaRPr kumimoji="1" lang="ko-KR" altLang="en-US"/>
           </a:p>
         </p:txBody>
       </p:sp>
@@ -722,7 +1106,7 @@
     </p:spTree>
     <p:extLst>
       <p:ext uri="{BB962C8B-B14F-4D97-AF65-F5344CB8AC3E}">
-        <p14:creationId xmlns:p14="http://schemas.microsoft.com/office/powerpoint/2010/main" val="50662686"/>
+        <p14:creationId xmlns:p14="http://schemas.microsoft.com/office/powerpoint/2010/main" val="1119709887"/>
       </p:ext>
     </p:extLst>
   </p:cSld>
@@ -806,7 +1190,7 @@
     </p:spTree>
     <p:extLst>
       <p:ext uri="{BB962C8B-B14F-4D97-AF65-F5344CB8AC3E}">
-        <p14:creationId xmlns:p14="http://schemas.microsoft.com/office/powerpoint/2010/main" val="1412682935"/>
+        <p14:creationId xmlns:p14="http://schemas.microsoft.com/office/powerpoint/2010/main" val="272530044"/>
       </p:ext>
     </p:extLst>
   </p:cSld>
@@ -890,7 +1274,557 @@
     </p:spTree>
     <p:extLst>
       <p:ext uri="{BB962C8B-B14F-4D97-AF65-F5344CB8AC3E}">
-        <p14:creationId xmlns:p14="http://schemas.microsoft.com/office/powerpoint/2010/main" val="977010603"/>
+        <p14:creationId xmlns:p14="http://schemas.microsoft.com/office/powerpoint/2010/main" val="3208874078"/>
+      </p:ext>
+    </p:extLst>
+  </p:cSld>
+  <p:clrMapOvr>
+    <a:masterClrMapping/>
+  </p:clrMapOvr>
+</p:notes>
+</file>
+
+<file path=ppt/notesSlides/notesSlide14.xml><?xml version="1.0" encoding="utf-8"?>
+<p:notes xmlns:a="http://schemas.openxmlformats.org/drawingml/2006/main" xmlns:r="http://schemas.openxmlformats.org/officeDocument/2006/relationships" xmlns:p="http://schemas.openxmlformats.org/presentationml/2006/main">
+  <p:cSld>
+    <p:spTree>
+      <p:nvGrpSpPr>
+        <p:cNvPr id="1" name=""/>
+        <p:cNvGrpSpPr/>
+        <p:nvPr/>
+      </p:nvGrpSpPr>
+      <p:grpSpPr>
+        <a:xfrm>
+          <a:off x="0" y="0"/>
+          <a:ext cx="0" cy="0"/>
+          <a:chOff x="0" y="0"/>
+          <a:chExt cx="0" cy="0"/>
+        </a:xfrm>
+      </p:grpSpPr>
+      <p:sp>
+        <p:nvSpPr>
+          <p:cNvPr id="2" name="슬라이드 이미지 개체 틀 1"/>
+          <p:cNvSpPr>
+            <a:spLocks noGrp="1" noRot="1" noChangeAspect="1"/>
+          </p:cNvSpPr>
+          <p:nvPr>
+            <p:ph type="sldImg"/>
+          </p:nvPr>
+        </p:nvSpPr>
+        <p:spPr/>
+      </p:sp>
+      <p:sp>
+        <p:nvSpPr>
+          <p:cNvPr id="3" name="슬라이드 노트 개체 틀 2"/>
+          <p:cNvSpPr>
+            <a:spLocks noGrp="1"/>
+          </p:cNvSpPr>
+          <p:nvPr>
+            <p:ph type="body" idx="1"/>
+          </p:nvPr>
+        </p:nvSpPr>
+        <p:spPr/>
+        <p:txBody>
+          <a:bodyPr/>
+          <a:lstStyle/>
+          <a:p>
+            <a:r>
+              <a:rPr kumimoji="1" lang="en-US" altLang="ko-KR" dirty="0"/>
+              <a:t>AKA. Adaline (Adaptive Linear) Neural Network, LMS (Least Mean Squares) algorithm</a:t>
+            </a:r>
+            <a:endParaRPr kumimoji="1" lang="ko-KR" altLang="en-US" dirty="0"/>
+          </a:p>
+        </p:txBody>
+      </p:sp>
+      <p:sp>
+        <p:nvSpPr>
+          <p:cNvPr id="4" name="슬라이드 번호 개체 틀 3"/>
+          <p:cNvSpPr>
+            <a:spLocks noGrp="1"/>
+          </p:cNvSpPr>
+          <p:nvPr>
+            <p:ph type="sldNum" sz="quarter" idx="10"/>
+          </p:nvPr>
+        </p:nvSpPr>
+        <p:spPr/>
+        <p:txBody>
+          <a:bodyPr/>
+          <a:lstStyle/>
+          <a:p>
+            <a:fld id="{F8D25F5A-3B71-6349-B450-6D179EA5AE89}" type="slidenum">
+              <a:rPr kumimoji="1" lang="ko-KR" altLang="en-US" smtClean="0"/>
+              <a:t>14</a:t>
+            </a:fld>
+            <a:endParaRPr kumimoji="1" lang="ko-KR" altLang="en-US"/>
+          </a:p>
+        </p:txBody>
+      </p:sp>
+    </p:spTree>
+    <p:extLst>
+      <p:ext uri="{BB962C8B-B14F-4D97-AF65-F5344CB8AC3E}">
+        <p14:creationId xmlns:p14="http://schemas.microsoft.com/office/powerpoint/2010/main" val="1773552210"/>
+      </p:ext>
+    </p:extLst>
+  </p:cSld>
+  <p:clrMapOvr>
+    <a:masterClrMapping/>
+  </p:clrMapOvr>
+</p:notes>
+</file>
+
+<file path=ppt/notesSlides/notesSlide15.xml><?xml version="1.0" encoding="utf-8"?>
+<p:notes xmlns:a="http://schemas.openxmlformats.org/drawingml/2006/main" xmlns:r="http://schemas.openxmlformats.org/officeDocument/2006/relationships" xmlns:p="http://schemas.openxmlformats.org/presentationml/2006/main">
+  <p:cSld>
+    <p:spTree>
+      <p:nvGrpSpPr>
+        <p:cNvPr id="1" name=""/>
+        <p:cNvGrpSpPr/>
+        <p:nvPr/>
+      </p:nvGrpSpPr>
+      <p:grpSpPr>
+        <a:xfrm>
+          <a:off x="0" y="0"/>
+          <a:ext cx="0" cy="0"/>
+          <a:chOff x="0" y="0"/>
+          <a:chExt cx="0" cy="0"/>
+        </a:xfrm>
+      </p:grpSpPr>
+      <p:sp>
+        <p:nvSpPr>
+          <p:cNvPr id="2" name="슬라이드 이미지 개체 틀 1"/>
+          <p:cNvSpPr>
+            <a:spLocks noGrp="1" noRot="1" noChangeAspect="1"/>
+          </p:cNvSpPr>
+          <p:nvPr>
+            <p:ph type="sldImg"/>
+          </p:nvPr>
+        </p:nvSpPr>
+        <p:spPr/>
+      </p:sp>
+      <p:sp>
+        <p:nvSpPr>
+          <p:cNvPr id="3" name="슬라이드 노트 개체 틀 2"/>
+          <p:cNvSpPr>
+            <a:spLocks noGrp="1"/>
+          </p:cNvSpPr>
+          <p:nvPr>
+            <p:ph type="body" idx="1"/>
+          </p:nvPr>
+        </p:nvSpPr>
+        <p:spPr/>
+        <p:txBody>
+          <a:bodyPr/>
+          <a:lstStyle/>
+          <a:p>
+            <a:endParaRPr kumimoji="1" lang="ko-KR" altLang="en-US"/>
+          </a:p>
+        </p:txBody>
+      </p:sp>
+      <p:sp>
+        <p:nvSpPr>
+          <p:cNvPr id="4" name="슬라이드 번호 개체 틀 3"/>
+          <p:cNvSpPr>
+            <a:spLocks noGrp="1"/>
+          </p:cNvSpPr>
+          <p:nvPr>
+            <p:ph type="sldNum" sz="quarter" idx="10"/>
+          </p:nvPr>
+        </p:nvSpPr>
+        <p:spPr/>
+        <p:txBody>
+          <a:bodyPr/>
+          <a:lstStyle/>
+          <a:p>
+            <a:fld id="{F8D25F5A-3B71-6349-B450-6D179EA5AE89}" type="slidenum">
+              <a:rPr kumimoji="1" lang="ko-KR" altLang="en-US" smtClean="0"/>
+              <a:t>15</a:t>
+            </a:fld>
+            <a:endParaRPr kumimoji="1" lang="ko-KR" altLang="en-US"/>
+          </a:p>
+        </p:txBody>
+      </p:sp>
+    </p:spTree>
+    <p:extLst>
+      <p:ext uri="{BB962C8B-B14F-4D97-AF65-F5344CB8AC3E}">
+        <p14:creationId xmlns:p14="http://schemas.microsoft.com/office/powerpoint/2010/main" val="2761477544"/>
+      </p:ext>
+    </p:extLst>
+  </p:cSld>
+  <p:clrMapOvr>
+    <a:masterClrMapping/>
+  </p:clrMapOvr>
+</p:notes>
+</file>
+
+<file path=ppt/notesSlides/notesSlide16.xml><?xml version="1.0" encoding="utf-8"?>
+<p:notes xmlns:a="http://schemas.openxmlformats.org/drawingml/2006/main" xmlns:r="http://schemas.openxmlformats.org/officeDocument/2006/relationships" xmlns:p="http://schemas.openxmlformats.org/presentationml/2006/main">
+  <p:cSld>
+    <p:spTree>
+      <p:nvGrpSpPr>
+        <p:cNvPr id="1" name=""/>
+        <p:cNvGrpSpPr/>
+        <p:nvPr/>
+      </p:nvGrpSpPr>
+      <p:grpSpPr>
+        <a:xfrm>
+          <a:off x="0" y="0"/>
+          <a:ext cx="0" cy="0"/>
+          <a:chOff x="0" y="0"/>
+          <a:chExt cx="0" cy="0"/>
+        </a:xfrm>
+      </p:grpSpPr>
+      <p:sp>
+        <p:nvSpPr>
+          <p:cNvPr id="2" name="슬라이드 이미지 개체 틀 1"/>
+          <p:cNvSpPr>
+            <a:spLocks noGrp="1" noRot="1" noChangeAspect="1"/>
+          </p:cNvSpPr>
+          <p:nvPr>
+            <p:ph type="sldImg"/>
+          </p:nvPr>
+        </p:nvSpPr>
+        <p:spPr/>
+      </p:sp>
+      <p:sp>
+        <p:nvSpPr>
+          <p:cNvPr id="3" name="슬라이드 노트 개체 틀 2"/>
+          <p:cNvSpPr>
+            <a:spLocks noGrp="1"/>
+          </p:cNvSpPr>
+          <p:nvPr>
+            <p:ph type="body" idx="1"/>
+          </p:nvPr>
+        </p:nvSpPr>
+        <p:spPr/>
+        <p:txBody>
+          <a:bodyPr/>
+          <a:lstStyle/>
+          <a:p>
+            <a:endParaRPr kumimoji="1" lang="ko-KR" altLang="en-US"/>
+          </a:p>
+        </p:txBody>
+      </p:sp>
+      <p:sp>
+        <p:nvSpPr>
+          <p:cNvPr id="4" name="슬라이드 번호 개체 틀 3"/>
+          <p:cNvSpPr>
+            <a:spLocks noGrp="1"/>
+          </p:cNvSpPr>
+          <p:nvPr>
+            <p:ph type="sldNum" sz="quarter" idx="10"/>
+          </p:nvPr>
+        </p:nvSpPr>
+        <p:spPr/>
+        <p:txBody>
+          <a:bodyPr/>
+          <a:lstStyle/>
+          <a:p>
+            <a:fld id="{F8D25F5A-3B71-6349-B450-6D179EA5AE89}" type="slidenum">
+              <a:rPr kumimoji="1" lang="ko-KR" altLang="en-US" smtClean="0"/>
+              <a:t>16</a:t>
+            </a:fld>
+            <a:endParaRPr kumimoji="1" lang="ko-KR" altLang="en-US"/>
+          </a:p>
+        </p:txBody>
+      </p:sp>
+    </p:spTree>
+    <p:extLst>
+      <p:ext uri="{BB962C8B-B14F-4D97-AF65-F5344CB8AC3E}">
+        <p14:creationId xmlns:p14="http://schemas.microsoft.com/office/powerpoint/2010/main" val="1250223009"/>
+      </p:ext>
+    </p:extLst>
+  </p:cSld>
+  <p:clrMapOvr>
+    <a:masterClrMapping/>
+  </p:clrMapOvr>
+</p:notes>
+</file>
+
+<file path=ppt/notesSlides/notesSlide17.xml><?xml version="1.0" encoding="utf-8"?>
+<p:notes xmlns:a="http://schemas.openxmlformats.org/drawingml/2006/main" xmlns:r="http://schemas.openxmlformats.org/officeDocument/2006/relationships" xmlns:p="http://schemas.openxmlformats.org/presentationml/2006/main">
+  <p:cSld>
+    <p:spTree>
+      <p:nvGrpSpPr>
+        <p:cNvPr id="1" name=""/>
+        <p:cNvGrpSpPr/>
+        <p:nvPr/>
+      </p:nvGrpSpPr>
+      <p:grpSpPr>
+        <a:xfrm>
+          <a:off x="0" y="0"/>
+          <a:ext cx="0" cy="0"/>
+          <a:chOff x="0" y="0"/>
+          <a:chExt cx="0" cy="0"/>
+        </a:xfrm>
+      </p:grpSpPr>
+      <p:sp>
+        <p:nvSpPr>
+          <p:cNvPr id="2" name="슬라이드 이미지 개체 틀 1"/>
+          <p:cNvSpPr>
+            <a:spLocks noGrp="1" noRot="1" noChangeAspect="1"/>
+          </p:cNvSpPr>
+          <p:nvPr>
+            <p:ph type="sldImg"/>
+          </p:nvPr>
+        </p:nvSpPr>
+        <p:spPr/>
+      </p:sp>
+      <p:sp>
+        <p:nvSpPr>
+          <p:cNvPr id="3" name="슬라이드 노트 개체 틀 2"/>
+          <p:cNvSpPr>
+            <a:spLocks noGrp="1"/>
+          </p:cNvSpPr>
+          <p:nvPr>
+            <p:ph type="body" idx="1"/>
+          </p:nvPr>
+        </p:nvSpPr>
+        <p:spPr/>
+        <p:txBody>
+          <a:bodyPr/>
+          <a:lstStyle/>
+          <a:p>
+            <a:endParaRPr kumimoji="1" lang="ko-KR" altLang="en-US"/>
+          </a:p>
+        </p:txBody>
+      </p:sp>
+      <p:sp>
+        <p:nvSpPr>
+          <p:cNvPr id="4" name="슬라이드 번호 개체 틀 3"/>
+          <p:cNvSpPr>
+            <a:spLocks noGrp="1"/>
+          </p:cNvSpPr>
+          <p:nvPr>
+            <p:ph type="sldNum" sz="quarter" idx="10"/>
+          </p:nvPr>
+        </p:nvSpPr>
+        <p:spPr/>
+        <p:txBody>
+          <a:bodyPr/>
+          <a:lstStyle/>
+          <a:p>
+            <a:fld id="{F8D25F5A-3B71-6349-B450-6D179EA5AE89}" type="slidenum">
+              <a:rPr kumimoji="1" lang="ko-KR" altLang="en-US" smtClean="0"/>
+              <a:t>17</a:t>
+            </a:fld>
+            <a:endParaRPr kumimoji="1" lang="ko-KR" altLang="en-US"/>
+          </a:p>
+        </p:txBody>
+      </p:sp>
+    </p:spTree>
+    <p:extLst>
+      <p:ext uri="{BB962C8B-B14F-4D97-AF65-F5344CB8AC3E}">
+        <p14:creationId xmlns:p14="http://schemas.microsoft.com/office/powerpoint/2010/main" val="2996917750"/>
+      </p:ext>
+    </p:extLst>
+  </p:cSld>
+  <p:clrMapOvr>
+    <a:masterClrMapping/>
+  </p:clrMapOvr>
+</p:notes>
+</file>
+
+<file path=ppt/notesSlides/notesSlide18.xml><?xml version="1.0" encoding="utf-8"?>
+<p:notes xmlns:a="http://schemas.openxmlformats.org/drawingml/2006/main" xmlns:r="http://schemas.openxmlformats.org/officeDocument/2006/relationships" xmlns:p="http://schemas.openxmlformats.org/presentationml/2006/main">
+  <p:cSld>
+    <p:spTree>
+      <p:nvGrpSpPr>
+        <p:cNvPr id="1" name=""/>
+        <p:cNvGrpSpPr/>
+        <p:nvPr/>
+      </p:nvGrpSpPr>
+      <p:grpSpPr>
+        <a:xfrm>
+          <a:off x="0" y="0"/>
+          <a:ext cx="0" cy="0"/>
+          <a:chOff x="0" y="0"/>
+          <a:chExt cx="0" cy="0"/>
+        </a:xfrm>
+      </p:grpSpPr>
+      <p:sp>
+        <p:nvSpPr>
+          <p:cNvPr id="2" name="슬라이드 이미지 개체 틀 1"/>
+          <p:cNvSpPr>
+            <a:spLocks noGrp="1" noRot="1" noChangeAspect="1"/>
+          </p:cNvSpPr>
+          <p:nvPr>
+            <p:ph type="sldImg"/>
+          </p:nvPr>
+        </p:nvSpPr>
+        <p:spPr/>
+      </p:sp>
+      <p:sp>
+        <p:nvSpPr>
+          <p:cNvPr id="3" name="슬라이드 노트 개체 틀 2"/>
+          <p:cNvSpPr>
+            <a:spLocks noGrp="1"/>
+          </p:cNvSpPr>
+          <p:nvPr>
+            <p:ph type="body" idx="1"/>
+          </p:nvPr>
+        </p:nvSpPr>
+        <p:spPr/>
+        <p:txBody>
+          <a:bodyPr/>
+          <a:lstStyle/>
+          <a:p>
+            <a:r>
+              <a:rPr kumimoji="1" lang="ko-KR" altLang="en-US" dirty="0"/>
+              <a:t>모든 데이터를 한번에 보기 </a:t>
+            </a:r>
+            <a:r>
+              <a:rPr kumimoji="1" lang="ko-KR" altLang="en-US" dirty="0" err="1"/>
+              <a:t>힘듬</a:t>
+            </a:r>
+            <a:r>
+              <a:rPr kumimoji="1" lang="ko-KR" altLang="en-US" dirty="0"/>
+              <a:t> </a:t>
+            </a:r>
+            <a:r>
+              <a:rPr kumimoji="1" lang="en-US" altLang="ko-KR" dirty="0">
+                <a:sym typeface="Wingdings" panose="05000000000000000000" pitchFamily="2" charset="2"/>
+              </a:rPr>
+              <a:t></a:t>
+            </a:r>
+            <a:r>
+              <a:rPr kumimoji="1" lang="ko-KR" altLang="en-US" dirty="0">
+                <a:sym typeface="Wingdings" panose="05000000000000000000" pitchFamily="2" charset="2"/>
+              </a:rPr>
+              <a:t> 크기</a:t>
+            </a:r>
+            <a:r>
+              <a:rPr kumimoji="1" lang="en-US" altLang="ko-KR" dirty="0">
+                <a:sym typeface="Wingdings" panose="05000000000000000000" pitchFamily="2" charset="2"/>
+              </a:rPr>
+              <a:t>, </a:t>
+            </a:r>
+            <a:r>
+              <a:rPr kumimoji="1" lang="ko-KR" altLang="en-US" dirty="0">
+                <a:sym typeface="Wingdings" panose="05000000000000000000" pitchFamily="2" charset="2"/>
+              </a:rPr>
+              <a:t>시간</a:t>
+            </a:r>
+            <a:r>
+              <a:rPr kumimoji="1" lang="en-US" altLang="ko-KR" dirty="0">
+                <a:sym typeface="Wingdings" panose="05000000000000000000" pitchFamily="2" charset="2"/>
+              </a:rPr>
+              <a:t>,</a:t>
+            </a:r>
+            <a:endParaRPr kumimoji="1" lang="ko-KR" altLang="en-US" dirty="0"/>
+          </a:p>
+        </p:txBody>
+      </p:sp>
+      <p:sp>
+        <p:nvSpPr>
+          <p:cNvPr id="4" name="슬라이드 번호 개체 틀 3"/>
+          <p:cNvSpPr>
+            <a:spLocks noGrp="1"/>
+          </p:cNvSpPr>
+          <p:nvPr>
+            <p:ph type="sldNum" sz="quarter" idx="10"/>
+          </p:nvPr>
+        </p:nvSpPr>
+        <p:spPr/>
+        <p:txBody>
+          <a:bodyPr/>
+          <a:lstStyle/>
+          <a:p>
+            <a:fld id="{F8D25F5A-3B71-6349-B450-6D179EA5AE89}" type="slidenum">
+              <a:rPr kumimoji="1" lang="ko-KR" altLang="en-US" smtClean="0"/>
+              <a:t>18</a:t>
+            </a:fld>
+            <a:endParaRPr kumimoji="1" lang="ko-KR" altLang="en-US"/>
+          </a:p>
+        </p:txBody>
+      </p:sp>
+    </p:spTree>
+    <p:extLst>
+      <p:ext uri="{BB962C8B-B14F-4D97-AF65-F5344CB8AC3E}">
+        <p14:creationId xmlns:p14="http://schemas.microsoft.com/office/powerpoint/2010/main" val="3259144233"/>
+      </p:ext>
+    </p:extLst>
+  </p:cSld>
+  <p:clrMapOvr>
+    <a:masterClrMapping/>
+  </p:clrMapOvr>
+</p:notes>
+</file>
+
+<file path=ppt/notesSlides/notesSlide19.xml><?xml version="1.0" encoding="utf-8"?>
+<p:notes xmlns:a="http://schemas.openxmlformats.org/drawingml/2006/main" xmlns:r="http://schemas.openxmlformats.org/officeDocument/2006/relationships" xmlns:p="http://schemas.openxmlformats.org/presentationml/2006/main">
+  <p:cSld>
+    <p:spTree>
+      <p:nvGrpSpPr>
+        <p:cNvPr id="1" name=""/>
+        <p:cNvGrpSpPr/>
+        <p:nvPr/>
+      </p:nvGrpSpPr>
+      <p:grpSpPr>
+        <a:xfrm>
+          <a:off x="0" y="0"/>
+          <a:ext cx="0" cy="0"/>
+          <a:chOff x="0" y="0"/>
+          <a:chExt cx="0" cy="0"/>
+        </a:xfrm>
+      </p:grpSpPr>
+      <p:sp>
+        <p:nvSpPr>
+          <p:cNvPr id="2" name="슬라이드 이미지 개체 틀 1"/>
+          <p:cNvSpPr>
+            <a:spLocks noGrp="1" noRot="1" noChangeAspect="1"/>
+          </p:cNvSpPr>
+          <p:nvPr>
+            <p:ph type="sldImg"/>
+          </p:nvPr>
+        </p:nvSpPr>
+        <p:spPr/>
+      </p:sp>
+      <p:sp>
+        <p:nvSpPr>
+          <p:cNvPr id="3" name="슬라이드 노트 개체 틀 2"/>
+          <p:cNvSpPr>
+            <a:spLocks noGrp="1"/>
+          </p:cNvSpPr>
+          <p:nvPr>
+            <p:ph type="body" idx="1"/>
+          </p:nvPr>
+        </p:nvSpPr>
+        <p:spPr/>
+        <p:txBody>
+          <a:bodyPr/>
+          <a:lstStyle/>
+          <a:p>
+            <a:endParaRPr kumimoji="1" lang="ko-KR" altLang="en-US"/>
+          </a:p>
+        </p:txBody>
+      </p:sp>
+      <p:sp>
+        <p:nvSpPr>
+          <p:cNvPr id="4" name="슬라이드 번호 개체 틀 3"/>
+          <p:cNvSpPr>
+            <a:spLocks noGrp="1"/>
+          </p:cNvSpPr>
+          <p:nvPr>
+            <p:ph type="sldNum" sz="quarter" idx="10"/>
+          </p:nvPr>
+        </p:nvSpPr>
+        <p:spPr/>
+        <p:txBody>
+          <a:bodyPr/>
+          <a:lstStyle/>
+          <a:p>
+            <a:fld id="{F8D25F5A-3B71-6349-B450-6D179EA5AE89}" type="slidenum">
+              <a:rPr kumimoji="1" lang="ko-KR" altLang="en-US" smtClean="0"/>
+              <a:t>19</a:t>
+            </a:fld>
+            <a:endParaRPr kumimoji="1" lang="ko-KR" altLang="en-US"/>
+          </a:p>
+        </p:txBody>
+      </p:sp>
+    </p:spTree>
+    <p:extLst>
+      <p:ext uri="{BB962C8B-B14F-4D97-AF65-F5344CB8AC3E}">
+        <p14:creationId xmlns:p14="http://schemas.microsoft.com/office/powerpoint/2010/main" val="2465499953"/>
       </p:ext>
     </p:extLst>
   </p:cSld>
@@ -975,6 +1909,258 @@
     <p:extLst>
       <p:ext uri="{BB962C8B-B14F-4D97-AF65-F5344CB8AC3E}">
         <p14:creationId xmlns:p14="http://schemas.microsoft.com/office/powerpoint/2010/main" val="989284040"/>
+      </p:ext>
+    </p:extLst>
+  </p:cSld>
+  <p:clrMapOvr>
+    <a:masterClrMapping/>
+  </p:clrMapOvr>
+</p:notes>
+</file>
+
+<file path=ppt/notesSlides/notesSlide20.xml><?xml version="1.0" encoding="utf-8"?>
+<p:notes xmlns:a="http://schemas.openxmlformats.org/drawingml/2006/main" xmlns:r="http://schemas.openxmlformats.org/officeDocument/2006/relationships" xmlns:p="http://schemas.openxmlformats.org/presentationml/2006/main">
+  <p:cSld>
+    <p:spTree>
+      <p:nvGrpSpPr>
+        <p:cNvPr id="1" name=""/>
+        <p:cNvGrpSpPr/>
+        <p:nvPr/>
+      </p:nvGrpSpPr>
+      <p:grpSpPr>
+        <a:xfrm>
+          <a:off x="0" y="0"/>
+          <a:ext cx="0" cy="0"/>
+          <a:chOff x="0" y="0"/>
+          <a:chExt cx="0" cy="0"/>
+        </a:xfrm>
+      </p:grpSpPr>
+      <p:sp>
+        <p:nvSpPr>
+          <p:cNvPr id="2" name="슬라이드 이미지 개체 틀 1"/>
+          <p:cNvSpPr>
+            <a:spLocks noGrp="1" noRot="1" noChangeAspect="1"/>
+          </p:cNvSpPr>
+          <p:nvPr>
+            <p:ph type="sldImg"/>
+          </p:nvPr>
+        </p:nvSpPr>
+        <p:spPr/>
+      </p:sp>
+      <p:sp>
+        <p:nvSpPr>
+          <p:cNvPr id="3" name="슬라이드 노트 개체 틀 2"/>
+          <p:cNvSpPr>
+            <a:spLocks noGrp="1"/>
+          </p:cNvSpPr>
+          <p:nvPr>
+            <p:ph type="body" idx="1"/>
+          </p:nvPr>
+        </p:nvSpPr>
+        <p:spPr/>
+        <p:txBody>
+          <a:bodyPr/>
+          <a:lstStyle/>
+          <a:p>
+            <a:endParaRPr kumimoji="1" lang="ko-KR" altLang="en-US"/>
+          </a:p>
+        </p:txBody>
+      </p:sp>
+      <p:sp>
+        <p:nvSpPr>
+          <p:cNvPr id="4" name="슬라이드 번호 개체 틀 3"/>
+          <p:cNvSpPr>
+            <a:spLocks noGrp="1"/>
+          </p:cNvSpPr>
+          <p:nvPr>
+            <p:ph type="sldNum" sz="quarter" idx="10"/>
+          </p:nvPr>
+        </p:nvSpPr>
+        <p:spPr/>
+        <p:txBody>
+          <a:bodyPr/>
+          <a:lstStyle/>
+          <a:p>
+            <a:fld id="{F8D25F5A-3B71-6349-B450-6D179EA5AE89}" type="slidenum">
+              <a:rPr kumimoji="1" lang="ko-KR" altLang="en-US" smtClean="0"/>
+              <a:t>20</a:t>
+            </a:fld>
+            <a:endParaRPr kumimoji="1" lang="ko-KR" altLang="en-US"/>
+          </a:p>
+        </p:txBody>
+      </p:sp>
+    </p:spTree>
+    <p:extLst>
+      <p:ext uri="{BB962C8B-B14F-4D97-AF65-F5344CB8AC3E}">
+        <p14:creationId xmlns:p14="http://schemas.microsoft.com/office/powerpoint/2010/main" val="4115110006"/>
+      </p:ext>
+    </p:extLst>
+  </p:cSld>
+  <p:clrMapOvr>
+    <a:masterClrMapping/>
+  </p:clrMapOvr>
+</p:notes>
+</file>
+
+<file path=ppt/notesSlides/notesSlide21.xml><?xml version="1.0" encoding="utf-8"?>
+<p:notes xmlns:a="http://schemas.openxmlformats.org/drawingml/2006/main" xmlns:r="http://schemas.openxmlformats.org/officeDocument/2006/relationships" xmlns:p="http://schemas.openxmlformats.org/presentationml/2006/main">
+  <p:cSld>
+    <p:spTree>
+      <p:nvGrpSpPr>
+        <p:cNvPr id="1" name=""/>
+        <p:cNvGrpSpPr/>
+        <p:nvPr/>
+      </p:nvGrpSpPr>
+      <p:grpSpPr>
+        <a:xfrm>
+          <a:off x="0" y="0"/>
+          <a:ext cx="0" cy="0"/>
+          <a:chOff x="0" y="0"/>
+          <a:chExt cx="0" cy="0"/>
+        </a:xfrm>
+      </p:grpSpPr>
+      <p:sp>
+        <p:nvSpPr>
+          <p:cNvPr id="2" name="슬라이드 이미지 개체 틀 1"/>
+          <p:cNvSpPr>
+            <a:spLocks noGrp="1" noRot="1" noChangeAspect="1"/>
+          </p:cNvSpPr>
+          <p:nvPr>
+            <p:ph type="sldImg"/>
+          </p:nvPr>
+        </p:nvSpPr>
+        <p:spPr/>
+      </p:sp>
+      <p:sp>
+        <p:nvSpPr>
+          <p:cNvPr id="3" name="슬라이드 노트 개체 틀 2"/>
+          <p:cNvSpPr>
+            <a:spLocks noGrp="1"/>
+          </p:cNvSpPr>
+          <p:nvPr>
+            <p:ph type="body" idx="1"/>
+          </p:nvPr>
+        </p:nvSpPr>
+        <p:spPr/>
+        <p:txBody>
+          <a:bodyPr/>
+          <a:lstStyle/>
+          <a:p>
+            <a:endParaRPr kumimoji="1" lang="ko-KR" altLang="en-US"/>
+          </a:p>
+        </p:txBody>
+      </p:sp>
+      <p:sp>
+        <p:nvSpPr>
+          <p:cNvPr id="4" name="슬라이드 번호 개체 틀 3"/>
+          <p:cNvSpPr>
+            <a:spLocks noGrp="1"/>
+          </p:cNvSpPr>
+          <p:nvPr>
+            <p:ph type="sldNum" sz="quarter" idx="10"/>
+          </p:nvPr>
+        </p:nvSpPr>
+        <p:spPr/>
+        <p:txBody>
+          <a:bodyPr/>
+          <a:lstStyle/>
+          <a:p>
+            <a:fld id="{F8D25F5A-3B71-6349-B450-6D179EA5AE89}" type="slidenum">
+              <a:rPr kumimoji="1" lang="ko-KR" altLang="en-US" smtClean="0"/>
+              <a:t>21</a:t>
+            </a:fld>
+            <a:endParaRPr kumimoji="1" lang="ko-KR" altLang="en-US"/>
+          </a:p>
+        </p:txBody>
+      </p:sp>
+    </p:spTree>
+    <p:extLst>
+      <p:ext uri="{BB962C8B-B14F-4D97-AF65-F5344CB8AC3E}">
+        <p14:creationId xmlns:p14="http://schemas.microsoft.com/office/powerpoint/2010/main" val="2629188124"/>
+      </p:ext>
+    </p:extLst>
+  </p:cSld>
+  <p:clrMapOvr>
+    <a:masterClrMapping/>
+  </p:clrMapOvr>
+</p:notes>
+</file>
+
+<file path=ppt/notesSlides/notesSlide22.xml><?xml version="1.0" encoding="utf-8"?>
+<p:notes xmlns:a="http://schemas.openxmlformats.org/drawingml/2006/main" xmlns:r="http://schemas.openxmlformats.org/officeDocument/2006/relationships" xmlns:p="http://schemas.openxmlformats.org/presentationml/2006/main">
+  <p:cSld>
+    <p:spTree>
+      <p:nvGrpSpPr>
+        <p:cNvPr id="1" name=""/>
+        <p:cNvGrpSpPr/>
+        <p:nvPr/>
+      </p:nvGrpSpPr>
+      <p:grpSpPr>
+        <a:xfrm>
+          <a:off x="0" y="0"/>
+          <a:ext cx="0" cy="0"/>
+          <a:chOff x="0" y="0"/>
+          <a:chExt cx="0" cy="0"/>
+        </a:xfrm>
+      </p:grpSpPr>
+      <p:sp>
+        <p:nvSpPr>
+          <p:cNvPr id="2" name="슬라이드 이미지 개체 틀 1"/>
+          <p:cNvSpPr>
+            <a:spLocks noGrp="1" noRot="1" noChangeAspect="1"/>
+          </p:cNvSpPr>
+          <p:nvPr>
+            <p:ph type="sldImg"/>
+          </p:nvPr>
+        </p:nvSpPr>
+        <p:spPr/>
+      </p:sp>
+      <p:sp>
+        <p:nvSpPr>
+          <p:cNvPr id="3" name="슬라이드 노트 개체 틀 2"/>
+          <p:cNvSpPr>
+            <a:spLocks noGrp="1"/>
+          </p:cNvSpPr>
+          <p:nvPr>
+            <p:ph type="body" idx="1"/>
+          </p:nvPr>
+        </p:nvSpPr>
+        <p:spPr/>
+        <p:txBody>
+          <a:bodyPr/>
+          <a:lstStyle/>
+          <a:p>
+            <a:endParaRPr kumimoji="1" lang="ko-KR" altLang="en-US"/>
+          </a:p>
+        </p:txBody>
+      </p:sp>
+      <p:sp>
+        <p:nvSpPr>
+          <p:cNvPr id="4" name="슬라이드 번호 개체 틀 3"/>
+          <p:cNvSpPr>
+            <a:spLocks noGrp="1"/>
+          </p:cNvSpPr>
+          <p:nvPr>
+            <p:ph type="sldNum" sz="quarter" idx="10"/>
+          </p:nvPr>
+        </p:nvSpPr>
+        <p:spPr/>
+        <p:txBody>
+          <a:bodyPr/>
+          <a:lstStyle/>
+          <a:p>
+            <a:fld id="{F8D25F5A-3B71-6349-B450-6D179EA5AE89}" type="slidenum">
+              <a:rPr kumimoji="1" lang="ko-KR" altLang="en-US" smtClean="0"/>
+              <a:t>22</a:t>
+            </a:fld>
+            <a:endParaRPr kumimoji="1" lang="ko-KR" altLang="en-US"/>
+          </a:p>
+        </p:txBody>
+      </p:sp>
+    </p:spTree>
+    <p:extLst>
+      <p:ext uri="{BB962C8B-B14F-4D97-AF65-F5344CB8AC3E}">
+        <p14:creationId xmlns:p14="http://schemas.microsoft.com/office/powerpoint/2010/main" val="977010603"/>
       </p:ext>
     </p:extLst>
   </p:cSld>
@@ -1097,25 +2283,287 @@
         </p:nvSpPr>
         <p:spPr/>
       </p:sp>
-      <p:sp>
-        <p:nvSpPr>
-          <p:cNvPr id="3" name="슬라이드 노트 개체 틀 2"/>
-          <p:cNvSpPr>
-            <a:spLocks noGrp="1"/>
-          </p:cNvSpPr>
-          <p:nvPr>
-            <p:ph type="body" idx="1"/>
-          </p:nvPr>
-        </p:nvSpPr>
-        <p:spPr/>
-        <p:txBody>
-          <a:bodyPr/>
-          <a:lstStyle/>
-          <a:p>
-            <a:endParaRPr kumimoji="1" lang="ko-KR" altLang="en-US"/>
-          </a:p>
-        </p:txBody>
-      </p:sp>
+      <mc:AlternateContent xmlns:mc="http://schemas.openxmlformats.org/markup-compatibility/2006" xmlns:a14="http://schemas.microsoft.com/office/drawing/2010/main">
+        <mc:Choice Requires="a14">
+          <p:sp>
+            <p:nvSpPr>
+              <p:cNvPr id="3" name="슬라이드 노트 개체 틀 2"/>
+              <p:cNvSpPr>
+                <a:spLocks noGrp="1"/>
+              </p:cNvSpPr>
+              <p:nvPr>
+                <p:ph type="body" idx="1"/>
+              </p:nvPr>
+            </p:nvSpPr>
+            <p:spPr/>
+            <p:txBody>
+              <a:bodyPr/>
+              <a:lstStyle/>
+              <a:p>
+                <a:r>
+                  <a:rPr kumimoji="1" lang="en-US" altLang="ko-KR" dirty="0"/>
+                  <a:t>Perceptron:</a:t>
+                </a:r>
+                <a:r>
+                  <a:rPr kumimoji="1" lang="ko-KR" altLang="en-US" dirty="0"/>
+                  <a:t> </a:t>
+                </a:r>
+                <a:r>
+                  <a:rPr kumimoji="1" lang="en-US" altLang="ko-KR" dirty="0"/>
+                  <a:t>Linear model </a:t>
+                </a:r>
+                <a:r>
+                  <a:rPr kumimoji="1" lang="ko-KR" altLang="en-US" dirty="0"/>
+                  <a:t>의 입력을 벡터형식으로 </a:t>
+                </a:r>
+                <a:r>
+                  <a:rPr kumimoji="1" lang="ko-KR" altLang="en-US" dirty="0" err="1"/>
+                  <a:t>바꿈으로서</a:t>
+                </a:r>
+                <a:r>
+                  <a:rPr kumimoji="1" lang="ko-KR" altLang="en-US" dirty="0"/>
+                  <a:t> 신경망 구조를 가짐</a:t>
+                </a:r>
+                <a:r>
+                  <a:rPr kumimoji="1" lang="en-US" altLang="ko-KR" dirty="0"/>
+                  <a:t>.</a:t>
+                </a:r>
+              </a:p>
+              <a:p>
+                <a:r>
+                  <a:rPr kumimoji="1" lang="en-US" altLang="ko-KR" dirty="0"/>
+                  <a:t>Error function: # of misclassification,</a:t>
+                </a:r>
+                <a:r>
+                  <a:rPr kumimoji="1" lang="en-US" altLang="ko-KR" sz="1200" dirty="0"/>
+                  <a:t> </a:t>
+                </a:r>
+                <a14:m>
+                  <m:oMath xmlns:m="http://schemas.openxmlformats.org/officeDocument/2006/math">
+                    <m:r>
+                      <a:rPr kumimoji="1" lang="en-US" altLang="ko-KR" sz="1200" b="0" i="1" smtClean="0">
+                        <a:latin typeface="Cambria Math" panose="02040503050406030204" pitchFamily="18" charset="0"/>
+                      </a:rPr>
+                      <m:t>𝐸</m:t>
+                    </m:r>
+                    <m:r>
+                      <a:rPr kumimoji="1" lang="en-US" altLang="ko-KR" sz="1200" b="0" i="1" smtClean="0">
+                        <a:latin typeface="Cambria Math" panose="02040503050406030204" pitchFamily="18" charset="0"/>
+                      </a:rPr>
+                      <m:t>=</m:t>
+                    </m:r>
+                    <m:nary>
+                      <m:naryPr>
+                        <m:chr m:val="∑"/>
+                        <m:limLoc m:val="subSup"/>
+                        <m:supHide m:val="on"/>
+                        <m:ctrlPr>
+                          <a:rPr kumimoji="1" lang="en-US" altLang="ko-KR" sz="1200" b="0" i="1" smtClean="0">
+                            <a:latin typeface="Cambria Math" charset="0"/>
+                          </a:rPr>
+                        </m:ctrlPr>
+                      </m:naryPr>
+                      <m:sub>
+                        <m:r>
+                          <m:rPr>
+                            <m:brk m:alnAt="9"/>
+                          </m:rPr>
+                          <a:rPr kumimoji="1" lang="en-US" altLang="ko-KR" sz="1200" b="0" i="1" smtClean="0">
+                            <a:latin typeface="Cambria Math" panose="02040503050406030204" pitchFamily="18" charset="0"/>
+                          </a:rPr>
+                          <m:t>𝑛</m:t>
+                        </m:r>
+                      </m:sub>
+                      <m:sup/>
+                      <m:e>
+                        <m:r>
+                          <a:rPr kumimoji="1" lang="en-US" altLang="ko-KR" sz="1200" b="0" i="1" smtClean="0">
+                            <a:latin typeface="Cambria Math" panose="02040503050406030204" pitchFamily="18" charset="0"/>
+                          </a:rPr>
+                          <m:t>𝐼</m:t>
+                        </m:r>
+                        <m:r>
+                          <a:rPr kumimoji="1" lang="en-US" altLang="ko-KR" sz="1200" b="0" i="1" smtClean="0">
+                            <a:latin typeface="Cambria Math" panose="02040503050406030204" pitchFamily="18" charset="0"/>
+                          </a:rPr>
+                          <m:t>(</m:t>
+                        </m:r>
+                        <m:r>
+                          <a:rPr kumimoji="1" lang="en-US" altLang="ko-KR" sz="1200" b="0" i="1" smtClean="0">
+                            <a:latin typeface="Cambria Math" panose="02040503050406030204" pitchFamily="18" charset="0"/>
+                          </a:rPr>
+                          <m:t>𝑓</m:t>
+                        </m:r>
+                        <m:d>
+                          <m:dPr>
+                            <m:ctrlPr>
+                              <a:rPr kumimoji="1" lang="en-US" altLang="ko-KR" sz="1200" b="0" i="1" smtClean="0">
+                                <a:latin typeface="Cambria Math" charset="0"/>
+                              </a:rPr>
+                            </m:ctrlPr>
+                          </m:dPr>
+                          <m:e>
+                            <m:sSub>
+                              <m:sSubPr>
+                                <m:ctrlPr>
+                                  <a:rPr kumimoji="1" lang="en-US" altLang="ko-KR" sz="1200" b="0" i="1" smtClean="0">
+                                    <a:latin typeface="Cambria Math" charset="0"/>
+                                  </a:rPr>
+                                </m:ctrlPr>
+                              </m:sSubPr>
+                              <m:e>
+                                <m:r>
+                                  <a:rPr kumimoji="1" lang="en-US" altLang="ko-KR" sz="1200" b="0" i="1" smtClean="0">
+                                    <a:latin typeface="Cambria Math" panose="02040503050406030204" pitchFamily="18" charset="0"/>
+                                  </a:rPr>
+                                  <m:t>𝑥</m:t>
+                                </m:r>
+                              </m:e>
+                              <m:sub>
+                                <m:r>
+                                  <a:rPr kumimoji="1" lang="en-US" altLang="ko-KR" sz="1200" b="0" i="1" smtClean="0">
+                                    <a:latin typeface="Cambria Math" panose="02040503050406030204" pitchFamily="18" charset="0"/>
+                                  </a:rPr>
+                                  <m:t>𝑛</m:t>
+                                </m:r>
+                              </m:sub>
+                            </m:sSub>
+                          </m:e>
+                        </m:d>
+                        <m:r>
+                          <a:rPr kumimoji="1" lang="en-US" altLang="ko-KR" sz="1200" b="0" i="1" smtClean="0">
+                            <a:latin typeface="Cambria Math" panose="02040503050406030204" pitchFamily="18" charset="0"/>
+                          </a:rPr>
+                          <m:t>=</m:t>
+                        </m:r>
+                        <m:sSub>
+                          <m:sSubPr>
+                            <m:ctrlPr>
+                              <a:rPr kumimoji="1" lang="en-US" altLang="ko-KR" sz="1200" b="0" i="1" smtClean="0">
+                                <a:latin typeface="Cambria Math" charset="0"/>
+                              </a:rPr>
+                            </m:ctrlPr>
+                          </m:sSubPr>
+                          <m:e>
+                            <m:r>
+                              <a:rPr kumimoji="1" lang="en-US" altLang="ko-KR" sz="1200" b="0" i="1" smtClean="0">
+                                <a:latin typeface="Cambria Math" panose="02040503050406030204" pitchFamily="18" charset="0"/>
+                              </a:rPr>
+                              <m:t>𝑦</m:t>
+                            </m:r>
+                          </m:e>
+                          <m:sub>
+                            <m:r>
+                              <a:rPr kumimoji="1" lang="en-US" altLang="ko-KR" sz="1200" b="0" i="1" smtClean="0">
+                                <a:latin typeface="Cambria Math" panose="02040503050406030204" pitchFamily="18" charset="0"/>
+                              </a:rPr>
+                              <m:t>𝑛</m:t>
+                            </m:r>
+                          </m:sub>
+                        </m:sSub>
+                        <m:r>
+                          <a:rPr kumimoji="1" lang="en-US" altLang="ko-KR" sz="1200" b="0" i="1" smtClean="0">
+                            <a:latin typeface="Cambria Math" panose="02040503050406030204" pitchFamily="18" charset="0"/>
+                          </a:rPr>
+                          <m:t>)</m:t>
+                        </m:r>
+                      </m:e>
+                    </m:nary>
+                    <m:r>
+                      <a:rPr kumimoji="1" lang="en-US" altLang="ko-KR" sz="1200" b="0" i="1" smtClean="0">
+                        <a:latin typeface="Cambria Math" panose="02040503050406030204" pitchFamily="18" charset="0"/>
+                      </a:rPr>
+                      <m:t> </m:t>
+                    </m:r>
+                  </m:oMath>
+                </a14:m>
+                <a:r>
+                  <a:rPr kumimoji="1" lang="en-US" altLang="ko-KR" dirty="0"/>
+                  <a:t>, i.e.</a:t>
+                </a:r>
+                <a:r>
+                  <a:rPr kumimoji="1" lang="en-US" altLang="ko-KR" baseline="0" dirty="0"/>
+                  <a:t> Step Function</a:t>
+                </a:r>
+                <a:endParaRPr kumimoji="1" lang="ko-KR" altLang="en-US" dirty="0"/>
+              </a:p>
+            </p:txBody>
+          </p:sp>
+        </mc:Choice>
+        <mc:Fallback xmlns="">
+          <p:sp>
+            <p:nvSpPr>
+              <p:cNvPr id="3" name="슬라이드 노트 개체 틀 2"/>
+              <p:cNvSpPr>
+                <a:spLocks noGrp="1"/>
+              </p:cNvSpPr>
+              <p:nvPr>
+                <p:ph type="body" idx="1"/>
+              </p:nvPr>
+            </p:nvSpPr>
+            <p:spPr/>
+            <p:txBody>
+              <a:bodyPr/>
+              <a:lstStyle/>
+              <a:p>
+                <a:r>
+                  <a:rPr kumimoji="1" lang="en-US" altLang="ko-KR" dirty="0"/>
+                  <a:t>Perceptron:</a:t>
+                </a:r>
+                <a:r>
+                  <a:rPr kumimoji="1" lang="ko-KR" altLang="en-US" dirty="0"/>
+                  <a:t> </a:t>
+                </a:r>
+                <a:r>
+                  <a:rPr kumimoji="1" lang="en-US" altLang="ko-KR" dirty="0"/>
+                  <a:t>Linear model </a:t>
+                </a:r>
+                <a:r>
+                  <a:rPr kumimoji="1" lang="ko-KR" altLang="en-US" dirty="0"/>
+                  <a:t>의 입력을 벡터형식으로 </a:t>
+                </a:r>
+                <a:r>
+                  <a:rPr kumimoji="1" lang="ko-KR" altLang="en-US" dirty="0" err="1"/>
+                  <a:t>바꿈으로서</a:t>
+                </a:r>
+                <a:r>
+                  <a:rPr kumimoji="1" lang="ko-KR" altLang="en-US" dirty="0"/>
+                  <a:t> 신경망 구조를 가짐</a:t>
+                </a:r>
+                <a:r>
+                  <a:rPr kumimoji="1" lang="en-US" altLang="ko-KR" dirty="0"/>
+                  <a:t>.</a:t>
+                </a:r>
+              </a:p>
+              <a:p>
+                <a:r>
+                  <a:rPr kumimoji="1" lang="en-US" altLang="ko-KR" dirty="0"/>
+                  <a:t>Error function: # of misclassification,</a:t>
+                </a:r>
+                <a:r>
+                  <a:rPr kumimoji="1" lang="en-US" altLang="ko-KR" sz="1200" dirty="0"/>
+                  <a:t> </a:t>
+                </a:r>
+                <a:r>
+                  <a:rPr kumimoji="1" lang="en-US" altLang="ko-KR" sz="1200" b="0" i="0">
+                    <a:latin typeface="Cambria Math" panose="02040503050406030204" pitchFamily="18" charset="0"/>
+                  </a:rPr>
+                  <a:t>𝐸=∑2_𝑛▒〖𝐼(𝑓(𝑥_𝑛 )=𝑦_𝑛)〗  </a:t>
+                </a:r>
+                <a:r>
+                  <a:rPr kumimoji="1" lang="en-US" altLang="ko-KR" dirty="0"/>
+                  <a:t>, i.e.</a:t>
+                </a:r>
+                <a:r>
+                  <a:rPr kumimoji="1" lang="en-US" altLang="ko-KR" baseline="0" dirty="0"/>
+                  <a:t> Step Function</a:t>
+                </a:r>
+                <a:endParaRPr kumimoji="1" lang="ko-KR" altLang="en-US" dirty="0"/>
+              </a:p>
+            </p:txBody>
+          </p:sp>
+        </mc:Fallback>
+      </mc:AlternateContent>
       <p:sp>
         <p:nvSpPr>
           <p:cNvPr id="4" name="슬라이드 번호 개체 틀 3"/>
@@ -1606,7 +3054,7 @@
           <a:p>
             <a:fld id="{66F1804E-3A7B-CB4E-A07E-DA9E522294ED}" type="datetime1">
               <a:rPr kumimoji="1" lang="ko-KR" altLang="en-US" smtClean="0"/>
-              <a:t>2017. 9. 17.</a:t>
+              <a:t>2017. 9. 18.</a:t>
             </a:fld>
             <a:endParaRPr kumimoji="1" lang="ko-KR" altLang="en-US"/>
           </a:p>
@@ -1628,7 +3076,7 @@
           <a:lstStyle/>
           <a:p>
             <a:r>
-              <a:rPr kumimoji="1" lang="en-US" altLang="ko-KR" smtClean="0"/>
+              <a:rPr kumimoji="1" lang="en-US" altLang="ko-KR"/>
               <a:t>SKT AI Course: Deep Learning Basics by Heung-Il Suk</a:t>
             </a:r>
             <a:endParaRPr kumimoji="1" lang="ko-KR" altLang="en-US"/>
@@ -1687,10 +3135,9 @@
           </a:lstStyle>
           <a:p>
             <a:r>
-              <a:rPr kumimoji="1" lang="ko-KR" altLang="en-US" dirty="0" smtClean="0"/>
+              <a:rPr kumimoji="1" lang="ko-KR" altLang="en-US" dirty="0"/>
               <a:t>마스터 제목 스타일 편집</a:t>
             </a:r>
-            <a:endParaRPr kumimoji="1" lang="ko-KR" altLang="en-US" dirty="0"/>
           </a:p>
         </p:txBody>
       </p:sp>
@@ -1740,10 +3187,9 @@
           <a:lstStyle/>
           <a:p>
             <a:r>
-              <a:rPr kumimoji="1" lang="ko-KR" altLang="en-US" smtClean="0"/>
+              <a:rPr kumimoji="1" lang="ko-KR" altLang="en-US"/>
               <a:t>마스터 제목 스타일 편집</a:t>
             </a:r>
-            <a:endParaRPr kumimoji="1" lang="ko-KR" altLang="en-US"/>
           </a:p>
         </p:txBody>
       </p:sp>
@@ -1764,38 +3210,37 @@
           <a:p>
             <a:pPr lvl="0"/>
             <a:r>
-              <a:rPr kumimoji="1" lang="ko-KR" altLang="en-US" smtClean="0"/>
+              <a:rPr kumimoji="1" lang="ko-KR" altLang="en-US"/>
               <a:t>마스터 텍스트 스타일을 편집하려면 클릭</a:t>
             </a:r>
           </a:p>
           <a:p>
             <a:pPr lvl="1"/>
             <a:r>
-              <a:rPr kumimoji="1" lang="ko-KR" altLang="en-US" smtClean="0"/>
+              <a:rPr kumimoji="1" lang="ko-KR" altLang="en-US"/>
               <a:t>두 번째 수준</a:t>
             </a:r>
           </a:p>
           <a:p>
             <a:pPr lvl="2"/>
             <a:r>
-              <a:rPr kumimoji="1" lang="ko-KR" altLang="en-US" smtClean="0"/>
+              <a:rPr kumimoji="1" lang="ko-KR" altLang="en-US"/>
               <a:t>세 번째 수준</a:t>
             </a:r>
           </a:p>
           <a:p>
             <a:pPr lvl="3"/>
             <a:r>
-              <a:rPr kumimoji="1" lang="ko-KR" altLang="en-US" smtClean="0"/>
+              <a:rPr kumimoji="1" lang="ko-KR" altLang="en-US"/>
               <a:t>네 번째 수준</a:t>
             </a:r>
           </a:p>
           <a:p>
             <a:pPr lvl="4"/>
             <a:r>
-              <a:rPr kumimoji="1" lang="ko-KR" altLang="en-US" smtClean="0"/>
+              <a:rPr kumimoji="1" lang="ko-KR" altLang="en-US"/>
               <a:t>다섯 번째 수준</a:t>
             </a:r>
-            <a:endParaRPr kumimoji="1" lang="ko-KR" altLang="en-US"/>
           </a:p>
         </p:txBody>
       </p:sp>
@@ -1816,7 +3261,7 @@
           <a:p>
             <a:fld id="{45E2D529-5BC2-CA4B-8EDA-2F62141EB15F}" type="datetime1">
               <a:rPr kumimoji="1" lang="ko-KR" altLang="en-US" smtClean="0"/>
-              <a:t>2017. 9. 17.</a:t>
+              <a:t>2017. 9. 18.</a:t>
             </a:fld>
             <a:endParaRPr kumimoji="1" lang="ko-KR" altLang="en-US"/>
           </a:p>
@@ -1838,7 +3283,7 @@
           <a:lstStyle/>
           <a:p>
             <a:r>
-              <a:rPr kumimoji="1" lang="en-US" altLang="ko-KR" smtClean="0"/>
+              <a:rPr kumimoji="1" lang="en-US" altLang="ko-KR"/>
               <a:t>SKT AI Course: Deep Learning Basics by Heung-Il Suk</a:t>
             </a:r>
             <a:endParaRPr kumimoji="1" lang="ko-KR" altLang="en-US"/>
@@ -1919,10 +3364,9 @@
           <a:lstStyle/>
           <a:p>
             <a:r>
-              <a:rPr kumimoji="1" lang="ko-KR" altLang="en-US" smtClean="0"/>
+              <a:rPr kumimoji="1" lang="ko-KR" altLang="en-US"/>
               <a:t>마스터 제목 스타일 편집</a:t>
             </a:r>
-            <a:endParaRPr kumimoji="1" lang="ko-KR" altLang="en-US"/>
           </a:p>
         </p:txBody>
       </p:sp>
@@ -1948,38 +3392,37 @@
           <a:p>
             <a:pPr lvl="0"/>
             <a:r>
-              <a:rPr kumimoji="1" lang="ko-KR" altLang="en-US" smtClean="0"/>
+              <a:rPr kumimoji="1" lang="ko-KR" altLang="en-US"/>
               <a:t>마스터 텍스트 스타일을 편집하려면 클릭</a:t>
             </a:r>
           </a:p>
           <a:p>
             <a:pPr lvl="1"/>
             <a:r>
-              <a:rPr kumimoji="1" lang="ko-KR" altLang="en-US" smtClean="0"/>
+              <a:rPr kumimoji="1" lang="ko-KR" altLang="en-US"/>
               <a:t>두 번째 수준</a:t>
             </a:r>
           </a:p>
           <a:p>
             <a:pPr lvl="2"/>
             <a:r>
-              <a:rPr kumimoji="1" lang="ko-KR" altLang="en-US" smtClean="0"/>
+              <a:rPr kumimoji="1" lang="ko-KR" altLang="en-US"/>
               <a:t>세 번째 수준</a:t>
             </a:r>
           </a:p>
           <a:p>
             <a:pPr lvl="3"/>
             <a:r>
-              <a:rPr kumimoji="1" lang="ko-KR" altLang="en-US" smtClean="0"/>
+              <a:rPr kumimoji="1" lang="ko-KR" altLang="en-US"/>
               <a:t>네 번째 수준</a:t>
             </a:r>
           </a:p>
           <a:p>
             <a:pPr lvl="4"/>
             <a:r>
-              <a:rPr kumimoji="1" lang="ko-KR" altLang="en-US" smtClean="0"/>
+              <a:rPr kumimoji="1" lang="ko-KR" altLang="en-US"/>
               <a:t>다섯 번째 수준</a:t>
             </a:r>
-            <a:endParaRPr kumimoji="1" lang="ko-KR" altLang="en-US"/>
           </a:p>
         </p:txBody>
       </p:sp>
@@ -2000,7 +3443,7 @@
           <a:p>
             <a:fld id="{084B4D01-7904-7F46-9EAF-A99AD9563ABF}" type="datetime1">
               <a:rPr kumimoji="1" lang="ko-KR" altLang="en-US" smtClean="0"/>
-              <a:t>2017. 9. 17.</a:t>
+              <a:t>2017. 9. 18.</a:t>
             </a:fld>
             <a:endParaRPr kumimoji="1" lang="ko-KR" altLang="en-US"/>
           </a:p>
@@ -2022,7 +3465,7 @@
           <a:lstStyle/>
           <a:p>
             <a:r>
-              <a:rPr kumimoji="1" lang="en-US" altLang="ko-KR" smtClean="0"/>
+              <a:rPr kumimoji="1" lang="en-US" altLang="ko-KR"/>
               <a:t>SKT AI Course: Deep Learning Basics by Heung-Il Suk</a:t>
             </a:r>
             <a:endParaRPr kumimoji="1" lang="ko-KR" altLang="en-US"/>
@@ -2098,10 +3541,9 @@
           <a:lstStyle/>
           <a:p>
             <a:r>
-              <a:rPr kumimoji="1" lang="ko-KR" altLang="en-US" smtClean="0"/>
+              <a:rPr kumimoji="1" lang="ko-KR" altLang="en-US"/>
               <a:t>마스터 제목 스타일 편집</a:t>
             </a:r>
-            <a:endParaRPr kumimoji="1" lang="ko-KR" altLang="en-US"/>
           </a:p>
         </p:txBody>
       </p:sp>
@@ -2122,38 +3564,37 @@
           <a:p>
             <a:pPr lvl="0"/>
             <a:r>
-              <a:rPr kumimoji="1" lang="ko-KR" altLang="en-US" smtClean="0"/>
+              <a:rPr kumimoji="1" lang="ko-KR" altLang="en-US"/>
               <a:t>마스터 텍스트 스타일을 편집하려면 클릭</a:t>
             </a:r>
           </a:p>
           <a:p>
             <a:pPr lvl="1"/>
             <a:r>
-              <a:rPr kumimoji="1" lang="ko-KR" altLang="en-US" smtClean="0"/>
+              <a:rPr kumimoji="1" lang="ko-KR" altLang="en-US"/>
               <a:t>두 번째 수준</a:t>
             </a:r>
           </a:p>
           <a:p>
             <a:pPr lvl="2"/>
             <a:r>
-              <a:rPr kumimoji="1" lang="ko-KR" altLang="en-US" smtClean="0"/>
+              <a:rPr kumimoji="1" lang="ko-KR" altLang="en-US"/>
               <a:t>세 번째 수준</a:t>
             </a:r>
           </a:p>
           <a:p>
             <a:pPr lvl="3"/>
             <a:r>
-              <a:rPr kumimoji="1" lang="ko-KR" altLang="en-US" smtClean="0"/>
+              <a:rPr kumimoji="1" lang="ko-KR" altLang="en-US"/>
               <a:t>네 번째 수준</a:t>
             </a:r>
           </a:p>
           <a:p>
             <a:pPr lvl="4"/>
             <a:r>
-              <a:rPr kumimoji="1" lang="ko-KR" altLang="en-US" smtClean="0"/>
+              <a:rPr kumimoji="1" lang="ko-KR" altLang="en-US"/>
               <a:t>다섯 번째 수준</a:t>
             </a:r>
-            <a:endParaRPr kumimoji="1" lang="ko-KR" altLang="en-US"/>
           </a:p>
         </p:txBody>
       </p:sp>
@@ -2174,7 +3615,7 @@
           <a:p>
             <a:fld id="{E86B1254-D30F-E443-B058-677F77DBB29C}" type="datetime1">
               <a:rPr kumimoji="1" lang="ko-KR" altLang="en-US" smtClean="0"/>
-              <a:t>2017. 9. 17.</a:t>
+              <a:t>2017. 9. 18.</a:t>
             </a:fld>
             <a:endParaRPr kumimoji="1" lang="ko-KR" altLang="en-US"/>
           </a:p>
@@ -2196,7 +3637,7 @@
           <a:lstStyle/>
           <a:p>
             <a:r>
-              <a:rPr kumimoji="1" lang="en-US" altLang="ko-KR" smtClean="0"/>
+              <a:rPr kumimoji="1" lang="en-US" altLang="ko-KR"/>
               <a:t>SKT AI Course: Deep Learning Basics by Heung-Il Suk</a:t>
             </a:r>
             <a:endParaRPr kumimoji="1" lang="ko-KR" altLang="en-US"/>
@@ -2281,10 +3722,9 @@
           </a:lstStyle>
           <a:p>
             <a:r>
-              <a:rPr kumimoji="1" lang="ko-KR" altLang="en-US" smtClean="0"/>
+              <a:rPr kumimoji="1" lang="ko-KR" altLang="en-US"/>
               <a:t>마스터 제목 스타일 편집</a:t>
             </a:r>
-            <a:endParaRPr kumimoji="1" lang="ko-KR" altLang="en-US"/>
           </a:p>
         </p:txBody>
       </p:sp>
@@ -2401,7 +3841,7 @@
           <a:p>
             <a:pPr lvl="0"/>
             <a:r>
-              <a:rPr kumimoji="1" lang="ko-KR" altLang="en-US" smtClean="0"/>
+              <a:rPr kumimoji="1" lang="ko-KR" altLang="en-US"/>
               <a:t>마스터 텍스트 스타일을 편집하려면 클릭</a:t>
             </a:r>
           </a:p>
@@ -2424,7 +3864,7 @@
           <a:p>
             <a:fld id="{3412AD51-8BEA-4049-AA0C-7229ED7C6484}" type="datetime1">
               <a:rPr kumimoji="1" lang="ko-KR" altLang="en-US" smtClean="0"/>
-              <a:t>2017. 9. 17.</a:t>
+              <a:t>2017. 9. 18.</a:t>
             </a:fld>
             <a:endParaRPr kumimoji="1" lang="ko-KR" altLang="en-US"/>
           </a:p>
@@ -2446,7 +3886,7 @@
           <a:lstStyle/>
           <a:p>
             <a:r>
-              <a:rPr kumimoji="1" lang="en-US" altLang="ko-KR" smtClean="0"/>
+              <a:rPr kumimoji="1" lang="en-US" altLang="ko-KR"/>
               <a:t>SKT AI Course: Deep Learning Basics by Heung-Il Suk</a:t>
             </a:r>
             <a:endParaRPr kumimoji="1" lang="ko-KR" altLang="en-US"/>
@@ -2522,10 +3962,9 @@
           <a:lstStyle/>
           <a:p>
             <a:r>
-              <a:rPr kumimoji="1" lang="ko-KR" altLang="en-US" smtClean="0"/>
+              <a:rPr kumimoji="1" lang="ko-KR" altLang="en-US"/>
               <a:t>마스터 제목 스타일 편집</a:t>
             </a:r>
-            <a:endParaRPr kumimoji="1" lang="ko-KR" altLang="en-US"/>
           </a:p>
         </p:txBody>
       </p:sp>
@@ -2551,38 +3990,37 @@
           <a:p>
             <a:pPr lvl="0"/>
             <a:r>
-              <a:rPr kumimoji="1" lang="ko-KR" altLang="en-US" smtClean="0"/>
+              <a:rPr kumimoji="1" lang="ko-KR" altLang="en-US"/>
               <a:t>마스터 텍스트 스타일을 편집하려면 클릭</a:t>
             </a:r>
           </a:p>
           <a:p>
             <a:pPr lvl="1"/>
             <a:r>
-              <a:rPr kumimoji="1" lang="ko-KR" altLang="en-US" smtClean="0"/>
+              <a:rPr kumimoji="1" lang="ko-KR" altLang="en-US"/>
               <a:t>두 번째 수준</a:t>
             </a:r>
           </a:p>
           <a:p>
             <a:pPr lvl="2"/>
             <a:r>
-              <a:rPr kumimoji="1" lang="ko-KR" altLang="en-US" smtClean="0"/>
+              <a:rPr kumimoji="1" lang="ko-KR" altLang="en-US"/>
               <a:t>세 번째 수준</a:t>
             </a:r>
           </a:p>
           <a:p>
             <a:pPr lvl="3"/>
             <a:r>
-              <a:rPr kumimoji="1" lang="ko-KR" altLang="en-US" smtClean="0"/>
+              <a:rPr kumimoji="1" lang="ko-KR" altLang="en-US"/>
               <a:t>네 번째 수준</a:t>
             </a:r>
           </a:p>
           <a:p>
             <a:pPr lvl="4"/>
             <a:r>
-              <a:rPr kumimoji="1" lang="ko-KR" altLang="en-US" smtClean="0"/>
+              <a:rPr kumimoji="1" lang="ko-KR" altLang="en-US"/>
               <a:t>다섯 번째 수준</a:t>
             </a:r>
-            <a:endParaRPr kumimoji="1" lang="ko-KR" altLang="en-US"/>
           </a:p>
         </p:txBody>
       </p:sp>
@@ -2608,38 +4046,37 @@
           <a:p>
             <a:pPr lvl="0"/>
             <a:r>
-              <a:rPr kumimoji="1" lang="ko-KR" altLang="en-US" smtClean="0"/>
+              <a:rPr kumimoji="1" lang="ko-KR" altLang="en-US"/>
               <a:t>마스터 텍스트 스타일을 편집하려면 클릭</a:t>
             </a:r>
           </a:p>
           <a:p>
             <a:pPr lvl="1"/>
             <a:r>
-              <a:rPr kumimoji="1" lang="ko-KR" altLang="en-US" smtClean="0"/>
+              <a:rPr kumimoji="1" lang="ko-KR" altLang="en-US"/>
               <a:t>두 번째 수준</a:t>
             </a:r>
           </a:p>
           <a:p>
             <a:pPr lvl="2"/>
             <a:r>
-              <a:rPr kumimoji="1" lang="ko-KR" altLang="en-US" smtClean="0"/>
+              <a:rPr kumimoji="1" lang="ko-KR" altLang="en-US"/>
               <a:t>세 번째 수준</a:t>
             </a:r>
           </a:p>
           <a:p>
             <a:pPr lvl="3"/>
             <a:r>
-              <a:rPr kumimoji="1" lang="ko-KR" altLang="en-US" smtClean="0"/>
+              <a:rPr kumimoji="1" lang="ko-KR" altLang="en-US"/>
               <a:t>네 번째 수준</a:t>
             </a:r>
           </a:p>
           <a:p>
             <a:pPr lvl="4"/>
             <a:r>
-              <a:rPr kumimoji="1" lang="ko-KR" altLang="en-US" smtClean="0"/>
+              <a:rPr kumimoji="1" lang="ko-KR" altLang="en-US"/>
               <a:t>다섯 번째 수준</a:t>
             </a:r>
-            <a:endParaRPr kumimoji="1" lang="ko-KR" altLang="en-US"/>
           </a:p>
         </p:txBody>
       </p:sp>
@@ -2660,7 +4097,7 @@
           <a:p>
             <a:fld id="{2889960D-4C3D-6A44-A753-3BC358D4232E}" type="datetime1">
               <a:rPr kumimoji="1" lang="ko-KR" altLang="en-US" smtClean="0"/>
-              <a:t>2017. 9. 17.</a:t>
+              <a:t>2017. 9. 18.</a:t>
             </a:fld>
             <a:endParaRPr kumimoji="1" lang="ko-KR" altLang="en-US"/>
           </a:p>
@@ -2682,7 +4119,7 @@
           <a:lstStyle/>
           <a:p>
             <a:r>
-              <a:rPr kumimoji="1" lang="en-US" altLang="ko-KR" smtClean="0"/>
+              <a:rPr kumimoji="1" lang="en-US" altLang="ko-KR"/>
               <a:t>SKT AI Course: Deep Learning Basics by Heung-Il Suk</a:t>
             </a:r>
             <a:endParaRPr kumimoji="1" lang="ko-KR" altLang="en-US"/>
@@ -2763,10 +4200,9 @@
           <a:lstStyle/>
           <a:p>
             <a:r>
-              <a:rPr kumimoji="1" lang="ko-KR" altLang="en-US" smtClean="0"/>
+              <a:rPr kumimoji="1" lang="ko-KR" altLang="en-US"/>
               <a:t>마스터 제목 스타일 편집</a:t>
             </a:r>
-            <a:endParaRPr kumimoji="1" lang="ko-KR" altLang="en-US"/>
           </a:p>
         </p:txBody>
       </p:sp>
@@ -2829,7 +4265,7 @@
           <a:p>
             <a:pPr lvl="0"/>
             <a:r>
-              <a:rPr kumimoji="1" lang="ko-KR" altLang="en-US" smtClean="0"/>
+              <a:rPr kumimoji="1" lang="ko-KR" altLang="en-US"/>
               <a:t>마스터 텍스트 스타일을 편집하려면 클릭</a:t>
             </a:r>
           </a:p>
@@ -2857,38 +4293,37 @@
           <a:p>
             <a:pPr lvl="0"/>
             <a:r>
-              <a:rPr kumimoji="1" lang="ko-KR" altLang="en-US" smtClean="0"/>
+              <a:rPr kumimoji="1" lang="ko-KR" altLang="en-US"/>
               <a:t>마스터 텍스트 스타일을 편집하려면 클릭</a:t>
             </a:r>
           </a:p>
           <a:p>
             <a:pPr lvl="1"/>
             <a:r>
-              <a:rPr kumimoji="1" lang="ko-KR" altLang="en-US" smtClean="0"/>
+              <a:rPr kumimoji="1" lang="ko-KR" altLang="en-US"/>
               <a:t>두 번째 수준</a:t>
             </a:r>
           </a:p>
           <a:p>
             <a:pPr lvl="2"/>
             <a:r>
-              <a:rPr kumimoji="1" lang="ko-KR" altLang="en-US" smtClean="0"/>
+              <a:rPr kumimoji="1" lang="ko-KR" altLang="en-US"/>
               <a:t>세 번째 수준</a:t>
             </a:r>
           </a:p>
           <a:p>
             <a:pPr lvl="3"/>
             <a:r>
-              <a:rPr kumimoji="1" lang="ko-KR" altLang="en-US" smtClean="0"/>
+              <a:rPr kumimoji="1" lang="ko-KR" altLang="en-US"/>
               <a:t>네 번째 수준</a:t>
             </a:r>
           </a:p>
           <a:p>
             <a:pPr lvl="4"/>
             <a:r>
-              <a:rPr kumimoji="1" lang="ko-KR" altLang="en-US" smtClean="0"/>
+              <a:rPr kumimoji="1" lang="ko-KR" altLang="en-US"/>
               <a:t>다섯 번째 수준</a:t>
             </a:r>
-            <a:endParaRPr kumimoji="1" lang="ko-KR" altLang="en-US"/>
           </a:p>
         </p:txBody>
       </p:sp>
@@ -2951,7 +4386,7 @@
           <a:p>
             <a:pPr lvl="0"/>
             <a:r>
-              <a:rPr kumimoji="1" lang="ko-KR" altLang="en-US" smtClean="0"/>
+              <a:rPr kumimoji="1" lang="ko-KR" altLang="en-US"/>
               <a:t>마스터 텍스트 스타일을 편집하려면 클릭</a:t>
             </a:r>
           </a:p>
@@ -2979,38 +4414,37 @@
           <a:p>
             <a:pPr lvl="0"/>
             <a:r>
-              <a:rPr kumimoji="1" lang="ko-KR" altLang="en-US" smtClean="0"/>
+              <a:rPr kumimoji="1" lang="ko-KR" altLang="en-US"/>
               <a:t>마스터 텍스트 스타일을 편집하려면 클릭</a:t>
             </a:r>
           </a:p>
           <a:p>
             <a:pPr lvl="1"/>
             <a:r>
-              <a:rPr kumimoji="1" lang="ko-KR" altLang="en-US" smtClean="0"/>
+              <a:rPr kumimoji="1" lang="ko-KR" altLang="en-US"/>
               <a:t>두 번째 수준</a:t>
             </a:r>
           </a:p>
           <a:p>
             <a:pPr lvl="2"/>
             <a:r>
-              <a:rPr kumimoji="1" lang="ko-KR" altLang="en-US" smtClean="0"/>
+              <a:rPr kumimoji="1" lang="ko-KR" altLang="en-US"/>
               <a:t>세 번째 수준</a:t>
             </a:r>
           </a:p>
           <a:p>
             <a:pPr lvl="3"/>
             <a:r>
-              <a:rPr kumimoji="1" lang="ko-KR" altLang="en-US" smtClean="0"/>
+              <a:rPr kumimoji="1" lang="ko-KR" altLang="en-US"/>
               <a:t>네 번째 수준</a:t>
             </a:r>
           </a:p>
           <a:p>
             <a:pPr lvl="4"/>
             <a:r>
-              <a:rPr kumimoji="1" lang="ko-KR" altLang="en-US" smtClean="0"/>
+              <a:rPr kumimoji="1" lang="ko-KR" altLang="en-US"/>
               <a:t>다섯 번째 수준</a:t>
             </a:r>
-            <a:endParaRPr kumimoji="1" lang="ko-KR" altLang="en-US"/>
           </a:p>
         </p:txBody>
       </p:sp>
@@ -3031,7 +4465,7 @@
           <a:p>
             <a:fld id="{09EC5941-7B3B-6946-B286-09FC43BFD012}" type="datetime1">
               <a:rPr kumimoji="1" lang="ko-KR" altLang="en-US" smtClean="0"/>
-              <a:t>2017. 9. 17.</a:t>
+              <a:t>2017. 9. 18.</a:t>
             </a:fld>
             <a:endParaRPr kumimoji="1" lang="ko-KR" altLang="en-US"/>
           </a:p>
@@ -3053,7 +4487,7 @@
           <a:lstStyle/>
           <a:p>
             <a:r>
-              <a:rPr kumimoji="1" lang="en-US" altLang="ko-KR" smtClean="0"/>
+              <a:rPr kumimoji="1" lang="en-US" altLang="ko-KR"/>
               <a:t>SKT AI Course: Deep Learning Basics by Heung-Il Suk</a:t>
             </a:r>
             <a:endParaRPr kumimoji="1" lang="ko-KR" altLang="en-US"/>
@@ -3129,10 +4563,9 @@
           <a:lstStyle/>
           <a:p>
             <a:r>
-              <a:rPr kumimoji="1" lang="ko-KR" altLang="en-US" smtClean="0"/>
+              <a:rPr kumimoji="1" lang="ko-KR" altLang="en-US"/>
               <a:t>마스터 제목 스타일 편집</a:t>
             </a:r>
-            <a:endParaRPr kumimoji="1" lang="ko-KR" altLang="en-US"/>
           </a:p>
         </p:txBody>
       </p:sp>
@@ -3153,7 +4586,7 @@
           <a:p>
             <a:fld id="{2FB9C05E-B13E-8744-86BE-90F73818B2DC}" type="datetime1">
               <a:rPr kumimoji="1" lang="ko-KR" altLang="en-US" smtClean="0"/>
-              <a:t>2017. 9. 17.</a:t>
+              <a:t>2017. 9. 18.</a:t>
             </a:fld>
             <a:endParaRPr kumimoji="1" lang="ko-KR" altLang="en-US"/>
           </a:p>
@@ -3175,7 +4608,7 @@
           <a:lstStyle/>
           <a:p>
             <a:r>
-              <a:rPr kumimoji="1" lang="en-US" altLang="ko-KR" smtClean="0"/>
+              <a:rPr kumimoji="1" lang="en-US" altLang="ko-KR"/>
               <a:t>SKT AI Course: Deep Learning Basics by Heung-Il Suk</a:t>
             </a:r>
             <a:endParaRPr kumimoji="1" lang="ko-KR" altLang="en-US"/>
@@ -3252,7 +4685,7 @@
           <a:p>
             <a:fld id="{A1FFE762-09EA-D042-B4FE-44AC12DC16EF}" type="datetime1">
               <a:rPr kumimoji="1" lang="ko-KR" altLang="en-US" smtClean="0"/>
-              <a:t>2017. 9. 17.</a:t>
+              <a:t>2017. 9. 18.</a:t>
             </a:fld>
             <a:endParaRPr kumimoji="1" lang="ko-KR" altLang="en-US"/>
           </a:p>
@@ -3274,7 +4707,7 @@
           <a:lstStyle/>
           <a:p>
             <a:r>
-              <a:rPr kumimoji="1" lang="en-US" altLang="ko-KR" smtClean="0"/>
+              <a:rPr kumimoji="1" lang="en-US" altLang="ko-KR"/>
               <a:t>SKT AI Course: Deep Learning Basics by Heung-Il Suk</a:t>
             </a:r>
             <a:endParaRPr kumimoji="1" lang="ko-KR" altLang="en-US"/>
@@ -3359,10 +4792,9 @@
           </a:lstStyle>
           <a:p>
             <a:r>
-              <a:rPr kumimoji="1" lang="ko-KR" altLang="en-US" smtClean="0"/>
+              <a:rPr kumimoji="1" lang="ko-KR" altLang="en-US"/>
               <a:t>마스터 제목 스타일 편집</a:t>
             </a:r>
-            <a:endParaRPr kumimoji="1" lang="ko-KR" altLang="en-US"/>
           </a:p>
         </p:txBody>
       </p:sp>
@@ -3416,38 +4848,37 @@
           <a:p>
             <a:pPr lvl="0"/>
             <a:r>
-              <a:rPr kumimoji="1" lang="ko-KR" altLang="en-US" smtClean="0"/>
+              <a:rPr kumimoji="1" lang="ko-KR" altLang="en-US"/>
               <a:t>마스터 텍스트 스타일을 편집하려면 클릭</a:t>
             </a:r>
           </a:p>
           <a:p>
             <a:pPr lvl="1"/>
             <a:r>
-              <a:rPr kumimoji="1" lang="ko-KR" altLang="en-US" smtClean="0"/>
+              <a:rPr kumimoji="1" lang="ko-KR" altLang="en-US"/>
               <a:t>두 번째 수준</a:t>
             </a:r>
           </a:p>
           <a:p>
             <a:pPr lvl="2"/>
             <a:r>
-              <a:rPr kumimoji="1" lang="ko-KR" altLang="en-US" smtClean="0"/>
+              <a:rPr kumimoji="1" lang="ko-KR" altLang="en-US"/>
               <a:t>세 번째 수준</a:t>
             </a:r>
           </a:p>
           <a:p>
             <a:pPr lvl="3"/>
             <a:r>
-              <a:rPr kumimoji="1" lang="ko-KR" altLang="en-US" smtClean="0"/>
+              <a:rPr kumimoji="1" lang="ko-KR" altLang="en-US"/>
               <a:t>네 번째 수준</a:t>
             </a:r>
           </a:p>
           <a:p>
             <a:pPr lvl="4"/>
             <a:r>
-              <a:rPr kumimoji="1" lang="ko-KR" altLang="en-US" smtClean="0"/>
+              <a:rPr kumimoji="1" lang="ko-KR" altLang="en-US"/>
               <a:t>다섯 번째 수준</a:t>
             </a:r>
-            <a:endParaRPr kumimoji="1" lang="ko-KR" altLang="en-US"/>
           </a:p>
         </p:txBody>
       </p:sp>
@@ -3510,7 +4941,7 @@
           <a:p>
             <a:pPr lvl="0"/>
             <a:r>
-              <a:rPr kumimoji="1" lang="ko-KR" altLang="en-US" smtClean="0"/>
+              <a:rPr kumimoji="1" lang="ko-KR" altLang="en-US"/>
               <a:t>마스터 텍스트 스타일을 편집하려면 클릭</a:t>
             </a:r>
           </a:p>
@@ -3533,7 +4964,7 @@
           <a:p>
             <a:fld id="{421B593D-E2AA-4546-A68E-611AFFA83616}" type="datetime1">
               <a:rPr kumimoji="1" lang="ko-KR" altLang="en-US" smtClean="0"/>
-              <a:t>2017. 9. 17.</a:t>
+              <a:t>2017. 9. 18.</a:t>
             </a:fld>
             <a:endParaRPr kumimoji="1" lang="ko-KR" altLang="en-US"/>
           </a:p>
@@ -3555,7 +4986,7 @@
           <a:lstStyle/>
           <a:p>
             <a:r>
-              <a:rPr kumimoji="1" lang="en-US" altLang="ko-KR" smtClean="0"/>
+              <a:rPr kumimoji="1" lang="en-US" altLang="ko-KR"/>
               <a:t>SKT AI Course: Deep Learning Basics by Heung-Il Suk</a:t>
             </a:r>
             <a:endParaRPr kumimoji="1" lang="ko-KR" altLang="en-US"/>
@@ -3640,10 +5071,9 @@
           </a:lstStyle>
           <a:p>
             <a:r>
-              <a:rPr kumimoji="1" lang="ko-KR" altLang="en-US" smtClean="0"/>
+              <a:rPr kumimoji="1" lang="ko-KR" altLang="en-US"/>
               <a:t>마스터 제목 스타일 편집</a:t>
             </a:r>
-            <a:endParaRPr kumimoji="1" lang="ko-KR" altLang="en-US"/>
           </a:p>
         </p:txBody>
       </p:sp>
@@ -3767,7 +5197,7 @@
           <a:p>
             <a:pPr lvl="0"/>
             <a:r>
-              <a:rPr kumimoji="1" lang="ko-KR" altLang="en-US" smtClean="0"/>
+              <a:rPr kumimoji="1" lang="ko-KR" altLang="en-US"/>
               <a:t>마스터 텍스트 스타일을 편집하려면 클릭</a:t>
             </a:r>
           </a:p>
@@ -3790,7 +5220,7 @@
           <a:p>
             <a:fld id="{2B9D0F93-1FE6-C74E-96BA-9B581C77F872}" type="datetime1">
               <a:rPr kumimoji="1" lang="ko-KR" altLang="en-US" smtClean="0"/>
-              <a:t>2017. 9. 17.</a:t>
+              <a:t>2017. 9. 18.</a:t>
             </a:fld>
             <a:endParaRPr kumimoji="1" lang="ko-KR" altLang="en-US"/>
           </a:p>
@@ -3812,7 +5242,7 @@
           <a:lstStyle/>
           <a:p>
             <a:r>
-              <a:rPr kumimoji="1" lang="en-US" altLang="ko-KR" smtClean="0"/>
+              <a:rPr kumimoji="1" lang="en-US" altLang="ko-KR"/>
               <a:t>SKT AI Course: Deep Learning Basics by Heung-Il Suk</a:t>
             </a:r>
             <a:endParaRPr kumimoji="1" lang="ko-KR" altLang="en-US"/>
@@ -3903,10 +5333,9 @@
           <a:lstStyle/>
           <a:p>
             <a:r>
-              <a:rPr kumimoji="1" lang="ko-KR" altLang="en-US" smtClean="0"/>
+              <a:rPr kumimoji="1" lang="ko-KR" altLang="en-US"/>
               <a:t>마스터 제목 스타일 편집</a:t>
             </a:r>
-            <a:endParaRPr kumimoji="1" lang="ko-KR" altLang="en-US"/>
           </a:p>
         </p:txBody>
       </p:sp>
@@ -3937,38 +5366,37 @@
           <a:p>
             <a:pPr lvl="0"/>
             <a:r>
-              <a:rPr kumimoji="1" lang="ko-KR" altLang="en-US" smtClean="0"/>
+              <a:rPr kumimoji="1" lang="ko-KR" altLang="en-US"/>
               <a:t>마스터 텍스트 스타일을 편집하려면 클릭</a:t>
             </a:r>
           </a:p>
           <a:p>
             <a:pPr lvl="1"/>
             <a:r>
-              <a:rPr kumimoji="1" lang="ko-KR" altLang="en-US" smtClean="0"/>
+              <a:rPr kumimoji="1" lang="ko-KR" altLang="en-US"/>
               <a:t>두 번째 수준</a:t>
             </a:r>
           </a:p>
           <a:p>
             <a:pPr lvl="2"/>
             <a:r>
-              <a:rPr kumimoji="1" lang="ko-KR" altLang="en-US" smtClean="0"/>
+              <a:rPr kumimoji="1" lang="ko-KR" altLang="en-US"/>
               <a:t>세 번째 수준</a:t>
             </a:r>
           </a:p>
           <a:p>
             <a:pPr lvl="3"/>
             <a:r>
-              <a:rPr kumimoji="1" lang="ko-KR" altLang="en-US" smtClean="0"/>
+              <a:rPr kumimoji="1" lang="ko-KR" altLang="en-US"/>
               <a:t>네 번째 수준</a:t>
             </a:r>
           </a:p>
           <a:p>
             <a:pPr lvl="4"/>
             <a:r>
-              <a:rPr kumimoji="1" lang="ko-KR" altLang="en-US" smtClean="0"/>
+              <a:rPr kumimoji="1" lang="ko-KR" altLang="en-US"/>
               <a:t>다섯 번째 수준</a:t>
             </a:r>
-            <a:endParaRPr kumimoji="1" lang="ko-KR" altLang="en-US"/>
           </a:p>
         </p:txBody>
       </p:sp>
@@ -4007,7 +5435,7 @@
           <a:p>
             <a:fld id="{1AF303CB-A68E-B040-8B4C-1351696851A1}" type="datetime1">
               <a:rPr kumimoji="1" lang="ko-KR" altLang="en-US" smtClean="0"/>
-              <a:t>2017. 9. 17.</a:t>
+              <a:t>2017. 9. 18.</a:t>
             </a:fld>
             <a:endParaRPr kumimoji="1" lang="ko-KR" altLang="en-US"/>
           </a:p>
@@ -4047,7 +5475,7 @@
           </a:lstStyle>
           <a:p>
             <a:r>
-              <a:rPr kumimoji="1" lang="en-US" altLang="ko-KR" smtClean="0"/>
+              <a:rPr kumimoji="1" lang="en-US" altLang="ko-KR"/>
               <a:t>SKT AI Course: Deep Learning Basics by Heung-Il Suk</a:t>
             </a:r>
             <a:endParaRPr kumimoji="1" lang="ko-KR" altLang="en-US"/>
@@ -4445,7 +5873,7 @@
               </a:lnSpc>
             </a:pPr>
             <a:r>
-              <a:rPr kumimoji="1" lang="en-US" altLang="ko-KR" sz="3600" b="1" dirty="0" smtClean="0">
+              <a:rPr kumimoji="1" lang="en-US" altLang="ko-KR" sz="3600" b="1" dirty="0">
                 <a:solidFill>
                   <a:srgbClr val="1E3DB4"/>
                 </a:solidFill>
@@ -4453,14 +5881,14 @@
               <a:t>Practice #1: Perceptron Learning</a:t>
             </a:r>
             <a:br>
-              <a:rPr kumimoji="1" lang="en-US" altLang="ko-KR" sz="3600" b="1" dirty="0" smtClean="0">
+              <a:rPr kumimoji="1" lang="en-US" altLang="ko-KR" sz="3600" b="1" dirty="0">
                 <a:solidFill>
                   <a:srgbClr val="1E3DB4"/>
                 </a:solidFill>
               </a:rPr>
             </a:br>
             <a:r>
-              <a:rPr kumimoji="1" lang="en-US" altLang="ko-KR" sz="2400" b="1" dirty="0" smtClean="0">
+              <a:rPr kumimoji="1" lang="en-US" altLang="ko-KR" sz="2400" b="1" dirty="0">
                 <a:solidFill>
                   <a:srgbClr val="1E3DB4"/>
                 </a:solidFill>
@@ -4509,35 +5937,23 @@
             </a:pPr>
             <a:r>
               <a:rPr kumimoji="1" lang="en-US" altLang="ko-KR" sz="2400" b="1" dirty="0"/>
-              <a:t>TA: </a:t>
-            </a:r>
-            <a:r>
-              <a:rPr kumimoji="1" lang="en-US" altLang="ko-KR" sz="2400" b="1" dirty="0" smtClean="0"/>
-              <a:t>Jun-</a:t>
-            </a:r>
-            <a:r>
-              <a:rPr kumimoji="1" lang="en-US" altLang="ko-KR" sz="2400" b="1" dirty="0" err="1" smtClean="0"/>
+              <a:t>TA: Jun-</a:t>
+            </a:r>
+            <a:r>
+              <a:rPr kumimoji="1" lang="en-US" altLang="ko-KR" sz="2400" b="1" dirty="0" err="1"/>
               <a:t>Sik</a:t>
             </a:r>
             <a:r>
-              <a:rPr kumimoji="1" lang="en-US" altLang="ko-KR" sz="2400" b="1" dirty="0" smtClean="0"/>
-              <a:t> </a:t>
-            </a:r>
-            <a:r>
               <a:rPr kumimoji="1" lang="en-US" altLang="ko-KR" sz="2400" b="1" dirty="0"/>
-              <a:t>Choi &amp; </a:t>
-            </a:r>
-            <a:r>
-              <a:rPr kumimoji="1" lang="en-US" altLang="ko-KR" sz="2400" b="1" dirty="0" err="1" smtClean="0"/>
+              <a:t> Choi &amp; </a:t>
+            </a:r>
+            <a:r>
+              <a:rPr kumimoji="1" lang="en-US" altLang="ko-KR" sz="2400" b="1" dirty="0" err="1"/>
               <a:t>Jee-Seok</a:t>
             </a:r>
             <a:r>
-              <a:rPr kumimoji="1" lang="en-US" altLang="ko-KR" sz="2400" b="1" dirty="0" smtClean="0"/>
-              <a:t> </a:t>
-            </a:r>
-            <a:r>
               <a:rPr kumimoji="1" lang="en-US" altLang="ko-KR" sz="2400" b="1" dirty="0"/>
-              <a:t>Yoon</a:t>
+              <a:t> Yoon</a:t>
             </a:r>
           </a:p>
           <a:p>
@@ -4558,7 +5974,7 @@
               <a:tabLst/>
               <a:defRPr/>
             </a:pPr>
-            <a:endParaRPr kumimoji="1" lang="en-US" altLang="ko-KR" sz="1200" b="1" dirty="0" smtClean="0"/>
+            <a:endParaRPr kumimoji="1" lang="en-US" altLang="ko-KR" sz="1200" b="1" dirty="0"/>
           </a:p>
           <a:p>
             <a:pPr marL="0" marR="0" lvl="0" indent="0" algn="ctr" defTabSz="914400" eaLnBrk="1" fontAlgn="auto" latinLnBrk="0" hangingPunct="1">
@@ -4579,7 +5995,7 @@
               <a:defRPr/>
             </a:pPr>
             <a:r>
-              <a:rPr kumimoji="1" lang="en-US" altLang="ko-KR" sz="2100" b="1" dirty="0" smtClean="0"/>
+              <a:rPr kumimoji="1" lang="en-US" altLang="ko-KR" sz="2100" b="1" dirty="0"/>
               <a:t>Instructor: Heung-Il Suk</a:t>
             </a:r>
           </a:p>
@@ -4602,14 +6018,14 @@
               <a:defRPr/>
             </a:pPr>
             <a:r>
-              <a:rPr kumimoji="1" lang="en-US" altLang="ko-KR" sz="1800" dirty="0" err="1" smtClean="0">
+              <a:rPr kumimoji="1" lang="en-US" altLang="ko-KR" sz="1800" dirty="0" err="1">
                 <a:solidFill>
                   <a:srgbClr val="222581"/>
                 </a:solidFill>
               </a:rPr>
               <a:t>hisuk@korea.ac.kr</a:t>
             </a:r>
-            <a:endParaRPr kumimoji="1" lang="en-US" altLang="ko-KR" sz="1800" dirty="0" smtClean="0">
+            <a:endParaRPr kumimoji="1" lang="en-US" altLang="ko-KR" sz="1800" dirty="0">
               <a:solidFill>
                 <a:srgbClr val="222581"/>
               </a:solidFill>
@@ -4634,125 +6050,12 @@
               <a:defRPr/>
             </a:pPr>
             <a:r>
-              <a:rPr kumimoji="1" lang="en-US" altLang="ko-KR" sz="1800" dirty="0" smtClean="0">
+              <a:rPr kumimoji="1" lang="en-US" altLang="ko-KR" sz="1800" dirty="0">
                 <a:solidFill>
                   <a:srgbClr val="222581"/>
                 </a:solidFill>
               </a:rPr>
               <a:t>http://www.ku-milab.org</a:t>
-            </a:r>
-          </a:p>
-          <a:p>
-            <a:pPr marL="0" marR="0" lvl="0" indent="0" algn="ctr" defTabSz="914400" eaLnBrk="1" fontAlgn="auto" latinLnBrk="0" hangingPunct="1">
-              <a:lnSpc>
-                <a:spcPct val="100000"/>
-              </a:lnSpc>
-              <a:spcBef>
-                <a:spcPts val="0"/>
-              </a:spcBef>
-              <a:spcAft>
-                <a:spcPts val="0"/>
-              </a:spcAft>
-              <a:buClrTx/>
-              <a:buSzTx/>
-              <a:buFontTx/>
-              <a:buNone/>
-              <a:tabLst/>
-              <a:defRPr/>
-            </a:pPr>
-            <a:endParaRPr kumimoji="1" lang="en-US" altLang="ko-KR" sz="1800" dirty="0" smtClean="0">
-              <a:solidFill>
-                <a:srgbClr val="222581"/>
-              </a:solidFill>
-            </a:endParaRPr>
-          </a:p>
-          <a:p>
-            <a:pPr marL="0" marR="0" lvl="0" indent="0" algn="ctr" defTabSz="914400" eaLnBrk="1" fontAlgn="auto" latinLnBrk="0" hangingPunct="1">
-              <a:lnSpc>
-                <a:spcPct val="100000"/>
-              </a:lnSpc>
-              <a:spcBef>
-                <a:spcPts val="0"/>
-              </a:spcBef>
-              <a:spcAft>
-                <a:spcPts val="0"/>
-              </a:spcAft>
-              <a:buClrTx/>
-              <a:buSzTx/>
-              <a:buFontTx/>
-              <a:buNone/>
-              <a:tabLst/>
-              <a:defRPr/>
-            </a:pPr>
-            <a:r>
-              <a:rPr kumimoji="1" lang="en-US" altLang="ko-KR" sz="1800" dirty="0" smtClean="0"/>
-              <a:t>Department of Brain and Cognitive Engineering,</a:t>
-            </a:r>
-          </a:p>
-          <a:p>
-            <a:pPr marL="0" marR="0" lvl="0" indent="0" algn="ctr" defTabSz="914400" eaLnBrk="1" fontAlgn="auto" latinLnBrk="0" hangingPunct="1">
-              <a:lnSpc>
-                <a:spcPct val="100000"/>
-              </a:lnSpc>
-              <a:spcBef>
-                <a:spcPts val="0"/>
-              </a:spcBef>
-              <a:spcAft>
-                <a:spcPts val="0"/>
-              </a:spcAft>
-              <a:buClrTx/>
-              <a:buSzTx/>
-              <a:buFontTx/>
-              <a:buNone/>
-              <a:tabLst/>
-              <a:defRPr/>
-            </a:pPr>
-            <a:r>
-              <a:rPr kumimoji="1" lang="en-US" altLang="ko-KR" sz="1800" dirty="0" smtClean="0"/>
-              <a:t>Korea University</a:t>
-            </a:r>
-          </a:p>
-          <a:p>
-            <a:pPr marL="0" marR="0" lvl="0" indent="0" algn="ctr" defTabSz="914400" eaLnBrk="1" fontAlgn="auto" latinLnBrk="0" hangingPunct="1">
-              <a:lnSpc>
-                <a:spcPct val="100000"/>
-              </a:lnSpc>
-              <a:spcBef>
-                <a:spcPts val="0"/>
-              </a:spcBef>
-              <a:spcAft>
-                <a:spcPts val="0"/>
-              </a:spcAft>
-              <a:buClrTx/>
-              <a:buSzTx/>
-              <a:buFontTx/>
-              <a:buNone/>
-              <a:tabLst/>
-              <a:defRPr/>
-            </a:pPr>
-            <a:endParaRPr kumimoji="1" lang="en-US" altLang="ko-KR" sz="1800" dirty="0"/>
-          </a:p>
-          <a:p>
-            <a:pPr marL="0" marR="0" lvl="0" indent="0" algn="ctr" defTabSz="914400" eaLnBrk="1" fontAlgn="auto" latinLnBrk="0" hangingPunct="1">
-              <a:lnSpc>
-                <a:spcPct val="100000"/>
-              </a:lnSpc>
-              <a:spcBef>
-                <a:spcPts val="0"/>
-              </a:spcBef>
-              <a:spcAft>
-                <a:spcPts val="0"/>
-              </a:spcAft>
-              <a:buClrTx/>
-              <a:buSzTx/>
-              <a:buFontTx/>
-              <a:buNone/>
-              <a:tabLst/>
-              <a:defRPr/>
-            </a:pPr>
-            <a:r>
-              <a:rPr kumimoji="1" lang="en-US" altLang="ko-KR" sz="1800" dirty="0" smtClean="0"/>
-              <a:t>September 18, 2017</a:t>
             </a:r>
           </a:p>
           <a:p>
@@ -4797,11 +6100,76 @@
               <a:tabLst/>
               <a:defRPr/>
             </a:pPr>
-            <a:endParaRPr kumimoji="1" lang="en-US" altLang="ko-KR" sz="1800" dirty="0" smtClean="0">
-              <a:solidFill>
-                <a:srgbClr val="222581"/>
-              </a:solidFill>
-            </a:endParaRPr>
+            <a:r>
+              <a:rPr kumimoji="1" lang="en-US" altLang="ko-KR" sz="1800" dirty="0"/>
+              <a:t>Department of Brain and Cognitive Engineering,</a:t>
+            </a:r>
+          </a:p>
+          <a:p>
+            <a:pPr marL="0" marR="0" lvl="0" indent="0" algn="ctr" defTabSz="914400" eaLnBrk="1" fontAlgn="auto" latinLnBrk="0" hangingPunct="1">
+              <a:lnSpc>
+                <a:spcPct val="100000"/>
+              </a:lnSpc>
+              <a:spcBef>
+                <a:spcPts val="0"/>
+              </a:spcBef>
+              <a:spcAft>
+                <a:spcPts val="0"/>
+              </a:spcAft>
+              <a:buClrTx/>
+              <a:buSzTx/>
+              <a:buFontTx/>
+              <a:buNone/>
+              <a:tabLst/>
+              <a:defRPr/>
+            </a:pPr>
+            <a:r>
+              <a:rPr kumimoji="1" lang="en-US" altLang="ko-KR" sz="1800" dirty="0"/>
+              <a:t>Korea University</a:t>
+            </a:r>
+          </a:p>
+          <a:p>
+            <a:pPr marL="0" marR="0" lvl="0" indent="0" algn="ctr" defTabSz="914400" eaLnBrk="1" fontAlgn="auto" latinLnBrk="0" hangingPunct="1">
+              <a:lnSpc>
+                <a:spcPct val="100000"/>
+              </a:lnSpc>
+              <a:spcBef>
+                <a:spcPts val="0"/>
+              </a:spcBef>
+              <a:spcAft>
+                <a:spcPts val="0"/>
+              </a:spcAft>
+              <a:buClrTx/>
+              <a:buSzTx/>
+              <a:buFontTx/>
+              <a:buNone/>
+              <a:tabLst/>
+              <a:defRPr/>
+            </a:pPr>
+            <a:endParaRPr kumimoji="1" lang="en-US" altLang="ko-KR" sz="1800" dirty="0"/>
+          </a:p>
+          <a:p>
+            <a:pPr marL="0" marR="0" lvl="0" indent="0" algn="ctr" defTabSz="914400" eaLnBrk="1" fontAlgn="auto" latinLnBrk="0" hangingPunct="1">
+              <a:lnSpc>
+                <a:spcPct val="100000"/>
+              </a:lnSpc>
+              <a:spcBef>
+                <a:spcPts val="0"/>
+              </a:spcBef>
+              <a:spcAft>
+                <a:spcPts val="0"/>
+              </a:spcAft>
+              <a:buClrTx/>
+              <a:buSzTx/>
+              <a:buFontTx/>
+              <a:buNone/>
+              <a:tabLst/>
+              <a:defRPr/>
+            </a:pPr>
+            <a:r>
+              <a:rPr kumimoji="1" lang="en-US" altLang="ko-KR" sz="1800" dirty="0"/>
+              <a:t>September 18, 2017</a:t>
+            </a:r>
           </a:p>
           <a:p>
             <a:pPr marL="0" marR="0" lvl="0" indent="0" algn="ctr" defTabSz="914400" eaLnBrk="1" fontAlgn="auto" latinLnBrk="0" hangingPunct="1">
@@ -4845,7 +6213,55 @@
               <a:tabLst/>
               <a:defRPr/>
             </a:pPr>
-            <a:endParaRPr kumimoji="1" lang="en-US" altLang="ko-KR" sz="1800" dirty="0" smtClean="0">
+            <a:endParaRPr kumimoji="1" lang="en-US" altLang="ko-KR" sz="1800" dirty="0">
+              <a:solidFill>
+                <a:srgbClr val="222581"/>
+              </a:solidFill>
+            </a:endParaRPr>
+          </a:p>
+          <a:p>
+            <a:pPr marL="0" marR="0" lvl="0" indent="0" algn="ctr" defTabSz="914400" eaLnBrk="1" fontAlgn="auto" latinLnBrk="0" hangingPunct="1">
+              <a:lnSpc>
+                <a:spcPct val="100000"/>
+              </a:lnSpc>
+              <a:spcBef>
+                <a:spcPts val="0"/>
+              </a:spcBef>
+              <a:spcAft>
+                <a:spcPts val="0"/>
+              </a:spcAft>
+              <a:buClrTx/>
+              <a:buSzTx/>
+              <a:buFontTx/>
+              <a:buNone/>
+              <a:tabLst/>
+              <a:defRPr/>
+            </a:pPr>
+            <a:endParaRPr kumimoji="1" lang="en-US" altLang="ko-KR" sz="1800" dirty="0">
+              <a:solidFill>
+                <a:srgbClr val="222581"/>
+              </a:solidFill>
+            </a:endParaRPr>
+          </a:p>
+          <a:p>
+            <a:pPr marL="0" marR="0" lvl="0" indent="0" algn="ctr" defTabSz="914400" eaLnBrk="1" fontAlgn="auto" latinLnBrk="0" hangingPunct="1">
+              <a:lnSpc>
+                <a:spcPct val="100000"/>
+              </a:lnSpc>
+              <a:spcBef>
+                <a:spcPts val="0"/>
+              </a:spcBef>
+              <a:spcAft>
+                <a:spcPts val="0"/>
+              </a:spcAft>
+              <a:buClrTx/>
+              <a:buSzTx/>
+              <a:buFontTx/>
+              <a:buNone/>
+              <a:tabLst/>
+              <a:defRPr/>
+            </a:pPr>
+            <a:endParaRPr kumimoji="1" lang="en-US" altLang="ko-KR" sz="1800" dirty="0">
               <a:solidFill>
                 <a:srgbClr val="222581"/>
               </a:solidFill>
@@ -4900,7 +6316,7 @@
           <a:lstStyle/>
           <a:p>
             <a:r>
-              <a:rPr kumimoji="1" lang="en-US" altLang="ko-KR" b="1" dirty="0" smtClean="0">
+              <a:rPr kumimoji="1" lang="en-US" altLang="ko-KR" b="1" dirty="0">
                 <a:solidFill>
                   <a:srgbClr val="BA0F4C"/>
                 </a:solidFill>
@@ -4979,13 +6395,6 @@
   <p:clrMapOvr>
     <a:masterClrMapping/>
   </p:clrMapOvr>
-  <p:timing>
-    <p:tnLst>
-      <p:par>
-        <p:cTn id="1" dur="indefinite" restart="never" nodeType="tmRoot"/>
-      </p:par>
-    </p:tnLst>
-  </p:timing>
 </p:sld>
 </file>
 
@@ -5029,7 +6438,7 @@
           <a:lstStyle/>
           <a:p>
             <a:r>
-              <a:rPr kumimoji="1" lang="en-US" altLang="ko-KR" sz="3600" b="1" dirty="0" smtClean="0">
+              <a:rPr kumimoji="1" lang="en-US" altLang="ko-KR" sz="3600" b="1" dirty="0">
                 <a:solidFill>
                   <a:srgbClr val="1E3DB4"/>
                 </a:solidFill>
@@ -5116,7 +6525,7 @@
           <a:lstStyle/>
           <a:p>
             <a:r>
-              <a:rPr kumimoji="1" lang="en-US" altLang="ko-KR" smtClean="0"/>
+              <a:rPr kumimoji="1" lang="en-US" altLang="ko-KR"/>
               <a:t>SKT AI Course: Deep Learning Basics by Heung-Il Suk</a:t>
             </a:r>
             <a:endParaRPr kumimoji="1" lang="ko-KR" altLang="en-US"/>
@@ -5173,12 +6582,12 @@
               <a:buChar char="•"/>
             </a:pPr>
             <a:r>
-              <a:rPr kumimoji="1" lang="en-US" altLang="ko-KR" sz="2400" dirty="0" smtClean="0"/>
-              <a:t>Task 2: Implement weight update part of method </a:t>
-            </a:r>
-            <a:r>
-              <a:rPr kumimoji="1" lang="en-US" altLang="ko-KR" sz="2400" b="1" dirty="0" smtClean="0"/>
-              <a:t>fit(self, X, y)</a:t>
+              <a:rPr kumimoji="1" lang="en-US" altLang="ko-KR" sz="2400" dirty="0"/>
+              <a:t>Task 2: Implement prediction of model with method </a:t>
+            </a:r>
+            <a:r>
+              <a:rPr kumimoji="1" lang="en-US" altLang="ko-KR" sz="2400" b="1" dirty="0"/>
+              <a:t>predict(self, X)</a:t>
             </a:r>
           </a:p>
         </p:txBody>
@@ -5194,14 +6603,14 @@
               <p:nvPr>
                 <p:extLst>
                   <p:ext uri="{D42A27DB-BD31-4B8C-83A1-F6EECF244321}">
-                    <p14:modId xmlns:p14="http://schemas.microsoft.com/office/powerpoint/2010/main" val="1017323987"/>
+                    <p14:modId xmlns:p14="http://schemas.microsoft.com/office/powerpoint/2010/main" val="100602431"/>
                   </p:ext>
                 </p:extLst>
               </p:nvPr>
             </p:nvGraphicFramePr>
             <p:xfrm>
-              <a:off x="722253" y="1823662"/>
-              <a:ext cx="10631547" cy="4494587"/>
+              <a:off x="722253" y="2519464"/>
+              <a:ext cx="10631547" cy="3798785"/>
             </p:xfrm>
             <a:graphic>
               <a:graphicData uri="http://schemas.microsoft.com/office/webextensions/webextension/2010/11">
@@ -5227,8 +6636,8 @@
             </p:blipFill>
             <p:spPr>
               <a:xfrm>
-                <a:off x="722253" y="1823662"/>
-                <a:ext cx="10631547" cy="4494587"/>
+                <a:off x="722253" y="2519464"/>
+                <a:ext cx="10631547" cy="3798785"/>
               </a:xfrm>
               <a:prstGeom prst="rect">
                 <a:avLst/>
@@ -5247,13 +6656,6 @@
   <p:clrMapOvr>
     <a:masterClrMapping/>
   </p:clrMapOvr>
-  <p:timing>
-    <p:tnLst>
-      <p:par>
-        <p:cTn id="1" dur="indefinite" restart="never" nodeType="tmRoot"/>
-      </p:par>
-    </p:tnLst>
-  </p:timing>
 </p:sld>
 </file>
 
@@ -5297,12 +6699,12 @@
           <a:lstStyle/>
           <a:p>
             <a:r>
-              <a:rPr kumimoji="1" lang="en-US" altLang="ko-KR" sz="3600" b="1" dirty="0" smtClean="0">
+              <a:rPr kumimoji="1" lang="en-US" altLang="ko-KR" sz="3600" b="1" dirty="0">
                 <a:solidFill>
                   <a:srgbClr val="1E3DB4"/>
                 </a:solidFill>
               </a:rPr>
-              <a:t>Training</a:t>
+              <a:t>Implement major methods of Class Perceptron (3)</a:t>
             </a:r>
             <a:endParaRPr kumimoji="1" lang="ko-KR" altLang="en-US" sz="3600" dirty="0"/>
           </a:p>
@@ -5384,7 +6786,7 @@
           <a:lstStyle/>
           <a:p>
             <a:r>
-              <a:rPr kumimoji="1" lang="en-US" altLang="ko-KR" smtClean="0"/>
+              <a:rPr kumimoji="1" lang="en-US" altLang="ko-KR"/>
               <a:t>SKT AI Course: Deep Learning Basics by Heung-Il Suk</a:t>
             </a:r>
             <a:endParaRPr kumimoji="1" lang="ko-KR" altLang="en-US"/>
@@ -5441,11 +6843,11 @@
               <a:buChar char="•"/>
             </a:pPr>
             <a:r>
-              <a:rPr kumimoji="1" lang="en-US" altLang="ko-KR" sz="2400" dirty="0" smtClean="0"/>
+              <a:rPr kumimoji="1" lang="en-US" altLang="ko-KR" sz="2400" dirty="0"/>
               <a:t>Task 3: Implement weight update part of method </a:t>
             </a:r>
             <a:r>
-              <a:rPr kumimoji="1" lang="en-US" altLang="ko-KR" sz="2400" b="1" dirty="0" smtClean="0"/>
+              <a:rPr kumimoji="1" lang="en-US" altLang="ko-KR" sz="2400" b="1" dirty="0"/>
               <a:t>fit(self, X, y)</a:t>
             </a:r>
           </a:p>
@@ -5459,11 +6861,13 @@
               <p:cNvGraphicFramePr>
                 <a:graphicFrameLocks noGrp="1"/>
               </p:cNvGraphicFramePr>
-              <p:nvPr/>
+              <p:nvPr>
+                <p:extLst/>
+              </p:nvPr>
             </p:nvGraphicFramePr>
             <p:xfrm>
-              <a:off x="736600" y="1861762"/>
-              <a:ext cx="10794999" cy="4494587"/>
+              <a:off x="736600" y="1439996"/>
+              <a:ext cx="10794999" cy="4916354"/>
             </p:xfrm>
             <a:graphic>
               <a:graphicData uri="http://schemas.microsoft.com/office/webextensions/webextension/2010/11">
@@ -5489,8 +6893,8 @@
             </p:blipFill>
             <p:spPr>
               <a:xfrm>
-                <a:off x="736600" y="1861762"/>
-                <a:ext cx="10794999" cy="4494587"/>
+                <a:off x="736600" y="1439996"/>
+                <a:ext cx="10794999" cy="4916354"/>
               </a:xfrm>
               <a:prstGeom prst="rect">
                 <a:avLst/>
@@ -5530,7 +6934,7 @@
                       <m:jc m:val="centerGroup"/>
                     </m:oMathParaPr>
                     <m:oMath xmlns:m="http://schemas.openxmlformats.org/officeDocument/2006/math">
-                      <a:fld id="{08BF2CEE-CE13-184C-9399-8EF9CCEE7E55}" type="mathplaceholder">
+                      <a:fld id="{CDD7F7E2-7C5D-0148-8C5C-97491D46B68B}" type="mathplaceholder">
                         <a:rPr kumimoji="1" lang="ko-KR" altLang="en-US" i="1" smtClean="0">
                           <a:latin typeface="Cambria Math" charset="0"/>
                         </a:rPr>
@@ -5586,20 +6990,13 @@
     </p:spTree>
     <p:extLst>
       <p:ext uri="{BB962C8B-B14F-4D97-AF65-F5344CB8AC3E}">
-        <p14:creationId xmlns:p14="http://schemas.microsoft.com/office/powerpoint/2010/main" val="726649025"/>
+        <p14:creationId xmlns:p14="http://schemas.microsoft.com/office/powerpoint/2010/main" val="1202762574"/>
       </p:ext>
     </p:extLst>
   </p:cSld>
   <p:clrMapOvr>
     <a:masterClrMapping/>
   </p:clrMapOvr>
-  <p:timing>
-    <p:tnLst>
-      <p:par>
-        <p:cTn id="1" dur="indefinite" restart="never" nodeType="tmRoot"/>
-      </p:par>
-    </p:tnLst>
-  </p:timing>
 </p:sld>
 </file>
 
@@ -5643,7 +7040,7 @@
           <a:lstStyle/>
           <a:p>
             <a:r>
-              <a:rPr kumimoji="1" lang="en-US" altLang="ko-KR" sz="3600" b="1" dirty="0" smtClean="0">
+              <a:rPr kumimoji="1" lang="en-US" altLang="ko-KR" sz="3600" b="1" dirty="0">
                 <a:solidFill>
                   <a:srgbClr val="1E3DB4"/>
                 </a:solidFill>
@@ -5730,7 +7127,7 @@
           <a:lstStyle/>
           <a:p>
             <a:r>
-              <a:rPr kumimoji="1" lang="en-US" altLang="ko-KR" smtClean="0"/>
+              <a:rPr kumimoji="1" lang="en-US" altLang="ko-KR"/>
               <a:t>SKT AI Course: Deep Learning Basics by Heung-Il Suk</a:t>
             </a:r>
             <a:endParaRPr kumimoji="1" lang="ko-KR" altLang="en-US"/>
@@ -5787,11 +7184,11 @@
               <a:buChar char="•"/>
             </a:pPr>
             <a:r>
-              <a:rPr kumimoji="1" lang="en-US" altLang="ko-KR" sz="2400" dirty="0" smtClean="0"/>
+              <a:rPr kumimoji="1" lang="en-US" altLang="ko-KR" sz="2400" dirty="0"/>
               <a:t>Task 3: Implement weight update part of method </a:t>
             </a:r>
             <a:r>
-              <a:rPr kumimoji="1" lang="en-US" altLang="ko-KR" sz="2400" b="1" dirty="0" smtClean="0"/>
+              <a:rPr kumimoji="1" lang="en-US" altLang="ko-KR" sz="2400" b="1" dirty="0"/>
               <a:t>fit(self, X, y)</a:t>
             </a:r>
           </a:p>
@@ -5805,7 +7202,9 @@
               <p:cNvGraphicFramePr>
                 <a:graphicFrameLocks noGrp="1"/>
               </p:cNvGraphicFramePr>
-              <p:nvPr/>
+              <p:nvPr>
+                <p:extLst/>
+              </p:nvPr>
             </p:nvGraphicFramePr>
             <p:xfrm>
               <a:off x="722253" y="1823662"/>
@@ -5848,20 +7247,13 @@
     </p:spTree>
     <p:extLst>
       <p:ext uri="{BB962C8B-B14F-4D97-AF65-F5344CB8AC3E}">
-        <p14:creationId xmlns:p14="http://schemas.microsoft.com/office/powerpoint/2010/main" val="1084239390"/>
+        <p14:creationId xmlns:p14="http://schemas.microsoft.com/office/powerpoint/2010/main" val="3569064518"/>
       </p:ext>
     </p:extLst>
   </p:cSld>
   <p:clrMapOvr>
     <a:masterClrMapping/>
   </p:clrMapOvr>
-  <p:timing>
-    <p:tnLst>
-      <p:par>
-        <p:cTn id="1" dur="indefinite" restart="never" nodeType="tmRoot"/>
-      </p:par>
-    </p:tnLst>
-  </p:timing>
 </p:sld>
 </file>
 
@@ -5882,250 +7274,89 @@
           <a:chExt cx="0" cy="0"/>
         </a:xfrm>
       </p:grpSpPr>
-      <p:sp>
-        <p:nvSpPr>
-          <p:cNvPr id="3" name="내용 개체 틀 2"/>
-          <p:cNvSpPr>
-            <a:spLocks noGrp="1"/>
-          </p:cNvSpPr>
-          <p:nvPr>
-            <p:ph idx="1"/>
+      <p:sp useBgFill="1">
+        <p:nvSpPr>
+          <p:cNvPr id="2" name="제목 1"/>
+          <p:cNvSpPr>
+            <a:spLocks noGrp="1"/>
+          </p:cNvSpPr>
+          <p:nvPr>
+            <p:ph type="title"/>
           </p:nvPr>
         </p:nvSpPr>
         <p:spPr>
           <a:xfrm>
-            <a:off x="350108" y="793097"/>
-            <a:ext cx="11491784" cy="5251561"/>
+            <a:off x="838200" y="2372497"/>
+            <a:ext cx="10515600" cy="1351341"/>
           </a:xfrm>
+          <a:ln>
+            <a:noFill/>
+          </a:ln>
+          <a:effectLst>
+            <a:outerShdw blurRad="50800" dist="76200" dir="2760000" algn="tl" rotWithShape="0">
+              <a:prstClr val="black">
+                <a:alpha val="40000"/>
+              </a:prstClr>
+            </a:outerShdw>
+          </a:effectLst>
         </p:spPr>
         <p:txBody>
-          <a:bodyPr/>
-          <a:lstStyle/>
-          <a:p>
-            <a:pPr marL="514350" marR="0" lvl="0" indent="-514350" algn="ctr" defTabSz="914400" eaLnBrk="1" fontAlgn="auto" latinLnBrk="0" hangingPunct="1">
-              <a:lnSpc>
-                <a:spcPct val="150000"/>
-              </a:lnSpc>
-              <a:spcBef>
-                <a:spcPts val="0"/>
-              </a:spcBef>
-              <a:spcAft>
-                <a:spcPts val="0"/>
-              </a:spcAft>
-              <a:buClrTx/>
-              <a:buSzTx/>
-              <a:buFontTx/>
-              <a:buNone/>
-              <a:tabLst/>
-              <a:defRPr/>
-            </a:pPr>
-            <a:endParaRPr kumimoji="1" lang="en-US" altLang="ko-KR" dirty="0">
+          <a:bodyPr>
+            <a:noAutofit/>
+          </a:bodyPr>
+          <a:lstStyle/>
+          <a:p>
+            <a:pPr lvl="0"/>
+            <a:r>
+              <a:rPr kumimoji="1" lang="en-US" altLang="ko-KR" sz="4000" b="1" dirty="0" err="1">
+                <a:solidFill>
+                  <a:srgbClr val="222581"/>
+                </a:solidFill>
+              </a:rPr>
+              <a:t>Widrow</a:t>
+            </a:r>
+            <a:r>
+              <a:rPr kumimoji="1" lang="en-US" altLang="ko-KR" sz="4000" b="1" dirty="0">
+                <a:solidFill>
+                  <a:srgbClr val="222581"/>
+                </a:solidFill>
+              </a:rPr>
+              <a:t>-Hoff</a:t>
+            </a:r>
+            <a:r>
+              <a:rPr kumimoji="1" lang="en-US" altLang="ko-KR" sz="4000" dirty="0">
+                <a:solidFill>
+                  <a:srgbClr val="222581"/>
+                </a:solidFill>
+              </a:rPr>
+              <a:t>’s Perceptron</a:t>
+            </a:r>
+            <a:br>
+              <a:rPr kumimoji="1" lang="en-US" altLang="ko-KR" sz="4000" dirty="0">
+                <a:solidFill>
+                  <a:srgbClr val="222581"/>
+                </a:solidFill>
+              </a:rPr>
+            </a:br>
+            <a:r>
+              <a:rPr kumimoji="1" lang="en-US" altLang="ko-KR" sz="4000" dirty="0">
+                <a:solidFill>
+                  <a:srgbClr val="222581"/>
+                </a:solidFill>
+              </a:rPr>
+              <a:t>with Vanilla Gradient Descent</a:t>
+            </a:r>
+            <a:endParaRPr kumimoji="1" lang="ko-KR" altLang="en-US" sz="4000" dirty="0">
               <a:solidFill>
-                <a:srgbClr val="222581"/>
+                <a:srgbClr val="1E3DB4"/>
               </a:solidFill>
             </a:endParaRPr>
           </a:p>
-          <a:p>
-            <a:pPr marL="514350" marR="0" lvl="0" indent="-514350" algn="ctr" defTabSz="914400" eaLnBrk="1" fontAlgn="auto" latinLnBrk="0" hangingPunct="1">
-              <a:lnSpc>
-                <a:spcPct val="150000"/>
-              </a:lnSpc>
-              <a:spcBef>
-                <a:spcPts val="0"/>
-              </a:spcBef>
-              <a:spcAft>
-                <a:spcPts val="0"/>
-              </a:spcAft>
-              <a:buClrTx/>
-              <a:buSzTx/>
-              <a:buFontTx/>
-              <a:buNone/>
-              <a:tabLst/>
-              <a:defRPr/>
-            </a:pPr>
-            <a:r>
-              <a:rPr kumimoji="1" lang="en-US" altLang="ko-KR" sz="4000" dirty="0" smtClean="0">
-                <a:solidFill>
-                  <a:srgbClr val="0020B4"/>
-                </a:solidFill>
-                <a:latin typeface="Cooper Black" charset="0"/>
-                <a:ea typeface="Cooper Black" charset="0"/>
-                <a:cs typeface="Cooper Black" charset="0"/>
-              </a:rPr>
-              <a:t>Thank you</a:t>
-            </a:r>
-          </a:p>
-          <a:p>
-            <a:pPr marL="514350" marR="0" lvl="0" indent="-514350" algn="ctr" defTabSz="914400" eaLnBrk="1" fontAlgn="auto" latinLnBrk="0" hangingPunct="1">
-              <a:lnSpc>
-                <a:spcPct val="150000"/>
-              </a:lnSpc>
-              <a:spcBef>
-                <a:spcPts val="0"/>
-              </a:spcBef>
-              <a:spcAft>
-                <a:spcPts val="0"/>
-              </a:spcAft>
-              <a:buClrTx/>
-              <a:buSzTx/>
-              <a:buFontTx/>
-              <a:buNone/>
-              <a:tabLst/>
-              <a:defRPr/>
-            </a:pPr>
-            <a:r>
-              <a:rPr kumimoji="1" lang="en-US" altLang="ko-KR" sz="4000" dirty="0" smtClean="0">
-                <a:solidFill>
-                  <a:srgbClr val="0020B4"/>
-                </a:solidFill>
-                <a:latin typeface="Cooper Black" charset="0"/>
-                <a:ea typeface="Cooper Black" charset="0"/>
-                <a:cs typeface="Cooper Black" charset="0"/>
-              </a:rPr>
-              <a:t>For your attention!!!</a:t>
-            </a:r>
-          </a:p>
-          <a:p>
-            <a:pPr marL="514350" marR="0" lvl="0" indent="-514350" algn="ctr" defTabSz="914400" eaLnBrk="1" fontAlgn="auto" latinLnBrk="0" hangingPunct="1">
-              <a:lnSpc>
-                <a:spcPct val="150000"/>
-              </a:lnSpc>
-              <a:spcBef>
-                <a:spcPts val="0"/>
-              </a:spcBef>
-              <a:spcAft>
-                <a:spcPts val="0"/>
-              </a:spcAft>
-              <a:buClrTx/>
-              <a:buSzTx/>
-              <a:buFontTx/>
-              <a:buNone/>
-              <a:tabLst/>
-              <a:defRPr/>
-            </a:pPr>
-            <a:r>
-              <a:rPr kumimoji="1" lang="en-US" altLang="ko-KR" sz="4400" b="1" dirty="0" smtClean="0">
-                <a:latin typeface="Britannic Bold" charset="0"/>
-                <a:ea typeface="Britannic Bold" charset="0"/>
-                <a:cs typeface="Britannic Bold" charset="0"/>
-              </a:rPr>
-              <a:t>(Q &amp; A)</a:t>
-            </a:r>
-          </a:p>
-          <a:p>
-            <a:pPr marL="514350" marR="0" lvl="0" indent="-514350" algn="ctr" defTabSz="914400" eaLnBrk="1" fontAlgn="auto" latinLnBrk="0" hangingPunct="1">
-              <a:lnSpc>
-                <a:spcPct val="150000"/>
-              </a:lnSpc>
-              <a:spcBef>
-                <a:spcPts val="0"/>
-              </a:spcBef>
-              <a:spcAft>
-                <a:spcPts val="0"/>
-              </a:spcAft>
-              <a:buClrTx/>
-              <a:buSzTx/>
-              <a:buFontTx/>
-              <a:buNone/>
-              <a:tabLst/>
-              <a:defRPr/>
-            </a:pPr>
-            <a:r>
-              <a:rPr kumimoji="1" lang="en-US" altLang="ko-KR" dirty="0" err="1" smtClean="0">
-                <a:solidFill>
-                  <a:srgbClr val="DF227B"/>
-                </a:solidFill>
-                <a:latin typeface="Cooper Black" charset="0"/>
-                <a:ea typeface="Cooper Black" charset="0"/>
-                <a:cs typeface="Cooper Black" charset="0"/>
-              </a:rPr>
-              <a:t>hisuk</a:t>
-            </a:r>
-            <a:r>
-              <a:rPr kumimoji="1" lang="en-US" altLang="ko-KR" dirty="0" smtClean="0">
-                <a:solidFill>
-                  <a:srgbClr val="DF227B"/>
-                </a:solidFill>
-                <a:latin typeface="Cooper Black" charset="0"/>
-                <a:ea typeface="Cooper Black" charset="0"/>
-                <a:cs typeface="Cooper Black" charset="0"/>
-              </a:rPr>
-              <a:t> (AT) </a:t>
-            </a:r>
-            <a:r>
-              <a:rPr kumimoji="1" lang="en-US" altLang="ko-KR" dirty="0" err="1" smtClean="0">
-                <a:solidFill>
-                  <a:srgbClr val="DF227B"/>
-                </a:solidFill>
-                <a:latin typeface="Cooper Black" charset="0"/>
-                <a:ea typeface="Cooper Black" charset="0"/>
-                <a:cs typeface="Cooper Black" charset="0"/>
-              </a:rPr>
-              <a:t>korea.ac.kr</a:t>
-            </a:r>
-            <a:endParaRPr kumimoji="1" lang="en-US" altLang="ko-KR" dirty="0" smtClean="0">
-              <a:solidFill>
-                <a:srgbClr val="DF227B"/>
-              </a:solidFill>
-              <a:latin typeface="Cooper Black" charset="0"/>
-              <a:ea typeface="Cooper Black" charset="0"/>
-              <a:cs typeface="Cooper Black" charset="0"/>
-            </a:endParaRPr>
-          </a:p>
-          <a:p>
-            <a:pPr marL="514350" marR="0" lvl="0" indent="-514350" algn="ctr" defTabSz="914400" eaLnBrk="1" fontAlgn="auto" latinLnBrk="0" hangingPunct="1">
-              <a:lnSpc>
-                <a:spcPct val="150000"/>
-              </a:lnSpc>
-              <a:spcBef>
-                <a:spcPts val="0"/>
-              </a:spcBef>
-              <a:spcAft>
-                <a:spcPts val="0"/>
-              </a:spcAft>
-              <a:buClrTx/>
-              <a:buSzTx/>
-              <a:buFontTx/>
-              <a:buNone/>
-              <a:tabLst/>
-              <a:defRPr/>
-            </a:pPr>
-            <a:r>
-              <a:rPr kumimoji="1" lang="en-US" altLang="ko-KR" sz="2400" dirty="0" smtClean="0">
-                <a:solidFill>
-                  <a:srgbClr val="202481"/>
-                </a:solidFill>
-                <a:latin typeface="Courier" charset="0"/>
-                <a:ea typeface="Courier" charset="0"/>
-                <a:cs typeface="Courier" charset="0"/>
-              </a:rPr>
-              <a:t>http://</a:t>
-            </a:r>
-            <a:r>
-              <a:rPr kumimoji="1" lang="en-US" altLang="ko-KR" sz="2400" dirty="0" err="1" smtClean="0">
-                <a:solidFill>
-                  <a:srgbClr val="202481"/>
-                </a:solidFill>
-                <a:latin typeface="Courier" charset="0"/>
-                <a:ea typeface="Courier" charset="0"/>
-                <a:cs typeface="Courier" charset="0"/>
-              </a:rPr>
-              <a:t>www.ku-milab.org</a:t>
-            </a:r>
-            <a:endParaRPr kumimoji="1" lang="ko-KR" altLang="en-US" sz="2400" dirty="0">
-              <a:solidFill>
-                <a:srgbClr val="202481"/>
-              </a:solidFill>
-              <a:latin typeface="Courier" charset="0"/>
-              <a:ea typeface="Courier" charset="0"/>
-              <a:cs typeface="Courier" charset="0"/>
-            </a:endParaRPr>
-          </a:p>
         </p:txBody>
       </p:sp>
       <p:pic>
         <p:nvPicPr>
-          <p:cNvPr id="7" name="그림 6"/>
+          <p:cNvPr id="3" name="그림 2"/>
           <p:cNvPicPr>
             <a:picLocks noChangeAspect="1"/>
           </p:cNvPicPr>
@@ -6153,56 +7384,10 @@
           </a:prstGeom>
         </p:spPr>
       </p:pic>
-      <p:sp>
-        <p:nvSpPr>
-          <p:cNvPr id="9" name="바닥글 개체 틀 8"/>
-          <p:cNvSpPr>
-            <a:spLocks noGrp="1"/>
-          </p:cNvSpPr>
-          <p:nvPr>
-            <p:ph type="ftr" sz="quarter" idx="11"/>
-          </p:nvPr>
-        </p:nvSpPr>
-        <p:spPr/>
-        <p:txBody>
-          <a:bodyPr/>
-          <a:lstStyle/>
-          <a:p>
-            <a:r>
-              <a:rPr kumimoji="1" lang="en-US" altLang="ko-KR" smtClean="0"/>
-              <a:t>SKT AI Course: Deep Learning Basics by Heung-Il Suk</a:t>
-            </a:r>
-            <a:endParaRPr kumimoji="1" lang="ko-KR" altLang="en-US"/>
-          </a:p>
-        </p:txBody>
-      </p:sp>
-      <p:sp>
-        <p:nvSpPr>
-          <p:cNvPr id="10" name="슬라이드 번호 개체 틀 9"/>
-          <p:cNvSpPr>
-            <a:spLocks noGrp="1"/>
-          </p:cNvSpPr>
-          <p:nvPr>
-            <p:ph type="sldNum" sz="quarter" idx="12"/>
-          </p:nvPr>
-        </p:nvSpPr>
-        <p:spPr/>
-        <p:txBody>
-          <a:bodyPr/>
-          <a:lstStyle/>
-          <a:p>
-            <a:fld id="{E3E75774-3282-1C4A-9118-50EA78BFB2AA}" type="slidenum">
-              <a:rPr kumimoji="1" lang="ko-KR" altLang="en-US" smtClean="0"/>
-              <a:t>13</a:t>
-            </a:fld>
-            <a:endParaRPr kumimoji="1" lang="ko-KR" altLang="en-US"/>
-          </a:p>
-        </p:txBody>
-      </p:sp>
     </p:spTree>
     <p:extLst>
       <p:ext uri="{BB962C8B-B14F-4D97-AF65-F5344CB8AC3E}">
-        <p14:creationId xmlns:p14="http://schemas.microsoft.com/office/powerpoint/2010/main" val="1664303654"/>
+        <p14:creationId xmlns:p14="http://schemas.microsoft.com/office/powerpoint/2010/main" val="2088157158"/>
       </p:ext>
     </p:extLst>
   </p:cSld>
@@ -6212,7 +7397,7 @@
 </p:sld>
 </file>
 
-<file path=ppt/slides/slide2.xml><?xml version="1.0" encoding="utf-8"?>
+<file path=ppt/slides/slide14.xml><?xml version="1.0" encoding="utf-8"?>
 <p:sld xmlns:a="http://schemas.openxmlformats.org/drawingml/2006/main" xmlns:r="http://schemas.openxmlformats.org/officeDocument/2006/relationships" xmlns:p="http://schemas.openxmlformats.org/presentationml/2006/main">
   <p:cSld>
     <p:spTree>
@@ -6252,111 +7437,22 @@
           <a:lstStyle/>
           <a:p>
             <a:r>
-              <a:rPr kumimoji="1" lang="en-US" altLang="ko-KR" sz="3600" b="1" dirty="0" smtClean="0">
+              <a:rPr kumimoji="1" lang="en-US" altLang="ko-KR" sz="3600" b="1" dirty="0" err="1">
                 <a:solidFill>
                   <a:srgbClr val="1E3DB4"/>
                 </a:solidFill>
               </a:rPr>
-              <a:t>Contents</a:t>
-            </a:r>
-            <a:endParaRPr kumimoji="1" lang="ko-KR" altLang="en-US" sz="3600" dirty="0"/>
-          </a:p>
-        </p:txBody>
-      </p:sp>
-      <p:sp>
-        <p:nvSpPr>
-          <p:cNvPr id="3" name="내용 개체 틀 2"/>
-          <p:cNvSpPr>
-            <a:spLocks noGrp="1"/>
-          </p:cNvSpPr>
-          <p:nvPr>
-            <p:ph idx="1"/>
-          </p:nvPr>
-        </p:nvSpPr>
-        <p:spPr>
-          <a:xfrm>
-            <a:off x="395416" y="1606440"/>
-            <a:ext cx="11491784" cy="3731680"/>
-          </a:xfrm>
-        </p:spPr>
-        <p:txBody>
-          <a:bodyPr/>
-          <a:lstStyle/>
-          <a:p>
-            <a:pPr marL="514350" lvl="0" indent="-514350" latinLnBrk="0">
-              <a:lnSpc>
-                <a:spcPct val="200000"/>
-              </a:lnSpc>
-              <a:spcBef>
-                <a:spcPts val="0"/>
-              </a:spcBef>
-              <a:buFontTx/>
-              <a:buAutoNum type="arabicPeriod"/>
-            </a:pPr>
-            <a:r>
-              <a:rPr kumimoji="1" lang="en-US" altLang="ko-KR" dirty="0" smtClean="0">
+              <a:t>Widrow</a:t>
+            </a:r>
+            <a:r>
+              <a:rPr kumimoji="1" lang="en-US" altLang="ko-KR" sz="3600" b="1" dirty="0">
                 <a:solidFill>
-                  <a:srgbClr val="222581"/>
+                  <a:srgbClr val="1E3DB4"/>
                 </a:solidFill>
               </a:rPr>
-              <a:t>Rosenblatt’s Perceptron with Vanilla Gradient Descent</a:t>
-            </a:r>
-          </a:p>
-          <a:p>
-            <a:pPr marL="514350" lvl="0" indent="-514350" latinLnBrk="0">
-              <a:lnSpc>
-                <a:spcPct val="200000"/>
-              </a:lnSpc>
-              <a:spcBef>
-                <a:spcPts val="0"/>
-              </a:spcBef>
-              <a:buFontTx/>
-              <a:buAutoNum type="arabicPeriod"/>
-            </a:pPr>
-            <a:r>
-              <a:rPr kumimoji="1" lang="en-US" altLang="ko-KR" dirty="0" err="1" smtClean="0">
-                <a:solidFill>
-                  <a:srgbClr val="222581"/>
-                </a:solidFill>
-              </a:rPr>
-              <a:t>Widrow</a:t>
-            </a:r>
-            <a:r>
-              <a:rPr kumimoji="1" lang="en-US" altLang="ko-KR" dirty="0" smtClean="0">
-                <a:solidFill>
-                  <a:srgbClr val="222581"/>
-                </a:solidFill>
-              </a:rPr>
-              <a:t>-Hoff’s Perceptron with Vanilla Gradient Descent</a:t>
-            </a:r>
-          </a:p>
-          <a:p>
-            <a:pPr marL="514350" lvl="0" indent="-514350" latinLnBrk="0">
-              <a:lnSpc>
-                <a:spcPct val="200000"/>
-              </a:lnSpc>
-              <a:spcBef>
-                <a:spcPts val="0"/>
-              </a:spcBef>
-              <a:buFontTx/>
-              <a:buAutoNum type="arabicPeriod"/>
-            </a:pPr>
-            <a:r>
-              <a:rPr kumimoji="1" lang="en-US" altLang="ko-KR" dirty="0" err="1" smtClean="0">
-                <a:solidFill>
-                  <a:srgbClr val="222581"/>
-                </a:solidFill>
-              </a:rPr>
-              <a:t>Widrow</a:t>
-            </a:r>
-            <a:r>
-              <a:rPr kumimoji="1" lang="en-US" altLang="ko-KR" dirty="0" smtClean="0">
-                <a:solidFill>
-                  <a:srgbClr val="222581"/>
-                </a:solidFill>
-              </a:rPr>
-              <a:t>-Hoff’s Perceptron with Stochastic Gradient Descent</a:t>
-            </a:r>
+              <a:t>-Hoff’s Perceptron Conceptual Diagram</a:t>
+            </a:r>
+            <a:endParaRPr kumimoji="1" lang="ko-KR" altLang="en-US" sz="3600" dirty="0"/>
           </a:p>
         </p:txBody>
       </p:sp>
@@ -6436,7 +7532,7 @@
           <a:lstStyle/>
           <a:p>
             <a:r>
-              <a:rPr kumimoji="1" lang="en-US" altLang="ko-KR" smtClean="0"/>
+              <a:rPr kumimoji="1" lang="en-US" altLang="ko-KR"/>
               <a:t>SKT AI Course: Deep Learning Basics by Heung-Il Suk</a:t>
             </a:r>
             <a:endParaRPr kumimoji="1" lang="ko-KR" altLang="en-US"/>
@@ -6460,33 +7556,510 @@
           <a:p>
             <a:fld id="{E3E75774-3282-1C4A-9118-50EA78BFB2AA}" type="slidenum">
               <a:rPr kumimoji="1" lang="ko-KR" altLang="en-US" smtClean="0"/>
-              <a:t>2</a:t>
+              <a:t>14</a:t>
             </a:fld>
             <a:endParaRPr kumimoji="1" lang="ko-KR" altLang="en-US"/>
           </a:p>
         </p:txBody>
       </p:sp>
+      <mc:AlternateContent xmlns:mc="http://schemas.openxmlformats.org/markup-compatibility/2006" xmlns:a14="http://schemas.microsoft.com/office/drawing/2010/main">
+        <mc:Choice Requires="a14">
+          <p:sp>
+            <p:nvSpPr>
+              <p:cNvPr id="8" name="텍스트 상자 2">
+                <a:extLst>
+                  <a:ext uri="{FF2B5EF4-FFF2-40B4-BE49-F238E27FC236}">
+                    <a16:creationId xmlns="" xmlns:a16="http://schemas.microsoft.com/office/drawing/2014/main" id="{2AA06069-1A27-4819-9847-1FF3B81C3D40}"/>
+                  </a:ext>
+                </a:extLst>
+              </p:cNvPr>
+              <p:cNvSpPr txBox="1"/>
+              <p:nvPr/>
+            </p:nvSpPr>
+            <p:spPr>
+              <a:xfrm>
+                <a:off x="395416" y="909295"/>
+                <a:ext cx="11491784" cy="3962944"/>
+              </a:xfrm>
+              <a:prstGeom prst="rect">
+                <a:avLst/>
+              </a:prstGeom>
+              <a:noFill/>
+            </p:spPr>
+            <p:txBody>
+              <a:bodyPr wrap="square" rtlCol="0">
+                <a:spAutoFit/>
+              </a:bodyPr>
+              <a:lstStyle/>
+              <a:p>
+                <a:pPr marL="285750" indent="-285750">
+                  <a:buFont typeface="Arial" charset="0"/>
+                  <a:buChar char="•"/>
+                </a:pPr>
+                <a:endParaRPr kumimoji="1" lang="en-US" altLang="ko-KR" sz="2400" dirty="0"/>
+              </a:p>
+              <a:p>
+                <a:pPr marL="285750" indent="-285750">
+                  <a:buFont typeface="Arial" charset="0"/>
+                  <a:buChar char="•"/>
+                </a:pPr>
+                <a:endParaRPr kumimoji="1" lang="en-US" altLang="ko-KR" sz="2400" dirty="0"/>
+              </a:p>
+              <a:p>
+                <a:pPr marL="285750" indent="-285750">
+                  <a:buFont typeface="Arial" charset="0"/>
+                  <a:buChar char="•"/>
+                </a:pPr>
+                <a:r>
+                  <a:rPr kumimoji="1" lang="en-US" altLang="ko-KR" sz="2400" dirty="0"/>
+                  <a:t>Also known as</a:t>
+                </a:r>
+              </a:p>
+              <a:p>
+                <a:pPr marL="742950" lvl="1" indent="-285750">
+                  <a:buFont typeface="Arial" charset="0"/>
+                  <a:buChar char="•"/>
+                </a:pPr>
+                <a:r>
+                  <a:rPr kumimoji="1" lang="en-US" altLang="ko-KR" sz="2400" dirty="0"/>
+                  <a:t>Adaline (Adaptive Linear) Neural Network</a:t>
+                </a:r>
+              </a:p>
+              <a:p>
+                <a:pPr marL="742950" lvl="1" indent="-285750">
+                  <a:buFont typeface="Arial" charset="0"/>
+                  <a:buChar char="•"/>
+                </a:pPr>
+                <a:r>
+                  <a:rPr kumimoji="1" lang="en-US" altLang="ko-KR" sz="2400" dirty="0"/>
+                  <a:t>LMS (Least Mean Squares) algorithm</a:t>
+                </a:r>
+              </a:p>
+              <a:p>
+                <a:pPr marL="285750" indent="-285750">
+                  <a:buFont typeface="Arial" charset="0"/>
+                  <a:buChar char="•"/>
+                </a:pPr>
+                <a:endParaRPr kumimoji="1" lang="en-US" altLang="ko-KR" sz="2400" b="1" dirty="0"/>
+              </a:p>
+              <a:p>
+                <a:pPr marL="285750" indent="-285750">
+                  <a:buFont typeface="Arial" charset="0"/>
+                  <a:buChar char="•"/>
+                </a:pPr>
+                <a:endParaRPr kumimoji="1" lang="en-US" altLang="ko-KR" sz="2400" b="1" dirty="0"/>
+              </a:p>
+              <a:p>
+                <a:pPr marL="285750" indent="-285750">
+                  <a:buFont typeface="Arial" charset="0"/>
+                  <a:buChar char="•"/>
+                </a:pPr>
+                <a:r>
+                  <a:rPr kumimoji="1" lang="en-US" altLang="ko-KR" sz="2400" b="1" dirty="0"/>
+                  <a:t>Error function: </a:t>
+                </a:r>
+                <a14:m>
+                  <m:oMath xmlns:m="http://schemas.openxmlformats.org/officeDocument/2006/math">
+                    <m:r>
+                      <a:rPr kumimoji="1" lang="en-US" altLang="ko-KR" sz="2400" b="0" i="1" smtClean="0">
+                        <a:latin typeface="Cambria Math" panose="02040503050406030204" pitchFamily="18" charset="0"/>
+                      </a:rPr>
+                      <m:t>𝐸</m:t>
+                    </m:r>
+                    <m:r>
+                      <a:rPr kumimoji="1" lang="en-US" altLang="ko-KR" sz="2400" b="0" i="1" smtClean="0">
+                        <a:latin typeface="Cambria Math" panose="02040503050406030204" pitchFamily="18" charset="0"/>
+                      </a:rPr>
+                      <m:t>=</m:t>
+                    </m:r>
+                    <m:f>
+                      <m:fPr>
+                        <m:ctrlPr>
+                          <a:rPr kumimoji="1" lang="en-US" altLang="ko-KR" sz="2400" i="1" smtClean="0">
+                            <a:latin typeface="Cambria Math" charset="0"/>
+                          </a:rPr>
+                        </m:ctrlPr>
+                      </m:fPr>
+                      <m:num>
+                        <m:r>
+                          <a:rPr kumimoji="1" lang="en-US" altLang="ko-KR" sz="2400" b="0" i="1" smtClean="0">
+                            <a:latin typeface="Cambria Math" panose="02040503050406030204" pitchFamily="18" charset="0"/>
+                          </a:rPr>
+                          <m:t>1</m:t>
+                        </m:r>
+                      </m:num>
+                      <m:den>
+                        <m:r>
+                          <a:rPr kumimoji="1" lang="en-US" altLang="ko-KR" sz="2400" b="0" i="1" smtClean="0">
+                            <a:latin typeface="Cambria Math" panose="02040503050406030204" pitchFamily="18" charset="0"/>
+                          </a:rPr>
+                          <m:t>2</m:t>
+                        </m:r>
+                      </m:den>
+                    </m:f>
+                    <m:nary>
+                      <m:naryPr>
+                        <m:chr m:val="∑"/>
+                        <m:limLoc m:val="subSup"/>
+                        <m:supHide m:val="on"/>
+                        <m:ctrlPr>
+                          <a:rPr kumimoji="1" lang="en-US" altLang="ko-KR" sz="2400" i="1" smtClean="0">
+                            <a:latin typeface="Cambria Math" charset="0"/>
+                          </a:rPr>
+                        </m:ctrlPr>
+                      </m:naryPr>
+                      <m:sub>
+                        <m:r>
+                          <m:rPr>
+                            <m:brk m:alnAt="9"/>
+                          </m:rPr>
+                          <a:rPr kumimoji="1" lang="en-US" altLang="ko-KR" sz="2400" b="0" i="1" smtClean="0">
+                            <a:latin typeface="Cambria Math" panose="02040503050406030204" pitchFamily="18" charset="0"/>
+                          </a:rPr>
+                          <m:t>𝑛</m:t>
+                        </m:r>
+                      </m:sub>
+                      <m:sup/>
+                      <m:e>
+                        <m:sSup>
+                          <m:sSupPr>
+                            <m:ctrlPr>
+                              <a:rPr kumimoji="1" lang="en-US" altLang="ko-KR" sz="2400" i="1" smtClean="0">
+                                <a:latin typeface="Cambria Math" charset="0"/>
+                              </a:rPr>
+                            </m:ctrlPr>
+                          </m:sSupPr>
+                          <m:e>
+                            <m:d>
+                              <m:dPr>
+                                <m:ctrlPr>
+                                  <a:rPr kumimoji="1" lang="en-US" altLang="ko-KR" sz="2400" i="1" smtClean="0">
+                                    <a:latin typeface="Cambria Math" charset="0"/>
+                                  </a:rPr>
+                                </m:ctrlPr>
+                              </m:dPr>
+                              <m:e>
+                                <m:sSub>
+                                  <m:sSubPr>
+                                    <m:ctrlPr>
+                                      <a:rPr kumimoji="1" lang="en-US" altLang="ko-KR" sz="2400" i="1" smtClean="0">
+                                        <a:latin typeface="Cambria Math" charset="0"/>
+                                      </a:rPr>
+                                    </m:ctrlPr>
+                                  </m:sSubPr>
+                                  <m:e>
+                                    <m:r>
+                                      <a:rPr kumimoji="1" lang="en-US" altLang="ko-KR" sz="2400" b="0" i="1" smtClean="0">
+                                        <a:latin typeface="Cambria Math" panose="02040503050406030204" pitchFamily="18" charset="0"/>
+                                      </a:rPr>
+                                      <m:t>𝑦</m:t>
+                                    </m:r>
+                                  </m:e>
+                                  <m:sub>
+                                    <m:r>
+                                      <a:rPr kumimoji="1" lang="en-US" altLang="ko-KR" sz="2400" b="0" i="1" smtClean="0">
+                                        <a:latin typeface="Cambria Math" panose="02040503050406030204" pitchFamily="18" charset="0"/>
+                                      </a:rPr>
+                                      <m:t>𝑛</m:t>
+                                    </m:r>
+                                  </m:sub>
+                                </m:sSub>
+                                <m:r>
+                                  <a:rPr kumimoji="1" lang="en-US" altLang="ko-KR" sz="2400" b="0" i="1" smtClean="0">
+                                    <a:latin typeface="Cambria Math" panose="02040503050406030204" pitchFamily="18" charset="0"/>
+                                  </a:rPr>
+                                  <m:t>−</m:t>
+                                </m:r>
+                                <m:r>
+                                  <a:rPr kumimoji="1" lang="en-US" altLang="ko-KR" sz="2400" b="0" i="1" smtClean="0">
+                                    <a:latin typeface="Cambria Math" panose="02040503050406030204" pitchFamily="18" charset="0"/>
+                                  </a:rPr>
+                                  <m:t>𝑓</m:t>
+                                </m:r>
+                                <m:d>
+                                  <m:dPr>
+                                    <m:ctrlPr>
+                                      <a:rPr kumimoji="1" lang="en-US" altLang="ko-KR" sz="2400" i="1" smtClean="0">
+                                        <a:latin typeface="Cambria Math" charset="0"/>
+                                      </a:rPr>
+                                    </m:ctrlPr>
+                                  </m:dPr>
+                                  <m:e>
+                                    <m:sSub>
+                                      <m:sSubPr>
+                                        <m:ctrlPr>
+                                          <a:rPr kumimoji="1" lang="en-US" altLang="ko-KR" sz="2400" i="1" smtClean="0">
+                                            <a:latin typeface="Cambria Math" charset="0"/>
+                                          </a:rPr>
+                                        </m:ctrlPr>
+                                      </m:sSubPr>
+                                      <m:e>
+                                        <m:r>
+                                          <a:rPr kumimoji="1" lang="en-US" altLang="ko-KR" sz="2400" b="0" i="1" smtClean="0">
+                                            <a:latin typeface="Cambria Math" panose="02040503050406030204" pitchFamily="18" charset="0"/>
+                                          </a:rPr>
+                                          <m:t>𝑥</m:t>
+                                        </m:r>
+                                      </m:e>
+                                      <m:sub>
+                                        <m:r>
+                                          <a:rPr kumimoji="1" lang="en-US" altLang="ko-KR" sz="2400" b="0" i="1" smtClean="0">
+                                            <a:latin typeface="Cambria Math" panose="02040503050406030204" pitchFamily="18" charset="0"/>
+                                          </a:rPr>
+                                          <m:t>𝑛</m:t>
+                                        </m:r>
+                                      </m:sub>
+                                    </m:sSub>
+                                  </m:e>
+                                </m:d>
+                              </m:e>
+                            </m:d>
+                          </m:e>
+                          <m:sup>
+                            <m:r>
+                              <a:rPr kumimoji="1" lang="en-US" altLang="ko-KR" sz="2400" b="0" i="1" smtClean="0">
+                                <a:latin typeface="Cambria Math" panose="02040503050406030204" pitchFamily="18" charset="0"/>
+                              </a:rPr>
+                              <m:t>2</m:t>
+                            </m:r>
+                          </m:sup>
+                        </m:sSup>
+                      </m:e>
+                    </m:nary>
+                  </m:oMath>
+                </a14:m>
+                <a:endParaRPr kumimoji="1" lang="en-US" altLang="ko-KR" sz="2400" dirty="0"/>
+              </a:p>
+              <a:p>
+                <a:pPr marL="742950" lvl="1" indent="-285750">
+                  <a:buFont typeface="Arial" charset="0"/>
+                  <a:buChar char="•"/>
+                </a:pPr>
+                <a:r>
+                  <a:rPr kumimoji="1" lang="en-US" altLang="ko-KR" sz="2400" dirty="0"/>
+                  <a:t>C.f. Rosenblatt, </a:t>
+                </a:r>
+                <a14:m>
+                  <m:oMath xmlns:m="http://schemas.openxmlformats.org/officeDocument/2006/math">
+                    <m:r>
+                      <a:rPr kumimoji="1" lang="en-US" altLang="ko-KR" sz="2400" b="0" i="1" smtClean="0">
+                        <a:latin typeface="Cambria Math" panose="02040503050406030204" pitchFamily="18" charset="0"/>
+                      </a:rPr>
+                      <m:t>𝐸</m:t>
+                    </m:r>
+                    <m:r>
+                      <a:rPr kumimoji="1" lang="en-US" altLang="ko-KR" sz="2400" b="0" i="1" smtClean="0">
+                        <a:latin typeface="Cambria Math" panose="02040503050406030204" pitchFamily="18" charset="0"/>
+                      </a:rPr>
+                      <m:t>=</m:t>
+                    </m:r>
+                    <m:nary>
+                      <m:naryPr>
+                        <m:chr m:val="∑"/>
+                        <m:limLoc m:val="subSup"/>
+                        <m:supHide m:val="on"/>
+                        <m:ctrlPr>
+                          <a:rPr kumimoji="1" lang="en-US" altLang="ko-KR" sz="2400" b="0" i="1" smtClean="0">
+                            <a:latin typeface="Cambria Math" charset="0"/>
+                          </a:rPr>
+                        </m:ctrlPr>
+                      </m:naryPr>
+                      <m:sub>
+                        <m:r>
+                          <m:rPr>
+                            <m:brk m:alnAt="9"/>
+                          </m:rPr>
+                          <a:rPr kumimoji="1" lang="en-US" altLang="ko-KR" sz="2400" b="0" i="1" smtClean="0">
+                            <a:latin typeface="Cambria Math" panose="02040503050406030204" pitchFamily="18" charset="0"/>
+                          </a:rPr>
+                          <m:t>𝑛</m:t>
+                        </m:r>
+                      </m:sub>
+                      <m:sup/>
+                      <m:e>
+                        <m:r>
+                          <a:rPr kumimoji="1" lang="en-US" altLang="ko-KR" sz="2400" b="0" i="1" smtClean="0">
+                            <a:latin typeface="Cambria Math" panose="02040503050406030204" pitchFamily="18" charset="0"/>
+                          </a:rPr>
+                          <m:t>𝐼</m:t>
+                        </m:r>
+                        <m:r>
+                          <a:rPr kumimoji="1" lang="en-US" altLang="ko-KR" sz="2400" b="0" i="1" smtClean="0">
+                            <a:latin typeface="Cambria Math" panose="02040503050406030204" pitchFamily="18" charset="0"/>
+                          </a:rPr>
+                          <m:t>(</m:t>
+                        </m:r>
+                        <m:r>
+                          <a:rPr kumimoji="1" lang="en-US" altLang="ko-KR" sz="2400" b="0" i="1" smtClean="0">
+                            <a:latin typeface="Cambria Math" panose="02040503050406030204" pitchFamily="18" charset="0"/>
+                          </a:rPr>
+                          <m:t>𝑓</m:t>
+                        </m:r>
+                        <m:d>
+                          <m:dPr>
+                            <m:ctrlPr>
+                              <a:rPr kumimoji="1" lang="en-US" altLang="ko-KR" sz="2400" b="0" i="1" smtClean="0">
+                                <a:latin typeface="Cambria Math" charset="0"/>
+                              </a:rPr>
+                            </m:ctrlPr>
+                          </m:dPr>
+                          <m:e>
+                            <m:sSub>
+                              <m:sSubPr>
+                                <m:ctrlPr>
+                                  <a:rPr kumimoji="1" lang="en-US" altLang="ko-KR" sz="2400" b="0" i="1" smtClean="0">
+                                    <a:latin typeface="Cambria Math" charset="0"/>
+                                  </a:rPr>
+                                </m:ctrlPr>
+                              </m:sSubPr>
+                              <m:e>
+                                <m:r>
+                                  <a:rPr kumimoji="1" lang="en-US" altLang="ko-KR" sz="2400" b="0" i="1" smtClean="0">
+                                    <a:latin typeface="Cambria Math" panose="02040503050406030204" pitchFamily="18" charset="0"/>
+                                  </a:rPr>
+                                  <m:t>𝑥</m:t>
+                                </m:r>
+                              </m:e>
+                              <m:sub>
+                                <m:r>
+                                  <a:rPr kumimoji="1" lang="en-US" altLang="ko-KR" sz="2400" b="0" i="1" smtClean="0">
+                                    <a:latin typeface="Cambria Math" panose="02040503050406030204" pitchFamily="18" charset="0"/>
+                                  </a:rPr>
+                                  <m:t>𝑛</m:t>
+                                </m:r>
+                              </m:sub>
+                            </m:sSub>
+                          </m:e>
+                        </m:d>
+                        <m:r>
+                          <a:rPr kumimoji="1" lang="en-US" altLang="ko-KR" sz="2400" b="0" i="1" smtClean="0">
+                            <a:latin typeface="Cambria Math" panose="02040503050406030204" pitchFamily="18" charset="0"/>
+                          </a:rPr>
+                          <m:t>=</m:t>
+                        </m:r>
+                        <m:sSub>
+                          <m:sSubPr>
+                            <m:ctrlPr>
+                              <a:rPr kumimoji="1" lang="en-US" altLang="ko-KR" sz="2400" b="0" i="1" smtClean="0">
+                                <a:latin typeface="Cambria Math" charset="0"/>
+                              </a:rPr>
+                            </m:ctrlPr>
+                          </m:sSubPr>
+                          <m:e>
+                            <m:r>
+                              <a:rPr kumimoji="1" lang="en-US" altLang="ko-KR" sz="2400" b="0" i="1" smtClean="0">
+                                <a:latin typeface="Cambria Math" panose="02040503050406030204" pitchFamily="18" charset="0"/>
+                              </a:rPr>
+                              <m:t>𝑦</m:t>
+                            </m:r>
+                          </m:e>
+                          <m:sub>
+                            <m:r>
+                              <a:rPr kumimoji="1" lang="en-US" altLang="ko-KR" sz="2400" b="0" i="1" smtClean="0">
+                                <a:latin typeface="Cambria Math" panose="02040503050406030204" pitchFamily="18" charset="0"/>
+                              </a:rPr>
+                              <m:t>𝑛</m:t>
+                            </m:r>
+                          </m:sub>
+                        </m:sSub>
+                        <m:r>
+                          <a:rPr kumimoji="1" lang="en-US" altLang="ko-KR" sz="2400" b="0" i="1" smtClean="0">
+                            <a:latin typeface="Cambria Math" panose="02040503050406030204" pitchFamily="18" charset="0"/>
+                          </a:rPr>
+                          <m:t>)</m:t>
+                        </m:r>
+                      </m:e>
+                    </m:nary>
+                    <m:r>
+                      <a:rPr kumimoji="1" lang="en-US" altLang="ko-KR" sz="2400" b="0" i="1" smtClean="0">
+                        <a:latin typeface="Cambria Math" panose="02040503050406030204" pitchFamily="18" charset="0"/>
+                      </a:rPr>
+                      <m:t> </m:t>
+                    </m:r>
+                  </m:oMath>
+                </a14:m>
+                <a:endParaRPr kumimoji="1" lang="en-US" altLang="ko-KR" sz="2400" dirty="0"/>
+              </a:p>
+              <a:p>
+                <a:pPr marL="742950" lvl="1" indent="-285750">
+                  <a:buFont typeface="Arial" charset="0"/>
+                  <a:buChar char="•"/>
+                </a:pPr>
+                <a:r>
+                  <a:rPr kumimoji="1" lang="en-US" altLang="ko-KR" sz="2400" dirty="0"/>
+                  <a:t>Linear activation (</a:t>
+                </a:r>
+                <a:r>
+                  <a:rPr kumimoji="1" lang="en-US" altLang="ko-KR" sz="2400" dirty="0" err="1"/>
+                  <a:t>Widrow</a:t>
+                </a:r>
+                <a:r>
+                  <a:rPr kumimoji="1" lang="en-US" altLang="ko-KR" sz="2400" dirty="0"/>
+                  <a:t>-Hoff) vs. Step function (Rosenblatt)</a:t>
+                </a:r>
+              </a:p>
+            </p:txBody>
+          </p:sp>
+        </mc:Choice>
+        <mc:Fallback xmlns="">
+          <p:sp>
+            <p:nvSpPr>
+              <p:cNvPr id="8" name="텍스트 상자 2">
+                <a:extLst>
+                  <a:ext uri="{FF2B5EF4-FFF2-40B4-BE49-F238E27FC236}">
+                    <a16:creationId xmlns:a16="http://schemas.microsoft.com/office/drawing/2014/main" id="{2AA06069-1A27-4819-9847-1FF3B81C3D40}"/>
+                  </a:ext>
+                </a:extLst>
+              </p:cNvPr>
+              <p:cNvSpPr txBox="1">
+                <a:spLocks noRot="1" noChangeAspect="1" noMove="1" noResize="1" noEditPoints="1" noAdjustHandles="1" noChangeArrowheads="1" noChangeShapeType="1" noTextEdit="1"/>
+              </p:cNvSpPr>
+              <p:nvPr/>
+            </p:nvSpPr>
+            <p:spPr>
+              <a:xfrm>
+                <a:off x="395416" y="909295"/>
+                <a:ext cx="11491784" cy="3962944"/>
+              </a:xfrm>
+              <a:prstGeom prst="rect">
+                <a:avLst/>
+              </a:prstGeom>
+              <a:blipFill>
+                <a:blip r:embed="rId4"/>
+                <a:stretch>
+                  <a:fillRect l="-743" b="-13077"/>
+                </a:stretch>
+              </a:blipFill>
+            </p:spPr>
+            <p:txBody>
+              <a:bodyPr/>
+              <a:lstStyle/>
+              <a:p>
+                <a:r>
+                  <a:rPr lang="ko-KR" altLang="en-US">
+                    <a:noFill/>
+                  </a:rPr>
+                  <a:t> </a:t>
+                </a:r>
+              </a:p>
+            </p:txBody>
+          </p:sp>
+        </mc:Fallback>
+      </mc:AlternateContent>
     </p:spTree>
     <p:extLst>
       <p:ext uri="{BB962C8B-B14F-4D97-AF65-F5344CB8AC3E}">
-        <p14:creationId xmlns:p14="http://schemas.microsoft.com/office/powerpoint/2010/main" val="2081454257"/>
+        <p14:creationId xmlns:p14="http://schemas.microsoft.com/office/powerpoint/2010/main" val="3927214792"/>
       </p:ext>
     </p:extLst>
   </p:cSld>
   <p:clrMapOvr>
     <a:masterClrMapping/>
   </p:clrMapOvr>
-  <p:timing>
-    <p:tnLst>
-      <p:par>
-        <p:cTn id="1" dur="indefinite" restart="never" nodeType="tmRoot"/>
-      </p:par>
-    </p:tnLst>
-  </p:timing>
 </p:sld>
 </file>
 
-<file path=ppt/slides/slide3.xml><?xml version="1.0" encoding="utf-8"?>
+<file path=ppt/slides/slide15.xml><?xml version="1.0" encoding="utf-8"?>
 <p:sld xmlns:a="http://schemas.openxmlformats.org/drawingml/2006/main" xmlns:r="http://schemas.openxmlformats.org/officeDocument/2006/relationships" xmlns:p="http://schemas.openxmlformats.org/presentationml/2006/main">
   <p:cSld>
     <p:spTree>
@@ -6503,137 +8076,6 @@
           <a:chExt cx="0" cy="0"/>
         </a:xfrm>
       </p:grpSpPr>
-      <p:sp useBgFill="1">
-        <p:nvSpPr>
-          <p:cNvPr id="2" name="제목 1"/>
-          <p:cNvSpPr>
-            <a:spLocks noGrp="1"/>
-          </p:cNvSpPr>
-          <p:nvPr>
-            <p:ph type="title"/>
-          </p:nvPr>
-        </p:nvSpPr>
-        <p:spPr>
-          <a:xfrm>
-            <a:off x="838200" y="2372497"/>
-            <a:ext cx="10515600" cy="1351341"/>
-          </a:xfrm>
-          <a:ln>
-            <a:noFill/>
-          </a:ln>
-          <a:effectLst>
-            <a:outerShdw blurRad="50800" dist="76200" dir="2760000" algn="tl" rotWithShape="0">
-              <a:prstClr val="black">
-                <a:alpha val="40000"/>
-              </a:prstClr>
-            </a:outerShdw>
-          </a:effectLst>
-        </p:spPr>
-        <p:txBody>
-          <a:bodyPr>
-            <a:noAutofit/>
-          </a:bodyPr>
-          <a:lstStyle/>
-          <a:p>
-            <a:pPr lvl="0"/>
-            <a:r>
-              <a:rPr kumimoji="1" lang="en-US" altLang="ko-KR" sz="4000" dirty="0" smtClean="0">
-                <a:solidFill>
-                  <a:srgbClr val="222581"/>
-                </a:solidFill>
-              </a:rPr>
-              <a:t>Rosenblatt’s Perceptron </a:t>
-            </a:r>
-            <a:br>
-              <a:rPr kumimoji="1" lang="en-US" altLang="ko-KR" sz="4000" dirty="0" smtClean="0">
-                <a:solidFill>
-                  <a:srgbClr val="222581"/>
-                </a:solidFill>
-              </a:rPr>
-            </a:br>
-            <a:r>
-              <a:rPr kumimoji="1" lang="en-US" altLang="ko-KR" sz="4000" dirty="0" smtClean="0">
-                <a:solidFill>
-                  <a:srgbClr val="222581"/>
-                </a:solidFill>
-              </a:rPr>
-              <a:t>with Vanilla Gradient Descent</a:t>
-            </a:r>
-            <a:endParaRPr kumimoji="1" lang="ko-KR" altLang="en-US" sz="4000" dirty="0">
-              <a:solidFill>
-                <a:srgbClr val="1E3DB4"/>
-              </a:solidFill>
-            </a:endParaRPr>
-          </a:p>
-        </p:txBody>
-      </p:sp>
-      <p:pic>
-        <p:nvPicPr>
-          <p:cNvPr id="3" name="그림 2"/>
-          <p:cNvPicPr>
-            <a:picLocks noChangeAspect="1"/>
-          </p:cNvPicPr>
-          <p:nvPr/>
-        </p:nvPicPr>
-        <p:blipFill>
-          <a:blip r:embed="rId3">
-            <a:extLst>
-              <a:ext uri="{28A0092B-C50C-407E-A947-70E740481C1C}">
-                <a14:useLocalDpi xmlns:a14="http://schemas.microsoft.com/office/drawing/2010/main" val="0"/>
-              </a:ext>
-            </a:extLst>
-          </a:blip>
-          <a:stretch>
-            <a:fillRect/>
-          </a:stretch>
-        </p:blipFill>
-        <p:spPr>
-          <a:xfrm>
-            <a:off x="180638" y="6044658"/>
-            <a:ext cx="1105336" cy="667536"/>
-          </a:xfrm>
-          <a:prstGeom prst="rect">
-            <a:avLst/>
-          </a:prstGeom>
-        </p:spPr>
-      </p:pic>
-    </p:spTree>
-    <p:extLst>
-      <p:ext uri="{BB962C8B-B14F-4D97-AF65-F5344CB8AC3E}">
-        <p14:creationId xmlns:p14="http://schemas.microsoft.com/office/powerpoint/2010/main" val="1046091869"/>
-      </p:ext>
-    </p:extLst>
-  </p:cSld>
-  <p:clrMapOvr>
-    <a:masterClrMapping/>
-  </p:clrMapOvr>
-  <p:timing>
-    <p:tnLst>
-      <p:par>
-        <p:cTn id="1" dur="indefinite" restart="never" nodeType="tmRoot"/>
-      </p:par>
-    </p:tnLst>
-  </p:timing>
-</p:sld>
-</file>
-
-<file path=ppt/slides/slide4.xml><?xml version="1.0" encoding="utf-8"?>
-<p:sld xmlns:a="http://schemas.openxmlformats.org/drawingml/2006/main" xmlns:r="http://schemas.openxmlformats.org/officeDocument/2006/relationships" xmlns:p="http://schemas.openxmlformats.org/presentationml/2006/main">
-  <p:cSld>
-    <p:spTree>
-      <p:nvGrpSpPr>
-        <p:cNvPr id="1" name=""/>
-        <p:cNvGrpSpPr/>
-        <p:nvPr/>
-      </p:nvGrpSpPr>
-      <p:grpSpPr>
-        <a:xfrm>
-          <a:off x="0" y="0"/>
-          <a:ext cx="0" cy="0"/>
-          <a:chOff x="0" y="0"/>
-          <a:chExt cx="0" cy="0"/>
-        </a:xfrm>
-      </p:grpSpPr>
       <p:sp>
         <p:nvSpPr>
           <p:cNvPr id="2" name="제목 1"/>
@@ -6647,7 +8089,7 @@
         <p:spPr>
           <a:xfrm>
             <a:off x="395416" y="84696"/>
-            <a:ext cx="10515600" cy="743208"/>
+            <a:ext cx="11136184" cy="743208"/>
           </a:xfrm>
         </p:spPr>
         <p:txBody>
@@ -6657,12 +8099,28 @@
           <a:lstStyle/>
           <a:p>
             <a:r>
-              <a:rPr kumimoji="1" lang="en-US" altLang="ko-KR" sz="3600" b="1" dirty="0" smtClean="0">
+              <a:rPr kumimoji="1" lang="en-US" altLang="ko-KR" sz="3600" b="1" dirty="0">
                 <a:solidFill>
                   <a:srgbClr val="1E3DB4"/>
                 </a:solidFill>
               </a:rPr>
-              <a:t>Rosenblatt’s Perceptron Conceptual Diagram</a:t>
+              <a:t>Implement major methods of Class </a:t>
+            </a:r>
+            <a:r>
+              <a:rPr kumimoji="1" lang="en-US" altLang="ko-KR" sz="3600" b="1" dirty="0" err="1">
+                <a:solidFill>
+                  <a:srgbClr val="1E3DB4"/>
+                </a:solidFill>
+              </a:rPr>
+              <a:t>AdalineGD</a:t>
+            </a:r>
+            <a:r>
+              <a:rPr kumimoji="1" lang="en-US" altLang="ko-KR" sz="3600" b="1" dirty="0">
+                <a:solidFill>
+                  <a:srgbClr val="1E3DB4"/>
+                </a:solidFill>
+              </a:rPr>
+              <a:t> (1)</a:t>
             </a:r>
             <a:endParaRPr kumimoji="1" lang="ko-KR" altLang="en-US" sz="3600" dirty="0"/>
           </a:p>
@@ -6744,7 +8202,7 @@
           <a:lstStyle/>
           <a:p>
             <a:r>
-              <a:rPr kumimoji="1" lang="en-US" altLang="ko-KR" smtClean="0"/>
+              <a:rPr kumimoji="1" lang="en-US" altLang="ko-KR"/>
               <a:t>SKT AI Course: Deep Learning Basics by Heung-Il Suk</a:t>
             </a:r>
             <a:endParaRPr kumimoji="1" lang="ko-KR" altLang="en-US"/>
@@ -6768,57 +8226,201 @@
           <a:p>
             <a:fld id="{E3E75774-3282-1C4A-9118-50EA78BFB2AA}" type="slidenum">
               <a:rPr kumimoji="1" lang="ko-KR" altLang="en-US" smtClean="0"/>
-              <a:t>4</a:t>
+              <a:t>15</a:t>
             </a:fld>
             <a:endParaRPr kumimoji="1" lang="ko-KR" altLang="en-US"/>
           </a:p>
         </p:txBody>
       </p:sp>
-      <p:pic>
-        <p:nvPicPr>
-          <p:cNvPr id="4" name="그림 3"/>
-          <p:cNvPicPr>
-            <a:picLocks noChangeAspect="1"/>
-          </p:cNvPicPr>
+      <p:sp>
+        <p:nvSpPr>
+          <p:cNvPr id="3" name="텍스트 상자 2"/>
+          <p:cNvSpPr txBox="1"/>
           <p:nvPr/>
-        </p:nvPicPr>
-        <p:blipFill>
-          <a:blip r:embed="rId4"/>
-          <a:stretch>
-            <a:fillRect/>
-          </a:stretch>
-        </p:blipFill>
+        </p:nvSpPr>
         <p:spPr>
           <a:xfrm>
-            <a:off x="491524" y="1132504"/>
-            <a:ext cx="11007765" cy="4899798"/>
+            <a:off x="395416" y="909295"/>
+            <a:ext cx="11491784" cy="461665"/>
           </a:xfrm>
           <a:prstGeom prst="rect">
             <a:avLst/>
           </a:prstGeom>
+          <a:noFill/>
         </p:spPr>
-      </p:pic>
+        <p:txBody>
+          <a:bodyPr wrap="square" rtlCol="0">
+            <a:spAutoFit/>
+          </a:bodyPr>
+          <a:lstStyle/>
+          <a:p>
+            <a:pPr marL="285750" indent="-285750">
+              <a:buFont typeface="Arial" charset="0"/>
+              <a:buChar char="•"/>
+            </a:pPr>
+            <a:r>
+              <a:rPr kumimoji="1" lang="en-US" altLang="ko-KR" sz="2400" dirty="0"/>
+              <a:t>Task 1: Implement prediction of model with method </a:t>
+            </a:r>
+            <a:r>
+              <a:rPr kumimoji="1" lang="en-US" altLang="ko-KR" sz="2400" b="1" dirty="0"/>
+              <a:t>predict(self, X)</a:t>
+            </a:r>
+          </a:p>
+        </p:txBody>
+      </p:sp>
+      <mc:AlternateContent xmlns:mc="http://schemas.openxmlformats.org/markup-compatibility/2006" xmlns:we="http://schemas.microsoft.com/office/webextensions/webextension/2010/11" xmlns:pca="http://schemas.microsoft.com/office/powerpoint/2013/contentapp">
+        <mc:Choice Requires="we pca">
+          <p:graphicFrame>
+            <p:nvGraphicFramePr>
+              <p:cNvPr id="8" name="추가 기능 7" title="Code Presenter Pro"/>
+              <p:cNvGraphicFramePr>
+                <a:graphicFrameLocks noGrp="1"/>
+              </p:cNvGraphicFramePr>
+              <p:nvPr>
+                <p:extLst>
+                  <p:ext uri="{D42A27DB-BD31-4B8C-83A1-F6EECF244321}">
+                    <p14:modId xmlns:p14="http://schemas.microsoft.com/office/powerpoint/2010/main" val="4108804479"/>
+                  </p:ext>
+                </p:extLst>
+              </p:nvPr>
+            </p:nvGraphicFramePr>
+            <p:xfrm>
+              <a:off x="736600" y="1439995"/>
+              <a:ext cx="10794999" cy="4916355"/>
+            </p:xfrm>
+            <a:graphic>
+              <a:graphicData uri="http://schemas.microsoft.com/office/webextensions/webextension/2010/11">
+                <we:webextensionref xmlns:we="http://schemas.microsoft.com/office/webextensions/webextension/2010/11" xmlns:r="http://schemas.openxmlformats.org/officeDocument/2006/relationships" r:id="rId4"/>
+              </a:graphicData>
+            </a:graphic>
+          </p:graphicFrame>
+        </mc:Choice>
+        <mc:Fallback xmlns="">
+          <p:pic>
+            <p:nvPicPr>
+              <p:cNvPr id="8" name="추가 기능 7" title="Code Presenter Pro"/>
+              <p:cNvPicPr>
+                <a:picLocks noGrp="1" noRot="1" noChangeAspect="1" noMove="1" noResize="1" noEditPoints="1" noAdjustHandles="1" noChangeArrowheads="1" noChangeShapeType="1"/>
+              </p:cNvPicPr>
+              <p:nvPr/>
+            </p:nvPicPr>
+            <p:blipFill>
+              <a:blip r:embed="rId5"/>
+              <a:stretch>
+                <a:fillRect/>
+              </a:stretch>
+            </p:blipFill>
+            <p:spPr>
+              <a:xfrm>
+                <a:off x="736600" y="1439995"/>
+                <a:ext cx="10794999" cy="4916355"/>
+              </a:xfrm>
+              <a:prstGeom prst="rect">
+                <a:avLst/>
+              </a:prstGeom>
+            </p:spPr>
+          </p:pic>
+        </mc:Fallback>
+      </mc:AlternateContent>
+      <mc:AlternateContent xmlns:mc="http://schemas.openxmlformats.org/markup-compatibility/2006" xmlns:a14="http://schemas.microsoft.com/office/drawing/2010/main">
+        <mc:Choice Requires="a14">
+          <p:sp>
+            <p:nvSpPr>
+              <p:cNvPr id="6" name="텍스트 상자 5"/>
+              <p:cNvSpPr txBox="1"/>
+              <p:nvPr/>
+            </p:nvSpPr>
+            <p:spPr>
+              <a:xfrm>
+                <a:off x="5638800" y="2971800"/>
+                <a:ext cx="3002424" cy="282193"/>
+              </a:xfrm>
+              <a:prstGeom prst="rect">
+                <a:avLst/>
+              </a:prstGeom>
+              <a:noFill/>
+            </p:spPr>
+            <p:txBody>
+              <a:bodyPr wrap="none" lIns="0" tIns="0" rIns="0" bIns="0" rtlCol="0">
+                <a:spAutoFit/>
+              </a:bodyPr>
+              <a:lstStyle/>
+              <a:p>
+                <a:pPr/>
+                <a14:m>
+                  <m:oMathPara xmlns:m="http://schemas.openxmlformats.org/officeDocument/2006/math">
+                    <m:oMathParaPr>
+                      <m:jc m:val="centerGroup"/>
+                    </m:oMathParaPr>
+                    <m:oMath xmlns:m="http://schemas.openxmlformats.org/officeDocument/2006/math">
+                      <a:fld id="{0EC72EFB-36CC-DE44-B2FA-2297751FA603}" type="mathplaceholder">
+                        <a:rPr kumimoji="1" lang="ko-KR" altLang="en-US" i="1" smtClean="0">
+                          <a:latin typeface="Cambria Math" charset="0"/>
+                        </a:rPr>
+                        <a:t>여기에 수식을 입력하십시오.</a:t>
+                      </a:fld>
+                    </m:oMath>
+                  </m:oMathPara>
+                </a14:m>
+                <a:endParaRPr kumimoji="1" lang="ko-KR" altLang="en-US" dirty="0"/>
+              </a:p>
+            </p:txBody>
+          </p:sp>
+        </mc:Choice>
+        <mc:Fallback xmlns="">
+          <p:sp>
+            <p:nvSpPr>
+              <p:cNvPr id="6" name="텍스트 상자 5"/>
+              <p:cNvSpPr txBox="1">
+                <a:spLocks noRot="1" noChangeAspect="1" noMove="1" noResize="1" noEditPoints="1" noAdjustHandles="1" noChangeArrowheads="1" noChangeShapeType="1" noTextEdit="1"/>
+              </p:cNvSpPr>
+              <p:nvPr/>
+            </p:nvSpPr>
+            <p:spPr>
+              <a:xfrm>
+                <a:off x="5638800" y="2971800"/>
+                <a:ext cx="3002424" cy="282193"/>
+              </a:xfrm>
+              <a:prstGeom prst="rect">
+                <a:avLst/>
+              </a:prstGeom>
+              <a:blipFill rotWithShape="0">
+                <a:blip r:embed="rId6"/>
+                <a:stretch>
+                  <a:fillRect l="-1826" t="-139130" b="-180435"/>
+                </a:stretch>
+              </a:blipFill>
+            </p:spPr>
+            <p:txBody>
+              <a:bodyPr/>
+              <a:lstStyle/>
+              <a:p>
+                <a:r>
+                  <a:rPr lang="ko-KR" altLang="en-US">
+                    <a:noFill/>
+                  </a:rPr>
+                  <a:t> </a:t>
+                </a:r>
+              </a:p>
+            </p:txBody>
+          </p:sp>
+        </mc:Fallback>
+      </mc:AlternateContent>
     </p:spTree>
     <p:extLst>
       <p:ext uri="{BB962C8B-B14F-4D97-AF65-F5344CB8AC3E}">
-        <p14:creationId xmlns:p14="http://schemas.microsoft.com/office/powerpoint/2010/main" val="1974182170"/>
+        <p14:creationId xmlns:p14="http://schemas.microsoft.com/office/powerpoint/2010/main" val="1391602015"/>
       </p:ext>
     </p:extLst>
   </p:cSld>
   <p:clrMapOvr>
     <a:masterClrMapping/>
   </p:clrMapOvr>
-  <p:timing>
-    <p:tnLst>
-      <p:par>
-        <p:cTn id="1" dur="indefinite" restart="never" nodeType="tmRoot"/>
-      </p:par>
-    </p:tnLst>
-  </p:timing>
 </p:sld>
 </file>
 
-<file path=ppt/slides/slide5.xml><?xml version="1.0" encoding="utf-8"?>
+<file path=ppt/slides/slide16.xml><?xml version="1.0" encoding="utf-8"?>
 <p:sld xmlns:a="http://schemas.openxmlformats.org/drawingml/2006/main" xmlns:r="http://schemas.openxmlformats.org/officeDocument/2006/relationships" xmlns:p="http://schemas.openxmlformats.org/presentationml/2006/main">
   <p:cSld>
     <p:spTree>
@@ -6858,12 +8460,12 @@
           <a:lstStyle/>
           <a:p>
             <a:r>
-              <a:rPr kumimoji="1" lang="en-US" altLang="ko-KR" sz="3600" b="1" dirty="0" smtClean="0">
+              <a:rPr kumimoji="1" lang="en-US" altLang="ko-KR" sz="3600" b="1" dirty="0">
                 <a:solidFill>
                   <a:srgbClr val="1E3DB4"/>
                 </a:solidFill>
               </a:rPr>
-              <a:t>Class Perceptron</a:t>
+              <a:t>Answer</a:t>
             </a:r>
             <a:endParaRPr kumimoji="1" lang="ko-KR" altLang="en-US" sz="3600" dirty="0"/>
           </a:p>
@@ -6945,7 +8547,7 @@
           <a:lstStyle/>
           <a:p>
             <a:r>
-              <a:rPr kumimoji="1" lang="en-US" altLang="ko-KR" smtClean="0"/>
+              <a:rPr kumimoji="1" lang="en-US" altLang="ko-KR"/>
               <a:t>SKT AI Course: Deep Learning Basics by Heung-Il Suk</a:t>
             </a:r>
             <a:endParaRPr kumimoji="1" lang="ko-KR" altLang="en-US"/>
@@ -6969,7 +8571,7 @@
           <a:p>
             <a:fld id="{E3E75774-3282-1C4A-9118-50EA78BFB2AA}" type="slidenum">
               <a:rPr kumimoji="1" lang="ko-KR" altLang="en-US" smtClean="0"/>
-              <a:t>5</a:t>
+              <a:t>16</a:t>
             </a:fld>
             <a:endParaRPr kumimoji="1" lang="ko-KR" altLang="en-US"/>
           </a:p>
@@ -6983,8 +8585,8 @@
         </p:nvSpPr>
         <p:spPr>
           <a:xfrm>
-            <a:off x="395416" y="1092421"/>
-            <a:ext cx="11491784" cy="2431435"/>
+            <a:off x="395416" y="974406"/>
+            <a:ext cx="11491784" cy="461665"/>
           </a:xfrm>
           <a:prstGeom prst="rect">
             <a:avLst/>
@@ -7001,146 +8603,85 @@
               <a:buFont typeface="Arial" charset="0"/>
               <a:buChar char="•"/>
             </a:pPr>
-            <a:endParaRPr kumimoji="1" lang="en-US" altLang="ko-KR" sz="2800" dirty="0" smtClean="0"/>
-          </a:p>
-          <a:p>
-            <a:pPr marL="285750" indent="-285750">
-              <a:buFont typeface="Arial" charset="0"/>
-              <a:buChar char="•"/>
-            </a:pPr>
-            <a:r>
-              <a:rPr kumimoji="1" lang="en-US" altLang="ko-KR" sz="2800" dirty="0" smtClean="0"/>
-              <a:t>Class Variables</a:t>
-            </a:r>
-          </a:p>
-          <a:p>
-            <a:pPr marL="914400" lvl="1" indent="-457200">
-              <a:buFont typeface=".AppleSystemUIFont" charset="-120"/>
-              <a:buChar char="-"/>
-            </a:pPr>
-            <a:r>
-              <a:rPr kumimoji="1" lang="en-US" altLang="ko-KR" sz="2400" b="1" dirty="0" smtClean="0">
-                <a:solidFill>
-                  <a:srgbClr val="C00000"/>
-                </a:solidFill>
-              </a:rPr>
-              <a:t>eta</a:t>
-            </a:r>
-            <a:r>
-              <a:rPr kumimoji="1" lang="en-US" altLang="ko-KR" sz="2400" dirty="0" smtClean="0"/>
-              <a:t> : learning rate</a:t>
-            </a:r>
-          </a:p>
-          <a:p>
-            <a:pPr marL="914400" lvl="1" indent="-457200">
-              <a:buFont typeface=".AppleSystemUIFont" charset="-120"/>
-              <a:buChar char="-"/>
-            </a:pPr>
-            <a:r>
-              <a:rPr kumimoji="1" lang="en-US" altLang="ko-KR" sz="2400" b="1" dirty="0">
-                <a:solidFill>
-                  <a:srgbClr val="C00000"/>
-                </a:solidFill>
-              </a:rPr>
-              <a:t>epochs</a:t>
-            </a:r>
-            <a:r>
-              <a:rPr kumimoji="1" lang="en-US" altLang="ko-KR" sz="2400" dirty="0" smtClean="0"/>
-              <a:t> : # of epochs to train</a:t>
-            </a:r>
-          </a:p>
-          <a:p>
-            <a:pPr marL="914400" lvl="1" indent="-457200">
-              <a:buFont typeface=".AppleSystemUIFont" charset="-120"/>
-              <a:buChar char="-"/>
-            </a:pPr>
-            <a:r>
-              <a:rPr kumimoji="1" lang="en-US" altLang="ko-KR" sz="2400" b="1" dirty="0">
-                <a:solidFill>
-                  <a:srgbClr val="C00000"/>
-                </a:solidFill>
-              </a:rPr>
-              <a:t>weights</a:t>
-            </a:r>
-            <a:r>
-              <a:rPr kumimoji="1" lang="ko-KR" altLang="en-US" sz="2400" dirty="0" smtClean="0"/>
-              <a:t> </a:t>
-            </a:r>
-            <a:r>
-              <a:rPr kumimoji="1" lang="en-US" altLang="ko-KR" sz="2400" dirty="0" smtClean="0"/>
-              <a:t>:</a:t>
-            </a:r>
-            <a:r>
-              <a:rPr kumimoji="1" lang="ko-KR" altLang="en-US" sz="2400" dirty="0" smtClean="0"/>
-              <a:t> </a:t>
-            </a:r>
-            <a:r>
-              <a:rPr kumimoji="1" lang="en-US" altLang="ko-KR" sz="2400" dirty="0" smtClean="0"/>
-              <a:t>connection weight variables, a </a:t>
-            </a:r>
-            <a:r>
-              <a:rPr kumimoji="1" lang="en-US" altLang="ko-KR" sz="2400" dirty="0" err="1" smtClean="0"/>
-              <a:t>numpy</a:t>
-            </a:r>
-            <a:r>
-              <a:rPr kumimoji="1" lang="en-US" altLang="ko-KR" sz="2400" dirty="0" smtClean="0"/>
-              <a:t> </a:t>
-            </a:r>
-            <a:r>
-              <a:rPr kumimoji="1" lang="en-US" altLang="ko-KR" sz="2400" dirty="0" err="1" smtClean="0"/>
-              <a:t>ndarray</a:t>
-            </a:r>
-            <a:endParaRPr kumimoji="1" lang="en-US" altLang="ko-KR" sz="2400" dirty="0" smtClean="0"/>
-          </a:p>
-          <a:p>
-            <a:pPr marL="914400" lvl="1" indent="-457200">
-              <a:buFont typeface=".AppleSystemUIFont" charset="-120"/>
-              <a:buChar char="-"/>
-            </a:pPr>
-            <a:r>
-              <a:rPr kumimoji="1" lang="en-US" altLang="ko-KR" sz="2400" b="1" dirty="0">
-                <a:solidFill>
-                  <a:srgbClr val="C00000"/>
-                </a:solidFill>
-              </a:rPr>
-              <a:t>errors</a:t>
-            </a:r>
-            <a:r>
-              <a:rPr kumimoji="1" lang="en-US" altLang="ko-KR" sz="2400" dirty="0" smtClean="0"/>
-              <a:t> : </a:t>
-            </a:r>
             <a:r>
               <a:rPr kumimoji="1" lang="en-US" altLang="ko-KR" sz="2400" dirty="0"/>
-              <a:t>#</a:t>
-            </a:r>
-            <a:r>
-              <a:rPr kumimoji="1" lang="en-US" altLang="ko-KR" sz="2400" dirty="0" smtClean="0"/>
-              <a:t> of wrong prediction, a python list</a:t>
-            </a:r>
-          </a:p>
-        </p:txBody>
-      </p:sp>
+              <a:t>Task 1: Implement prediction of model with method </a:t>
+            </a:r>
+            <a:r>
+              <a:rPr kumimoji="1" lang="en-US" altLang="ko-KR" sz="2400" b="1" dirty="0"/>
+              <a:t>predict(self, X)</a:t>
+            </a:r>
+          </a:p>
+        </p:txBody>
+      </p:sp>
+      <mc:AlternateContent xmlns:mc="http://schemas.openxmlformats.org/markup-compatibility/2006" xmlns:we="http://schemas.microsoft.com/office/webextensions/webextension/2010/11" xmlns:pca="http://schemas.microsoft.com/office/powerpoint/2013/contentapp">
+        <mc:Choice Requires="we pca">
+          <p:graphicFrame>
+            <p:nvGraphicFramePr>
+              <p:cNvPr id="8" name="추가 기능 7" title="Code Presenter Pro"/>
+              <p:cNvGraphicFramePr>
+                <a:graphicFrameLocks noGrp="1"/>
+              </p:cNvGraphicFramePr>
+              <p:nvPr>
+                <p:extLst>
+                  <p:ext uri="{D42A27DB-BD31-4B8C-83A1-F6EECF244321}">
+                    <p14:modId xmlns:p14="http://schemas.microsoft.com/office/powerpoint/2010/main" val="1896299385"/>
+                  </p:ext>
+                </p:extLst>
+              </p:nvPr>
+            </p:nvGraphicFramePr>
+            <p:xfrm>
+              <a:off x="722253" y="1570218"/>
+              <a:ext cx="10631547" cy="4748032"/>
+            </p:xfrm>
+            <a:graphic>
+              <a:graphicData uri="http://schemas.microsoft.com/office/webextensions/webextension/2010/11">
+                <we:webextensionref xmlns:we="http://schemas.microsoft.com/office/webextensions/webextension/2010/11" xmlns:r="http://schemas.openxmlformats.org/officeDocument/2006/relationships" r:id="rId4"/>
+              </a:graphicData>
+            </a:graphic>
+          </p:graphicFrame>
+        </mc:Choice>
+        <mc:Fallback xmlns="">
+          <p:pic>
+            <p:nvPicPr>
+              <p:cNvPr id="8" name="추가 기능 7" title="Code Presenter Pro"/>
+              <p:cNvPicPr>
+                <a:picLocks noGrp="1" noRot="1" noChangeAspect="1" noMove="1" noResize="1" noEditPoints="1" noAdjustHandles="1" noChangeArrowheads="1" noChangeShapeType="1"/>
+              </p:cNvPicPr>
+              <p:nvPr/>
+            </p:nvPicPr>
+            <p:blipFill>
+              <a:blip r:embed="rId5"/>
+              <a:stretch>
+                <a:fillRect/>
+              </a:stretch>
+            </p:blipFill>
+            <p:spPr>
+              <a:xfrm>
+                <a:off x="722253" y="1570218"/>
+                <a:ext cx="10631547" cy="4748032"/>
+              </a:xfrm>
+              <a:prstGeom prst="rect">
+                <a:avLst/>
+              </a:prstGeom>
+            </p:spPr>
+          </p:pic>
+        </mc:Fallback>
+      </mc:AlternateContent>
     </p:spTree>
     <p:extLst>
       <p:ext uri="{BB962C8B-B14F-4D97-AF65-F5344CB8AC3E}">
-        <p14:creationId xmlns:p14="http://schemas.microsoft.com/office/powerpoint/2010/main" val="654535199"/>
+        <p14:creationId xmlns:p14="http://schemas.microsoft.com/office/powerpoint/2010/main" val="196145595"/>
       </p:ext>
     </p:extLst>
   </p:cSld>
   <p:clrMapOvr>
     <a:masterClrMapping/>
   </p:clrMapOvr>
-  <p:timing>
-    <p:tnLst>
-      <p:par>
-        <p:cTn id="1" dur="indefinite" restart="never" nodeType="tmRoot"/>
-      </p:par>
-    </p:tnLst>
-  </p:timing>
 </p:sld>
 </file>
 
-<file path=ppt/slides/slide6.xml><?xml version="1.0" encoding="utf-8"?>
+<file path=ppt/slides/slide17.xml><?xml version="1.0" encoding="utf-8"?>
 <p:sld xmlns:a="http://schemas.openxmlformats.org/drawingml/2006/main" xmlns:r="http://schemas.openxmlformats.org/officeDocument/2006/relationships" xmlns:p="http://schemas.openxmlformats.org/presentationml/2006/main">
   <p:cSld>
     <p:spTree>
@@ -7157,6 +8698,162 @@
           <a:chExt cx="0" cy="0"/>
         </a:xfrm>
       </p:grpSpPr>
+      <p:sp useBgFill="1">
+        <p:nvSpPr>
+          <p:cNvPr id="2" name="제목 1"/>
+          <p:cNvSpPr>
+            <a:spLocks noGrp="1"/>
+          </p:cNvSpPr>
+          <p:nvPr>
+            <p:ph type="title"/>
+          </p:nvPr>
+        </p:nvSpPr>
+        <p:spPr>
+          <a:xfrm>
+            <a:off x="838200" y="2372497"/>
+            <a:ext cx="10515600" cy="1351341"/>
+          </a:xfrm>
+          <a:ln>
+            <a:noFill/>
+          </a:ln>
+          <a:effectLst>
+            <a:outerShdw blurRad="50800" dist="76200" dir="2760000" algn="tl" rotWithShape="0">
+              <a:prstClr val="black">
+                <a:alpha val="40000"/>
+              </a:prstClr>
+            </a:outerShdw>
+          </a:effectLst>
+        </p:spPr>
+        <p:txBody>
+          <a:bodyPr>
+            <a:noAutofit/>
+          </a:bodyPr>
+          <a:lstStyle/>
+          <a:p>
+            <a:pPr lvl="0"/>
+            <a:r>
+              <a:rPr kumimoji="1" lang="en-US" altLang="ko-KR" sz="4000" b="1" dirty="0" err="1">
+                <a:solidFill>
+                  <a:srgbClr val="222581"/>
+                </a:solidFill>
+              </a:rPr>
+              <a:t>Widrow</a:t>
+            </a:r>
+            <a:r>
+              <a:rPr kumimoji="1" lang="en-US" altLang="ko-KR" sz="4000" b="1" dirty="0">
+                <a:solidFill>
+                  <a:srgbClr val="222581"/>
+                </a:solidFill>
+              </a:rPr>
+              <a:t>-Hoff</a:t>
+            </a:r>
+            <a:r>
+              <a:rPr kumimoji="1" lang="en-US" altLang="ko-KR" sz="4000" dirty="0">
+                <a:solidFill>
+                  <a:srgbClr val="222581"/>
+                </a:solidFill>
+              </a:rPr>
+              <a:t>’s Perceptron</a:t>
+            </a:r>
+            <a:br>
+              <a:rPr kumimoji="1" lang="en-US" altLang="ko-KR" sz="4000" dirty="0">
+                <a:solidFill>
+                  <a:srgbClr val="222581"/>
+                </a:solidFill>
+              </a:rPr>
+            </a:br>
+            <a:r>
+              <a:rPr kumimoji="1" lang="en-US" altLang="ko-KR" sz="4000" dirty="0">
+                <a:solidFill>
+                  <a:srgbClr val="222581"/>
+                </a:solidFill>
+              </a:rPr>
+              <a:t>with </a:t>
+            </a:r>
+            <a:r>
+              <a:rPr kumimoji="1" lang="en-US" altLang="ko-KR" sz="4000" b="1" dirty="0">
+                <a:solidFill>
+                  <a:srgbClr val="222581"/>
+                </a:solidFill>
+              </a:rPr>
+              <a:t>Stochastic</a:t>
+            </a:r>
+            <a:r>
+              <a:rPr kumimoji="1" lang="en-US" altLang="ko-KR" sz="4000" dirty="0">
+                <a:solidFill>
+                  <a:srgbClr val="222581"/>
+                </a:solidFill>
+              </a:rPr>
+              <a:t> Gradient Descent</a:t>
+            </a:r>
+            <a:endParaRPr kumimoji="1" lang="ko-KR" altLang="en-US" sz="4000" dirty="0">
+              <a:solidFill>
+                <a:srgbClr val="1E3DB4"/>
+              </a:solidFill>
+            </a:endParaRPr>
+          </a:p>
+        </p:txBody>
+      </p:sp>
+      <p:pic>
+        <p:nvPicPr>
+          <p:cNvPr id="3" name="그림 2"/>
+          <p:cNvPicPr>
+            <a:picLocks noChangeAspect="1"/>
+          </p:cNvPicPr>
+          <p:nvPr/>
+        </p:nvPicPr>
+        <p:blipFill>
+          <a:blip r:embed="rId3">
+            <a:extLst>
+              <a:ext uri="{28A0092B-C50C-407E-A947-70E740481C1C}">
+                <a14:useLocalDpi xmlns:a14="http://schemas.microsoft.com/office/drawing/2010/main" val="0"/>
+              </a:ext>
+            </a:extLst>
+          </a:blip>
+          <a:stretch>
+            <a:fillRect/>
+          </a:stretch>
+        </p:blipFill>
+        <p:spPr>
+          <a:xfrm>
+            <a:off x="180638" y="6044658"/>
+            <a:ext cx="1105336" cy="667536"/>
+          </a:xfrm>
+          <a:prstGeom prst="rect">
+            <a:avLst/>
+          </a:prstGeom>
+        </p:spPr>
+      </p:pic>
+    </p:spTree>
+    <p:extLst>
+      <p:ext uri="{BB962C8B-B14F-4D97-AF65-F5344CB8AC3E}">
+        <p14:creationId xmlns:p14="http://schemas.microsoft.com/office/powerpoint/2010/main" val="4148097395"/>
+      </p:ext>
+    </p:extLst>
+  </p:cSld>
+  <p:clrMapOvr>
+    <a:masterClrMapping/>
+  </p:clrMapOvr>
+</p:sld>
+</file>
+
+<file path=ppt/slides/slide18.xml><?xml version="1.0" encoding="utf-8"?>
+<p:sld xmlns:a="http://schemas.openxmlformats.org/drawingml/2006/main" xmlns:r="http://schemas.openxmlformats.org/officeDocument/2006/relationships" xmlns:p="http://schemas.openxmlformats.org/presentationml/2006/main">
+  <p:cSld>
+    <p:spTree>
+      <p:nvGrpSpPr>
+        <p:cNvPr id="1" name=""/>
+        <p:cNvGrpSpPr/>
+        <p:nvPr/>
+      </p:nvGrpSpPr>
+      <p:grpSpPr>
+        <a:xfrm>
+          <a:off x="0" y="0"/>
+          <a:ext cx="0" cy="0"/>
+          <a:chOff x="0" y="0"/>
+          <a:chExt cx="0" cy="0"/>
+        </a:xfrm>
+      </p:grpSpPr>
       <p:sp>
         <p:nvSpPr>
           <p:cNvPr id="2" name="제목 1"/>
@@ -7175,17 +8872,17 @@
         </p:spPr>
         <p:txBody>
           <a:bodyPr>
-            <a:normAutofit/>
+            <a:normAutofit fontScale="90000"/>
           </a:bodyPr>
           <a:lstStyle/>
           <a:p>
             <a:r>
-              <a:rPr kumimoji="1" lang="en-US" altLang="ko-KR" sz="3600" b="1" dirty="0" smtClean="0">
+              <a:rPr kumimoji="1" lang="en-US" altLang="ko-KR" sz="3600" b="1" dirty="0">
                 <a:solidFill>
                   <a:srgbClr val="1E3DB4"/>
                 </a:solidFill>
               </a:rPr>
-              <a:t>Class Perceptron</a:t>
+              <a:t>Stochastic Gradient Descent Conceptual Diagram</a:t>
             </a:r>
             <a:endParaRPr kumimoji="1" lang="ko-KR" altLang="en-US" sz="3600" dirty="0"/>
           </a:p>
@@ -7267,7 +8964,7 @@
           <a:lstStyle/>
           <a:p>
             <a:r>
-              <a:rPr kumimoji="1" lang="en-US" altLang="ko-KR" smtClean="0"/>
+              <a:rPr kumimoji="1" lang="en-US" altLang="ko-KR"/>
               <a:t>SKT AI Course: Deep Learning Basics by Heung-Il Suk</a:t>
             </a:r>
             <a:endParaRPr kumimoji="1" lang="ko-KR" altLang="en-US"/>
@@ -7291,7 +8988,7 @@
           <a:p>
             <a:fld id="{E3E75774-3282-1C4A-9118-50EA78BFB2AA}" type="slidenum">
               <a:rPr kumimoji="1" lang="ko-KR" altLang="en-US" smtClean="0"/>
-              <a:t>6</a:t>
+              <a:t>18</a:t>
             </a:fld>
             <a:endParaRPr kumimoji="1" lang="ko-KR" altLang="en-US"/>
           </a:p>
@@ -7299,14 +8996,20 @@
       </p:sp>
       <p:sp>
         <p:nvSpPr>
-          <p:cNvPr id="3" name="텍스트 상자 2"/>
+          <p:cNvPr id="8" name="텍스트 상자 2">
+            <a:extLst>
+              <a:ext uri="{FF2B5EF4-FFF2-40B4-BE49-F238E27FC236}">
+                <a16:creationId xmlns="" xmlns:a16="http://schemas.microsoft.com/office/drawing/2014/main" id="{2AA06069-1A27-4819-9847-1FF3B81C3D40}"/>
+              </a:ext>
+            </a:extLst>
+          </p:cNvPr>
           <p:cNvSpPr txBox="1"/>
           <p:nvPr/>
         </p:nvSpPr>
         <p:spPr>
           <a:xfrm>
-            <a:off x="395416" y="1092421"/>
-            <a:ext cx="11491784" cy="4832092"/>
+            <a:off x="395416" y="909295"/>
+            <a:ext cx="11491784" cy="3416320"/>
           </a:xfrm>
           <a:prstGeom prst="rect">
             <a:avLst/>
@@ -7323,226 +9026,103 @@
               <a:buFont typeface="Arial" charset="0"/>
               <a:buChar char="•"/>
             </a:pPr>
-            <a:r>
-              <a:rPr kumimoji="1" lang="en-US" altLang="ko-KR" sz="2800" dirty="0" smtClean="0"/>
-              <a:t>Class Methods</a:t>
-            </a:r>
-          </a:p>
-          <a:p>
-            <a:pPr marL="914400" lvl="1" indent="-457200">
-              <a:buFont typeface=".AppleSystemUIFont" charset="-120"/>
-              <a:buChar char="-"/>
-            </a:pPr>
-            <a:r>
-              <a:rPr kumimoji="1" lang="en-US" altLang="ko-KR" sz="2400" b="1" dirty="0" smtClean="0">
-                <a:solidFill>
-                  <a:srgbClr val="C00000"/>
-                </a:solidFill>
-              </a:rPr>
-              <a:t>__</a:t>
-            </a:r>
-            <a:r>
-              <a:rPr kumimoji="1" lang="en-US" altLang="ko-KR" sz="2400" b="1" dirty="0" err="1" smtClean="0">
-                <a:solidFill>
-                  <a:srgbClr val="C00000"/>
-                </a:solidFill>
-              </a:rPr>
-              <a:t>init</a:t>
-            </a:r>
-            <a:r>
-              <a:rPr kumimoji="1" lang="en-US" altLang="ko-KR" sz="2400" b="1" dirty="0" smtClean="0">
-                <a:solidFill>
-                  <a:srgbClr val="C00000"/>
-                </a:solidFill>
-              </a:rPr>
-              <a:t>__(self, eta=0.01, epochs=10)</a:t>
-            </a:r>
             <a:endParaRPr kumimoji="1" lang="en-US" altLang="ko-KR" sz="2400" dirty="0"/>
           </a:p>
           <a:p>
-            <a:pPr marL="1371600" lvl="2" indent="-457200">
+            <a:pPr marL="285750" indent="-285750">
               <a:buFont typeface="Arial" charset="0"/>
               <a:buChar char="•"/>
             </a:pPr>
-            <a:r>
-              <a:rPr kumimoji="1" lang="en-US" altLang="ko-KR" sz="2000" dirty="0" smtClean="0"/>
-              <a:t>initialize Perceptron with learning rate and training epochs</a:t>
-            </a:r>
-          </a:p>
-          <a:p>
-            <a:pPr marL="1371600" lvl="2" indent="-457200">
-              <a:buFont typeface=".AppleSystemUIFont" charset="-120"/>
-              <a:buChar char="-"/>
-            </a:pPr>
-            <a:endParaRPr kumimoji="1" lang="en-US" altLang="ko-KR" sz="2000" dirty="0" smtClean="0"/>
-          </a:p>
-          <a:p>
-            <a:pPr marL="914400" lvl="1" indent="-457200">
-              <a:buFont typeface=".AppleSystemUIFont" charset="-120"/>
-              <a:buChar char="-"/>
-            </a:pPr>
-            <a:r>
-              <a:rPr kumimoji="1" lang="en-US" altLang="ko-KR" sz="2400" b="1" dirty="0" smtClean="0">
-                <a:solidFill>
-                  <a:srgbClr val="C00000"/>
-                </a:solidFill>
-              </a:rPr>
-              <a:t>fit(self, X, y)</a:t>
-            </a:r>
-            <a:r>
-              <a:rPr kumimoji="1" lang="en-US" altLang="ko-KR" sz="2400" dirty="0" smtClean="0"/>
-              <a:t> </a:t>
-            </a:r>
-          </a:p>
-          <a:p>
-            <a:pPr marL="1371600" lvl="2" indent="-457200">
+            <a:endParaRPr kumimoji="1" lang="en-US" altLang="ko-KR" sz="2400" dirty="0"/>
+          </a:p>
+          <a:p>
+            <a:pPr marL="285750" indent="-285750">
               <a:buFont typeface="Arial" charset="0"/>
               <a:buChar char="•"/>
             </a:pPr>
             <a:r>
-              <a:rPr kumimoji="1" lang="en-US" altLang="ko-KR" sz="2000" dirty="0" smtClean="0"/>
-              <a:t>training perceptron with training data X and label y for number of epochs</a:t>
-            </a:r>
-          </a:p>
-          <a:p>
-            <a:pPr marL="1371600" lvl="2" indent="-457200">
+              <a:rPr kumimoji="1" lang="en-US" altLang="ko-KR" sz="2400" dirty="0"/>
+              <a:t>Vanilla Gradient Descent</a:t>
+            </a:r>
+          </a:p>
+          <a:p>
+            <a:pPr marL="742950" lvl="1" indent="-285750">
               <a:buFont typeface="Arial" charset="0"/>
               <a:buChar char="•"/>
             </a:pPr>
             <a:r>
-              <a:rPr kumimoji="1" lang="en-US" altLang="ko-KR" sz="2000" dirty="0" smtClean="0"/>
-              <a:t>X: {array-like}, shape=[</a:t>
-            </a:r>
-            <a:r>
-              <a:rPr kumimoji="1" lang="en-US" altLang="ko-KR" sz="2000" dirty="0" err="1" smtClean="0"/>
-              <a:t>num_samples</a:t>
-            </a:r>
-            <a:r>
-              <a:rPr kumimoji="1" lang="en-US" altLang="ko-KR" sz="2000" dirty="0" smtClean="0"/>
-              <a:t>, </a:t>
-            </a:r>
-            <a:r>
-              <a:rPr kumimoji="1" lang="en-US" altLang="ko-KR" sz="2000" dirty="0" err="1" smtClean="0"/>
-              <a:t>num_features</a:t>
-            </a:r>
-            <a:r>
-              <a:rPr kumimoji="1" lang="en-US" altLang="ko-KR" sz="2000" dirty="0" smtClean="0"/>
-              <a:t>]</a:t>
-            </a:r>
-          </a:p>
-          <a:p>
-            <a:pPr marL="1371600" lvl="2" indent="-457200">
+              <a:rPr kumimoji="1" lang="en-US" altLang="ko-KR" sz="2400" dirty="0"/>
+              <a:t>1 Epoch = 1 Step = All dataset as input</a:t>
+            </a:r>
+          </a:p>
+          <a:p>
+            <a:pPr marL="285750" indent="-285750">
               <a:buFont typeface="Arial" charset="0"/>
               <a:buChar char="•"/>
             </a:pPr>
-            <a:r>
-              <a:rPr kumimoji="1" lang="en-US" altLang="ko-KR" sz="2000" dirty="0" smtClean="0"/>
-              <a:t>y : {array-like}, shape=[</a:t>
-            </a:r>
-            <a:r>
-              <a:rPr kumimoji="1" lang="en-US" altLang="ko-KR" sz="2000" dirty="0" err="1" smtClean="0"/>
-              <a:t>num_samples</a:t>
-            </a:r>
-            <a:r>
-              <a:rPr kumimoji="1" lang="en-US" altLang="ko-KR" sz="2000" dirty="0" smtClean="0"/>
-              <a:t>]</a:t>
-            </a:r>
-          </a:p>
-          <a:p>
-            <a:pPr marL="1371600" lvl="2" indent="-457200">
-              <a:buFont typeface=".AppleSystemUIFont" charset="-120"/>
-              <a:buChar char="-"/>
-            </a:pPr>
-            <a:endParaRPr kumimoji="1" lang="en-US" altLang="ko-KR" sz="2000" dirty="0"/>
-          </a:p>
-          <a:p>
-            <a:pPr marL="914400" lvl="1" indent="-457200">
-              <a:buFont typeface=".AppleSystemUIFont" charset="-120"/>
-              <a:buChar char="-"/>
-            </a:pPr>
-            <a:r>
-              <a:rPr kumimoji="1" lang="en-US" altLang="ko-KR" sz="2400" b="1" dirty="0" err="1" smtClean="0">
-                <a:solidFill>
-                  <a:srgbClr val="C00000"/>
-                </a:solidFill>
-              </a:rPr>
-              <a:t>net_input</a:t>
-            </a:r>
-            <a:r>
-              <a:rPr kumimoji="1" lang="en-US" altLang="ko-KR" sz="2400" b="1" dirty="0" smtClean="0">
-                <a:solidFill>
-                  <a:srgbClr val="C00000"/>
-                </a:solidFill>
-              </a:rPr>
-              <a:t>(self, X)</a:t>
-            </a:r>
             <a:endParaRPr kumimoji="1" lang="en-US" altLang="ko-KR" sz="2400" dirty="0"/>
           </a:p>
           <a:p>
-            <a:pPr marL="1371600" lvl="2" indent="-457200">
+            <a:pPr marL="285750" indent="-285750">
               <a:buFont typeface="Arial" charset="0"/>
               <a:buChar char="•"/>
             </a:pPr>
             <a:r>
-              <a:rPr kumimoji="1" lang="en-US" altLang="ko-KR" sz="2000" dirty="0" smtClean="0"/>
-              <a:t>provide data to perceptron and return perceptron's output before activation</a:t>
-            </a:r>
-          </a:p>
-          <a:p>
-            <a:pPr marL="1371600" lvl="2" indent="-457200">
-              <a:buFont typeface=".AppleSystemUIFont" charset="-120"/>
-              <a:buChar char="-"/>
-            </a:pPr>
-            <a:endParaRPr kumimoji="1" lang="en-US" altLang="ko-KR" sz="2400" dirty="0" smtClean="0"/>
-          </a:p>
-          <a:p>
-            <a:pPr marL="914400" lvl="1" indent="-457200">
-              <a:buFont typeface=".AppleSystemUIFont" charset="-120"/>
-              <a:buChar char="-"/>
-            </a:pPr>
-            <a:r>
-              <a:rPr kumimoji="1" lang="en-US" altLang="ko-KR" sz="2400" b="1" dirty="0" smtClean="0">
-                <a:solidFill>
-                  <a:srgbClr val="C00000"/>
-                </a:solidFill>
-              </a:rPr>
-              <a:t>predict(self, X)</a:t>
-            </a:r>
-            <a:endParaRPr kumimoji="1" lang="en-US" altLang="ko-KR" sz="2400" dirty="0"/>
-          </a:p>
-          <a:p>
-            <a:pPr marL="1371600" lvl="2" indent="-457200">
+              <a:rPr kumimoji="1" lang="en-US" altLang="ko-KR" sz="2400" dirty="0"/>
+              <a:t>Stochastic Gradient Descent</a:t>
+            </a:r>
+          </a:p>
+          <a:p>
+            <a:pPr marL="742950" lvl="1" indent="-285750">
               <a:buFont typeface="Arial" charset="0"/>
               <a:buChar char="•"/>
             </a:pPr>
             <a:r>
-              <a:rPr kumimoji="1" lang="en-US" altLang="ko-KR" sz="2000" dirty="0" smtClean="0"/>
-              <a:t>return perceptron's prediction</a:t>
-            </a:r>
+              <a:rPr kumimoji="1" lang="en-US" altLang="ko-KR" sz="2400" dirty="0"/>
+              <a:t>1 Epoch = N step </a:t>
+            </a:r>
+          </a:p>
+          <a:p>
+            <a:pPr marL="742950" lvl="1" indent="-285750">
+              <a:buFont typeface="Arial" charset="0"/>
+              <a:buChar char="•"/>
+            </a:pPr>
+            <a:r>
+              <a:rPr kumimoji="1" lang="en-US" altLang="ko-KR" sz="2400" dirty="0"/>
+              <a:t>1 Step = N</a:t>
+            </a:r>
+            <a:r>
+              <a:rPr kumimoji="1" lang="en-US" altLang="ko-KR" sz="2400" baseline="30000" dirty="0"/>
+              <a:t>th</a:t>
+            </a:r>
+            <a:r>
+              <a:rPr kumimoji="1" lang="en-US" altLang="ko-KR" sz="2400" dirty="0"/>
+              <a:t> batch from dataset as input</a:t>
+            </a:r>
+          </a:p>
+          <a:p>
+            <a:pPr marL="285750" indent="-285750">
+              <a:buFont typeface="Arial" charset="0"/>
+              <a:buChar char="•"/>
+            </a:pPr>
+            <a:endParaRPr kumimoji="1" lang="en-US" altLang="ko-KR" sz="2400" dirty="0"/>
           </a:p>
         </p:txBody>
       </p:sp>
     </p:spTree>
     <p:extLst>
       <p:ext uri="{BB962C8B-B14F-4D97-AF65-F5344CB8AC3E}">
-        <p14:creationId xmlns:p14="http://schemas.microsoft.com/office/powerpoint/2010/main" val="121199985"/>
+        <p14:creationId xmlns:p14="http://schemas.microsoft.com/office/powerpoint/2010/main" val="1711153269"/>
       </p:ext>
     </p:extLst>
   </p:cSld>
   <p:clrMapOvr>
     <a:masterClrMapping/>
   </p:clrMapOvr>
-  <p:timing>
-    <p:tnLst>
-      <p:par>
-        <p:cTn id="1" dur="indefinite" restart="never" nodeType="tmRoot"/>
-      </p:par>
-    </p:tnLst>
-  </p:timing>
 </p:sld>
 </file>
 
-<file path=ppt/slides/slide7.xml><?xml version="1.0" encoding="utf-8"?>
+<file path=ppt/slides/slide19.xml><?xml version="1.0" encoding="utf-8"?>
 <p:sld xmlns:a="http://schemas.openxmlformats.org/drawingml/2006/main" xmlns:r="http://schemas.openxmlformats.org/officeDocument/2006/relationships" xmlns:p="http://schemas.openxmlformats.org/presentationml/2006/main">
   <p:cSld>
     <p:spTree>
@@ -7572,7 +9152,7 @@
         <p:spPr>
           <a:xfrm>
             <a:off x="395416" y="84696"/>
-            <a:ext cx="11199684" cy="743208"/>
+            <a:ext cx="10515600" cy="743208"/>
           </a:xfrm>
         </p:spPr>
         <p:txBody>
@@ -7582,12 +9162,20 @@
           <a:lstStyle/>
           <a:p>
             <a:r>
-              <a:rPr kumimoji="1" lang="en-US" altLang="ko-KR" sz="3600" b="1" dirty="0" smtClean="0">
+              <a:rPr kumimoji="1" lang="en-US" altLang="ko-KR" sz="3600" b="1" dirty="0">
                 <a:solidFill>
                   <a:srgbClr val="1E3DB4"/>
                 </a:solidFill>
               </a:rPr>
-              <a:t>Implement major methods of Class Perceptron (1)</a:t>
+              <a:t>Class </a:t>
+            </a:r>
+            <a:r>
+              <a:rPr kumimoji="1" lang="en-US" altLang="ko-KR" sz="3600" b="1" dirty="0" err="1">
+                <a:solidFill>
+                  <a:srgbClr val="1E3DB4"/>
+                </a:solidFill>
+              </a:rPr>
+              <a:t>AdalineSGD</a:t>
             </a:r>
             <a:endParaRPr kumimoji="1" lang="ko-KR" altLang="en-US" sz="3600" dirty="0"/>
           </a:p>
@@ -7669,7 +9257,7 @@
           <a:lstStyle/>
           <a:p>
             <a:r>
-              <a:rPr kumimoji="1" lang="en-US" altLang="ko-KR" smtClean="0"/>
+              <a:rPr kumimoji="1" lang="en-US" altLang="ko-KR"/>
               <a:t>SKT AI Course: Deep Learning Basics by Heung-Il Suk</a:t>
             </a:r>
             <a:endParaRPr kumimoji="1" lang="ko-KR" altLang="en-US"/>
@@ -7693,7 +9281,594 @@
           <a:p>
             <a:fld id="{E3E75774-3282-1C4A-9118-50EA78BFB2AA}" type="slidenum">
               <a:rPr kumimoji="1" lang="ko-KR" altLang="en-US" smtClean="0"/>
-              <a:t>7</a:t>
+              <a:t>19</a:t>
+            </a:fld>
+            <a:endParaRPr kumimoji="1" lang="ko-KR" altLang="en-US"/>
+          </a:p>
+        </p:txBody>
+      </p:sp>
+      <p:sp>
+        <p:nvSpPr>
+          <p:cNvPr id="3" name="텍스트 상자 2"/>
+          <p:cNvSpPr txBox="1"/>
+          <p:nvPr/>
+        </p:nvSpPr>
+        <p:spPr>
+          <a:xfrm>
+            <a:off x="395416" y="1092421"/>
+            <a:ext cx="11491784" cy="2062103"/>
+          </a:xfrm>
+          <a:prstGeom prst="rect">
+            <a:avLst/>
+          </a:prstGeom>
+          <a:noFill/>
+        </p:spPr>
+        <p:txBody>
+          <a:bodyPr wrap="square" rtlCol="0">
+            <a:spAutoFit/>
+          </a:bodyPr>
+          <a:lstStyle/>
+          <a:p>
+            <a:endParaRPr kumimoji="1" lang="en-US" altLang="ko-KR" sz="2800" dirty="0"/>
+          </a:p>
+          <a:p>
+            <a:pPr marL="285750" indent="-285750">
+              <a:buFont typeface="Arial" charset="0"/>
+              <a:buChar char="•"/>
+            </a:pPr>
+            <a:r>
+              <a:rPr kumimoji="1" lang="en-US" altLang="ko-KR" sz="2800" dirty="0"/>
+              <a:t>New Class Variables</a:t>
+            </a:r>
+          </a:p>
+          <a:p>
+            <a:pPr marL="914400" lvl="1" indent="-457200">
+              <a:buFont typeface=".AppleSystemUIFont" charset="-120"/>
+              <a:buChar char="-"/>
+            </a:pPr>
+            <a:r>
+              <a:rPr kumimoji="1" lang="en-US" altLang="ko-KR" sz="2400" b="1" dirty="0" err="1">
+                <a:solidFill>
+                  <a:srgbClr val="C00000"/>
+                </a:solidFill>
+              </a:rPr>
+              <a:t>bShuffle</a:t>
+            </a:r>
+            <a:r>
+              <a:rPr kumimoji="1" lang="en-US" altLang="ko-KR" sz="2400" dirty="0"/>
+              <a:t> : Whether to shuffle the data or not</a:t>
+            </a:r>
+          </a:p>
+          <a:p>
+            <a:pPr marL="914400" lvl="1" indent="-457200">
+              <a:buFont typeface=".AppleSystemUIFont" charset="-120"/>
+              <a:buChar char="-"/>
+            </a:pPr>
+            <a:r>
+              <a:rPr kumimoji="1" lang="en-US" altLang="ko-KR" sz="2400" b="1" dirty="0" err="1">
+                <a:solidFill>
+                  <a:srgbClr val="C00000"/>
+                </a:solidFill>
+              </a:rPr>
+              <a:t>random_state</a:t>
+            </a:r>
+            <a:r>
+              <a:rPr kumimoji="1" lang="en-US" altLang="ko-KR" sz="2400" dirty="0"/>
+              <a:t> : Random seed for the shuffle</a:t>
+            </a:r>
+          </a:p>
+          <a:p>
+            <a:pPr marL="914400" lvl="1" indent="-457200">
+              <a:buFont typeface=".AppleSystemUIFont" charset="-120"/>
+              <a:buChar char="-"/>
+            </a:pPr>
+            <a:r>
+              <a:rPr kumimoji="1" lang="en-US" altLang="ko-KR" sz="2400" b="1" dirty="0" err="1">
+                <a:solidFill>
+                  <a:srgbClr val="C00000"/>
+                </a:solidFill>
+              </a:rPr>
+              <a:t>minibatch_size</a:t>
+            </a:r>
+            <a:r>
+              <a:rPr kumimoji="1" lang="ko-KR" altLang="en-US" sz="2400" dirty="0"/>
+              <a:t> </a:t>
+            </a:r>
+            <a:r>
+              <a:rPr kumimoji="1" lang="en-US" altLang="ko-KR" sz="2400" dirty="0"/>
+              <a:t>:</a:t>
+            </a:r>
+            <a:r>
+              <a:rPr kumimoji="1" lang="ko-KR" altLang="en-US" sz="2400" dirty="0"/>
+              <a:t> </a:t>
+            </a:r>
+            <a:r>
+              <a:rPr kumimoji="1" lang="en-US" altLang="ko-KR" sz="2400" dirty="0"/>
+              <a:t>Size of each batch</a:t>
+            </a:r>
+          </a:p>
+        </p:txBody>
+      </p:sp>
+    </p:spTree>
+    <p:extLst>
+      <p:ext uri="{BB962C8B-B14F-4D97-AF65-F5344CB8AC3E}">
+        <p14:creationId xmlns:p14="http://schemas.microsoft.com/office/powerpoint/2010/main" val="3220354692"/>
+      </p:ext>
+    </p:extLst>
+  </p:cSld>
+  <p:clrMapOvr>
+    <a:masterClrMapping/>
+  </p:clrMapOvr>
+</p:sld>
+</file>
+
+<file path=ppt/slides/slide2.xml><?xml version="1.0" encoding="utf-8"?>
+<p:sld xmlns:a="http://schemas.openxmlformats.org/drawingml/2006/main" xmlns:r="http://schemas.openxmlformats.org/officeDocument/2006/relationships" xmlns:p="http://schemas.openxmlformats.org/presentationml/2006/main">
+  <p:cSld>
+    <p:spTree>
+      <p:nvGrpSpPr>
+        <p:cNvPr id="1" name=""/>
+        <p:cNvGrpSpPr/>
+        <p:nvPr/>
+      </p:nvGrpSpPr>
+      <p:grpSpPr>
+        <a:xfrm>
+          <a:off x="0" y="0"/>
+          <a:ext cx="0" cy="0"/>
+          <a:chOff x="0" y="0"/>
+          <a:chExt cx="0" cy="0"/>
+        </a:xfrm>
+      </p:grpSpPr>
+      <p:sp>
+        <p:nvSpPr>
+          <p:cNvPr id="2" name="제목 1"/>
+          <p:cNvSpPr>
+            <a:spLocks noGrp="1"/>
+          </p:cNvSpPr>
+          <p:nvPr>
+            <p:ph type="title"/>
+          </p:nvPr>
+        </p:nvSpPr>
+        <p:spPr>
+          <a:xfrm>
+            <a:off x="395416" y="84696"/>
+            <a:ext cx="10515600" cy="743208"/>
+          </a:xfrm>
+        </p:spPr>
+        <p:txBody>
+          <a:bodyPr>
+            <a:normAutofit/>
+          </a:bodyPr>
+          <a:lstStyle/>
+          <a:p>
+            <a:r>
+              <a:rPr kumimoji="1" lang="en-US" altLang="ko-KR" sz="3600" b="1" dirty="0">
+                <a:solidFill>
+                  <a:srgbClr val="1E3DB4"/>
+                </a:solidFill>
+              </a:rPr>
+              <a:t>Contents</a:t>
+            </a:r>
+            <a:endParaRPr kumimoji="1" lang="ko-KR" altLang="en-US" sz="3600" dirty="0"/>
+          </a:p>
+        </p:txBody>
+      </p:sp>
+      <p:sp>
+        <p:nvSpPr>
+          <p:cNvPr id="3" name="내용 개체 틀 2"/>
+          <p:cNvSpPr>
+            <a:spLocks noGrp="1"/>
+          </p:cNvSpPr>
+          <p:nvPr>
+            <p:ph idx="1"/>
+          </p:nvPr>
+        </p:nvSpPr>
+        <p:spPr>
+          <a:xfrm>
+            <a:off x="395416" y="1606440"/>
+            <a:ext cx="11491784" cy="3731680"/>
+          </a:xfrm>
+        </p:spPr>
+        <p:txBody>
+          <a:bodyPr/>
+          <a:lstStyle/>
+          <a:p>
+            <a:pPr marL="514350" lvl="0" indent="-514350" latinLnBrk="0">
+              <a:lnSpc>
+                <a:spcPct val="200000"/>
+              </a:lnSpc>
+              <a:spcBef>
+                <a:spcPts val="0"/>
+              </a:spcBef>
+              <a:buFontTx/>
+              <a:buAutoNum type="arabicPeriod"/>
+            </a:pPr>
+            <a:r>
+              <a:rPr kumimoji="1" lang="en-US" altLang="ko-KR" b="1" dirty="0">
+                <a:solidFill>
+                  <a:srgbClr val="222581"/>
+                </a:solidFill>
+              </a:rPr>
+              <a:t>Rosenblatt</a:t>
+            </a:r>
+            <a:r>
+              <a:rPr kumimoji="1" lang="en-US" altLang="ko-KR" dirty="0">
+                <a:solidFill>
+                  <a:srgbClr val="222581"/>
+                </a:solidFill>
+              </a:rPr>
+              <a:t>’s Perceptron with Vanilla Gradient Descent</a:t>
+            </a:r>
+          </a:p>
+          <a:p>
+            <a:pPr marL="514350" lvl="0" indent="-514350" latinLnBrk="0">
+              <a:lnSpc>
+                <a:spcPct val="200000"/>
+              </a:lnSpc>
+              <a:spcBef>
+                <a:spcPts val="0"/>
+              </a:spcBef>
+              <a:buFontTx/>
+              <a:buAutoNum type="arabicPeriod"/>
+            </a:pPr>
+            <a:r>
+              <a:rPr kumimoji="1" lang="en-US" altLang="ko-KR" b="1" dirty="0" err="1">
+                <a:solidFill>
+                  <a:srgbClr val="222581"/>
+                </a:solidFill>
+              </a:rPr>
+              <a:t>Widrow</a:t>
+            </a:r>
+            <a:r>
+              <a:rPr kumimoji="1" lang="en-US" altLang="ko-KR" b="1" dirty="0">
+                <a:solidFill>
+                  <a:srgbClr val="222581"/>
+                </a:solidFill>
+              </a:rPr>
+              <a:t>-Hoff</a:t>
+            </a:r>
+            <a:r>
+              <a:rPr kumimoji="1" lang="en-US" altLang="ko-KR" dirty="0">
+                <a:solidFill>
+                  <a:srgbClr val="222581"/>
+                </a:solidFill>
+              </a:rPr>
+              <a:t>’s Perceptron with Vanilla Gradient Descent</a:t>
+            </a:r>
+          </a:p>
+          <a:p>
+            <a:pPr marL="514350" lvl="0" indent="-514350" latinLnBrk="0">
+              <a:lnSpc>
+                <a:spcPct val="200000"/>
+              </a:lnSpc>
+              <a:spcBef>
+                <a:spcPts val="0"/>
+              </a:spcBef>
+              <a:buFontTx/>
+              <a:buAutoNum type="arabicPeriod"/>
+            </a:pPr>
+            <a:r>
+              <a:rPr kumimoji="1" lang="en-US" altLang="ko-KR" dirty="0" err="1">
+                <a:solidFill>
+                  <a:srgbClr val="222581"/>
+                </a:solidFill>
+              </a:rPr>
+              <a:t>Widrow</a:t>
+            </a:r>
+            <a:r>
+              <a:rPr kumimoji="1" lang="en-US" altLang="ko-KR" dirty="0">
+                <a:solidFill>
+                  <a:srgbClr val="222581"/>
+                </a:solidFill>
+              </a:rPr>
+              <a:t>-Hoff’s Perceptron with </a:t>
+            </a:r>
+            <a:r>
+              <a:rPr kumimoji="1" lang="en-US" altLang="ko-KR" b="1" dirty="0">
+                <a:solidFill>
+                  <a:srgbClr val="222581"/>
+                </a:solidFill>
+              </a:rPr>
+              <a:t>Stochastic</a:t>
+            </a:r>
+            <a:r>
+              <a:rPr kumimoji="1" lang="en-US" altLang="ko-KR" dirty="0">
+                <a:solidFill>
+                  <a:srgbClr val="222581"/>
+                </a:solidFill>
+              </a:rPr>
+              <a:t> Gradient Descent</a:t>
+            </a:r>
+          </a:p>
+        </p:txBody>
+      </p:sp>
+      <p:cxnSp>
+        <p:nvCxnSpPr>
+          <p:cNvPr id="5" name="직선 연결선[R] 4"/>
+          <p:cNvCxnSpPr/>
+          <p:nvPr/>
+        </p:nvCxnSpPr>
+        <p:spPr>
+          <a:xfrm flipV="1">
+            <a:off x="395416" y="827904"/>
+            <a:ext cx="11491784" cy="12356"/>
+          </a:xfrm>
+          <a:prstGeom prst="line">
+            <a:avLst/>
+          </a:prstGeom>
+        </p:spPr>
+        <p:style>
+          <a:lnRef idx="1">
+            <a:schemeClr val="accent1"/>
+          </a:lnRef>
+          <a:fillRef idx="0">
+            <a:schemeClr val="accent1"/>
+          </a:fillRef>
+          <a:effectRef idx="0">
+            <a:schemeClr val="accent1"/>
+          </a:effectRef>
+          <a:fontRef idx="minor">
+            <a:schemeClr val="tx1"/>
+          </a:fontRef>
+        </p:style>
+      </p:cxnSp>
+      <p:pic>
+        <p:nvPicPr>
+          <p:cNvPr id="7" name="그림 6"/>
+          <p:cNvPicPr>
+            <a:picLocks noChangeAspect="1"/>
+          </p:cNvPicPr>
+          <p:nvPr/>
+        </p:nvPicPr>
+        <p:blipFill>
+          <a:blip r:embed="rId3">
+            <a:extLst>
+              <a:ext uri="{28A0092B-C50C-407E-A947-70E740481C1C}">
+                <a14:useLocalDpi xmlns:a14="http://schemas.microsoft.com/office/drawing/2010/main" val="0"/>
+              </a:ext>
+            </a:extLst>
+          </a:blip>
+          <a:stretch>
+            <a:fillRect/>
+          </a:stretch>
+        </p:blipFill>
+        <p:spPr>
+          <a:xfrm>
+            <a:off x="180638" y="6044658"/>
+            <a:ext cx="1105336" cy="667536"/>
+          </a:xfrm>
+          <a:prstGeom prst="rect">
+            <a:avLst/>
+          </a:prstGeom>
+        </p:spPr>
+      </p:pic>
+      <p:sp>
+        <p:nvSpPr>
+          <p:cNvPr id="9" name="바닥글 개체 틀 8"/>
+          <p:cNvSpPr>
+            <a:spLocks noGrp="1"/>
+          </p:cNvSpPr>
+          <p:nvPr>
+            <p:ph type="ftr" sz="quarter" idx="11"/>
+          </p:nvPr>
+        </p:nvSpPr>
+        <p:spPr/>
+        <p:txBody>
+          <a:bodyPr/>
+          <a:lstStyle/>
+          <a:p>
+            <a:r>
+              <a:rPr kumimoji="1" lang="en-US" altLang="ko-KR"/>
+              <a:t>SKT AI Course: Deep Learning Basics by Heung-Il Suk</a:t>
+            </a:r>
+            <a:endParaRPr kumimoji="1" lang="ko-KR" altLang="en-US"/>
+          </a:p>
+        </p:txBody>
+      </p:sp>
+      <p:sp>
+        <p:nvSpPr>
+          <p:cNvPr id="10" name="슬라이드 번호 개체 틀 9"/>
+          <p:cNvSpPr>
+            <a:spLocks noGrp="1"/>
+          </p:cNvSpPr>
+          <p:nvPr>
+            <p:ph type="sldNum" sz="quarter" idx="12"/>
+          </p:nvPr>
+        </p:nvSpPr>
+        <p:spPr/>
+        <p:txBody>
+          <a:bodyPr/>
+          <a:lstStyle/>
+          <a:p>
+            <a:fld id="{E3E75774-3282-1C4A-9118-50EA78BFB2AA}" type="slidenum">
+              <a:rPr kumimoji="1" lang="ko-KR" altLang="en-US" smtClean="0"/>
+              <a:t>2</a:t>
+            </a:fld>
+            <a:endParaRPr kumimoji="1" lang="ko-KR" altLang="en-US"/>
+          </a:p>
+        </p:txBody>
+      </p:sp>
+    </p:spTree>
+    <p:extLst>
+      <p:ext uri="{BB962C8B-B14F-4D97-AF65-F5344CB8AC3E}">
+        <p14:creationId xmlns:p14="http://schemas.microsoft.com/office/powerpoint/2010/main" val="2081454257"/>
+      </p:ext>
+    </p:extLst>
+  </p:cSld>
+  <p:clrMapOvr>
+    <a:masterClrMapping/>
+  </p:clrMapOvr>
+</p:sld>
+</file>
+
+<file path=ppt/slides/slide20.xml><?xml version="1.0" encoding="utf-8"?>
+<p:sld xmlns:a="http://schemas.openxmlformats.org/drawingml/2006/main" xmlns:r="http://schemas.openxmlformats.org/officeDocument/2006/relationships" xmlns:p="http://schemas.openxmlformats.org/presentationml/2006/main">
+  <p:cSld>
+    <p:spTree>
+      <p:nvGrpSpPr>
+        <p:cNvPr id="1" name=""/>
+        <p:cNvGrpSpPr/>
+        <p:nvPr/>
+      </p:nvGrpSpPr>
+      <p:grpSpPr>
+        <a:xfrm>
+          <a:off x="0" y="0"/>
+          <a:ext cx="0" cy="0"/>
+          <a:chOff x="0" y="0"/>
+          <a:chExt cx="0" cy="0"/>
+        </a:xfrm>
+      </p:grpSpPr>
+      <p:sp>
+        <p:nvSpPr>
+          <p:cNvPr id="2" name="제목 1"/>
+          <p:cNvSpPr>
+            <a:spLocks noGrp="1"/>
+          </p:cNvSpPr>
+          <p:nvPr>
+            <p:ph type="title"/>
+          </p:nvPr>
+        </p:nvSpPr>
+        <p:spPr>
+          <a:xfrm>
+            <a:off x="395416" y="84696"/>
+            <a:ext cx="11199684" cy="743208"/>
+          </a:xfrm>
+        </p:spPr>
+        <p:txBody>
+          <a:bodyPr>
+            <a:normAutofit/>
+          </a:bodyPr>
+          <a:lstStyle/>
+          <a:p>
+            <a:r>
+              <a:rPr kumimoji="1" lang="en-US" altLang="ko-KR" sz="3600" b="1" dirty="0">
+                <a:solidFill>
+                  <a:srgbClr val="1E3DB4"/>
+                </a:solidFill>
+              </a:rPr>
+              <a:t>Implement major methods of Class </a:t>
+            </a:r>
+            <a:r>
+              <a:rPr kumimoji="1" lang="en-US" altLang="ko-KR" sz="3600" b="1" dirty="0" err="1">
+                <a:solidFill>
+                  <a:srgbClr val="1E3DB4"/>
+                </a:solidFill>
+              </a:rPr>
+              <a:t>AdalineSGD</a:t>
+            </a:r>
+            <a:r>
+              <a:rPr kumimoji="1" lang="en-US" altLang="ko-KR" sz="3600" b="1" dirty="0">
+                <a:solidFill>
+                  <a:srgbClr val="1E3DB4"/>
+                </a:solidFill>
+              </a:rPr>
+              <a:t> (1)</a:t>
+            </a:r>
+            <a:endParaRPr kumimoji="1" lang="ko-KR" altLang="en-US" sz="3600" dirty="0"/>
+          </a:p>
+        </p:txBody>
+      </p:sp>
+      <p:cxnSp>
+        <p:nvCxnSpPr>
+          <p:cNvPr id="5" name="직선 연결선[R] 4"/>
+          <p:cNvCxnSpPr/>
+          <p:nvPr/>
+        </p:nvCxnSpPr>
+        <p:spPr>
+          <a:xfrm flipV="1">
+            <a:off x="395416" y="827904"/>
+            <a:ext cx="11491784" cy="12356"/>
+          </a:xfrm>
+          <a:prstGeom prst="line">
+            <a:avLst/>
+          </a:prstGeom>
+        </p:spPr>
+        <p:style>
+          <a:lnRef idx="1">
+            <a:schemeClr val="accent1"/>
+          </a:lnRef>
+          <a:fillRef idx="0">
+            <a:schemeClr val="accent1"/>
+          </a:fillRef>
+          <a:effectRef idx="0">
+            <a:schemeClr val="accent1"/>
+          </a:effectRef>
+          <a:fontRef idx="minor">
+            <a:schemeClr val="tx1"/>
+          </a:fontRef>
+        </p:style>
+      </p:cxnSp>
+      <p:pic>
+        <p:nvPicPr>
+          <p:cNvPr id="7" name="그림 6"/>
+          <p:cNvPicPr>
+            <a:picLocks noChangeAspect="1"/>
+          </p:cNvPicPr>
+          <p:nvPr/>
+        </p:nvPicPr>
+        <p:blipFill>
+          <a:blip r:embed="rId3">
+            <a:extLst>
+              <a:ext uri="{28A0092B-C50C-407E-A947-70E740481C1C}">
+                <a14:useLocalDpi xmlns:a14="http://schemas.microsoft.com/office/drawing/2010/main" val="0"/>
+              </a:ext>
+            </a:extLst>
+          </a:blip>
+          <a:stretch>
+            <a:fillRect/>
+          </a:stretch>
+        </p:blipFill>
+        <p:spPr>
+          <a:xfrm>
+            <a:off x="180638" y="6044658"/>
+            <a:ext cx="1105336" cy="667536"/>
+          </a:xfrm>
+          <a:prstGeom prst="rect">
+            <a:avLst/>
+          </a:prstGeom>
+        </p:spPr>
+      </p:pic>
+      <p:sp>
+        <p:nvSpPr>
+          <p:cNvPr id="9" name="바닥글 개체 틀 8"/>
+          <p:cNvSpPr>
+            <a:spLocks noGrp="1"/>
+          </p:cNvSpPr>
+          <p:nvPr>
+            <p:ph type="ftr" sz="quarter" idx="11"/>
+          </p:nvPr>
+        </p:nvSpPr>
+        <p:spPr/>
+        <p:txBody>
+          <a:bodyPr/>
+          <a:lstStyle/>
+          <a:p>
+            <a:r>
+              <a:rPr kumimoji="1" lang="en-US" altLang="ko-KR"/>
+              <a:t>SKT AI Course: Deep Learning Basics by Heung-Il Suk</a:t>
+            </a:r>
+            <a:endParaRPr kumimoji="1" lang="ko-KR" altLang="en-US"/>
+          </a:p>
+        </p:txBody>
+      </p:sp>
+      <p:sp>
+        <p:nvSpPr>
+          <p:cNvPr id="10" name="슬라이드 번호 개체 틀 9"/>
+          <p:cNvSpPr>
+            <a:spLocks noGrp="1"/>
+          </p:cNvSpPr>
+          <p:nvPr>
+            <p:ph type="sldNum" sz="quarter" idx="12"/>
+          </p:nvPr>
+        </p:nvSpPr>
+        <p:spPr/>
+        <p:txBody>
+          <a:bodyPr/>
+          <a:lstStyle/>
+          <a:p>
+            <a:fld id="{E3E75774-3282-1C4A-9118-50EA78BFB2AA}" type="slidenum">
+              <a:rPr kumimoji="1" lang="ko-KR" altLang="en-US" smtClean="0"/>
+              <a:t>20</a:t>
             </a:fld>
             <a:endParaRPr kumimoji="1" lang="ko-KR" altLang="en-US"/>
           </a:p>
@@ -7726,23 +9901,2259 @@
               <a:buChar char="•"/>
             </a:pPr>
             <a:r>
-              <a:rPr kumimoji="1" lang="en-US" altLang="ko-KR" sz="2400" dirty="0" smtClean="0"/>
+              <a:rPr kumimoji="1" lang="en-US" altLang="ko-KR" sz="2400" dirty="0"/>
+              <a:t>Task 1: Implement </a:t>
+            </a:r>
+            <a:r>
+              <a:rPr kumimoji="1" lang="en-US" altLang="ko-KR" sz="2400" b="1" dirty="0" err="1"/>
+              <a:t>fit_SGD</a:t>
+            </a:r>
+            <a:r>
+              <a:rPr kumimoji="1" lang="en-US" altLang="ko-KR" sz="2400" b="1" dirty="0"/>
+              <a:t>(self, X, y)</a:t>
+            </a:r>
+          </a:p>
+        </p:txBody>
+      </p:sp>
+      <mc:AlternateContent xmlns:mc="http://schemas.openxmlformats.org/markup-compatibility/2006" xmlns:we="http://schemas.microsoft.com/office/webextensions/webextension/2010/11" xmlns:pca="http://schemas.microsoft.com/office/powerpoint/2013/contentapp">
+        <mc:Choice Requires="we pca">
+          <p:graphicFrame>
+            <p:nvGraphicFramePr>
+              <p:cNvPr id="8" name="추가 기능 7" title="Code Presenter Pro"/>
+              <p:cNvGraphicFramePr>
+                <a:graphicFrameLocks noGrp="1"/>
+              </p:cNvGraphicFramePr>
+              <p:nvPr>
+                <p:extLst>
+                  <p:ext uri="{D42A27DB-BD31-4B8C-83A1-F6EECF244321}">
+                    <p14:modId xmlns:p14="http://schemas.microsoft.com/office/powerpoint/2010/main" val="2801110986"/>
+                  </p:ext>
+                </p:extLst>
+              </p:nvPr>
+            </p:nvGraphicFramePr>
+            <p:xfrm>
+              <a:off x="1903353" y="1370960"/>
+              <a:ext cx="8385294" cy="4985389"/>
+            </p:xfrm>
+            <a:graphic>
+              <a:graphicData uri="http://schemas.microsoft.com/office/webextensions/webextension/2010/11">
+                <we:webextensionref xmlns:we="http://schemas.microsoft.com/office/webextensions/webextension/2010/11" xmlns:r="http://schemas.openxmlformats.org/officeDocument/2006/relationships" r:id="rId4"/>
+              </a:graphicData>
+            </a:graphic>
+          </p:graphicFrame>
+        </mc:Choice>
+        <mc:Fallback xmlns="">
+          <p:pic>
+            <p:nvPicPr>
+              <p:cNvPr id="8" name="추가 기능 7" title="Code Presenter Pro"/>
+              <p:cNvPicPr>
+                <a:picLocks noGrp="1" noRot="1" noChangeAspect="1" noMove="1" noResize="1" noEditPoints="1" noAdjustHandles="1" noChangeArrowheads="1" noChangeShapeType="1"/>
+              </p:cNvPicPr>
+              <p:nvPr/>
+            </p:nvPicPr>
+            <p:blipFill>
+              <a:blip r:embed="rId5"/>
+              <a:stretch>
+                <a:fillRect/>
+              </a:stretch>
+            </p:blipFill>
+            <p:spPr>
+              <a:xfrm>
+                <a:off x="1903353" y="1370960"/>
+                <a:ext cx="8385294" cy="4985389"/>
+              </a:xfrm>
+              <a:prstGeom prst="rect">
+                <a:avLst/>
+              </a:prstGeom>
+            </p:spPr>
+          </p:pic>
+        </mc:Fallback>
+      </mc:AlternateContent>
+      <mc:AlternateContent xmlns:mc="http://schemas.openxmlformats.org/markup-compatibility/2006" xmlns:a14="http://schemas.microsoft.com/office/drawing/2010/main">
+        <mc:Choice Requires="a14">
+          <p:sp>
+            <p:nvSpPr>
+              <p:cNvPr id="6" name="텍스트 상자 5"/>
+              <p:cNvSpPr txBox="1"/>
+              <p:nvPr/>
+            </p:nvSpPr>
+            <p:spPr>
+              <a:xfrm>
+                <a:off x="5638800" y="2971800"/>
+                <a:ext cx="3002424" cy="282193"/>
+              </a:xfrm>
+              <a:prstGeom prst="rect">
+                <a:avLst/>
+              </a:prstGeom>
+              <a:noFill/>
+            </p:spPr>
+            <p:txBody>
+              <a:bodyPr wrap="none" lIns="0" tIns="0" rIns="0" bIns="0" rtlCol="0">
+                <a:spAutoFit/>
+              </a:bodyPr>
+              <a:lstStyle/>
+              <a:p>
+                <a:pPr/>
+                <a14:m>
+                  <m:oMathPara xmlns:m="http://schemas.openxmlformats.org/officeDocument/2006/math">
+                    <m:oMathParaPr>
+                      <m:jc m:val="centerGroup"/>
+                    </m:oMathParaPr>
+                    <m:oMath xmlns:m="http://schemas.openxmlformats.org/officeDocument/2006/math">
+                      <a:fld id="{402D3F84-BBE3-4547-B58F-85C5AEACBD6B}" type="mathplaceholder">
+                        <a:rPr kumimoji="1" lang="ko-KR" altLang="en-US" i="1" smtClean="0">
+                          <a:latin typeface="Cambria Math" charset="0"/>
+                        </a:rPr>
+                        <a:t>여기에 수식을 입력하십시오.</a:t>
+                      </a:fld>
+                    </m:oMath>
+                  </m:oMathPara>
+                </a14:m>
+                <a:endParaRPr kumimoji="1" lang="ko-KR" altLang="en-US" dirty="0"/>
+              </a:p>
+            </p:txBody>
+          </p:sp>
+        </mc:Choice>
+        <mc:Fallback xmlns="">
+          <p:sp>
+            <p:nvSpPr>
+              <p:cNvPr id="6" name="텍스트 상자 5"/>
+              <p:cNvSpPr txBox="1">
+                <a:spLocks noRot="1" noChangeAspect="1" noMove="1" noResize="1" noEditPoints="1" noAdjustHandles="1" noChangeArrowheads="1" noChangeShapeType="1" noTextEdit="1"/>
+              </p:cNvSpPr>
+              <p:nvPr/>
+            </p:nvSpPr>
+            <p:spPr>
+              <a:xfrm>
+                <a:off x="5638800" y="2971800"/>
+                <a:ext cx="3002424" cy="282193"/>
+              </a:xfrm>
+              <a:prstGeom prst="rect">
+                <a:avLst/>
+              </a:prstGeom>
+              <a:blipFill rotWithShape="0">
+                <a:blip r:embed="rId6"/>
+                <a:stretch>
+                  <a:fillRect l="-1826" t="-139130" b="-180435"/>
+                </a:stretch>
+              </a:blipFill>
+            </p:spPr>
+            <p:txBody>
+              <a:bodyPr/>
+              <a:lstStyle/>
+              <a:p>
+                <a:r>
+                  <a:rPr lang="ko-KR" altLang="en-US">
+                    <a:noFill/>
+                  </a:rPr>
+                  <a:t> </a:t>
+                </a:r>
+              </a:p>
+            </p:txBody>
+          </p:sp>
+        </mc:Fallback>
+      </mc:AlternateContent>
+    </p:spTree>
+    <p:extLst>
+      <p:ext uri="{BB962C8B-B14F-4D97-AF65-F5344CB8AC3E}">
+        <p14:creationId xmlns:p14="http://schemas.microsoft.com/office/powerpoint/2010/main" val="2275559803"/>
+      </p:ext>
+    </p:extLst>
+  </p:cSld>
+  <p:clrMapOvr>
+    <a:masterClrMapping/>
+  </p:clrMapOvr>
+</p:sld>
+</file>
+
+<file path=ppt/slides/slide21.xml><?xml version="1.0" encoding="utf-8"?>
+<p:sld xmlns:a="http://schemas.openxmlformats.org/drawingml/2006/main" xmlns:r="http://schemas.openxmlformats.org/officeDocument/2006/relationships" xmlns:p="http://schemas.openxmlformats.org/presentationml/2006/main">
+  <p:cSld>
+    <p:spTree>
+      <p:nvGrpSpPr>
+        <p:cNvPr id="1" name=""/>
+        <p:cNvGrpSpPr/>
+        <p:nvPr/>
+      </p:nvGrpSpPr>
+      <p:grpSpPr>
+        <a:xfrm>
+          <a:off x="0" y="0"/>
+          <a:ext cx="0" cy="0"/>
+          <a:chOff x="0" y="0"/>
+          <a:chExt cx="0" cy="0"/>
+        </a:xfrm>
+      </p:grpSpPr>
+      <p:sp>
+        <p:nvSpPr>
+          <p:cNvPr id="2" name="제목 1"/>
+          <p:cNvSpPr>
+            <a:spLocks noGrp="1"/>
+          </p:cNvSpPr>
+          <p:nvPr>
+            <p:ph type="title"/>
+          </p:nvPr>
+        </p:nvSpPr>
+        <p:spPr>
+          <a:xfrm>
+            <a:off x="395416" y="84696"/>
+            <a:ext cx="10515600" cy="743208"/>
+          </a:xfrm>
+        </p:spPr>
+        <p:txBody>
+          <a:bodyPr>
+            <a:normAutofit/>
+          </a:bodyPr>
+          <a:lstStyle/>
+          <a:p>
+            <a:r>
+              <a:rPr kumimoji="1" lang="en-US" altLang="ko-KR" sz="3600" b="1" dirty="0">
+                <a:solidFill>
+                  <a:srgbClr val="1E3DB4"/>
+                </a:solidFill>
+              </a:rPr>
+              <a:t>Answer</a:t>
+            </a:r>
+            <a:endParaRPr kumimoji="1" lang="ko-KR" altLang="en-US" sz="3600" dirty="0"/>
+          </a:p>
+        </p:txBody>
+      </p:sp>
+      <p:cxnSp>
+        <p:nvCxnSpPr>
+          <p:cNvPr id="5" name="직선 연결선[R] 4"/>
+          <p:cNvCxnSpPr/>
+          <p:nvPr/>
+        </p:nvCxnSpPr>
+        <p:spPr>
+          <a:xfrm flipV="1">
+            <a:off x="395416" y="827904"/>
+            <a:ext cx="11491784" cy="12356"/>
+          </a:xfrm>
+          <a:prstGeom prst="line">
+            <a:avLst/>
+          </a:prstGeom>
+        </p:spPr>
+        <p:style>
+          <a:lnRef idx="1">
+            <a:schemeClr val="accent1"/>
+          </a:lnRef>
+          <a:fillRef idx="0">
+            <a:schemeClr val="accent1"/>
+          </a:fillRef>
+          <a:effectRef idx="0">
+            <a:schemeClr val="accent1"/>
+          </a:effectRef>
+          <a:fontRef idx="minor">
+            <a:schemeClr val="tx1"/>
+          </a:fontRef>
+        </p:style>
+      </p:cxnSp>
+      <p:pic>
+        <p:nvPicPr>
+          <p:cNvPr id="7" name="그림 6"/>
+          <p:cNvPicPr>
+            <a:picLocks noChangeAspect="1"/>
+          </p:cNvPicPr>
+          <p:nvPr/>
+        </p:nvPicPr>
+        <p:blipFill>
+          <a:blip r:embed="rId3">
+            <a:extLst>
+              <a:ext uri="{28A0092B-C50C-407E-A947-70E740481C1C}">
+                <a14:useLocalDpi xmlns:a14="http://schemas.microsoft.com/office/drawing/2010/main" val="0"/>
+              </a:ext>
+            </a:extLst>
+          </a:blip>
+          <a:stretch>
+            <a:fillRect/>
+          </a:stretch>
+        </p:blipFill>
+        <p:spPr>
+          <a:xfrm>
+            <a:off x="180638" y="6044658"/>
+            <a:ext cx="1105336" cy="667536"/>
+          </a:xfrm>
+          <a:prstGeom prst="rect">
+            <a:avLst/>
+          </a:prstGeom>
+        </p:spPr>
+      </p:pic>
+      <p:sp>
+        <p:nvSpPr>
+          <p:cNvPr id="9" name="바닥글 개체 틀 8"/>
+          <p:cNvSpPr>
+            <a:spLocks noGrp="1"/>
+          </p:cNvSpPr>
+          <p:nvPr>
+            <p:ph type="ftr" sz="quarter" idx="11"/>
+          </p:nvPr>
+        </p:nvSpPr>
+        <p:spPr/>
+        <p:txBody>
+          <a:bodyPr/>
+          <a:lstStyle/>
+          <a:p>
+            <a:r>
+              <a:rPr kumimoji="1" lang="en-US" altLang="ko-KR" dirty="0"/>
+              <a:t>SKT AI Course: Deep Learning Basics by Heung-Il Suk</a:t>
+            </a:r>
+            <a:endParaRPr kumimoji="1" lang="ko-KR" altLang="en-US" dirty="0"/>
+          </a:p>
+        </p:txBody>
+      </p:sp>
+      <p:sp>
+        <p:nvSpPr>
+          <p:cNvPr id="10" name="슬라이드 번호 개체 틀 9"/>
+          <p:cNvSpPr>
+            <a:spLocks noGrp="1"/>
+          </p:cNvSpPr>
+          <p:nvPr>
+            <p:ph type="sldNum" sz="quarter" idx="12"/>
+          </p:nvPr>
+        </p:nvSpPr>
+        <p:spPr/>
+        <p:txBody>
+          <a:bodyPr/>
+          <a:lstStyle/>
+          <a:p>
+            <a:fld id="{E3E75774-3282-1C4A-9118-50EA78BFB2AA}" type="slidenum">
+              <a:rPr kumimoji="1" lang="ko-KR" altLang="en-US" smtClean="0"/>
+              <a:t>21</a:t>
+            </a:fld>
+            <a:endParaRPr kumimoji="1" lang="ko-KR" altLang="en-US"/>
+          </a:p>
+        </p:txBody>
+      </p:sp>
+      <p:sp>
+        <p:nvSpPr>
+          <p:cNvPr id="3" name="텍스트 상자 2"/>
+          <p:cNvSpPr txBox="1"/>
+          <p:nvPr/>
+        </p:nvSpPr>
+        <p:spPr>
+          <a:xfrm>
+            <a:off x="395416" y="909295"/>
+            <a:ext cx="11491784" cy="461665"/>
+          </a:xfrm>
+          <a:prstGeom prst="rect">
+            <a:avLst/>
+          </a:prstGeom>
+          <a:noFill/>
+        </p:spPr>
+        <p:txBody>
+          <a:bodyPr wrap="square" rtlCol="0">
+            <a:spAutoFit/>
+          </a:bodyPr>
+          <a:lstStyle/>
+          <a:p>
+            <a:pPr marL="285750" indent="-285750">
+              <a:buFont typeface="Arial" charset="0"/>
+              <a:buChar char="•"/>
+            </a:pPr>
+            <a:r>
+              <a:rPr kumimoji="1" lang="en-US" altLang="ko-KR" sz="2400" dirty="0"/>
+              <a:t>Task 1: Implement </a:t>
+            </a:r>
+            <a:r>
+              <a:rPr kumimoji="1" lang="en-US" altLang="ko-KR" sz="2400" b="1" dirty="0" err="1"/>
+              <a:t>fit_SGD</a:t>
+            </a:r>
+            <a:r>
+              <a:rPr kumimoji="1" lang="en-US" altLang="ko-KR" sz="2400" b="1" dirty="0"/>
+              <a:t>(self, X, y)</a:t>
+            </a:r>
+          </a:p>
+        </p:txBody>
+      </p:sp>
+      <mc:AlternateContent xmlns:mc="http://schemas.openxmlformats.org/markup-compatibility/2006" xmlns:we="http://schemas.microsoft.com/office/webextensions/webextension/2010/11" xmlns:pca="http://schemas.microsoft.com/office/powerpoint/2013/contentapp">
+        <mc:Choice Requires="we pca">
+          <p:graphicFrame>
+            <p:nvGraphicFramePr>
+              <p:cNvPr id="8" name="추가 기능 7" title="Code Presenter Pro"/>
+              <p:cNvGraphicFramePr>
+                <a:graphicFrameLocks noGrp="1"/>
+              </p:cNvGraphicFramePr>
+              <p:nvPr>
+                <p:extLst>
+                  <p:ext uri="{D42A27DB-BD31-4B8C-83A1-F6EECF244321}">
+                    <p14:modId xmlns:p14="http://schemas.microsoft.com/office/powerpoint/2010/main" val="3617810716"/>
+                  </p:ext>
+                </p:extLst>
+              </p:nvPr>
+            </p:nvGraphicFramePr>
+            <p:xfrm>
+              <a:off x="1903353" y="1439994"/>
+              <a:ext cx="8385294" cy="4916355"/>
+            </p:xfrm>
+            <a:graphic>
+              <a:graphicData uri="http://schemas.microsoft.com/office/webextensions/webextension/2010/11">
+                <we:webextensionref xmlns:we="http://schemas.microsoft.com/office/webextensions/webextension/2010/11" xmlns:r="http://schemas.openxmlformats.org/officeDocument/2006/relationships" r:id="rId4"/>
+              </a:graphicData>
+            </a:graphic>
+          </p:graphicFrame>
+        </mc:Choice>
+        <mc:Fallback xmlns="">
+          <p:pic>
+            <p:nvPicPr>
+              <p:cNvPr id="8" name="추가 기능 7" title="Code Presenter Pro"/>
+              <p:cNvPicPr>
+                <a:picLocks noGrp="1" noRot="1" noChangeAspect="1" noMove="1" noResize="1" noEditPoints="1" noAdjustHandles="1" noChangeArrowheads="1" noChangeShapeType="1"/>
+              </p:cNvPicPr>
+              <p:nvPr/>
+            </p:nvPicPr>
+            <p:blipFill>
+              <a:blip r:embed="rId5"/>
+              <a:stretch>
+                <a:fillRect/>
+              </a:stretch>
+            </p:blipFill>
+            <p:spPr>
+              <a:xfrm>
+                <a:off x="1903353" y="1439994"/>
+                <a:ext cx="8385294" cy="4916355"/>
+              </a:xfrm>
+              <a:prstGeom prst="rect">
+                <a:avLst/>
+              </a:prstGeom>
+            </p:spPr>
+          </p:pic>
+        </mc:Fallback>
+      </mc:AlternateContent>
+      <mc:AlternateContent xmlns:mc="http://schemas.openxmlformats.org/markup-compatibility/2006" xmlns:a14="http://schemas.microsoft.com/office/drawing/2010/main">
+        <mc:Choice Requires="a14">
+          <p:sp>
+            <p:nvSpPr>
+              <p:cNvPr id="6" name="텍스트 상자 5"/>
+              <p:cNvSpPr txBox="1"/>
+              <p:nvPr/>
+            </p:nvSpPr>
+            <p:spPr>
+              <a:xfrm>
+                <a:off x="5638800" y="2971800"/>
+                <a:ext cx="3002424" cy="282193"/>
+              </a:xfrm>
+              <a:prstGeom prst="rect">
+                <a:avLst/>
+              </a:prstGeom>
+              <a:noFill/>
+            </p:spPr>
+            <p:txBody>
+              <a:bodyPr wrap="none" lIns="0" tIns="0" rIns="0" bIns="0" rtlCol="0">
+                <a:spAutoFit/>
+              </a:bodyPr>
+              <a:lstStyle/>
+              <a:p>
+                <a:pPr/>
+                <a14:m>
+                  <m:oMathPara xmlns:m="http://schemas.openxmlformats.org/officeDocument/2006/math">
+                    <m:oMathParaPr>
+                      <m:jc m:val="centerGroup"/>
+                    </m:oMathParaPr>
+                    <m:oMath xmlns:m="http://schemas.openxmlformats.org/officeDocument/2006/math">
+                      <a:fld id="{434F31F0-B356-6747-9724-E5AEA0920BAA}" type="mathplaceholder">
+                        <a:rPr kumimoji="1" lang="ko-KR" altLang="en-US" i="1" smtClean="0">
+                          <a:latin typeface="Cambria Math" charset="0"/>
+                        </a:rPr>
+                        <a:t>여기에 수식을 입력하십시오.</a:t>
+                      </a:fld>
+                    </m:oMath>
+                  </m:oMathPara>
+                </a14:m>
+                <a:endParaRPr kumimoji="1" lang="ko-KR" altLang="en-US" dirty="0"/>
+              </a:p>
+            </p:txBody>
+          </p:sp>
+        </mc:Choice>
+        <mc:Fallback xmlns="">
+          <p:sp>
+            <p:nvSpPr>
+              <p:cNvPr id="6" name="텍스트 상자 5"/>
+              <p:cNvSpPr txBox="1">
+                <a:spLocks noRot="1" noChangeAspect="1" noMove="1" noResize="1" noEditPoints="1" noAdjustHandles="1" noChangeArrowheads="1" noChangeShapeType="1" noTextEdit="1"/>
+              </p:cNvSpPr>
+              <p:nvPr/>
+            </p:nvSpPr>
+            <p:spPr>
+              <a:xfrm>
+                <a:off x="5638800" y="2971800"/>
+                <a:ext cx="3002424" cy="282193"/>
+              </a:xfrm>
+              <a:prstGeom prst="rect">
+                <a:avLst/>
+              </a:prstGeom>
+              <a:blipFill rotWithShape="0">
+                <a:blip r:embed="rId6"/>
+                <a:stretch>
+                  <a:fillRect l="-1826" t="-139130" b="-180435"/>
+                </a:stretch>
+              </a:blipFill>
+            </p:spPr>
+            <p:txBody>
+              <a:bodyPr/>
+              <a:lstStyle/>
+              <a:p>
+                <a:r>
+                  <a:rPr lang="ko-KR" altLang="en-US">
+                    <a:noFill/>
+                  </a:rPr>
+                  <a:t> </a:t>
+                </a:r>
+              </a:p>
+            </p:txBody>
+          </p:sp>
+        </mc:Fallback>
+      </mc:AlternateContent>
+    </p:spTree>
+    <p:extLst>
+      <p:ext uri="{BB962C8B-B14F-4D97-AF65-F5344CB8AC3E}">
+        <p14:creationId xmlns:p14="http://schemas.microsoft.com/office/powerpoint/2010/main" val="1634102746"/>
+      </p:ext>
+    </p:extLst>
+  </p:cSld>
+  <p:clrMapOvr>
+    <a:masterClrMapping/>
+  </p:clrMapOvr>
+</p:sld>
+</file>
+
+<file path=ppt/slides/slide22.xml><?xml version="1.0" encoding="utf-8"?>
+<p:sld xmlns:a="http://schemas.openxmlformats.org/drawingml/2006/main" xmlns:r="http://schemas.openxmlformats.org/officeDocument/2006/relationships" xmlns:p="http://schemas.openxmlformats.org/presentationml/2006/main">
+  <p:cSld>
+    <p:spTree>
+      <p:nvGrpSpPr>
+        <p:cNvPr id="1" name=""/>
+        <p:cNvGrpSpPr/>
+        <p:nvPr/>
+      </p:nvGrpSpPr>
+      <p:grpSpPr>
+        <a:xfrm>
+          <a:off x="0" y="0"/>
+          <a:ext cx="0" cy="0"/>
+          <a:chOff x="0" y="0"/>
+          <a:chExt cx="0" cy="0"/>
+        </a:xfrm>
+      </p:grpSpPr>
+      <p:sp>
+        <p:nvSpPr>
+          <p:cNvPr id="3" name="내용 개체 틀 2"/>
+          <p:cNvSpPr>
+            <a:spLocks noGrp="1"/>
+          </p:cNvSpPr>
+          <p:nvPr>
+            <p:ph idx="1"/>
+          </p:nvPr>
+        </p:nvSpPr>
+        <p:spPr>
+          <a:xfrm>
+            <a:off x="350108" y="793097"/>
+            <a:ext cx="11491784" cy="5251561"/>
+          </a:xfrm>
+        </p:spPr>
+        <p:txBody>
+          <a:bodyPr/>
+          <a:lstStyle/>
+          <a:p>
+            <a:pPr marL="514350" marR="0" lvl="0" indent="-514350" algn="ctr" defTabSz="914400" eaLnBrk="1" fontAlgn="auto" latinLnBrk="0" hangingPunct="1">
+              <a:lnSpc>
+                <a:spcPct val="150000"/>
+              </a:lnSpc>
+              <a:spcBef>
+                <a:spcPts val="0"/>
+              </a:spcBef>
+              <a:spcAft>
+                <a:spcPts val="0"/>
+              </a:spcAft>
+              <a:buClrTx/>
+              <a:buSzTx/>
+              <a:buFontTx/>
+              <a:buNone/>
+              <a:tabLst/>
+              <a:defRPr/>
+            </a:pPr>
+            <a:endParaRPr kumimoji="1" lang="en-US" altLang="ko-KR" dirty="0">
+              <a:solidFill>
+                <a:srgbClr val="222581"/>
+              </a:solidFill>
+            </a:endParaRPr>
+          </a:p>
+          <a:p>
+            <a:pPr marL="514350" marR="0" lvl="0" indent="-514350" algn="ctr" defTabSz="914400" eaLnBrk="1" fontAlgn="auto" latinLnBrk="0" hangingPunct="1">
+              <a:lnSpc>
+                <a:spcPct val="150000"/>
+              </a:lnSpc>
+              <a:spcBef>
+                <a:spcPts val="0"/>
+              </a:spcBef>
+              <a:spcAft>
+                <a:spcPts val="0"/>
+              </a:spcAft>
+              <a:buClrTx/>
+              <a:buSzTx/>
+              <a:buFontTx/>
+              <a:buNone/>
+              <a:tabLst/>
+              <a:defRPr/>
+            </a:pPr>
+            <a:r>
+              <a:rPr kumimoji="1" lang="en-US" altLang="ko-KR" sz="4000" dirty="0">
+                <a:solidFill>
+                  <a:srgbClr val="0020B4"/>
+                </a:solidFill>
+                <a:latin typeface="Cooper Black" charset="0"/>
+                <a:ea typeface="Cooper Black" charset="0"/>
+                <a:cs typeface="Cooper Black" charset="0"/>
+              </a:rPr>
+              <a:t>Thank you</a:t>
+            </a:r>
+          </a:p>
+          <a:p>
+            <a:pPr marL="514350" marR="0" lvl="0" indent="-514350" algn="ctr" defTabSz="914400" eaLnBrk="1" fontAlgn="auto" latinLnBrk="0" hangingPunct="1">
+              <a:lnSpc>
+                <a:spcPct val="150000"/>
+              </a:lnSpc>
+              <a:spcBef>
+                <a:spcPts val="0"/>
+              </a:spcBef>
+              <a:spcAft>
+                <a:spcPts val="0"/>
+              </a:spcAft>
+              <a:buClrTx/>
+              <a:buSzTx/>
+              <a:buFontTx/>
+              <a:buNone/>
+              <a:tabLst/>
+              <a:defRPr/>
+            </a:pPr>
+            <a:r>
+              <a:rPr kumimoji="1" lang="en-US" altLang="ko-KR" sz="4000" smtClean="0">
+                <a:solidFill>
+                  <a:srgbClr val="0020B4"/>
+                </a:solidFill>
+                <a:latin typeface="Cooper Black" charset="0"/>
+                <a:ea typeface="Cooper Black" charset="0"/>
+                <a:cs typeface="Cooper Black" charset="0"/>
+              </a:rPr>
+              <a:t>for </a:t>
+            </a:r>
+            <a:r>
+              <a:rPr kumimoji="1" lang="en-US" altLang="ko-KR" sz="4000" dirty="0">
+                <a:solidFill>
+                  <a:srgbClr val="0020B4"/>
+                </a:solidFill>
+                <a:latin typeface="Cooper Black" charset="0"/>
+                <a:ea typeface="Cooper Black" charset="0"/>
+                <a:cs typeface="Cooper Black" charset="0"/>
+              </a:rPr>
+              <a:t>your attention!!!</a:t>
+            </a:r>
+          </a:p>
+          <a:p>
+            <a:pPr marL="514350" marR="0" lvl="0" indent="-514350" algn="ctr" defTabSz="914400" eaLnBrk="1" fontAlgn="auto" latinLnBrk="0" hangingPunct="1">
+              <a:lnSpc>
+                <a:spcPct val="150000"/>
+              </a:lnSpc>
+              <a:spcBef>
+                <a:spcPts val="0"/>
+              </a:spcBef>
+              <a:spcAft>
+                <a:spcPts val="0"/>
+              </a:spcAft>
+              <a:buClrTx/>
+              <a:buSzTx/>
+              <a:buFontTx/>
+              <a:buNone/>
+              <a:tabLst/>
+              <a:defRPr/>
+            </a:pPr>
+            <a:r>
+              <a:rPr kumimoji="1" lang="en-US" altLang="ko-KR" sz="4400" b="1" dirty="0">
+                <a:latin typeface="Britannic Bold" charset="0"/>
+                <a:ea typeface="Britannic Bold" charset="0"/>
+                <a:cs typeface="Britannic Bold" charset="0"/>
+              </a:rPr>
+              <a:t>(Q &amp; A)</a:t>
+            </a:r>
+          </a:p>
+          <a:p>
+            <a:pPr marL="514350" marR="0" lvl="0" indent="-514350" algn="ctr" defTabSz="914400" eaLnBrk="1" fontAlgn="auto" latinLnBrk="0" hangingPunct="1">
+              <a:lnSpc>
+                <a:spcPct val="150000"/>
+              </a:lnSpc>
+              <a:spcBef>
+                <a:spcPts val="0"/>
+              </a:spcBef>
+              <a:spcAft>
+                <a:spcPts val="0"/>
+              </a:spcAft>
+              <a:buClrTx/>
+              <a:buSzTx/>
+              <a:buFontTx/>
+              <a:buNone/>
+              <a:tabLst/>
+              <a:defRPr/>
+            </a:pPr>
+            <a:r>
+              <a:rPr kumimoji="1" lang="en-US" altLang="ko-KR" dirty="0" err="1">
+                <a:solidFill>
+                  <a:srgbClr val="DF227B"/>
+                </a:solidFill>
+                <a:latin typeface="Cooper Black" charset="0"/>
+                <a:ea typeface="Cooper Black" charset="0"/>
+                <a:cs typeface="Cooper Black" charset="0"/>
+              </a:rPr>
+              <a:t>hisuk</a:t>
+            </a:r>
+            <a:r>
+              <a:rPr kumimoji="1" lang="en-US" altLang="ko-KR" dirty="0">
+                <a:solidFill>
+                  <a:srgbClr val="DF227B"/>
+                </a:solidFill>
+                <a:latin typeface="Cooper Black" charset="0"/>
+                <a:ea typeface="Cooper Black" charset="0"/>
+                <a:cs typeface="Cooper Black" charset="0"/>
+              </a:rPr>
+              <a:t> (AT) </a:t>
+            </a:r>
+            <a:r>
+              <a:rPr kumimoji="1" lang="en-US" altLang="ko-KR" dirty="0" err="1">
+                <a:solidFill>
+                  <a:srgbClr val="DF227B"/>
+                </a:solidFill>
+                <a:latin typeface="Cooper Black" charset="0"/>
+                <a:ea typeface="Cooper Black" charset="0"/>
+                <a:cs typeface="Cooper Black" charset="0"/>
+              </a:rPr>
+              <a:t>korea.ac.kr</a:t>
+            </a:r>
+            <a:endParaRPr kumimoji="1" lang="en-US" altLang="ko-KR" dirty="0">
+              <a:solidFill>
+                <a:srgbClr val="DF227B"/>
+              </a:solidFill>
+              <a:latin typeface="Cooper Black" charset="0"/>
+              <a:ea typeface="Cooper Black" charset="0"/>
+              <a:cs typeface="Cooper Black" charset="0"/>
+            </a:endParaRPr>
+          </a:p>
+          <a:p>
+            <a:pPr marL="514350" marR="0" lvl="0" indent="-514350" algn="ctr" defTabSz="914400" eaLnBrk="1" fontAlgn="auto" latinLnBrk="0" hangingPunct="1">
+              <a:lnSpc>
+                <a:spcPct val="150000"/>
+              </a:lnSpc>
+              <a:spcBef>
+                <a:spcPts val="0"/>
+              </a:spcBef>
+              <a:spcAft>
+                <a:spcPts val="0"/>
+              </a:spcAft>
+              <a:buClrTx/>
+              <a:buSzTx/>
+              <a:buFontTx/>
+              <a:buNone/>
+              <a:tabLst/>
+              <a:defRPr/>
+            </a:pPr>
+            <a:r>
+              <a:rPr kumimoji="1" lang="en-US" altLang="ko-KR" sz="2400" dirty="0">
+                <a:solidFill>
+                  <a:srgbClr val="202481"/>
+                </a:solidFill>
+                <a:latin typeface="Courier" charset="0"/>
+                <a:ea typeface="Courier" charset="0"/>
+                <a:cs typeface="Courier" charset="0"/>
+              </a:rPr>
+              <a:t>http://</a:t>
+            </a:r>
+            <a:r>
+              <a:rPr kumimoji="1" lang="en-US" altLang="ko-KR" sz="2400" dirty="0" err="1">
+                <a:solidFill>
+                  <a:srgbClr val="202481"/>
+                </a:solidFill>
+                <a:latin typeface="Courier" charset="0"/>
+                <a:ea typeface="Courier" charset="0"/>
+                <a:cs typeface="Courier" charset="0"/>
+              </a:rPr>
+              <a:t>www.ku-milab.org</a:t>
+            </a:r>
+            <a:endParaRPr kumimoji="1" lang="ko-KR" altLang="en-US" sz="2400" dirty="0">
+              <a:solidFill>
+                <a:srgbClr val="202481"/>
+              </a:solidFill>
+              <a:latin typeface="Courier" charset="0"/>
+              <a:ea typeface="Courier" charset="0"/>
+              <a:cs typeface="Courier" charset="0"/>
+            </a:endParaRPr>
+          </a:p>
+        </p:txBody>
+      </p:sp>
+      <p:pic>
+        <p:nvPicPr>
+          <p:cNvPr id="7" name="그림 6"/>
+          <p:cNvPicPr>
+            <a:picLocks noChangeAspect="1"/>
+          </p:cNvPicPr>
+          <p:nvPr/>
+        </p:nvPicPr>
+        <p:blipFill>
+          <a:blip r:embed="rId3">
+            <a:extLst>
+              <a:ext uri="{28A0092B-C50C-407E-A947-70E740481C1C}">
+                <a14:useLocalDpi xmlns:a14="http://schemas.microsoft.com/office/drawing/2010/main" val="0"/>
+              </a:ext>
+            </a:extLst>
+          </a:blip>
+          <a:stretch>
+            <a:fillRect/>
+          </a:stretch>
+        </p:blipFill>
+        <p:spPr>
+          <a:xfrm>
+            <a:off x="180638" y="6044658"/>
+            <a:ext cx="1105336" cy="667536"/>
+          </a:xfrm>
+          <a:prstGeom prst="rect">
+            <a:avLst/>
+          </a:prstGeom>
+        </p:spPr>
+      </p:pic>
+      <p:sp>
+        <p:nvSpPr>
+          <p:cNvPr id="9" name="바닥글 개체 틀 8"/>
+          <p:cNvSpPr>
+            <a:spLocks noGrp="1"/>
+          </p:cNvSpPr>
+          <p:nvPr>
+            <p:ph type="ftr" sz="quarter" idx="11"/>
+          </p:nvPr>
+        </p:nvSpPr>
+        <p:spPr/>
+        <p:txBody>
+          <a:bodyPr/>
+          <a:lstStyle/>
+          <a:p>
+            <a:r>
+              <a:rPr kumimoji="1" lang="en-US" altLang="ko-KR"/>
+              <a:t>SKT AI Course: Deep Learning Basics by Heung-Il Suk</a:t>
+            </a:r>
+            <a:endParaRPr kumimoji="1" lang="ko-KR" altLang="en-US"/>
+          </a:p>
+        </p:txBody>
+      </p:sp>
+      <p:sp>
+        <p:nvSpPr>
+          <p:cNvPr id="10" name="슬라이드 번호 개체 틀 9"/>
+          <p:cNvSpPr>
+            <a:spLocks noGrp="1"/>
+          </p:cNvSpPr>
+          <p:nvPr>
+            <p:ph type="sldNum" sz="quarter" idx="12"/>
+          </p:nvPr>
+        </p:nvSpPr>
+        <p:spPr/>
+        <p:txBody>
+          <a:bodyPr/>
+          <a:lstStyle/>
+          <a:p>
+            <a:fld id="{E3E75774-3282-1C4A-9118-50EA78BFB2AA}" type="slidenum">
+              <a:rPr kumimoji="1" lang="ko-KR" altLang="en-US" smtClean="0"/>
+              <a:t>22</a:t>
+            </a:fld>
+            <a:endParaRPr kumimoji="1" lang="ko-KR" altLang="en-US"/>
+          </a:p>
+        </p:txBody>
+      </p:sp>
+    </p:spTree>
+    <p:extLst>
+      <p:ext uri="{BB962C8B-B14F-4D97-AF65-F5344CB8AC3E}">
+        <p14:creationId xmlns:p14="http://schemas.microsoft.com/office/powerpoint/2010/main" val="1664303654"/>
+      </p:ext>
+    </p:extLst>
+  </p:cSld>
+  <p:clrMapOvr>
+    <a:masterClrMapping/>
+  </p:clrMapOvr>
+</p:sld>
+</file>
+
+<file path=ppt/slides/slide3.xml><?xml version="1.0" encoding="utf-8"?>
+<p:sld xmlns:a="http://schemas.openxmlformats.org/drawingml/2006/main" xmlns:r="http://schemas.openxmlformats.org/officeDocument/2006/relationships" xmlns:p="http://schemas.openxmlformats.org/presentationml/2006/main">
+  <p:cSld>
+    <p:spTree>
+      <p:nvGrpSpPr>
+        <p:cNvPr id="1" name=""/>
+        <p:cNvGrpSpPr/>
+        <p:nvPr/>
+      </p:nvGrpSpPr>
+      <p:grpSpPr>
+        <a:xfrm>
+          <a:off x="0" y="0"/>
+          <a:ext cx="0" cy="0"/>
+          <a:chOff x="0" y="0"/>
+          <a:chExt cx="0" cy="0"/>
+        </a:xfrm>
+      </p:grpSpPr>
+      <p:sp useBgFill="1">
+        <p:nvSpPr>
+          <p:cNvPr id="2" name="제목 1"/>
+          <p:cNvSpPr>
+            <a:spLocks noGrp="1"/>
+          </p:cNvSpPr>
+          <p:nvPr>
+            <p:ph type="title"/>
+          </p:nvPr>
+        </p:nvSpPr>
+        <p:spPr>
+          <a:xfrm>
+            <a:off x="838200" y="2372497"/>
+            <a:ext cx="10515600" cy="1351341"/>
+          </a:xfrm>
+          <a:ln>
+            <a:noFill/>
+          </a:ln>
+          <a:effectLst>
+            <a:outerShdw blurRad="50800" dist="76200" dir="2760000" algn="tl" rotWithShape="0">
+              <a:prstClr val="black">
+                <a:alpha val="40000"/>
+              </a:prstClr>
+            </a:outerShdw>
+          </a:effectLst>
+        </p:spPr>
+        <p:txBody>
+          <a:bodyPr>
+            <a:noAutofit/>
+          </a:bodyPr>
+          <a:lstStyle/>
+          <a:p>
+            <a:pPr lvl="0"/>
+            <a:r>
+              <a:rPr kumimoji="1" lang="en-US" altLang="ko-KR" sz="4000" dirty="0">
+                <a:solidFill>
+                  <a:srgbClr val="222581"/>
+                </a:solidFill>
+              </a:rPr>
+              <a:t>Rosenblatt’s Perceptron </a:t>
+            </a:r>
+            <a:br>
+              <a:rPr kumimoji="1" lang="en-US" altLang="ko-KR" sz="4000" dirty="0">
+                <a:solidFill>
+                  <a:srgbClr val="222581"/>
+                </a:solidFill>
+              </a:rPr>
+            </a:br>
+            <a:r>
+              <a:rPr kumimoji="1" lang="en-US" altLang="ko-KR" sz="4000" dirty="0">
+                <a:solidFill>
+                  <a:srgbClr val="222581"/>
+                </a:solidFill>
+              </a:rPr>
+              <a:t>with Vanilla Gradient Descent</a:t>
+            </a:r>
+            <a:endParaRPr kumimoji="1" lang="ko-KR" altLang="en-US" sz="4000" dirty="0">
+              <a:solidFill>
+                <a:srgbClr val="1E3DB4"/>
+              </a:solidFill>
+            </a:endParaRPr>
+          </a:p>
+        </p:txBody>
+      </p:sp>
+      <p:pic>
+        <p:nvPicPr>
+          <p:cNvPr id="3" name="그림 2"/>
+          <p:cNvPicPr>
+            <a:picLocks noChangeAspect="1"/>
+          </p:cNvPicPr>
+          <p:nvPr/>
+        </p:nvPicPr>
+        <p:blipFill>
+          <a:blip r:embed="rId3">
+            <a:extLst>
+              <a:ext uri="{28A0092B-C50C-407E-A947-70E740481C1C}">
+                <a14:useLocalDpi xmlns:a14="http://schemas.microsoft.com/office/drawing/2010/main" val="0"/>
+              </a:ext>
+            </a:extLst>
+          </a:blip>
+          <a:stretch>
+            <a:fillRect/>
+          </a:stretch>
+        </p:blipFill>
+        <p:spPr>
+          <a:xfrm>
+            <a:off x="180638" y="6044658"/>
+            <a:ext cx="1105336" cy="667536"/>
+          </a:xfrm>
+          <a:prstGeom prst="rect">
+            <a:avLst/>
+          </a:prstGeom>
+        </p:spPr>
+      </p:pic>
+    </p:spTree>
+    <p:extLst>
+      <p:ext uri="{BB962C8B-B14F-4D97-AF65-F5344CB8AC3E}">
+        <p14:creationId xmlns:p14="http://schemas.microsoft.com/office/powerpoint/2010/main" val="1046091869"/>
+      </p:ext>
+    </p:extLst>
+  </p:cSld>
+  <p:clrMapOvr>
+    <a:masterClrMapping/>
+  </p:clrMapOvr>
+</p:sld>
+</file>
+
+<file path=ppt/slides/slide4.xml><?xml version="1.0" encoding="utf-8"?>
+<p:sld xmlns:a="http://schemas.openxmlformats.org/drawingml/2006/main" xmlns:r="http://schemas.openxmlformats.org/officeDocument/2006/relationships" xmlns:p="http://schemas.openxmlformats.org/presentationml/2006/main">
+  <p:cSld>
+    <p:spTree>
+      <p:nvGrpSpPr>
+        <p:cNvPr id="1" name=""/>
+        <p:cNvGrpSpPr/>
+        <p:nvPr/>
+      </p:nvGrpSpPr>
+      <p:grpSpPr>
+        <a:xfrm>
+          <a:off x="0" y="0"/>
+          <a:ext cx="0" cy="0"/>
+          <a:chOff x="0" y="0"/>
+          <a:chExt cx="0" cy="0"/>
+        </a:xfrm>
+      </p:grpSpPr>
+      <p:sp>
+        <p:nvSpPr>
+          <p:cNvPr id="2" name="제목 1"/>
+          <p:cNvSpPr>
+            <a:spLocks noGrp="1"/>
+          </p:cNvSpPr>
+          <p:nvPr>
+            <p:ph type="title"/>
+          </p:nvPr>
+        </p:nvSpPr>
+        <p:spPr>
+          <a:xfrm>
+            <a:off x="395416" y="84696"/>
+            <a:ext cx="10515600" cy="743208"/>
+          </a:xfrm>
+        </p:spPr>
+        <p:txBody>
+          <a:bodyPr>
+            <a:normAutofit/>
+          </a:bodyPr>
+          <a:lstStyle/>
+          <a:p>
+            <a:r>
+              <a:rPr kumimoji="1" lang="en-US" altLang="ko-KR" sz="3600" b="1" dirty="0">
+                <a:solidFill>
+                  <a:srgbClr val="1E3DB4"/>
+                </a:solidFill>
+              </a:rPr>
+              <a:t>Rosenblatt’s Perceptron Conceptual Diagram</a:t>
+            </a:r>
+            <a:endParaRPr kumimoji="1" lang="ko-KR" altLang="en-US" sz="3600" dirty="0"/>
+          </a:p>
+        </p:txBody>
+      </p:sp>
+      <p:cxnSp>
+        <p:nvCxnSpPr>
+          <p:cNvPr id="5" name="직선 연결선[R] 4"/>
+          <p:cNvCxnSpPr/>
+          <p:nvPr/>
+        </p:nvCxnSpPr>
+        <p:spPr>
+          <a:xfrm flipV="1">
+            <a:off x="395416" y="827904"/>
+            <a:ext cx="11491784" cy="12356"/>
+          </a:xfrm>
+          <a:prstGeom prst="line">
+            <a:avLst/>
+          </a:prstGeom>
+        </p:spPr>
+        <p:style>
+          <a:lnRef idx="1">
+            <a:schemeClr val="accent1"/>
+          </a:lnRef>
+          <a:fillRef idx="0">
+            <a:schemeClr val="accent1"/>
+          </a:fillRef>
+          <a:effectRef idx="0">
+            <a:schemeClr val="accent1"/>
+          </a:effectRef>
+          <a:fontRef idx="minor">
+            <a:schemeClr val="tx1"/>
+          </a:fontRef>
+        </p:style>
+      </p:cxnSp>
+      <p:pic>
+        <p:nvPicPr>
+          <p:cNvPr id="7" name="그림 6"/>
+          <p:cNvPicPr>
+            <a:picLocks noChangeAspect="1"/>
+          </p:cNvPicPr>
+          <p:nvPr/>
+        </p:nvPicPr>
+        <p:blipFill>
+          <a:blip r:embed="rId3">
+            <a:extLst>
+              <a:ext uri="{28A0092B-C50C-407E-A947-70E740481C1C}">
+                <a14:useLocalDpi xmlns:a14="http://schemas.microsoft.com/office/drawing/2010/main" val="0"/>
+              </a:ext>
+            </a:extLst>
+          </a:blip>
+          <a:stretch>
+            <a:fillRect/>
+          </a:stretch>
+        </p:blipFill>
+        <p:spPr>
+          <a:xfrm>
+            <a:off x="180638" y="6044658"/>
+            <a:ext cx="1105336" cy="667536"/>
+          </a:xfrm>
+          <a:prstGeom prst="rect">
+            <a:avLst/>
+          </a:prstGeom>
+        </p:spPr>
+      </p:pic>
+      <p:sp>
+        <p:nvSpPr>
+          <p:cNvPr id="9" name="바닥글 개체 틀 8"/>
+          <p:cNvSpPr>
+            <a:spLocks noGrp="1"/>
+          </p:cNvSpPr>
+          <p:nvPr>
+            <p:ph type="ftr" sz="quarter" idx="11"/>
+          </p:nvPr>
+        </p:nvSpPr>
+        <p:spPr/>
+        <p:txBody>
+          <a:bodyPr/>
+          <a:lstStyle/>
+          <a:p>
+            <a:r>
+              <a:rPr kumimoji="1" lang="en-US" altLang="ko-KR"/>
+              <a:t>SKT AI Course: Deep Learning Basics by Heung-Il Suk</a:t>
+            </a:r>
+            <a:endParaRPr kumimoji="1" lang="ko-KR" altLang="en-US"/>
+          </a:p>
+        </p:txBody>
+      </p:sp>
+      <p:sp>
+        <p:nvSpPr>
+          <p:cNvPr id="10" name="슬라이드 번호 개체 틀 9"/>
+          <p:cNvSpPr>
+            <a:spLocks noGrp="1"/>
+          </p:cNvSpPr>
+          <p:nvPr>
+            <p:ph type="sldNum" sz="quarter" idx="12"/>
+          </p:nvPr>
+        </p:nvSpPr>
+        <p:spPr/>
+        <p:txBody>
+          <a:bodyPr/>
+          <a:lstStyle/>
+          <a:p>
+            <a:fld id="{E3E75774-3282-1C4A-9118-50EA78BFB2AA}" type="slidenum">
+              <a:rPr kumimoji="1" lang="ko-KR" altLang="en-US" smtClean="0"/>
+              <a:t>4</a:t>
+            </a:fld>
+            <a:endParaRPr kumimoji="1" lang="ko-KR" altLang="en-US"/>
+          </a:p>
+        </p:txBody>
+      </p:sp>
+      <p:pic>
+        <p:nvPicPr>
+          <p:cNvPr id="4" name="그림 3"/>
+          <p:cNvPicPr>
+            <a:picLocks noChangeAspect="1"/>
+          </p:cNvPicPr>
+          <p:nvPr/>
+        </p:nvPicPr>
+        <p:blipFill>
+          <a:blip r:embed="rId4"/>
+          <a:stretch>
+            <a:fillRect/>
+          </a:stretch>
+        </p:blipFill>
+        <p:spPr>
+          <a:xfrm>
+            <a:off x="491524" y="1132504"/>
+            <a:ext cx="11007765" cy="4899798"/>
+          </a:xfrm>
+          <a:prstGeom prst="rect">
+            <a:avLst/>
+          </a:prstGeom>
+        </p:spPr>
+      </p:pic>
+      <mc:AlternateContent xmlns:mc="http://schemas.openxmlformats.org/markup-compatibility/2006" xmlns:a14="http://schemas.microsoft.com/office/drawing/2010/main">
+        <mc:Choice Requires="a14">
+          <p:sp>
+            <p:nvSpPr>
+              <p:cNvPr id="3" name="TextBox 2">
+                <a:extLst>
+                  <a:ext uri="{FF2B5EF4-FFF2-40B4-BE49-F238E27FC236}">
+                    <a16:creationId xmlns="" xmlns:a16="http://schemas.microsoft.com/office/drawing/2014/main" id="{8B15380F-7D71-497E-B2DB-2C07961C11BE}"/>
+                  </a:ext>
+                </a:extLst>
+              </p:cNvPr>
+              <p:cNvSpPr txBox="1"/>
+              <p:nvPr/>
+            </p:nvSpPr>
+            <p:spPr>
+              <a:xfrm>
+                <a:off x="6381345" y="4649821"/>
+                <a:ext cx="4883285" cy="369332"/>
+              </a:xfrm>
+              <a:prstGeom prst="rect">
+                <a:avLst/>
+              </a:prstGeom>
+              <a:noFill/>
+            </p:spPr>
+            <p:txBody>
+              <a:bodyPr wrap="square" rtlCol="0">
+                <a:spAutoFit/>
+              </a:bodyPr>
+              <a:lstStyle/>
+              <a:p>
+                <a:r>
+                  <a:rPr kumimoji="1" lang="en-US" altLang="ko-KR" dirty="0"/>
+                  <a:t>Error: </a:t>
+                </a:r>
+                <a14:m>
+                  <m:oMath xmlns:m="http://schemas.openxmlformats.org/officeDocument/2006/math">
+                    <m:r>
+                      <a:rPr kumimoji="1" lang="en-US" altLang="ko-KR" i="1">
+                        <a:latin typeface="Cambria Math" panose="02040503050406030204" pitchFamily="18" charset="0"/>
+                      </a:rPr>
+                      <m:t>𝐸</m:t>
+                    </m:r>
+                    <m:r>
+                      <a:rPr kumimoji="1" lang="en-US" altLang="ko-KR" i="1">
+                        <a:latin typeface="Cambria Math" panose="02040503050406030204" pitchFamily="18" charset="0"/>
+                      </a:rPr>
+                      <m:t>=</m:t>
+                    </m:r>
+                    <m:nary>
+                      <m:naryPr>
+                        <m:chr m:val="∑"/>
+                        <m:limLoc m:val="subSup"/>
+                        <m:supHide m:val="on"/>
+                        <m:ctrlPr>
+                          <a:rPr kumimoji="1" lang="en-US" altLang="ko-KR" i="1">
+                            <a:latin typeface="Cambria Math" charset="0"/>
+                          </a:rPr>
+                        </m:ctrlPr>
+                      </m:naryPr>
+                      <m:sub>
+                        <m:r>
+                          <m:rPr>
+                            <m:brk m:alnAt="9"/>
+                          </m:rPr>
+                          <a:rPr kumimoji="1" lang="en-US" altLang="ko-KR" i="1">
+                            <a:latin typeface="Cambria Math" panose="02040503050406030204" pitchFamily="18" charset="0"/>
+                          </a:rPr>
+                          <m:t>𝑛</m:t>
+                        </m:r>
+                      </m:sub>
+                      <m:sup/>
+                      <m:e>
+                        <m:r>
+                          <a:rPr kumimoji="1" lang="en-US" altLang="ko-KR" i="1">
+                            <a:latin typeface="Cambria Math" panose="02040503050406030204" pitchFamily="18" charset="0"/>
+                          </a:rPr>
+                          <m:t>𝐼</m:t>
+                        </m:r>
+                        <m:r>
+                          <a:rPr kumimoji="1" lang="en-US" altLang="ko-KR" i="1">
+                            <a:latin typeface="Cambria Math" panose="02040503050406030204" pitchFamily="18" charset="0"/>
+                          </a:rPr>
+                          <m:t>(</m:t>
+                        </m:r>
+                        <m:r>
+                          <a:rPr kumimoji="1" lang="en-US" altLang="ko-KR" i="1">
+                            <a:latin typeface="Cambria Math" panose="02040503050406030204" pitchFamily="18" charset="0"/>
+                          </a:rPr>
+                          <m:t>𝑓</m:t>
+                        </m:r>
+                        <m:d>
+                          <m:dPr>
+                            <m:ctrlPr>
+                              <a:rPr kumimoji="1" lang="en-US" altLang="ko-KR" i="1">
+                                <a:latin typeface="Cambria Math" charset="0"/>
+                              </a:rPr>
+                            </m:ctrlPr>
+                          </m:dPr>
+                          <m:e>
+                            <m:sSub>
+                              <m:sSubPr>
+                                <m:ctrlPr>
+                                  <a:rPr kumimoji="1" lang="en-US" altLang="ko-KR" i="1">
+                                    <a:latin typeface="Cambria Math" charset="0"/>
+                                  </a:rPr>
+                                </m:ctrlPr>
+                              </m:sSubPr>
+                              <m:e>
+                                <m:r>
+                                  <a:rPr kumimoji="1" lang="en-US" altLang="ko-KR" i="1">
+                                    <a:latin typeface="Cambria Math" panose="02040503050406030204" pitchFamily="18" charset="0"/>
+                                  </a:rPr>
+                                  <m:t>𝑥</m:t>
+                                </m:r>
+                              </m:e>
+                              <m:sub>
+                                <m:r>
+                                  <a:rPr kumimoji="1" lang="en-US" altLang="ko-KR" i="1">
+                                    <a:latin typeface="Cambria Math" panose="02040503050406030204" pitchFamily="18" charset="0"/>
+                                  </a:rPr>
+                                  <m:t>𝑛</m:t>
+                                </m:r>
+                              </m:sub>
+                            </m:sSub>
+                          </m:e>
+                        </m:d>
+                        <m:r>
+                          <a:rPr kumimoji="1" lang="en-US" altLang="ko-KR" i="1">
+                            <a:latin typeface="Cambria Math" panose="02040503050406030204" pitchFamily="18" charset="0"/>
+                          </a:rPr>
+                          <m:t>=</m:t>
+                        </m:r>
+                        <m:sSub>
+                          <m:sSubPr>
+                            <m:ctrlPr>
+                              <a:rPr kumimoji="1" lang="en-US" altLang="ko-KR" i="1">
+                                <a:latin typeface="Cambria Math" charset="0"/>
+                              </a:rPr>
+                            </m:ctrlPr>
+                          </m:sSubPr>
+                          <m:e>
+                            <m:r>
+                              <a:rPr kumimoji="1" lang="en-US" altLang="ko-KR" i="1">
+                                <a:latin typeface="Cambria Math" panose="02040503050406030204" pitchFamily="18" charset="0"/>
+                              </a:rPr>
+                              <m:t>𝑦</m:t>
+                            </m:r>
+                          </m:e>
+                          <m:sub>
+                            <m:r>
+                              <a:rPr kumimoji="1" lang="en-US" altLang="ko-KR" i="1">
+                                <a:latin typeface="Cambria Math" panose="02040503050406030204" pitchFamily="18" charset="0"/>
+                              </a:rPr>
+                              <m:t>𝑛</m:t>
+                            </m:r>
+                          </m:sub>
+                        </m:sSub>
+                        <m:r>
+                          <a:rPr kumimoji="1" lang="en-US" altLang="ko-KR" i="1">
+                            <a:latin typeface="Cambria Math" panose="02040503050406030204" pitchFamily="18" charset="0"/>
+                          </a:rPr>
+                          <m:t>)</m:t>
+                        </m:r>
+                      </m:e>
+                    </m:nary>
+                  </m:oMath>
+                </a14:m>
+                <a:r>
+                  <a:rPr lang="en-US" altLang="ko-KR" dirty="0"/>
+                  <a:t>, i.e., Step function</a:t>
+                </a:r>
+                <a:endParaRPr lang="ko-KR" altLang="en-US" dirty="0"/>
+              </a:p>
+            </p:txBody>
+          </p:sp>
+        </mc:Choice>
+        <mc:Fallback xmlns="">
+          <p:sp>
+            <p:nvSpPr>
+              <p:cNvPr id="3" name="TextBox 2">
+                <a:extLst>
+                  <a:ext uri="{FF2B5EF4-FFF2-40B4-BE49-F238E27FC236}">
+                    <a16:creationId xmlns:a16="http://schemas.microsoft.com/office/drawing/2014/main" id="{8B15380F-7D71-497E-B2DB-2C07961C11BE}"/>
+                  </a:ext>
+                </a:extLst>
+              </p:cNvPr>
+              <p:cNvSpPr txBox="1">
+                <a:spLocks noRot="1" noChangeAspect="1" noMove="1" noResize="1" noEditPoints="1" noAdjustHandles="1" noChangeArrowheads="1" noChangeShapeType="1" noTextEdit="1"/>
+              </p:cNvSpPr>
+              <p:nvPr/>
+            </p:nvSpPr>
+            <p:spPr>
+              <a:xfrm>
+                <a:off x="6381345" y="4649821"/>
+                <a:ext cx="4883285" cy="369332"/>
+              </a:xfrm>
+              <a:prstGeom prst="rect">
+                <a:avLst/>
+              </a:prstGeom>
+              <a:blipFill>
+                <a:blip r:embed="rId5"/>
+                <a:stretch>
+                  <a:fillRect l="-1124" t="-118333" r="-999" b="-191667"/>
+                </a:stretch>
+              </a:blipFill>
+            </p:spPr>
+            <p:txBody>
+              <a:bodyPr/>
+              <a:lstStyle/>
+              <a:p>
+                <a:r>
+                  <a:rPr lang="ko-KR" altLang="en-US">
+                    <a:noFill/>
+                  </a:rPr>
+                  <a:t> </a:t>
+                </a:r>
+              </a:p>
+            </p:txBody>
+          </p:sp>
+        </mc:Fallback>
+      </mc:AlternateContent>
+    </p:spTree>
+    <p:extLst>
+      <p:ext uri="{BB962C8B-B14F-4D97-AF65-F5344CB8AC3E}">
+        <p14:creationId xmlns:p14="http://schemas.microsoft.com/office/powerpoint/2010/main" val="1974182170"/>
+      </p:ext>
+    </p:extLst>
+  </p:cSld>
+  <p:clrMapOvr>
+    <a:masterClrMapping/>
+  </p:clrMapOvr>
+</p:sld>
+</file>
+
+<file path=ppt/slides/slide5.xml><?xml version="1.0" encoding="utf-8"?>
+<p:sld xmlns:a="http://schemas.openxmlformats.org/drawingml/2006/main" xmlns:r="http://schemas.openxmlformats.org/officeDocument/2006/relationships" xmlns:p="http://schemas.openxmlformats.org/presentationml/2006/main">
+  <p:cSld>
+    <p:spTree>
+      <p:nvGrpSpPr>
+        <p:cNvPr id="1" name=""/>
+        <p:cNvGrpSpPr/>
+        <p:nvPr/>
+      </p:nvGrpSpPr>
+      <p:grpSpPr>
+        <a:xfrm>
+          <a:off x="0" y="0"/>
+          <a:ext cx="0" cy="0"/>
+          <a:chOff x="0" y="0"/>
+          <a:chExt cx="0" cy="0"/>
+        </a:xfrm>
+      </p:grpSpPr>
+      <p:sp>
+        <p:nvSpPr>
+          <p:cNvPr id="2" name="제목 1"/>
+          <p:cNvSpPr>
+            <a:spLocks noGrp="1"/>
+          </p:cNvSpPr>
+          <p:nvPr>
+            <p:ph type="title"/>
+          </p:nvPr>
+        </p:nvSpPr>
+        <p:spPr>
+          <a:xfrm>
+            <a:off x="395416" y="84696"/>
+            <a:ext cx="10515600" cy="743208"/>
+          </a:xfrm>
+        </p:spPr>
+        <p:txBody>
+          <a:bodyPr>
+            <a:normAutofit/>
+          </a:bodyPr>
+          <a:lstStyle/>
+          <a:p>
+            <a:r>
+              <a:rPr kumimoji="1" lang="en-US" altLang="ko-KR" sz="3600" b="1" dirty="0">
+                <a:solidFill>
+                  <a:srgbClr val="1E3DB4"/>
+                </a:solidFill>
+              </a:rPr>
+              <a:t>Class Perceptron</a:t>
+            </a:r>
+            <a:endParaRPr kumimoji="1" lang="ko-KR" altLang="en-US" sz="3600" dirty="0"/>
+          </a:p>
+        </p:txBody>
+      </p:sp>
+      <p:cxnSp>
+        <p:nvCxnSpPr>
+          <p:cNvPr id="5" name="직선 연결선[R] 4"/>
+          <p:cNvCxnSpPr/>
+          <p:nvPr/>
+        </p:nvCxnSpPr>
+        <p:spPr>
+          <a:xfrm flipV="1">
+            <a:off x="395416" y="827904"/>
+            <a:ext cx="11491784" cy="12356"/>
+          </a:xfrm>
+          <a:prstGeom prst="line">
+            <a:avLst/>
+          </a:prstGeom>
+        </p:spPr>
+        <p:style>
+          <a:lnRef idx="1">
+            <a:schemeClr val="accent1"/>
+          </a:lnRef>
+          <a:fillRef idx="0">
+            <a:schemeClr val="accent1"/>
+          </a:fillRef>
+          <a:effectRef idx="0">
+            <a:schemeClr val="accent1"/>
+          </a:effectRef>
+          <a:fontRef idx="minor">
+            <a:schemeClr val="tx1"/>
+          </a:fontRef>
+        </p:style>
+      </p:cxnSp>
+      <p:pic>
+        <p:nvPicPr>
+          <p:cNvPr id="7" name="그림 6"/>
+          <p:cNvPicPr>
+            <a:picLocks noChangeAspect="1"/>
+          </p:cNvPicPr>
+          <p:nvPr/>
+        </p:nvPicPr>
+        <p:blipFill>
+          <a:blip r:embed="rId3">
+            <a:extLst>
+              <a:ext uri="{28A0092B-C50C-407E-A947-70E740481C1C}">
+                <a14:useLocalDpi xmlns:a14="http://schemas.microsoft.com/office/drawing/2010/main" val="0"/>
+              </a:ext>
+            </a:extLst>
+          </a:blip>
+          <a:stretch>
+            <a:fillRect/>
+          </a:stretch>
+        </p:blipFill>
+        <p:spPr>
+          <a:xfrm>
+            <a:off x="180638" y="6044658"/>
+            <a:ext cx="1105336" cy="667536"/>
+          </a:xfrm>
+          <a:prstGeom prst="rect">
+            <a:avLst/>
+          </a:prstGeom>
+        </p:spPr>
+      </p:pic>
+      <p:sp>
+        <p:nvSpPr>
+          <p:cNvPr id="9" name="바닥글 개체 틀 8"/>
+          <p:cNvSpPr>
+            <a:spLocks noGrp="1"/>
+          </p:cNvSpPr>
+          <p:nvPr>
+            <p:ph type="ftr" sz="quarter" idx="11"/>
+          </p:nvPr>
+        </p:nvSpPr>
+        <p:spPr/>
+        <p:txBody>
+          <a:bodyPr/>
+          <a:lstStyle/>
+          <a:p>
+            <a:r>
+              <a:rPr kumimoji="1" lang="en-US" altLang="ko-KR"/>
+              <a:t>SKT AI Course: Deep Learning Basics by Heung-Il Suk</a:t>
+            </a:r>
+            <a:endParaRPr kumimoji="1" lang="ko-KR" altLang="en-US"/>
+          </a:p>
+        </p:txBody>
+      </p:sp>
+      <p:sp>
+        <p:nvSpPr>
+          <p:cNvPr id="10" name="슬라이드 번호 개체 틀 9"/>
+          <p:cNvSpPr>
+            <a:spLocks noGrp="1"/>
+          </p:cNvSpPr>
+          <p:nvPr>
+            <p:ph type="sldNum" sz="quarter" idx="12"/>
+          </p:nvPr>
+        </p:nvSpPr>
+        <p:spPr/>
+        <p:txBody>
+          <a:bodyPr/>
+          <a:lstStyle/>
+          <a:p>
+            <a:fld id="{E3E75774-3282-1C4A-9118-50EA78BFB2AA}" type="slidenum">
+              <a:rPr kumimoji="1" lang="ko-KR" altLang="en-US" smtClean="0"/>
+              <a:t>5</a:t>
+            </a:fld>
+            <a:endParaRPr kumimoji="1" lang="ko-KR" altLang="en-US"/>
+          </a:p>
+        </p:txBody>
+      </p:sp>
+      <p:sp>
+        <p:nvSpPr>
+          <p:cNvPr id="3" name="텍스트 상자 2"/>
+          <p:cNvSpPr txBox="1"/>
+          <p:nvPr/>
+        </p:nvSpPr>
+        <p:spPr>
+          <a:xfrm>
+            <a:off x="395416" y="1092421"/>
+            <a:ext cx="11491784" cy="2431435"/>
+          </a:xfrm>
+          <a:prstGeom prst="rect">
+            <a:avLst/>
+          </a:prstGeom>
+          <a:noFill/>
+        </p:spPr>
+        <p:txBody>
+          <a:bodyPr wrap="square" rtlCol="0">
+            <a:spAutoFit/>
+          </a:bodyPr>
+          <a:lstStyle/>
+          <a:p>
+            <a:endParaRPr kumimoji="1" lang="en-US" altLang="ko-KR" sz="2800" dirty="0"/>
+          </a:p>
+          <a:p>
+            <a:pPr marL="285750" indent="-285750">
+              <a:buFont typeface="Arial" charset="0"/>
+              <a:buChar char="•"/>
+            </a:pPr>
+            <a:r>
+              <a:rPr kumimoji="1" lang="en-US" altLang="ko-KR" sz="2800" dirty="0"/>
+              <a:t>Class Variables</a:t>
+            </a:r>
+          </a:p>
+          <a:p>
+            <a:pPr marL="914400" lvl="1" indent="-457200">
+              <a:buFont typeface=".AppleSystemUIFont" charset="-120"/>
+              <a:buChar char="-"/>
+            </a:pPr>
+            <a:r>
+              <a:rPr kumimoji="1" lang="en-US" altLang="ko-KR" sz="2400" b="1" dirty="0">
+                <a:solidFill>
+                  <a:srgbClr val="C00000"/>
+                </a:solidFill>
+              </a:rPr>
+              <a:t>eta</a:t>
+            </a:r>
+            <a:r>
+              <a:rPr kumimoji="1" lang="en-US" altLang="ko-KR" sz="2400" dirty="0"/>
+              <a:t> : Learning rate</a:t>
+            </a:r>
+          </a:p>
+          <a:p>
+            <a:pPr marL="914400" lvl="1" indent="-457200">
+              <a:buFont typeface=".AppleSystemUIFont" charset="-120"/>
+              <a:buChar char="-"/>
+            </a:pPr>
+            <a:r>
+              <a:rPr kumimoji="1" lang="en-US" altLang="ko-KR" sz="2400" b="1" dirty="0">
+                <a:solidFill>
+                  <a:srgbClr val="C00000"/>
+                </a:solidFill>
+              </a:rPr>
+              <a:t>epochs</a:t>
+            </a:r>
+            <a:r>
+              <a:rPr kumimoji="1" lang="en-US" altLang="ko-KR" sz="2400" dirty="0"/>
+              <a:t> : # of epochs to train</a:t>
+            </a:r>
+          </a:p>
+          <a:p>
+            <a:pPr marL="914400" lvl="1" indent="-457200">
+              <a:buFont typeface=".AppleSystemUIFont" charset="-120"/>
+              <a:buChar char="-"/>
+            </a:pPr>
+            <a:r>
+              <a:rPr kumimoji="1" lang="en-US" altLang="ko-KR" sz="2400" b="1" dirty="0">
+                <a:solidFill>
+                  <a:srgbClr val="C00000"/>
+                </a:solidFill>
+              </a:rPr>
+              <a:t>weights</a:t>
+            </a:r>
+            <a:r>
+              <a:rPr kumimoji="1" lang="ko-KR" altLang="en-US" sz="2400" dirty="0"/>
+              <a:t> </a:t>
+            </a:r>
+            <a:r>
+              <a:rPr kumimoji="1" lang="en-US" altLang="ko-KR" sz="2400" dirty="0"/>
+              <a:t>:</a:t>
+            </a:r>
+            <a:r>
+              <a:rPr kumimoji="1" lang="ko-KR" altLang="en-US" sz="2400" dirty="0"/>
+              <a:t> </a:t>
+            </a:r>
+            <a:r>
+              <a:rPr kumimoji="1" lang="en-US" altLang="ko-KR" sz="2400" dirty="0"/>
+              <a:t>Connection weight variables</a:t>
+            </a:r>
+          </a:p>
+          <a:p>
+            <a:pPr marL="914400" lvl="1" indent="-457200">
+              <a:buFont typeface=".AppleSystemUIFont" charset="-120"/>
+              <a:buChar char="-"/>
+            </a:pPr>
+            <a:r>
+              <a:rPr kumimoji="1" lang="en-US" altLang="ko-KR" sz="2400" b="1" dirty="0">
+                <a:solidFill>
+                  <a:srgbClr val="C00000"/>
+                </a:solidFill>
+              </a:rPr>
+              <a:t>errors</a:t>
+            </a:r>
+            <a:r>
+              <a:rPr kumimoji="1" lang="en-US" altLang="ko-KR" sz="2400" dirty="0"/>
+              <a:t> : # of wrong prediction</a:t>
+            </a:r>
+          </a:p>
+        </p:txBody>
+      </p:sp>
+    </p:spTree>
+    <p:extLst>
+      <p:ext uri="{BB962C8B-B14F-4D97-AF65-F5344CB8AC3E}">
+        <p14:creationId xmlns:p14="http://schemas.microsoft.com/office/powerpoint/2010/main" val="654535199"/>
+      </p:ext>
+    </p:extLst>
+  </p:cSld>
+  <p:clrMapOvr>
+    <a:masterClrMapping/>
+  </p:clrMapOvr>
+</p:sld>
+</file>
+
+<file path=ppt/slides/slide6.xml><?xml version="1.0" encoding="utf-8"?>
+<p:sld xmlns:a="http://schemas.openxmlformats.org/drawingml/2006/main" xmlns:r="http://schemas.openxmlformats.org/officeDocument/2006/relationships" xmlns:p="http://schemas.openxmlformats.org/presentationml/2006/main">
+  <p:cSld>
+    <p:spTree>
+      <p:nvGrpSpPr>
+        <p:cNvPr id="1" name=""/>
+        <p:cNvGrpSpPr/>
+        <p:nvPr/>
+      </p:nvGrpSpPr>
+      <p:grpSpPr>
+        <a:xfrm>
+          <a:off x="0" y="0"/>
+          <a:ext cx="0" cy="0"/>
+          <a:chOff x="0" y="0"/>
+          <a:chExt cx="0" cy="0"/>
+        </a:xfrm>
+      </p:grpSpPr>
+      <p:sp>
+        <p:nvSpPr>
+          <p:cNvPr id="2" name="제목 1"/>
+          <p:cNvSpPr>
+            <a:spLocks noGrp="1"/>
+          </p:cNvSpPr>
+          <p:nvPr>
+            <p:ph type="title"/>
+          </p:nvPr>
+        </p:nvSpPr>
+        <p:spPr>
+          <a:xfrm>
+            <a:off x="395416" y="84696"/>
+            <a:ext cx="10515600" cy="743208"/>
+          </a:xfrm>
+        </p:spPr>
+        <p:txBody>
+          <a:bodyPr>
+            <a:normAutofit/>
+          </a:bodyPr>
+          <a:lstStyle/>
+          <a:p>
+            <a:r>
+              <a:rPr kumimoji="1" lang="en-US" altLang="ko-KR" sz="3600" b="1" dirty="0">
+                <a:solidFill>
+                  <a:srgbClr val="1E3DB4"/>
+                </a:solidFill>
+              </a:rPr>
+              <a:t>Class Perceptron</a:t>
+            </a:r>
+            <a:endParaRPr kumimoji="1" lang="ko-KR" altLang="en-US" sz="3600" dirty="0"/>
+          </a:p>
+        </p:txBody>
+      </p:sp>
+      <p:cxnSp>
+        <p:nvCxnSpPr>
+          <p:cNvPr id="5" name="직선 연결선[R] 4"/>
+          <p:cNvCxnSpPr/>
+          <p:nvPr/>
+        </p:nvCxnSpPr>
+        <p:spPr>
+          <a:xfrm flipV="1">
+            <a:off x="395416" y="827904"/>
+            <a:ext cx="11491784" cy="12356"/>
+          </a:xfrm>
+          <a:prstGeom prst="line">
+            <a:avLst/>
+          </a:prstGeom>
+        </p:spPr>
+        <p:style>
+          <a:lnRef idx="1">
+            <a:schemeClr val="accent1"/>
+          </a:lnRef>
+          <a:fillRef idx="0">
+            <a:schemeClr val="accent1"/>
+          </a:fillRef>
+          <a:effectRef idx="0">
+            <a:schemeClr val="accent1"/>
+          </a:effectRef>
+          <a:fontRef idx="minor">
+            <a:schemeClr val="tx1"/>
+          </a:fontRef>
+        </p:style>
+      </p:cxnSp>
+      <p:pic>
+        <p:nvPicPr>
+          <p:cNvPr id="7" name="그림 6"/>
+          <p:cNvPicPr>
+            <a:picLocks noChangeAspect="1"/>
+          </p:cNvPicPr>
+          <p:nvPr/>
+        </p:nvPicPr>
+        <p:blipFill>
+          <a:blip r:embed="rId3">
+            <a:extLst>
+              <a:ext uri="{28A0092B-C50C-407E-A947-70E740481C1C}">
+                <a14:useLocalDpi xmlns:a14="http://schemas.microsoft.com/office/drawing/2010/main" val="0"/>
+              </a:ext>
+            </a:extLst>
+          </a:blip>
+          <a:stretch>
+            <a:fillRect/>
+          </a:stretch>
+        </p:blipFill>
+        <p:spPr>
+          <a:xfrm>
+            <a:off x="180638" y="6044658"/>
+            <a:ext cx="1105336" cy="667536"/>
+          </a:xfrm>
+          <a:prstGeom prst="rect">
+            <a:avLst/>
+          </a:prstGeom>
+        </p:spPr>
+      </p:pic>
+      <p:sp>
+        <p:nvSpPr>
+          <p:cNvPr id="9" name="바닥글 개체 틀 8"/>
+          <p:cNvSpPr>
+            <a:spLocks noGrp="1"/>
+          </p:cNvSpPr>
+          <p:nvPr>
+            <p:ph type="ftr" sz="quarter" idx="11"/>
+          </p:nvPr>
+        </p:nvSpPr>
+        <p:spPr/>
+        <p:txBody>
+          <a:bodyPr/>
+          <a:lstStyle/>
+          <a:p>
+            <a:r>
+              <a:rPr kumimoji="1" lang="en-US" altLang="ko-KR"/>
+              <a:t>SKT AI Course: Deep Learning Basics by Heung-Il Suk</a:t>
+            </a:r>
+            <a:endParaRPr kumimoji="1" lang="ko-KR" altLang="en-US"/>
+          </a:p>
+        </p:txBody>
+      </p:sp>
+      <p:sp>
+        <p:nvSpPr>
+          <p:cNvPr id="10" name="슬라이드 번호 개체 틀 9"/>
+          <p:cNvSpPr>
+            <a:spLocks noGrp="1"/>
+          </p:cNvSpPr>
+          <p:nvPr>
+            <p:ph type="sldNum" sz="quarter" idx="12"/>
+          </p:nvPr>
+        </p:nvSpPr>
+        <p:spPr/>
+        <p:txBody>
+          <a:bodyPr/>
+          <a:lstStyle/>
+          <a:p>
+            <a:fld id="{E3E75774-3282-1C4A-9118-50EA78BFB2AA}" type="slidenum">
+              <a:rPr kumimoji="1" lang="ko-KR" altLang="en-US" smtClean="0"/>
+              <a:t>6</a:t>
+            </a:fld>
+            <a:endParaRPr kumimoji="1" lang="ko-KR" altLang="en-US"/>
+          </a:p>
+        </p:txBody>
+      </p:sp>
+      <p:sp>
+        <p:nvSpPr>
+          <p:cNvPr id="3" name="텍스트 상자 2"/>
+          <p:cNvSpPr txBox="1"/>
+          <p:nvPr/>
+        </p:nvSpPr>
+        <p:spPr>
+          <a:xfrm>
+            <a:off x="395416" y="1092421"/>
+            <a:ext cx="11491784" cy="4216539"/>
+          </a:xfrm>
+          <a:prstGeom prst="rect">
+            <a:avLst/>
+          </a:prstGeom>
+          <a:noFill/>
+        </p:spPr>
+        <p:txBody>
+          <a:bodyPr wrap="square" rtlCol="0">
+            <a:spAutoFit/>
+          </a:bodyPr>
+          <a:lstStyle/>
+          <a:p>
+            <a:pPr marL="285750" indent="-285750">
+              <a:buFont typeface="Arial" charset="0"/>
+              <a:buChar char="•"/>
+            </a:pPr>
+            <a:r>
+              <a:rPr kumimoji="1" lang="en-US" altLang="ko-KR" sz="2800" dirty="0"/>
+              <a:t>Class Methods</a:t>
+            </a:r>
+          </a:p>
+          <a:p>
+            <a:pPr marL="914400" lvl="1" indent="-457200">
+              <a:buFont typeface=".AppleSystemUIFont" charset="-120"/>
+              <a:buChar char="-"/>
+            </a:pPr>
+            <a:r>
+              <a:rPr kumimoji="1" lang="en-US" altLang="ko-KR" sz="2400" b="1" dirty="0">
+                <a:solidFill>
+                  <a:srgbClr val="C00000"/>
+                </a:solidFill>
+              </a:rPr>
+              <a:t>__</a:t>
+            </a:r>
+            <a:r>
+              <a:rPr kumimoji="1" lang="en-US" altLang="ko-KR" sz="2400" b="1" dirty="0" err="1">
+                <a:solidFill>
+                  <a:srgbClr val="C00000"/>
+                </a:solidFill>
+              </a:rPr>
+              <a:t>init</a:t>
+            </a:r>
+            <a:r>
+              <a:rPr kumimoji="1" lang="en-US" altLang="ko-KR" sz="2400" b="1" dirty="0">
+                <a:solidFill>
+                  <a:srgbClr val="C00000"/>
+                </a:solidFill>
+              </a:rPr>
+              <a:t>__(self, eta=0.01, epochs=10)</a:t>
+            </a:r>
+            <a:endParaRPr kumimoji="1" lang="en-US" altLang="ko-KR" sz="2400" dirty="0"/>
+          </a:p>
+          <a:p>
+            <a:pPr marL="1371600" lvl="2" indent="-457200">
+              <a:buFont typeface="Arial" charset="0"/>
+              <a:buChar char="•"/>
+            </a:pPr>
+            <a:r>
+              <a:rPr kumimoji="1" lang="en-US" altLang="ko-KR" sz="2000" dirty="0"/>
+              <a:t>Initialize model with learning rate and training epochs</a:t>
+            </a:r>
+          </a:p>
+          <a:p>
+            <a:pPr marL="1371600" lvl="2" indent="-457200">
+              <a:buFont typeface=".AppleSystemUIFont" charset="-120"/>
+              <a:buChar char="-"/>
+            </a:pPr>
+            <a:endParaRPr kumimoji="1" lang="en-US" altLang="ko-KR" sz="2000" dirty="0"/>
+          </a:p>
+          <a:p>
+            <a:pPr marL="914400" lvl="1" indent="-457200">
+              <a:buFont typeface=".AppleSystemUIFont" charset="-120"/>
+              <a:buChar char="-"/>
+            </a:pPr>
+            <a:r>
+              <a:rPr kumimoji="1" lang="en-US" altLang="ko-KR" sz="2400" b="1" dirty="0">
+                <a:solidFill>
+                  <a:srgbClr val="C00000"/>
+                </a:solidFill>
+              </a:rPr>
+              <a:t>fit(self, X, y)</a:t>
+            </a:r>
+            <a:r>
+              <a:rPr kumimoji="1" lang="en-US" altLang="ko-KR" sz="2400" dirty="0"/>
+              <a:t> </a:t>
+            </a:r>
+          </a:p>
+          <a:p>
+            <a:pPr marL="1371600" lvl="2" indent="-457200">
+              <a:buFont typeface="Arial" charset="0"/>
+              <a:buChar char="•"/>
+            </a:pPr>
+            <a:r>
+              <a:rPr kumimoji="1" lang="en-US" altLang="ko-KR" sz="2000" dirty="0"/>
+              <a:t>Trains model with input data X and its corresponding label y</a:t>
+            </a:r>
+          </a:p>
+          <a:p>
+            <a:pPr marL="1371600" lvl="2" indent="-457200">
+              <a:buFont typeface=".AppleSystemUIFont" charset="-120"/>
+              <a:buChar char="-"/>
+            </a:pPr>
+            <a:endParaRPr kumimoji="1" lang="en-US" altLang="ko-KR" sz="2000" dirty="0"/>
+          </a:p>
+          <a:p>
+            <a:pPr marL="914400" lvl="1" indent="-457200">
+              <a:buFont typeface=".AppleSystemUIFont" charset="-120"/>
+              <a:buChar char="-"/>
+            </a:pPr>
+            <a:r>
+              <a:rPr kumimoji="1" lang="en-US" altLang="ko-KR" sz="2400" b="1" dirty="0" err="1">
+                <a:solidFill>
+                  <a:srgbClr val="C00000"/>
+                </a:solidFill>
+              </a:rPr>
+              <a:t>net_input</a:t>
+            </a:r>
+            <a:r>
+              <a:rPr kumimoji="1" lang="en-US" altLang="ko-KR" sz="2400" b="1" dirty="0">
+                <a:solidFill>
+                  <a:srgbClr val="C00000"/>
+                </a:solidFill>
+              </a:rPr>
+              <a:t>(self, X)</a:t>
+            </a:r>
+            <a:endParaRPr kumimoji="1" lang="en-US" altLang="ko-KR" sz="2400" dirty="0"/>
+          </a:p>
+          <a:p>
+            <a:pPr marL="1371600" lvl="2" indent="-457200">
+              <a:buFont typeface="Arial" charset="0"/>
+              <a:buChar char="•"/>
+            </a:pPr>
+            <a:r>
+              <a:rPr kumimoji="1" lang="en-US" altLang="ko-KR" sz="2000" dirty="0"/>
+              <a:t>Provides input to the perceptron and returns perceptron's output</a:t>
+            </a:r>
+          </a:p>
+          <a:p>
+            <a:pPr marL="1371600" lvl="2" indent="-457200">
+              <a:buFont typeface=".AppleSystemUIFont" charset="-120"/>
+              <a:buChar char="-"/>
+            </a:pPr>
+            <a:endParaRPr kumimoji="1" lang="en-US" altLang="ko-KR" sz="2400" dirty="0"/>
+          </a:p>
+          <a:p>
+            <a:pPr marL="914400" lvl="1" indent="-457200">
+              <a:buFont typeface=".AppleSystemUIFont" charset="-120"/>
+              <a:buChar char="-"/>
+            </a:pPr>
+            <a:r>
+              <a:rPr kumimoji="1" lang="en-US" altLang="ko-KR" sz="2400" b="1" dirty="0">
+                <a:solidFill>
+                  <a:srgbClr val="C00000"/>
+                </a:solidFill>
+              </a:rPr>
+              <a:t>predict(self, X)</a:t>
+            </a:r>
+            <a:endParaRPr kumimoji="1" lang="en-US" altLang="ko-KR" sz="2400" dirty="0"/>
+          </a:p>
+          <a:p>
+            <a:pPr marL="1371600" lvl="2" indent="-457200">
+              <a:buFont typeface="Arial" charset="0"/>
+              <a:buChar char="•"/>
+            </a:pPr>
+            <a:r>
+              <a:rPr kumimoji="1" lang="en-US" altLang="ko-KR" sz="2000" dirty="0"/>
+              <a:t>Returns model's prediction</a:t>
+            </a:r>
+          </a:p>
+        </p:txBody>
+      </p:sp>
+    </p:spTree>
+    <p:extLst>
+      <p:ext uri="{BB962C8B-B14F-4D97-AF65-F5344CB8AC3E}">
+        <p14:creationId xmlns:p14="http://schemas.microsoft.com/office/powerpoint/2010/main" val="121199985"/>
+      </p:ext>
+    </p:extLst>
+  </p:cSld>
+  <p:clrMapOvr>
+    <a:masterClrMapping/>
+  </p:clrMapOvr>
+</p:sld>
+</file>
+
+<file path=ppt/slides/slide7.xml><?xml version="1.0" encoding="utf-8"?>
+<p:sld xmlns:a="http://schemas.openxmlformats.org/drawingml/2006/main" xmlns:r="http://schemas.openxmlformats.org/officeDocument/2006/relationships" xmlns:p="http://schemas.openxmlformats.org/presentationml/2006/main">
+  <p:cSld>
+    <p:spTree>
+      <p:nvGrpSpPr>
+        <p:cNvPr id="1" name=""/>
+        <p:cNvGrpSpPr/>
+        <p:nvPr/>
+      </p:nvGrpSpPr>
+      <p:grpSpPr>
+        <a:xfrm>
+          <a:off x="0" y="0"/>
+          <a:ext cx="0" cy="0"/>
+          <a:chOff x="0" y="0"/>
+          <a:chExt cx="0" cy="0"/>
+        </a:xfrm>
+      </p:grpSpPr>
+      <p:sp>
+        <p:nvSpPr>
+          <p:cNvPr id="2" name="제목 1"/>
+          <p:cNvSpPr>
+            <a:spLocks noGrp="1"/>
+          </p:cNvSpPr>
+          <p:nvPr>
+            <p:ph type="title"/>
+          </p:nvPr>
+        </p:nvSpPr>
+        <p:spPr>
+          <a:xfrm>
+            <a:off x="395416" y="84696"/>
+            <a:ext cx="11199684" cy="743208"/>
+          </a:xfrm>
+        </p:spPr>
+        <p:txBody>
+          <a:bodyPr>
+            <a:normAutofit/>
+          </a:bodyPr>
+          <a:lstStyle/>
+          <a:p>
+            <a:r>
+              <a:rPr kumimoji="1" lang="en-US" altLang="ko-KR" sz="3600" b="1" dirty="0">
+                <a:solidFill>
+                  <a:srgbClr val="1E3DB4"/>
+                </a:solidFill>
+              </a:rPr>
+              <a:t>Implement major methods of Class Perceptron (1)</a:t>
+            </a:r>
+            <a:endParaRPr kumimoji="1" lang="ko-KR" altLang="en-US" sz="3600" dirty="0"/>
+          </a:p>
+        </p:txBody>
+      </p:sp>
+      <p:cxnSp>
+        <p:nvCxnSpPr>
+          <p:cNvPr id="5" name="직선 연결선[R] 4"/>
+          <p:cNvCxnSpPr/>
+          <p:nvPr/>
+        </p:nvCxnSpPr>
+        <p:spPr>
+          <a:xfrm flipV="1">
+            <a:off x="395416" y="827904"/>
+            <a:ext cx="11491784" cy="12356"/>
+          </a:xfrm>
+          <a:prstGeom prst="line">
+            <a:avLst/>
+          </a:prstGeom>
+        </p:spPr>
+        <p:style>
+          <a:lnRef idx="1">
+            <a:schemeClr val="accent1"/>
+          </a:lnRef>
+          <a:fillRef idx="0">
+            <a:schemeClr val="accent1"/>
+          </a:fillRef>
+          <a:effectRef idx="0">
+            <a:schemeClr val="accent1"/>
+          </a:effectRef>
+          <a:fontRef idx="minor">
+            <a:schemeClr val="tx1"/>
+          </a:fontRef>
+        </p:style>
+      </p:cxnSp>
+      <p:pic>
+        <p:nvPicPr>
+          <p:cNvPr id="7" name="그림 6"/>
+          <p:cNvPicPr>
+            <a:picLocks noChangeAspect="1"/>
+          </p:cNvPicPr>
+          <p:nvPr/>
+        </p:nvPicPr>
+        <p:blipFill>
+          <a:blip r:embed="rId3">
+            <a:extLst>
+              <a:ext uri="{28A0092B-C50C-407E-A947-70E740481C1C}">
+                <a14:useLocalDpi xmlns:a14="http://schemas.microsoft.com/office/drawing/2010/main" val="0"/>
+              </a:ext>
+            </a:extLst>
+          </a:blip>
+          <a:stretch>
+            <a:fillRect/>
+          </a:stretch>
+        </p:blipFill>
+        <p:spPr>
+          <a:xfrm>
+            <a:off x="180638" y="6044658"/>
+            <a:ext cx="1105336" cy="667536"/>
+          </a:xfrm>
+          <a:prstGeom prst="rect">
+            <a:avLst/>
+          </a:prstGeom>
+        </p:spPr>
+      </p:pic>
+      <p:sp>
+        <p:nvSpPr>
+          <p:cNvPr id="9" name="바닥글 개체 틀 8"/>
+          <p:cNvSpPr>
+            <a:spLocks noGrp="1"/>
+          </p:cNvSpPr>
+          <p:nvPr>
+            <p:ph type="ftr" sz="quarter" idx="11"/>
+          </p:nvPr>
+        </p:nvSpPr>
+        <p:spPr/>
+        <p:txBody>
+          <a:bodyPr/>
+          <a:lstStyle/>
+          <a:p>
+            <a:r>
+              <a:rPr kumimoji="1" lang="en-US" altLang="ko-KR"/>
+              <a:t>SKT AI Course: Deep Learning Basics by Heung-Il Suk</a:t>
+            </a:r>
+            <a:endParaRPr kumimoji="1" lang="ko-KR" altLang="en-US"/>
+          </a:p>
+        </p:txBody>
+      </p:sp>
+      <p:sp>
+        <p:nvSpPr>
+          <p:cNvPr id="10" name="슬라이드 번호 개체 틀 9"/>
+          <p:cNvSpPr>
+            <a:spLocks noGrp="1"/>
+          </p:cNvSpPr>
+          <p:nvPr>
+            <p:ph type="sldNum" sz="quarter" idx="12"/>
+          </p:nvPr>
+        </p:nvSpPr>
+        <p:spPr/>
+        <p:txBody>
+          <a:bodyPr/>
+          <a:lstStyle/>
+          <a:p>
+            <a:fld id="{E3E75774-3282-1C4A-9118-50EA78BFB2AA}" type="slidenum">
+              <a:rPr kumimoji="1" lang="ko-KR" altLang="en-US" smtClean="0"/>
+              <a:t>7</a:t>
+            </a:fld>
+            <a:endParaRPr kumimoji="1" lang="ko-KR" altLang="en-US"/>
+          </a:p>
+        </p:txBody>
+      </p:sp>
+      <p:sp>
+        <p:nvSpPr>
+          <p:cNvPr id="3" name="텍스트 상자 2"/>
+          <p:cNvSpPr txBox="1"/>
+          <p:nvPr/>
+        </p:nvSpPr>
+        <p:spPr>
+          <a:xfrm>
+            <a:off x="395416" y="909295"/>
+            <a:ext cx="11491784" cy="461665"/>
+          </a:xfrm>
+          <a:prstGeom prst="rect">
+            <a:avLst/>
+          </a:prstGeom>
+          <a:noFill/>
+        </p:spPr>
+        <p:txBody>
+          <a:bodyPr wrap="square" rtlCol="0">
+            <a:spAutoFit/>
+          </a:bodyPr>
+          <a:lstStyle/>
+          <a:p>
+            <a:pPr marL="285750" indent="-285750">
+              <a:buFont typeface="Arial" charset="0"/>
+              <a:buChar char="•"/>
+            </a:pPr>
+            <a:r>
+              <a:rPr kumimoji="1" lang="en-US" altLang="ko-KR" sz="2400" dirty="0"/>
               <a:t>Task 1: Implement Perceptron's output </a:t>
             </a:r>
             <a:r>
-              <a:rPr kumimoji="1" lang="en-US" altLang="ko-KR" sz="2400" b="1" dirty="0" smtClean="0"/>
+              <a:rPr kumimoji="1" lang="en-US" altLang="ko-KR" sz="2400" b="1" dirty="0"/>
               <a:t>z</a:t>
             </a:r>
             <a:r>
-              <a:rPr kumimoji="1" lang="en-US" altLang="ko-KR" sz="2400" dirty="0" smtClean="0"/>
-              <a:t> before activation in </a:t>
-            </a:r>
-            <a:r>
-              <a:rPr kumimoji="1" lang="en-US" altLang="ko-KR" sz="2400" b="1" dirty="0" err="1" smtClean="0"/>
+              <a:rPr kumimoji="1" lang="en-US" altLang="ko-KR" sz="2400" dirty="0"/>
+              <a:t> in </a:t>
+            </a:r>
+            <a:r>
+              <a:rPr kumimoji="1" lang="en-US" altLang="ko-KR" sz="2400" b="1" dirty="0" err="1"/>
               <a:t>net_input</a:t>
             </a:r>
             <a:r>
-              <a:rPr kumimoji="1" lang="en-US" altLang="ko-KR" sz="2400" b="1" dirty="0" smtClean="0"/>
+              <a:rPr kumimoji="1" lang="en-US" altLang="ko-KR" sz="2400" b="1" dirty="0"/>
               <a:t>(self, X)</a:t>
             </a:r>
           </a:p>
@@ -7833,7 +12244,7 @@
                       <m:jc m:val="centerGroup"/>
                     </m:oMathParaPr>
                     <m:oMath xmlns:m="http://schemas.openxmlformats.org/officeDocument/2006/math">
-                      <a:fld id="{6EFD276C-8BA0-AA4F-BA9C-52753DFF0C2D}" type="mathplaceholder">
+                      <a:fld id="{7947DA87-E87E-B140-B6FD-BEBB2A808734}" type="mathplaceholder">
                         <a:rPr kumimoji="1" lang="ko-KR" altLang="en-US" i="1" smtClean="0">
                           <a:latin typeface="Cambria Math" charset="0"/>
                         </a:rPr>
@@ -8204,13 +12615,6 @@
   <p:clrMapOvr>
     <a:masterClrMapping/>
   </p:clrMapOvr>
-  <p:timing>
-    <p:tnLst>
-      <p:par>
-        <p:cTn id="1" dur="indefinite" restart="never" nodeType="tmRoot"/>
-      </p:par>
-    </p:tnLst>
-  </p:timing>
 </p:sld>
 </file>
 
@@ -8231,6 +12635,60 @@
           <a:chExt cx="0" cy="0"/>
         </a:xfrm>
       </p:grpSpPr>
+      <mc:AlternateContent xmlns:mc="http://schemas.openxmlformats.org/markup-compatibility/2006" xmlns:we="http://schemas.microsoft.com/office/webextensions/webextension/2010/11" xmlns:pca="http://schemas.microsoft.com/office/powerpoint/2013/contentapp">
+        <mc:Choice Requires="we pca">
+          <p:graphicFrame>
+            <p:nvGraphicFramePr>
+              <p:cNvPr id="8" name="추가 기능 7" title="Code Presenter Pro"/>
+              <p:cNvGraphicFramePr>
+                <a:graphicFrameLocks noGrp="1"/>
+              </p:cNvGraphicFramePr>
+              <p:nvPr>
+                <p:extLst>
+                  <p:ext uri="{D42A27DB-BD31-4B8C-83A1-F6EECF244321}">
+                    <p14:modId xmlns:p14="http://schemas.microsoft.com/office/powerpoint/2010/main" val="3534781344"/>
+                  </p:ext>
+                </p:extLst>
+              </p:nvPr>
+            </p:nvGraphicFramePr>
+            <p:xfrm>
+              <a:off x="1446153" y="1608843"/>
+              <a:ext cx="8385294" cy="2361298"/>
+            </p:xfrm>
+            <a:graphic>
+              <a:graphicData uri="http://schemas.microsoft.com/office/webextensions/webextension/2010/11">
+                <we:webextensionref xmlns:we="http://schemas.microsoft.com/office/webextensions/webextension/2010/11" xmlns:r="http://schemas.openxmlformats.org/officeDocument/2006/relationships" r:id="rId3"/>
+              </a:graphicData>
+            </a:graphic>
+          </p:graphicFrame>
+        </mc:Choice>
+        <mc:Fallback xmlns="">
+          <p:pic>
+            <p:nvPicPr>
+              <p:cNvPr id="8" name="추가 기능 7" title="Code Presenter Pro"/>
+              <p:cNvPicPr>
+                <a:picLocks noGrp="1" noRot="1" noChangeAspect="1" noMove="1" noResize="1" noEditPoints="1" noAdjustHandles="1" noChangeArrowheads="1" noChangeShapeType="1"/>
+              </p:cNvPicPr>
+              <p:nvPr/>
+            </p:nvPicPr>
+            <p:blipFill>
+              <a:blip r:embed="rId4"/>
+              <a:stretch>
+                <a:fillRect/>
+              </a:stretch>
+            </p:blipFill>
+            <p:spPr>
+              <a:xfrm>
+                <a:off x="1446153" y="1608843"/>
+                <a:ext cx="8385294" cy="2361298"/>
+              </a:xfrm>
+              <a:prstGeom prst="rect">
+                <a:avLst/>
+              </a:prstGeom>
+            </p:spPr>
+          </p:pic>
+        </mc:Fallback>
+      </mc:AlternateContent>
       <p:sp>
         <p:nvSpPr>
           <p:cNvPr id="2" name="제목 1"/>
@@ -8254,7 +12712,7 @@
           <a:lstStyle/>
           <a:p>
             <a:r>
-              <a:rPr kumimoji="1" lang="en-US" altLang="ko-KR" sz="3600" b="1" dirty="0" smtClean="0">
+              <a:rPr kumimoji="1" lang="en-US" altLang="ko-KR" sz="3600" b="1" dirty="0">
                 <a:solidFill>
                   <a:srgbClr val="1E3DB4"/>
                 </a:solidFill>
@@ -8304,7 +12762,7 @@
           <p:nvPr/>
         </p:nvPicPr>
         <p:blipFill>
-          <a:blip r:embed="rId3">
+          <a:blip r:embed="rId5">
             <a:extLst>
               <a:ext uri="{28A0092B-C50C-407E-A947-70E740481C1C}">
                 <a14:useLocalDpi xmlns:a14="http://schemas.microsoft.com/office/drawing/2010/main" val="0"/>
@@ -8341,7 +12799,7 @@
           <a:lstStyle/>
           <a:p>
             <a:r>
-              <a:rPr kumimoji="1" lang="en-US" altLang="ko-KR" smtClean="0"/>
+              <a:rPr kumimoji="1" lang="en-US" altLang="ko-KR"/>
               <a:t>SKT AI Course: Deep Learning Basics by Heung-Il Suk</a:t>
             </a:r>
             <a:endParaRPr kumimoji="1" lang="ko-KR" altLang="en-US"/>
@@ -8398,160 +12856,28 @@
               <a:buChar char="•"/>
             </a:pPr>
             <a:r>
-              <a:rPr kumimoji="1" lang="en-US" altLang="ko-KR" sz="2400" dirty="0" smtClean="0"/>
+              <a:rPr kumimoji="1" lang="en-US" altLang="ko-KR" sz="2400" dirty="0"/>
               <a:t>Task 1: Implement Perceptron's output </a:t>
             </a:r>
             <a:r>
-              <a:rPr kumimoji="1" lang="en-US" altLang="ko-KR" sz="2400" b="1" dirty="0" smtClean="0"/>
+              <a:rPr kumimoji="1" lang="en-US" altLang="ko-KR" sz="2400" b="1" dirty="0"/>
               <a:t>z</a:t>
             </a:r>
             <a:r>
-              <a:rPr kumimoji="1" lang="en-US" altLang="ko-KR" sz="2400" dirty="0" smtClean="0"/>
-              <a:t> before activation in </a:t>
-            </a:r>
-            <a:r>
-              <a:rPr kumimoji="1" lang="en-US" altLang="ko-KR" sz="2400" b="1" dirty="0" err="1" smtClean="0"/>
+              <a:rPr kumimoji="1" lang="en-US" altLang="ko-KR" sz="2400" dirty="0"/>
+              <a:t> in </a:t>
+            </a:r>
+            <a:r>
+              <a:rPr kumimoji="1" lang="en-US" altLang="ko-KR" sz="2400" b="1" dirty="0" err="1"/>
               <a:t>net_input</a:t>
             </a:r>
             <a:r>
-              <a:rPr kumimoji="1" lang="en-US" altLang="ko-KR" sz="2400" b="1" dirty="0" smtClean="0"/>
+              <a:rPr kumimoji="1" lang="en-US" altLang="ko-KR" sz="2400" b="1" dirty="0"/>
               <a:t>(self, X)</a:t>
             </a:r>
           </a:p>
         </p:txBody>
       </p:sp>
-      <mc:AlternateContent xmlns:mc="http://schemas.openxmlformats.org/markup-compatibility/2006" xmlns:we="http://schemas.microsoft.com/office/webextensions/webextension/2010/11" xmlns:pca="http://schemas.microsoft.com/office/powerpoint/2013/contentapp">
-        <mc:Choice Requires="we pca">
-          <p:graphicFrame>
-            <p:nvGraphicFramePr>
-              <p:cNvPr id="8" name="추가 기능 7" title="Code Presenter Pro"/>
-              <p:cNvGraphicFramePr>
-                <a:graphicFrameLocks noGrp="1"/>
-              </p:cNvGraphicFramePr>
-              <p:nvPr/>
-            </p:nvGraphicFramePr>
-            <p:xfrm>
-              <a:off x="1903353" y="1861763"/>
-              <a:ext cx="8385294" cy="2361298"/>
-            </p:xfrm>
-            <a:graphic>
-              <a:graphicData uri="http://schemas.microsoft.com/office/webextensions/webextension/2010/11">
-                <we:webextensionref xmlns:we="http://schemas.microsoft.com/office/webextensions/webextension/2010/11" xmlns:r="http://schemas.openxmlformats.org/officeDocument/2006/relationships" r:id="rId4"/>
-              </a:graphicData>
-            </a:graphic>
-          </p:graphicFrame>
-        </mc:Choice>
-        <mc:Fallback xmlns="">
-          <p:pic>
-            <p:nvPicPr>
-              <p:cNvPr id="8" name="추가 기능 7" title="Code Presenter Pro"/>
-              <p:cNvPicPr>
-                <a:picLocks noGrp="1" noRot="1" noChangeAspect="1" noMove="1" noResize="1" noEditPoints="1" noAdjustHandles="1" noChangeArrowheads="1" noChangeShapeType="1"/>
-              </p:cNvPicPr>
-              <p:nvPr/>
-            </p:nvPicPr>
-            <p:blipFill>
-              <a:blip r:embed="rId5"/>
-              <a:stretch>
-                <a:fillRect/>
-              </a:stretch>
-            </p:blipFill>
-            <p:spPr>
-              <a:xfrm>
-                <a:off x="1903353" y="1861763"/>
-                <a:ext cx="8385294" cy="2361298"/>
-              </a:xfrm>
-              <a:prstGeom prst="rect">
-                <a:avLst/>
-              </a:prstGeom>
-            </p:spPr>
-          </p:pic>
-        </mc:Fallback>
-      </mc:AlternateContent>
-      <mc:AlternateContent xmlns:mc="http://schemas.openxmlformats.org/markup-compatibility/2006" xmlns:a14="http://schemas.microsoft.com/office/drawing/2010/main">
-        <mc:Choice Requires="a14">
-          <p:sp>
-            <p:nvSpPr>
-              <p:cNvPr id="6" name="텍스트 상자 5"/>
-              <p:cNvSpPr txBox="1"/>
-              <p:nvPr/>
-            </p:nvSpPr>
-            <p:spPr>
-              <a:xfrm>
-                <a:off x="5638800" y="2971800"/>
-                <a:ext cx="3002424" cy="282193"/>
-              </a:xfrm>
-              <a:prstGeom prst="rect">
-                <a:avLst/>
-              </a:prstGeom>
-              <a:noFill/>
-            </p:spPr>
-            <p:txBody>
-              <a:bodyPr wrap="none" lIns="0" tIns="0" rIns="0" bIns="0" rtlCol="0">
-                <a:spAutoFit/>
-              </a:bodyPr>
-              <a:lstStyle/>
-              <a:p>
-                <a:pPr/>
-                <a14:m>
-                  <m:oMathPara xmlns:m="http://schemas.openxmlformats.org/officeDocument/2006/math">
-                    <m:oMathParaPr>
-                      <m:jc m:val="centerGroup"/>
-                    </m:oMathParaPr>
-                    <m:oMath xmlns:m="http://schemas.openxmlformats.org/officeDocument/2006/math">
-                      <a:fld id="{59A87BA8-A15E-A648-8D01-A270357383F9}" type="mathplaceholder">
-                        <a:rPr kumimoji="1" lang="ko-KR" altLang="en-US" i="1" smtClean="0">
-                          <a:latin typeface="Cambria Math" charset="0"/>
-                        </a:rPr>
-                        <a:t>여기에 수식을 입력하십시오.</a:t>
-                      </a:fld>
-                    </m:oMath>
-                  </m:oMathPara>
-                </a14:m>
-                <a:endParaRPr kumimoji="1" lang="ko-KR" altLang="en-US" dirty="0"/>
-              </a:p>
-            </p:txBody>
-          </p:sp>
-        </mc:Choice>
-        <mc:Fallback xmlns="">
-          <p:sp>
-            <p:nvSpPr>
-              <p:cNvPr id="6" name="텍스트 상자 5"/>
-              <p:cNvSpPr txBox="1">
-                <a:spLocks noRot="1" noChangeAspect="1" noMove="1" noResize="1" noEditPoints="1" noAdjustHandles="1" noChangeArrowheads="1" noChangeShapeType="1" noTextEdit="1"/>
-              </p:cNvSpPr>
-              <p:nvPr/>
-            </p:nvSpPr>
-            <p:spPr>
-              <a:xfrm>
-                <a:off x="5638800" y="2971800"/>
-                <a:ext cx="3002424" cy="282193"/>
-              </a:xfrm>
-              <a:prstGeom prst="rect">
-                <a:avLst/>
-              </a:prstGeom>
-              <a:blipFill rotWithShape="0">
-                <a:blip r:embed="rId6"/>
-                <a:stretch>
-                  <a:fillRect l="-1826" t="-139130" b="-180435"/>
-                </a:stretch>
-              </a:blipFill>
-            </p:spPr>
-            <p:txBody>
-              <a:bodyPr/>
-              <a:lstStyle/>
-              <a:p>
-                <a:r>
-                  <a:rPr lang="ko-KR" altLang="en-US">
-                    <a:noFill/>
-                  </a:rPr>
-                  <a:t> </a:t>
-                </a:r>
-              </a:p>
-            </p:txBody>
-          </p:sp>
-        </mc:Fallback>
-      </mc:AlternateContent>
       <p:grpSp>
         <p:nvGrpSpPr>
           <p:cNvPr id="13" name="그룹 12"/>
@@ -8575,7 +12901,7 @@
             <p:nvPr/>
           </p:nvPicPr>
           <p:blipFill>
-            <a:blip r:embed="rId7"/>
+            <a:blip r:embed="rId6"/>
             <a:stretch>
               <a:fillRect/>
             </a:stretch>
@@ -8870,13 +13196,6 @@
   <p:clrMapOvr>
     <a:masterClrMapping/>
   </p:clrMapOvr>
-  <p:timing>
-    <p:tnLst>
-      <p:par>
-        <p:cTn id="1" dur="indefinite" restart="never" nodeType="tmRoot"/>
-      </p:par>
-    </p:tnLst>
-  </p:timing>
 </p:sld>
 </file>
 
@@ -8920,7 +13239,7 @@
           <a:lstStyle/>
           <a:p>
             <a:r>
-              <a:rPr kumimoji="1" lang="en-US" altLang="ko-KR" sz="3600" b="1" dirty="0" smtClean="0">
+              <a:rPr kumimoji="1" lang="en-US" altLang="ko-KR" sz="3600" b="1" dirty="0">
                 <a:solidFill>
                   <a:srgbClr val="1E3DB4"/>
                 </a:solidFill>
@@ -8928,7 +13247,7 @@
               <a:t>Implement major methods of </a:t>
             </a:r>
             <a:r>
-              <a:rPr kumimoji="1" lang="en-US" altLang="ko-KR" sz="3600" b="1" smtClean="0">
+              <a:rPr kumimoji="1" lang="en-US" altLang="ko-KR" sz="3600" b="1">
                 <a:solidFill>
                   <a:srgbClr val="1E3DB4"/>
                 </a:solidFill>
@@ -9015,7 +13334,7 @@
           <a:lstStyle/>
           <a:p>
             <a:r>
-              <a:rPr kumimoji="1" lang="en-US" altLang="ko-KR" smtClean="0"/>
+              <a:rPr kumimoji="1" lang="en-US" altLang="ko-KR"/>
               <a:t>SKT AI Course: Deep Learning Basics by Heung-Il Suk</a:t>
             </a:r>
             <a:endParaRPr kumimoji="1" lang="ko-KR" altLang="en-US"/>
@@ -9072,12 +13391,12 @@
               <a:buChar char="•"/>
             </a:pPr>
             <a:r>
-              <a:rPr kumimoji="1" lang="en-US" altLang="ko-KR" sz="2400" dirty="0" smtClean="0"/>
-              <a:t>Task 2: Implement weight update part of method </a:t>
-            </a:r>
-            <a:r>
-              <a:rPr kumimoji="1" lang="en-US" altLang="ko-KR" sz="2400" b="1" dirty="0" smtClean="0"/>
-              <a:t>fit(self, X, y)</a:t>
+              <a:rPr kumimoji="1" lang="en-US" altLang="ko-KR" sz="2400" dirty="0"/>
+              <a:t>Task 2: Implement prediction of model with method </a:t>
+            </a:r>
+            <a:r>
+              <a:rPr kumimoji="1" lang="en-US" altLang="ko-KR" sz="2400" b="1" dirty="0"/>
+              <a:t>predict(self, X)</a:t>
             </a:r>
           </a:p>
         </p:txBody>
@@ -9093,14 +13412,14 @@
               <p:nvPr>
                 <p:extLst>
                   <p:ext uri="{D42A27DB-BD31-4B8C-83A1-F6EECF244321}">
-                    <p14:modId xmlns:p14="http://schemas.microsoft.com/office/powerpoint/2010/main" val="206689274"/>
+                    <p14:modId xmlns:p14="http://schemas.microsoft.com/office/powerpoint/2010/main" val="1269701904"/>
                   </p:ext>
                 </p:extLst>
               </p:nvPr>
             </p:nvGraphicFramePr>
             <p:xfrm>
-              <a:off x="736600" y="1861762"/>
-              <a:ext cx="10794999" cy="4494587"/>
+              <a:off x="736600" y="2334638"/>
+              <a:ext cx="10794999" cy="4021712"/>
             </p:xfrm>
             <a:graphic>
               <a:graphicData uri="http://schemas.microsoft.com/office/webextensions/webextension/2010/11">
@@ -9126,8 +13445,8 @@
             </p:blipFill>
             <p:spPr>
               <a:xfrm>
-                <a:off x="736600" y="1861762"/>
-                <a:ext cx="10794999" cy="4494587"/>
+                <a:off x="736600" y="2334638"/>
+                <a:ext cx="10794999" cy="4021712"/>
               </a:xfrm>
               <a:prstGeom prst="rect">
                 <a:avLst/>
@@ -9167,7 +13486,7 @@
                       <m:jc m:val="centerGroup"/>
                     </m:oMathParaPr>
                     <m:oMath xmlns:m="http://schemas.openxmlformats.org/officeDocument/2006/math">
-                      <a:fld id="{87C98D00-8FA9-0049-8E30-1FDD36A9B251}" type="mathplaceholder">
+                      <a:fld id="{EC0947A0-86AE-8E4F-A438-0B41E6F5BE53}" type="mathplaceholder">
                         <a:rPr kumimoji="1" lang="ko-KR" altLang="en-US" i="1" smtClean="0">
                           <a:latin typeface="Cambria Math" charset="0"/>
                         </a:rPr>
@@ -9230,13 +13549,6 @@
   <p:clrMapOvr>
     <a:masterClrMapping/>
   </p:clrMapOvr>
-  <p:timing>
-    <p:tnLst>
-      <p:par>
-        <p:cTn id="1" dur="indefinite" restart="never" nodeType="tmRoot"/>
-      </p:par>
-    </p:tnLst>
-  </p:timing>
 </p:sld>
 </file>
 
@@ -9769,7 +14081,21 @@
     <we:reference id="wa104379263" version="1.0.0.1" store="wa104379263" storeType="OMEX"/>
   </we:alternateReferences>
   <we:properties>
-    <we:property name="config" value="{&quot;display_lang&quot;:&quot;en&quot;,&quot;display_font&quot;:&quot;Consolas&quot;,&quot;syntax_color&quot;:{&quot;Reserved words&quot;:&quot;#0000ff&quot;,&quot;Modules,Classes,Exceptions&quot;:&quot;#FF0000&quot;,&quot;Methods&quot;:&quot;#008080&quot;,&quot;Attributes&quot;:&quot;#808000&quot;,&quot;Line comment&quot;:&quot;#008000&quot;,&quot;Block comment&quot;:&quot;#008000&quot;,&quot;Block comment 2&quot;:&quot;#008000&quot;,&quot;Quotation&quot;:&quot;#FF00FF&quot;,&quot;Quotation 2&quot;:&quot;#FF00FF&quot;,&quot;Number&quot;:&quot;#800080&quot;},&quot;old_syntax_color&quot;:{&quot;Reserved words&quot;:&quot;#0000FF&quot;,&quot;Modules,Classes,Exceptions&quot;:&quot;#FF0000&quot;,&quot;Methods&quot;:&quot;#008080&quot;,&quot;Attributes&quot;:&quot;#808000&quot;,&quot;Line comment&quot;:&quot;#008000&quot;,&quot;Block comment&quot;:&quot;#008000&quot;,&quot;Block comment 2&quot;:&quot;#008000&quot;,&quot;Quotation&quot;:&quot;#FF00FF&quot;,&quot;Quotation 2&quot;:&quot;#FF00FF&quot;,&quot;Number&quot;:&quot;#800080&quot;},&quot;show_line_number&quot;:false,&quot;code_lang&quot;:&quot;py&quot;,&quot;code&quot;:&quot;    def net_input(self, X):\n        input_to_Perceptron = X\n        \n        '''***Task 1 : Implement Perceptron’s output before activation z ***'''\n        # z = \n        \n        return z&quot;,&quot;ctags&quot;:{&quot;net_input&quot;:[{&quot;linenum&quot;:&quot;1&quot;,&quot;signature&quot;:&quot;def net_input(self, X):&quot;}]}}"/>
+    <we:property name="config" value="{&quot;display_lang&quot;:&quot;en&quot;,&quot;display_font&quot;:&quot;Consolas&quot;,&quot;syntax_color&quot;:{&quot;Reserved words&quot;:&quot;#0000ff&quot;,&quot;Modules,Classes,Exceptions&quot;:&quot;#FF0000&quot;,&quot;Methods&quot;:&quot;#008080&quot;,&quot;Attributes&quot;:&quot;#808000&quot;,&quot;Line comment&quot;:&quot;#008000&quot;,&quot;Block comment&quot;:&quot;#008000&quot;,&quot;Block comment 2&quot;:&quot;#008000&quot;,&quot;Quotation&quot;:&quot;#FF00FF&quot;,&quot;Quotation 2&quot;:&quot;#FF00FF&quot;,&quot;Number&quot;:&quot;#800080&quot;},&quot;old_syntax_color&quot;:{&quot;Reserved words&quot;:&quot;#0000FF&quot;,&quot;Modules,Classes,Exceptions&quot;:&quot;#FF0000&quot;,&quot;Methods&quot;:&quot;#008080&quot;,&quot;Attributes&quot;:&quot;#808000&quot;,&quot;Line comment&quot;:&quot;#008000&quot;,&quot;Block comment&quot;:&quot;#008000&quot;,&quot;Block comment 2&quot;:&quot;#008000&quot;,&quot;Quotation&quot;:&quot;#FF00FF&quot;,&quot;Quotation 2&quot;:&quot;#FF00FF&quot;,&quot;Number&quot;:&quot;#800080&quot;},&quot;show_line_number&quot;:false,&quot;code_lang&quot;:&quot;py&quot;,&quot;code&quot;:&quot;    def net_input(self, X):\n        '''\n        :param X: Input to the perceptron, shape=[num_data]\n        :return: Output of the perceptron, shape=[num_data]\n        TASK 1: Implement perceptron's output z\n        '''\n        z=None\n        #TODO\n        return z&quot;,&quot;ctags&quot;:{&quot;net_input&quot;:[{&quot;linenum&quot;:&quot;1&quot;,&quot;signature&quot;:&quot;def net_input(self, X):&quot;}]}}"/>
+  </we:properties>
+  <we:bindings/>
+  <we:snapshot xmlns:r="http://schemas.openxmlformats.org/officeDocument/2006/relationships" r:embed="rId1"/>
+</we:webextension>
+</file>
+
+<file path=ppt/webextensions/webextension10.xml><?xml version="1.0" encoding="utf-8"?>
+<we:webextension xmlns:we="http://schemas.microsoft.com/office/webextensions/webextension/2010/11" id="{8F9A1D83-4BD8-5C43-94AC-63FF5340A7FC}">
+  <we:reference id="wa104379263" version="1.0.0.1" store="ko-KR" storeType="OMEX"/>
+  <we:alternateReferences>
+    <we:reference id="wa104379263" version="1.0.0.1" store="wa104379263" storeType="OMEX"/>
+  </we:alternateReferences>
+  <we:properties>
+    <we:property name="config" value="{&quot;display_lang&quot;:&quot;en&quot;,&quot;display_font&quot;:&quot;Consolas&quot;,&quot;syntax_color&quot;:{&quot;Reserved words&quot;:&quot;#0000ff&quot;,&quot;Modules,Classes,Exceptions&quot;:&quot;#FF0000&quot;,&quot;Methods&quot;:&quot;#008080&quot;,&quot;Attributes&quot;:&quot;#808000&quot;,&quot;Line comment&quot;:&quot;#008000&quot;,&quot;Block comment&quot;:&quot;#008000&quot;,&quot;Block comment 2&quot;:&quot;#008000&quot;,&quot;Quotation&quot;:&quot;#FF00FF&quot;,&quot;Quotation 2&quot;:&quot;#FF00FF&quot;,&quot;Number&quot;:&quot;#800080&quot;},&quot;old_syntax_color&quot;:{&quot;Reserved words&quot;:&quot;#0000FF&quot;,&quot;Modules,Classes,Exceptions&quot;:&quot;#FF0000&quot;,&quot;Methods&quot;:&quot;#008080&quot;,&quot;Attributes&quot;:&quot;#808000&quot;,&quot;Line comment&quot;:&quot;#008000&quot;,&quot;Block comment&quot;:&quot;#008000&quot;,&quot;Block comment 2&quot;:&quot;#008000&quot;,&quot;Quotation&quot;:&quot;#FF00FF&quot;,&quot;Quotation 2&quot;:&quot;#FF00FF&quot;,&quot;Number&quot;:&quot;#800080&quot;},&quot;show_line_number&quot;:false,&quot;code_lang&quot;:&quot;py&quot;,&quot;code&quot;:&quot;    def fit_SGD(self, X, y):\n        \&quot;\&quot;\&quot;\n        X: {array-like}, shape=[num_samples, num_features]\n        y: {array-like}, shape=[num_samples]\n        TASK 1: Implement stochastic gradient descent fitting algorithm.\n        \&quot;\&quot;\&quot;\n        self.initialize_weights(X.shape[1])\n        self.errors = []\n        \n        for i in range(self.epochs):\n            errors = []\n            if self.bShuffle:\n                X, y = self.shuffle(X, y)\n            \n            for i in range(0, X.shape[0], self.minibatch_size):\n                if (i+self.minibatch_size) &lt;= X.shape[0]:\n                    xi = X[i:i+self.minibatch_size]\n                    target = y[i:i+self.minibatch_size]\n                else:\n                    xi = X[i:]\n                    target = y[i:]\n                cost.append(self.fit(xi, target))\n            avg_cost = sum(cost)/len(y)\n            self.cost.append(avg_cost)&quot;,&quot;ctags&quot;:{&quot;fit_SGD&quot;:[{&quot;linenum&quot;:&quot;1&quot;,&quot;signature&quot;:&quot;def fit_SGD(self, X, y):&quot;}]}}"/>
   </we:properties>
   <we:bindings/>
   <we:snapshot xmlns:r="http://schemas.openxmlformats.org/officeDocument/2006/relationships" r:embed="rId1"/>
@@ -9783,7 +14109,7 @@
     <we:reference id="wa104379263" version="1.0.0.1" store="wa104379263" storeType="OMEX"/>
   </we:alternateReferences>
   <we:properties>
-    <we:property name="config" value="{&quot;display_lang&quot;:&quot;en&quot;,&quot;display_font&quot;:&quot;Consolas&quot;,&quot;syntax_color&quot;:{&quot;Reserved words&quot;:&quot;#0000ff&quot;,&quot;Modules,Classes,Exceptions&quot;:&quot;#FF0000&quot;,&quot;Methods&quot;:&quot;#008080&quot;,&quot;Attributes&quot;:&quot;#808000&quot;,&quot;Line comment&quot;:&quot;#008000&quot;,&quot;Block comment&quot;:&quot;#008000&quot;,&quot;Block comment 2&quot;:&quot;#008000&quot;,&quot;Quotation&quot;:&quot;#FF00FF&quot;,&quot;Quotation 2&quot;:&quot;#FF00FF&quot;,&quot;Number&quot;:&quot;#800080&quot;},&quot;old_syntax_color&quot;:{&quot;Reserved words&quot;:&quot;#0000FF&quot;,&quot;Modules,Classes,Exceptions&quot;:&quot;#FF0000&quot;,&quot;Methods&quot;:&quot;#008080&quot;,&quot;Attributes&quot;:&quot;#808000&quot;,&quot;Line comment&quot;:&quot;#008000&quot;,&quot;Block comment&quot;:&quot;#008000&quot;,&quot;Block comment 2&quot;:&quot;#008000&quot;,&quot;Quotation&quot;:&quot;#FF00FF&quot;,&quot;Quotation 2&quot;:&quot;#FF00FF&quot;,&quot;Number&quot;:&quot;#800080&quot;},&quot;show_line_number&quot;:false,&quot;code_lang&quot;:&quot;py&quot;,&quot;code&quot;:&quot;    def net_input(self, X):\n        input_to_Perceptron = X\n        # output_before_activation z\n        z = np.dot(X, self.weights[1:]) + self.weights[0]\n        return z\n&quot;,&quot;ctags&quot;:{&quot;net_input&quot;:[{&quot;linenum&quot;:&quot;1&quot;,&quot;signature&quot;:&quot;def net_input(self, X):&quot;}]}}"/>
+    <we:property name="config" value="{&quot;display_lang&quot;:&quot;en&quot;,&quot;display_font&quot;:&quot;Consolas&quot;,&quot;syntax_color&quot;:{&quot;Reserved words&quot;:&quot;#0000ff&quot;,&quot;Modules,Classes,Exceptions&quot;:&quot;#FF0000&quot;,&quot;Methods&quot;:&quot;#008080&quot;,&quot;Attributes&quot;:&quot;#808000&quot;,&quot;Line comment&quot;:&quot;#008000&quot;,&quot;Block comment&quot;:&quot;#008000&quot;,&quot;Block comment 2&quot;:&quot;#008000&quot;,&quot;Quotation&quot;:&quot;#FF00FF&quot;,&quot;Quotation 2&quot;:&quot;#FF00FF&quot;,&quot;Number&quot;:&quot;#800080&quot;},&quot;old_syntax_color&quot;:{&quot;Reserved words&quot;:&quot;#0000FF&quot;,&quot;Modules,Classes,Exceptions&quot;:&quot;#FF0000&quot;,&quot;Methods&quot;:&quot;#008080&quot;,&quot;Attributes&quot;:&quot;#808000&quot;,&quot;Line comment&quot;:&quot;#008000&quot;,&quot;Block comment&quot;:&quot;#008000&quot;,&quot;Block comment 2&quot;:&quot;#008000&quot;,&quot;Quotation&quot;:&quot;#FF00FF&quot;,&quot;Quotation 2&quot;:&quot;#FF00FF&quot;,&quot;Number&quot;:&quot;#800080&quot;},&quot;show_line_number&quot;:false,&quot;code_lang&quot;:&quot;py&quot;,&quot;code&quot;:&quot;    def net_input(self, X):\n        '''\n        :param X: Input to the perceptron, shape=[num_data]\n        :return: Output of the perceptron, shape=[num_data]\n        TASK 1: Implement perceptron's output z\n        '''\n\n        z = np.dot(X, self.weights[1:]) + self.weights[0]\n        return z&quot;,&quot;ctags&quot;:{&quot;net_input&quot;:[{&quot;linenum&quot;:&quot;1&quot;,&quot;signature&quot;:&quot;def net_input(self, X):&quot;}]}}"/>
   </we:properties>
   <we:bindings/>
   <we:snapshot xmlns:r="http://schemas.openxmlformats.org/officeDocument/2006/relationships" r:embed="rId1"/>
@@ -9797,7 +14123,7 @@
     <we:reference id="wa104379263" version="1.0.0.1" store="wa104379263" storeType="OMEX"/>
   </we:alternateReferences>
   <we:properties>
-    <we:property name="config" value="{&quot;display_lang&quot;:&quot;en&quot;,&quot;display_font&quot;:&quot;Consolas&quot;,&quot;syntax_color&quot;:{&quot;Reserved words&quot;:&quot;#0000ff&quot;,&quot;Modules,Classes,Exceptions&quot;:&quot;#FF0000&quot;,&quot;Methods&quot;:&quot;#008080&quot;,&quot;Attributes&quot;:&quot;#808000&quot;,&quot;Line comment&quot;:&quot;#008000&quot;,&quot;Block comment&quot;:&quot;#008000&quot;,&quot;Block comment 2&quot;:&quot;#008000&quot;,&quot;Quotation&quot;:&quot;#FF00FF&quot;,&quot;Quotation 2&quot;:&quot;#FF00FF&quot;,&quot;Number&quot;:&quot;#800080&quot;},&quot;old_syntax_color&quot;:{&quot;Reserved words&quot;:&quot;#0000FF&quot;,&quot;Modules,Classes,Exceptions&quot;:&quot;#FF0000&quot;,&quot;Methods&quot;:&quot;#008080&quot;,&quot;Attributes&quot;:&quot;#808000&quot;,&quot;Line comment&quot;:&quot;#008000&quot;,&quot;Block comment&quot;:&quot;#008000&quot;,&quot;Block comment 2&quot;:&quot;#008000&quot;,&quot;Quotation&quot;:&quot;#FF00FF&quot;,&quot;Quotation 2&quot;:&quot;#FF00FF&quot;,&quot;Number&quot;:&quot;#800080&quot;},&quot;show_line_number&quot;:false,&quot;code_lang&quot;:&quot;py&quot;,&quot;code&quot;:&quot;    def fit(self, X, y):\n        \&quot;\&quot;\&quot;\n        X: {array-like}, shape=[num_samples, num_features]\n        y: {array-like}, shape=[num_samples]\n        \&quot;\&quot;\&quot;\n        self.weights = np.zeros(1 + X.shape[1])  # 1 for bias\n        self.errors = []\n\n        for _ in range(self.epochs):\n            errors = 0;\n            for xi, target in zip(X, y):\n            '''***Task 2 : Implement weight update part of method fit(self, X, y)***'''\n                '''How much we update Perceptron is decided by \n                learning rate * difference between label and model prediction'''\n                # update = \n                \n                # Update weights of Perceptron\n                # self.weights[1:] += \n                \n                # Update bias of Perceptron\n                # self.weights[0] += \n                \n                # increase error variable by 1 if the perceptron's prediction is wrong\n                # errors += \n            self.errors.append(errors)\n        return &quot;,&quot;ctags&quot;:{&quot;fit&quot;:[{&quot;linenum&quot;:&quot;1&quot;,&quot;signature&quot;:&quot;def fit(self, X, y):&quot;}]}}"/>
+    <we:property name="config" value="{&quot;display_lang&quot;:&quot;en&quot;,&quot;display_font&quot;:&quot;Consolas&quot;,&quot;syntax_color&quot;:{&quot;Reserved words&quot;:&quot;#0000ff&quot;,&quot;Modules,Classes,Exceptions&quot;:&quot;#FF0000&quot;,&quot;Methods&quot;:&quot;#008080&quot;,&quot;Attributes&quot;:&quot;#808000&quot;,&quot;Line comment&quot;:&quot;#008000&quot;,&quot;Block comment&quot;:&quot;#008000&quot;,&quot;Block comment 2&quot;:&quot;#008000&quot;,&quot;Quotation&quot;:&quot;#FF00FF&quot;,&quot;Quotation 2&quot;:&quot;#FF00FF&quot;,&quot;Number&quot;:&quot;#800080&quot;},&quot;old_syntax_color&quot;:{&quot;Reserved words&quot;:&quot;#0000FF&quot;,&quot;Modules,Classes,Exceptions&quot;:&quot;#FF0000&quot;,&quot;Methods&quot;:&quot;#008080&quot;,&quot;Attributes&quot;:&quot;#808000&quot;,&quot;Line comment&quot;:&quot;#008000&quot;,&quot;Block comment&quot;:&quot;#008000&quot;,&quot;Block comment 2&quot;:&quot;#008000&quot;,&quot;Quotation&quot;:&quot;#FF00FF&quot;,&quot;Quotation 2&quot;:&quot;#FF00FF&quot;,&quot;Number&quot;:&quot;#800080&quot;},&quot;show_line_number&quot;:false,&quot;code_lang&quot;:&quot;py&quot;,&quot;code&quot;:&quot;    def predict(self, X):\n        '''\n        :param X: Input to the model, shape=[num_data]\n        :return: Prediction of the model. Correct 1, incorrect -1, shape=[num_data]\n        TASK 2: Implement prediction of model\n        '''\n        y_star = None\n        #TODO\n        return y_star&quot;,&quot;ctags&quot;:{&quot;predict&quot;:[{&quot;linenum&quot;:&quot;1&quot;,&quot;signature&quot;:&quot;def predict(self, X):&quot;}]}}"/>
   </we:properties>
   <we:bindings/>
   <we:snapshot xmlns:r="http://schemas.openxmlformats.org/officeDocument/2006/relationships" r:embed="rId1"/>
@@ -9811,7 +14137,7 @@
     <we:reference id="wa104379263" version="1.0.0.1" store="wa104379263" storeType="OMEX"/>
   </we:alternateReferences>
   <we:properties>
-    <we:property name="config" value="{&quot;display_lang&quot;:&quot;en&quot;,&quot;display_font&quot;:&quot;Consolas&quot;,&quot;syntax_color&quot;:{&quot;Reserved words&quot;:&quot;#0000ff&quot;,&quot;Modules,Classes,Exceptions&quot;:&quot;#FF0000&quot;,&quot;Methods&quot;:&quot;#008080&quot;,&quot;Attributes&quot;:&quot;#808000&quot;,&quot;Line comment&quot;:&quot;#008000&quot;,&quot;Block comment&quot;:&quot;#008000&quot;,&quot;Block comment 2&quot;:&quot;#008000&quot;,&quot;Quotation&quot;:&quot;#FF00FF&quot;,&quot;Quotation 2&quot;:&quot;#FF00FF&quot;,&quot;Number&quot;:&quot;#800080&quot;},&quot;old_syntax_color&quot;:{&quot;Reserved words&quot;:&quot;#0000FF&quot;,&quot;Modules,Classes,Exceptions&quot;:&quot;#FF0000&quot;,&quot;Methods&quot;:&quot;#008080&quot;,&quot;Attributes&quot;:&quot;#808000&quot;,&quot;Line comment&quot;:&quot;#008000&quot;,&quot;Block comment&quot;:&quot;#008000&quot;,&quot;Block comment 2&quot;:&quot;#008000&quot;,&quot;Quotation&quot;:&quot;#FF00FF&quot;,&quot;Quotation 2&quot;:&quot;#FF00FF&quot;,&quot;Number&quot;:&quot;#800080&quot;},&quot;show_line_number&quot;:false,&quot;code_lang&quot;:&quot;py&quot;,&quot;code&quot;:&quot;    def fit(self, X, y):\n        \&quot;\&quot;\&quot;\n        X: {array-like}, shape=[num_samples, num_features]\n        y: {array-like}, shape=[num_samples]\n        \&quot;\&quot;\&quot;\n        self.weights = np.zeros(1 + X.shape[1])  # 1 for bias\n        self.errors = []\n\n        for _ in range(self.epochs):\n            errors = 0;\n            for xi, target in zip(X, y):\n                update = self.eta * (target - self.predict(xi))\n                self.weights[1:] += update * xi\n                self.weights[0] += update\n                errors += int(update != 0.0)\n            self.errors.append(errors)\n        return\n        &quot;,&quot;ctags&quot;:{&quot;fit&quot;:[{&quot;linenum&quot;:&quot;1&quot;,&quot;signature&quot;:&quot;def fit(self, X, y):&quot;}]}}"/>
+    <we:property name="config" value="{&quot;display_lang&quot;:&quot;en&quot;,&quot;display_font&quot;:&quot;Consolas&quot;,&quot;syntax_color&quot;:{&quot;Reserved words&quot;:&quot;#0000ff&quot;,&quot;Modules,Classes,Exceptions&quot;:&quot;#FF0000&quot;,&quot;Methods&quot;:&quot;#008080&quot;,&quot;Attributes&quot;:&quot;#808000&quot;,&quot;Line comment&quot;:&quot;#008000&quot;,&quot;Block comment&quot;:&quot;#008000&quot;,&quot;Block comment 2&quot;:&quot;#008000&quot;,&quot;Quotation&quot;:&quot;#FF00FF&quot;,&quot;Quotation 2&quot;:&quot;#FF00FF&quot;,&quot;Number&quot;:&quot;#800080&quot;},&quot;old_syntax_color&quot;:{&quot;Reserved words&quot;:&quot;#0000FF&quot;,&quot;Modules,Classes,Exceptions&quot;:&quot;#FF0000&quot;,&quot;Methods&quot;:&quot;#008080&quot;,&quot;Attributes&quot;:&quot;#808000&quot;,&quot;Line comment&quot;:&quot;#008000&quot;,&quot;Block comment&quot;:&quot;#008000&quot;,&quot;Block comment 2&quot;:&quot;#008000&quot;,&quot;Quotation&quot;:&quot;#FF00FF&quot;,&quot;Quotation 2&quot;:&quot;#FF00FF&quot;,&quot;Number&quot;:&quot;#800080&quot;},&quot;show_line_number&quot;:false,&quot;code_lang&quot;:&quot;py&quot;,&quot;code&quot;:&quot;    def predict(self, X):\n        '''\n        :param X: Input to the model, shape=[num_data]\n        :return: Prediction of the model. Correct 1, incorrect -1, shape=[num_data]\n        TASK 2: Implement prediction of model\n        '''\n        y_star = np.where(condition=self.net_input(X) &gt;= 0.0, x=1, y=-1)\n        return y_star&quot;,&quot;ctags&quot;:{&quot;predict&quot;:[{&quot;linenum&quot;:&quot;1&quot;,&quot;signature&quot;:&quot;def predict(self, X):&quot;}]}}"/>
   </we:properties>
   <we:bindings/>
   <we:snapshot xmlns:r="http://schemas.openxmlformats.org/officeDocument/2006/relationships" r:embed="rId1"/>
@@ -9819,13 +14145,13 @@
 </file>
 
 <file path=ppt/webextensions/webextension5.xml><?xml version="1.0" encoding="utf-8"?>
-<we:webextension xmlns:we="http://schemas.microsoft.com/office/webextensions/webextension/2010/11" id="{62722FC8-CBA5-AF4F-AEB7-2ED783F1487E}">
+<we:webextension xmlns:we="http://schemas.microsoft.com/office/webextensions/webextension/2010/11" id="{4415E3AF-1DA3-A94A-B8A6-703DE2F5DAA1}">
   <we:reference id="wa104379263" version="1.0.0.1" store="ko-KR" storeType="OMEX"/>
   <we:alternateReferences>
     <we:reference id="wa104379263" version="1.0.0.1" store="wa104379263" storeType="OMEX"/>
   </we:alternateReferences>
   <we:properties>
-    <we:property name="config" value="{&quot;display_lang&quot;:&quot;en&quot;,&quot;display_font&quot;:&quot;Consolas&quot;,&quot;syntax_color&quot;:{&quot;Reserved words&quot;:&quot;#0000ff&quot;,&quot;Modules,Classes,Exceptions&quot;:&quot;#FF0000&quot;,&quot;Methods&quot;:&quot;#008080&quot;,&quot;Attributes&quot;:&quot;#808000&quot;,&quot;Line comment&quot;:&quot;#008000&quot;,&quot;Block comment&quot;:&quot;#008000&quot;,&quot;Block comment 2&quot;:&quot;#008000&quot;,&quot;Quotation&quot;:&quot;#FF00FF&quot;,&quot;Quotation 2&quot;:&quot;#FF00FF&quot;,&quot;Number&quot;:&quot;#800080&quot;},&quot;old_syntax_color&quot;:{&quot;Reserved words&quot;:&quot;#0000FF&quot;,&quot;Modules,Classes,Exceptions&quot;:&quot;#FF0000&quot;,&quot;Methods&quot;:&quot;#008080&quot;,&quot;Attributes&quot;:&quot;#808000&quot;,&quot;Line comment&quot;:&quot;#008000&quot;,&quot;Block comment&quot;:&quot;#008000&quot;,&quot;Block comment 2&quot;:&quot;#008000&quot;,&quot;Quotation&quot;:&quot;#FF00FF&quot;,&quot;Quotation 2&quot;:&quot;#FF00FF&quot;,&quot;Number&quot;:&quot;#800080&quot;},&quot;show_line_number&quot;:false,&quot;code_lang&quot;:&quot;py&quot;,&quot;code&quot;:&quot;    def fit(self, X, y):\n        \&quot;\&quot;\&quot;\n        X: {array-like}, shape=[num_samples, num_features]\n        y: {array-like}, shape=[num_samples]\n        \&quot;\&quot;\&quot;\n        self.weights = np.zeros(1 + X.shape[1])  # 1 for bias\n        self.errors = []\n\n        for _ in range(self.epochs):\n            errors = 0;\n            for xi, target in zip(X, y):\n            '''***Task 2 : Implement weight update part of method fit(self, X, y)***'''\n                '''How much we update Perceptron is decided by \n                learning rate * difference between label and model prediction'''\n                # update = \n                \n                # Update weights of Perceptron\n                # self.weights[1:] += \n                \n                # Update bias of Perceptron\n                # self.weights[0] += \n                \n                # increase error variable by 1 if the perceptron's prediction is wrong\n                # errors += \n            self.errors.append(errors)\n        return &quot;,&quot;ctags&quot;:{&quot;fit&quot;:[{&quot;linenum&quot;:&quot;1&quot;,&quot;signature&quot;:&quot;def fit(self, X, y):&quot;}]}}"/>
+    <we:property name="config" value="{&quot;display_lang&quot;:&quot;en&quot;,&quot;display_font&quot;:&quot;Consolas&quot;,&quot;syntax_color&quot;:{&quot;Reserved words&quot;:&quot;#0000ff&quot;,&quot;Modules,Classes,Exceptions&quot;:&quot;#FF0000&quot;,&quot;Methods&quot;:&quot;#008080&quot;,&quot;Attributes&quot;:&quot;#808000&quot;,&quot;Line comment&quot;:&quot;#008000&quot;,&quot;Block comment&quot;:&quot;#008000&quot;,&quot;Block comment 2&quot;:&quot;#008000&quot;,&quot;Quotation&quot;:&quot;#FF00FF&quot;,&quot;Quotation 2&quot;:&quot;#FF00FF&quot;,&quot;Number&quot;:&quot;#800080&quot;},&quot;old_syntax_color&quot;:{&quot;Reserved words&quot;:&quot;#0000FF&quot;,&quot;Modules,Classes,Exceptions&quot;:&quot;#FF0000&quot;,&quot;Methods&quot;:&quot;#008080&quot;,&quot;Attributes&quot;:&quot;#808000&quot;,&quot;Line comment&quot;:&quot;#008000&quot;,&quot;Block comment&quot;:&quot;#008000&quot;,&quot;Block comment 2&quot;:&quot;#008000&quot;,&quot;Quotation&quot;:&quot;#FF00FF&quot;,&quot;Quotation 2&quot;:&quot;#FF00FF&quot;,&quot;Number&quot;:&quot;#800080&quot;},&quot;show_line_number&quot;:false,&quot;code_lang&quot;:&quot;py&quot;,&quot;code&quot;:&quot;    def fit(self, X, y):\n        \&quot;\&quot;\&quot;\n        X: {array-like}, shape=[num_samples, num_features]\n        y: {array-like}, shape=[num_samples]\n        TASK 2: Implement weight update, i.e., fit\n        \&quot;\&quot;\&quot;\n        self.weights = np.zeros(1 + X.shape[1])  # self.weights[0] for bias\n        self.errors = []\n\n        for _ in range(self.epochs):\n            errors = 0;\n            for xi, target in zip(X, y):\n            '''***Task 2 : Implement weight update part of method fit(self, X, y)***'''\n                '''How much we update Perceptron is decided by \n                learning rate * difference between label and model prediction'''\n                # update = \n                \n                # Update weights of Perceptron\n                # self.weights[1:] += \n                \n                # Update bias of Perceptron\n                # self.weights[0] += \n                \n                # increase error variable by 1 if the perceptron's prediction is wrong\n                # errors += \n            self.errors.append(errors)\n        return self.errors&quot;,&quot;ctags&quot;:{&quot;fit&quot;:[{&quot;linenum&quot;:&quot;1&quot;,&quot;signature&quot;:&quot;def fit(self, X, y):&quot;}]}}"/>
   </we:properties>
   <we:bindings/>
   <we:snapshot xmlns:r="http://schemas.openxmlformats.org/officeDocument/2006/relationships" r:embed="rId1"/>
@@ -9833,13 +14159,55 @@
 </file>
 
 <file path=ppt/webextensions/webextension6.xml><?xml version="1.0" encoding="utf-8"?>
-<we:webextension xmlns:we="http://schemas.microsoft.com/office/webextensions/webextension/2010/11" id="{94932A41-94CB-DA48-BD81-F0CD4755EF55}">
+<we:webextension xmlns:we="http://schemas.microsoft.com/office/webextensions/webextension/2010/11" id="{602A816D-9F26-D845-85E8-1C640E89F0AC}">
   <we:reference id="wa104379263" version="1.0.0.1" store="ko-KR" storeType="OMEX"/>
   <we:alternateReferences>
     <we:reference id="wa104379263" version="1.0.0.1" store="wa104379263" storeType="OMEX"/>
   </we:alternateReferences>
   <we:properties>
-    <we:property name="config" value="{&quot;display_lang&quot;:&quot;en&quot;,&quot;display_font&quot;:&quot;Consolas&quot;,&quot;syntax_color&quot;:{&quot;Reserved words&quot;:&quot;#0000ff&quot;,&quot;Modules,Classes,Exceptions&quot;:&quot;#FF0000&quot;,&quot;Methods&quot;:&quot;#008080&quot;,&quot;Attributes&quot;:&quot;#808000&quot;,&quot;Line comment&quot;:&quot;#008000&quot;,&quot;Block comment&quot;:&quot;#008000&quot;,&quot;Block comment 2&quot;:&quot;#008000&quot;,&quot;Quotation&quot;:&quot;#FF00FF&quot;,&quot;Quotation 2&quot;:&quot;#FF00FF&quot;,&quot;Number&quot;:&quot;#800080&quot;},&quot;old_syntax_color&quot;:{&quot;Reserved words&quot;:&quot;#0000FF&quot;,&quot;Modules,Classes,Exceptions&quot;:&quot;#FF0000&quot;,&quot;Methods&quot;:&quot;#008080&quot;,&quot;Attributes&quot;:&quot;#808000&quot;,&quot;Line comment&quot;:&quot;#008000&quot;,&quot;Block comment&quot;:&quot;#008000&quot;,&quot;Block comment 2&quot;:&quot;#008000&quot;,&quot;Quotation&quot;:&quot;#FF00FF&quot;,&quot;Quotation 2&quot;:&quot;#FF00FF&quot;,&quot;Number&quot;:&quot;#800080&quot;},&quot;show_line_number&quot;:false,&quot;code_lang&quot;:&quot;py&quot;,&quot;code&quot;:&quot;    def fit(self, X, y):\n        \&quot;\&quot;\&quot;\n        X: {array-like}, shape=[num_samples, num_features]\n        y: {array-like}, shape=[num_samples]\n        \&quot;\&quot;\&quot;\n        self.weights = np.zeros(1 + X.shape[1])  # 1 for bias\n        self.errors = []\n\n        for _ in range(self.epochs):\n            errors = 0;\n            for xi, target in zip(X, y):\n                update = self.eta * (target - self.predict(xi))\n                self.weights[1:] += update * xi\n                self.weights[0] += update\n                errors += int(update != 0.0)\n            self.errors.append(errors)\n        return\n        &quot;,&quot;ctags&quot;:{&quot;fit&quot;:[{&quot;linenum&quot;:&quot;1&quot;,&quot;signature&quot;:&quot;def fit(self, X, y):&quot;}]}}"/>
+    <we:property name="config" value="{&quot;display_lang&quot;:&quot;en&quot;,&quot;display_font&quot;:&quot;Consolas&quot;,&quot;syntax_color&quot;:{&quot;Reserved words&quot;:&quot;#0000ff&quot;,&quot;Modules,Classes,Exceptions&quot;:&quot;#FF0000&quot;,&quot;Methods&quot;:&quot;#008080&quot;,&quot;Attributes&quot;:&quot;#808000&quot;,&quot;Line comment&quot;:&quot;#008000&quot;,&quot;Block comment&quot;:&quot;#008000&quot;,&quot;Block comment 2&quot;:&quot;#008000&quot;,&quot;Quotation&quot;:&quot;#FF00FF&quot;,&quot;Quotation 2&quot;:&quot;#FF00FF&quot;,&quot;Number&quot;:&quot;#800080&quot;},&quot;old_syntax_color&quot;:{&quot;Reserved words&quot;:&quot;#0000FF&quot;,&quot;Modules,Classes,Exceptions&quot;:&quot;#FF0000&quot;,&quot;Methods&quot;:&quot;#008080&quot;,&quot;Attributes&quot;:&quot;#808000&quot;,&quot;Line comment&quot;:&quot;#008000&quot;,&quot;Block comment&quot;:&quot;#008000&quot;,&quot;Block comment 2&quot;:&quot;#008000&quot;,&quot;Quotation&quot;:&quot;#FF00FF&quot;,&quot;Quotation 2&quot;:&quot;#FF00FF&quot;,&quot;Number&quot;:&quot;#800080&quot;},&quot;show_line_number&quot;:false,&quot;code_lang&quot;:&quot;py&quot;,&quot;code&quot;:&quot;    def fit(self, X, y):\n        \&quot;\&quot;\&quot;\n        X: {array-like}, shape=[num_samples, num_features]\n        y: {array-like}, shape=[num_samples]\n        \&quot;\&quot;\&quot;\n        self.weights = np.zeros(1 + X.shape[1])  # 1 for bias\n        self.errors = []\n\n        for _ in range(self.epochs):\n            errors = 0;\n            for xi, target in zip(X, y):\n                update = self.eta * (target - self.predict(xi))\n                self.weights[1:] += update * xi\n                self.weights[0] += update\n                errors += int(update != 0.0)\n            self.errors.append(errors)\n        return self.errors\n        &quot;,&quot;ctags&quot;:{&quot;fit&quot;:[{&quot;linenum&quot;:&quot;1&quot;,&quot;signature&quot;:&quot;def fit(self, X, y):&quot;}]}}"/>
+  </we:properties>
+  <we:bindings/>
+  <we:snapshot xmlns:r="http://schemas.openxmlformats.org/officeDocument/2006/relationships" r:embed="rId1"/>
+</we:webextension>
+</file>
+
+<file path=ppt/webextensions/webextension7.xml><?xml version="1.0" encoding="utf-8"?>
+<we:webextension xmlns:we="http://schemas.microsoft.com/office/webextensions/webextension/2010/11" id="{4415E3AF-1DA3-A94A-B8A6-703DE2F5DAA1}">
+  <we:reference id="wa104379263" version="1.0.0.1" store="ko-KR" storeType="OMEX"/>
+  <we:alternateReferences>
+    <we:reference id="wa104379263" version="1.0.0.1" store="wa104379263" storeType="OMEX"/>
+  </we:alternateReferences>
+  <we:properties>
+    <we:property name="config" value="{&quot;display_lang&quot;:&quot;en&quot;,&quot;display_font&quot;:&quot;Consolas&quot;,&quot;syntax_color&quot;:{&quot;Reserved words&quot;:&quot;#0000ff&quot;,&quot;Modules,Classes,Exceptions&quot;:&quot;#FF0000&quot;,&quot;Methods&quot;:&quot;#008080&quot;,&quot;Attributes&quot;:&quot;#808000&quot;,&quot;Line comment&quot;:&quot;#008000&quot;,&quot;Block comment&quot;:&quot;#008000&quot;,&quot;Block comment 2&quot;:&quot;#008000&quot;,&quot;Quotation&quot;:&quot;#FF00FF&quot;,&quot;Quotation 2&quot;:&quot;#FF00FF&quot;,&quot;Number&quot;:&quot;#800080&quot;},&quot;old_syntax_color&quot;:{&quot;Reserved words&quot;:&quot;#0000FF&quot;,&quot;Modules,Classes,Exceptions&quot;:&quot;#FF0000&quot;,&quot;Methods&quot;:&quot;#008080&quot;,&quot;Attributes&quot;:&quot;#808000&quot;,&quot;Line comment&quot;:&quot;#008000&quot;,&quot;Block comment&quot;:&quot;#008000&quot;,&quot;Block comment 2&quot;:&quot;#008000&quot;,&quot;Quotation&quot;:&quot;#FF00FF&quot;,&quot;Quotation 2&quot;:&quot;#FF00FF&quot;,&quot;Number&quot;:&quot;#800080&quot;},&quot;show_line_number&quot;:false,&quot;code_lang&quot;:&quot;py&quot;,&quot;code&quot;:&quot;    def fit(self, X, y):\n        \&quot;\&quot;\&quot;\n        X: {array-like}, shape=[num_samples, num_features]\n        y: {array-like}, shape=[num_samples]\n        Task 1: Implement weight update, i.e., fit\n        \&quot;\&quot;\&quot;\n        self.weights = np.zeros(1+X.shape[1]) # self.weights[0] for bias\n        self.errors = []\n        \n        for i in range(self.epochs):\n            '''How much we update Perceptron is decided by\n            learning rate * difference between label and model prediction'''\n            \n            #output = \n            \n            #errors =\n\n            # Note, variable \&quot;errors\&quot; is in a vector form\n            #self.weights[1:] += \n            #self.weights[0] += \n\n            #errors = (errors**2).sum()/2.0\n            #self.errors.append(errors)\n        return self.errors\n&quot;,&quot;ctags&quot;:{&quot;fit&quot;:[{&quot;linenum&quot;:&quot;1&quot;,&quot;signature&quot;:&quot;def fit(self, X, y):&quot;}]}}"/>
+  </we:properties>
+  <we:bindings/>
+  <we:snapshot xmlns:r="http://schemas.openxmlformats.org/officeDocument/2006/relationships" r:embed="rId1"/>
+</we:webextension>
+</file>
+
+<file path=ppt/webextensions/webextension8.xml><?xml version="1.0" encoding="utf-8"?>
+<we:webextension xmlns:we="http://schemas.microsoft.com/office/webextensions/webextension/2010/11" id="{602A816D-9F26-D845-85E8-1C640E89F0AC}">
+  <we:reference id="wa104379263" version="1.0.0.1" store="ko-KR" storeType="OMEX"/>
+  <we:alternateReferences>
+    <we:reference id="wa104379263" version="1.0.0.1" store="wa104379263" storeType="OMEX"/>
+  </we:alternateReferences>
+  <we:properties>
+    <we:property name="config" value="{&quot;display_lang&quot;:&quot;en&quot;,&quot;display_font&quot;:&quot;Consolas&quot;,&quot;syntax_color&quot;:{&quot;Reserved words&quot;:&quot;#0000ff&quot;,&quot;Modules,Classes,Exceptions&quot;:&quot;#FF0000&quot;,&quot;Methods&quot;:&quot;#008080&quot;,&quot;Attributes&quot;:&quot;#808000&quot;,&quot;Line comment&quot;:&quot;#008000&quot;,&quot;Block comment&quot;:&quot;#008000&quot;,&quot;Block comment 2&quot;:&quot;#008000&quot;,&quot;Quotation&quot;:&quot;#FF00FF&quot;,&quot;Quotation 2&quot;:&quot;#FF00FF&quot;,&quot;Number&quot;:&quot;#800080&quot;},&quot;old_syntax_color&quot;:{&quot;Reserved words&quot;:&quot;#0000FF&quot;,&quot;Modules,Classes,Exceptions&quot;:&quot;#FF0000&quot;,&quot;Methods&quot;:&quot;#008080&quot;,&quot;Attributes&quot;:&quot;#808000&quot;,&quot;Line comment&quot;:&quot;#008000&quot;,&quot;Block comment&quot;:&quot;#008000&quot;,&quot;Block comment 2&quot;:&quot;#008000&quot;,&quot;Quotation&quot;:&quot;#FF00FF&quot;,&quot;Quotation 2&quot;:&quot;#FF00FF&quot;,&quot;Number&quot;:&quot;#800080&quot;},&quot;show_line_number&quot;:false,&quot;code_lang&quot;:&quot;py&quot;,&quot;code&quot;:&quot;    def fit(self, X, y):\n        \&quot;\&quot;\&quot;\n        X: {array-like}, shape=[num_samples, num_features]\n        y: {array-like}, shape=[num_samples]\n        Task 2: Implement weight update, i.e., fit\n        \&quot;\&quot;\&quot;\n        self.weights = np.zeros(1+X.shape[1]) # self.weights[0] for bias\n        self.errors = []\n        \n        for i in range(self.epochs):\n            output = self.net_input(X)\n            errors = self.eta * (y-output)\n            self.weights[1:] += X.T.dot(errors)\n            self.weights[0] += errors.sum()\n            errors = (errors**2).sum()/2.0\n            self.errors.append(errors)\n        return self.errors&quot;,&quot;ctags&quot;:{&quot;fit&quot;:[{&quot;linenum&quot;:&quot;1&quot;,&quot;signature&quot;:&quot;def fit(self, X, y):&quot;}]}}"/>
+  </we:properties>
+  <we:bindings/>
+  <we:snapshot xmlns:r="http://schemas.openxmlformats.org/officeDocument/2006/relationships" r:embed="rId1"/>
+</we:webextension>
+</file>
+
+<file path=ppt/webextensions/webextension9.xml><?xml version="1.0" encoding="utf-8"?>
+<we:webextension xmlns:we="http://schemas.microsoft.com/office/webextensions/webextension/2010/11" id="{9F116178-DE6F-3848-99C5-5589312E76FB}">
+  <we:reference id="wa104379263" version="1.0.0.1" store="ko-KR" storeType="OMEX"/>
+  <we:alternateReferences>
+    <we:reference id="wa104379263" version="1.0.0.1" store="wa104379263" storeType="OMEX"/>
+  </we:alternateReferences>
+  <we:properties>
+    <we:property name="config" value="{&quot;display_lang&quot;:&quot;en&quot;,&quot;display_font&quot;:&quot;Consolas&quot;,&quot;syntax_color&quot;:{&quot;Reserved words&quot;:&quot;#0000ff&quot;,&quot;Modules,Classes,Exceptions&quot;:&quot;#FF0000&quot;,&quot;Methods&quot;:&quot;#008080&quot;,&quot;Attributes&quot;:&quot;#808000&quot;,&quot;Line comment&quot;:&quot;#008000&quot;,&quot;Block comment&quot;:&quot;#008000&quot;,&quot;Block comment 2&quot;:&quot;#008000&quot;,&quot;Quotation&quot;:&quot;#FF00FF&quot;,&quot;Quotation 2&quot;:&quot;#FF00FF&quot;,&quot;Number&quot;:&quot;#800080&quot;},&quot;old_syntax_color&quot;:{&quot;Reserved words&quot;:&quot;#0000FF&quot;,&quot;Modules,Classes,Exceptions&quot;:&quot;#FF0000&quot;,&quot;Methods&quot;:&quot;#008080&quot;,&quot;Attributes&quot;:&quot;#808000&quot;,&quot;Line comment&quot;:&quot;#008000&quot;,&quot;Block comment&quot;:&quot;#008000&quot;,&quot;Block comment 2&quot;:&quot;#008000&quot;,&quot;Quotation&quot;:&quot;#FF00FF&quot;,&quot;Quotation 2&quot;:&quot;#FF00FF&quot;,&quot;Number&quot;:&quot;#800080&quot;},&quot;show_line_number&quot;:false,&quot;code_lang&quot;:&quot;py&quot;,&quot;code&quot;:&quot;    def fit_SGD(self, X, y):\n        \&quot;\&quot;\&quot;\n        X: {array-like}, shape=[num_samples, num_features]\n        y: {array-like}, shape=[num_samples]\n        TASK 1: Implement stochastic gradient descent fitting algorithm.\n        \&quot;\&quot;\&quot;\n        self.initialize_weights(X.shape[1])\n        self.errors = []\n        \n        for i in range(self.epochs):\n            errors = []\n            if self.bShuffle:\n                X, y = self.shuffle(X, y)\n            \n            for i in range(0, X.shape[0], self.minibatch_size):\n                if (i+self.minibatch_size) &lt;= X.shape[0]:\n                    #xi = \n                    #target = \n                else:\n                    #xi = \n                    #target = \n                cost.append(self.fit(xi, target))\n            #avg_cost = \n            self.cost.append(avg_cost)&quot;,&quot;ctags&quot;:{&quot;fit_SGD&quot;:[{&quot;linenum&quot;:&quot;1&quot;,&quot;signature&quot;:&quot;def fit_SGD(self, X, y):&quot;}]}}"/>
   </we:properties>
   <we:bindings/>
   <we:snapshot xmlns:r="http://schemas.openxmlformats.org/officeDocument/2006/relationships" r:embed="rId1"/>

--- a/lecture_slides/Practice/Practice#1_SKT_Deep_Learning_Lecture_Practice.pptx
+++ b/lecture_slides/Practice/Practice#1_SKT_Deep_Learning_Lecture_Practice.pptx
@@ -6934,7 +6934,7 @@
                       <m:jc m:val="centerGroup"/>
                     </m:oMathParaPr>
                     <m:oMath xmlns:m="http://schemas.openxmlformats.org/officeDocument/2006/math">
-                      <a:fld id="{CDD7F7E2-7C5D-0148-8C5C-97491D46B68B}" type="mathplaceholder">
+                      <a:fld id="{7AED3569-8496-0B4B-80B4-7692B6B3092E}" type="mathplaceholder">
                         <a:rPr kumimoji="1" lang="ko-KR" altLang="en-US" i="1" smtClean="0">
                           <a:latin typeface="Cambria Math" charset="0"/>
                         </a:rPr>
@@ -7569,7 +7569,7 @@
               <p:cNvPr id="8" name="텍스트 상자 2">
                 <a:extLst>
                   <a:ext uri="{FF2B5EF4-FFF2-40B4-BE49-F238E27FC236}">
-                    <a16:creationId xmlns="" xmlns:a16="http://schemas.microsoft.com/office/drawing/2014/main" id="{2AA06069-1A27-4819-9847-1FF3B81C3D40}"/>
+                    <a16:creationId xmlns:a16="http://schemas.microsoft.com/office/drawing/2014/main" xmlns="" id="{2AA06069-1A27-4819-9847-1FF3B81C3D40}"/>
                   </a:ext>
                 </a:extLst>
               </p:cNvPr>
@@ -8354,7 +8354,7 @@
                       <m:jc m:val="centerGroup"/>
                     </m:oMathParaPr>
                     <m:oMath xmlns:m="http://schemas.openxmlformats.org/officeDocument/2006/math">
-                      <a:fld id="{0EC72EFB-36CC-DE44-B2FA-2297751FA603}" type="mathplaceholder">
+                      <a:fld id="{7F1A8496-0CBB-AD4E-A6B5-0A73713C0D5F}" type="mathplaceholder">
                         <a:rPr kumimoji="1" lang="ko-KR" altLang="en-US" i="1" smtClean="0">
                           <a:latin typeface="Cambria Math" charset="0"/>
                         </a:rPr>
@@ -8999,7 +8999,7 @@
           <p:cNvPr id="8" name="텍스트 상자 2">
             <a:extLst>
               <a:ext uri="{FF2B5EF4-FFF2-40B4-BE49-F238E27FC236}">
-                <a16:creationId xmlns="" xmlns:a16="http://schemas.microsoft.com/office/drawing/2014/main" id="{2AA06069-1A27-4819-9847-1FF3B81C3D40}"/>
+                <a16:creationId xmlns:a16="http://schemas.microsoft.com/office/drawing/2014/main" xmlns="" id="{2AA06069-1A27-4819-9847-1FF3B81C3D40}"/>
               </a:ext>
             </a:extLst>
           </p:cNvPr>
@@ -10000,7 +10000,7 @@
                       <m:jc m:val="centerGroup"/>
                     </m:oMathParaPr>
                     <m:oMath xmlns:m="http://schemas.openxmlformats.org/officeDocument/2006/math">
-                      <a:fld id="{402D3F84-BBE3-4547-B58F-85C5AEACBD6B}" type="mathplaceholder">
+                      <a:fld id="{1D9C54BA-0B5F-E242-BC6C-0B0A0B7664A6}" type="mathplaceholder">
                         <a:rPr kumimoji="1" lang="ko-KR" altLang="en-US" i="1" smtClean="0">
                           <a:latin typeface="Cambria Math" charset="0"/>
                         </a:rPr>
@@ -10349,7 +10349,7 @@
                       <m:jc m:val="centerGroup"/>
                     </m:oMathParaPr>
                     <m:oMath xmlns:m="http://schemas.openxmlformats.org/officeDocument/2006/math">
-                      <a:fld id="{434F31F0-B356-6747-9724-E5AEA0920BAA}" type="mathplaceholder">
+                      <a:fld id="{2A477B31-7587-0841-9E3F-6AC700027083}" type="mathplaceholder">
                         <a:rPr kumimoji="1" lang="ko-KR" altLang="en-US" i="1" smtClean="0">
                           <a:latin typeface="Cambria Math" charset="0"/>
                         </a:rPr>
@@ -11085,7 +11085,7 @@
               <p:cNvPr id="3" name="TextBox 2">
                 <a:extLst>
                   <a:ext uri="{FF2B5EF4-FFF2-40B4-BE49-F238E27FC236}">
-                    <a16:creationId xmlns="" xmlns:a16="http://schemas.microsoft.com/office/drawing/2014/main" id="{8B15380F-7D71-497E-B2DB-2C07961C11BE}"/>
+                    <a16:creationId xmlns:a16="http://schemas.microsoft.com/office/drawing/2014/main" xmlns="" id="{8B15380F-7D71-497E-B2DB-2C07961C11BE}"/>
                   </a:ext>
                 </a:extLst>
               </p:cNvPr>
@@ -12244,7 +12244,7 @@
                       <m:jc m:val="centerGroup"/>
                     </m:oMathParaPr>
                     <m:oMath xmlns:m="http://schemas.openxmlformats.org/officeDocument/2006/math">
-                      <a:fld id="{7947DA87-E87E-B140-B6FD-BEBB2A808734}" type="mathplaceholder">
+                      <a:fld id="{120F5C34-E6D2-2F47-9FCF-B7F41AF569E6}" type="mathplaceholder">
                         <a:rPr kumimoji="1" lang="ko-KR" altLang="en-US" i="1" smtClean="0">
                           <a:latin typeface="Cambria Math" charset="0"/>
                         </a:rPr>
@@ -13486,7 +13486,7 @@
                       <m:jc m:val="centerGroup"/>
                     </m:oMathParaPr>
                     <m:oMath xmlns:m="http://schemas.openxmlformats.org/officeDocument/2006/math">
-                      <a:fld id="{EC0947A0-86AE-8E4F-A438-0B41E6F5BE53}" type="mathplaceholder">
+                      <a:fld id="{A9BA2EB3-B932-6442-A856-6E98B3CF3CF3}" type="mathplaceholder">
                         <a:rPr kumimoji="1" lang="ko-KR" altLang="en-US" i="1" smtClean="0">
                           <a:latin typeface="Cambria Math" charset="0"/>
                         </a:rPr>
